--- a/docs/material/Deep Learning.pptx
+++ b/docs/material/Deep Learning.pptx
@@ -5,10 +5,10 @@
     <p:sldMasterId id="2147483648" r:id="rId1"/>
   </p:sldMasterIdLst>
   <p:notesMasterIdLst>
-    <p:notesMasterId r:id="rId11"/>
+    <p:notesMasterId r:id="rId16"/>
   </p:notesMasterIdLst>
   <p:handoutMasterIdLst>
-    <p:handoutMasterId r:id="rId12"/>
+    <p:handoutMasterId r:id="rId17"/>
   </p:handoutMasterIdLst>
   <p:sldIdLst>
     <p:sldId id="256" r:id="rId2"/>
@@ -18,8 +18,13 @@
     <p:sldId id="264" r:id="rId6"/>
     <p:sldId id="265" r:id="rId7"/>
     <p:sldId id="266" r:id="rId8"/>
-    <p:sldId id="260" r:id="rId9"/>
-    <p:sldId id="262" r:id="rId10"/>
+    <p:sldId id="268" r:id="rId9"/>
+    <p:sldId id="267" r:id="rId10"/>
+    <p:sldId id="269" r:id="rId11"/>
+    <p:sldId id="270" r:id="rId12"/>
+    <p:sldId id="271" r:id="rId13"/>
+    <p:sldId id="260" r:id="rId14"/>
+    <p:sldId id="262" r:id="rId15"/>
   </p:sldIdLst>
   <p:sldSz cx="12192000" cy="6858000"/>
   <p:notesSz cx="6858000" cy="9144000"/>
@@ -223,7 +228,7 @@
           <a:p>
             <a:fld id="{916B65E1-F333-AE4B-853A-5E7F58F48CF3}" type="datetimeFigureOut">
               <a:rPr lang="en-TW" smtClean="0"/>
-              <a:t>2024/10/26</a:t>
+              <a:t>2024/10/27</a:t>
             </a:fld>
             <a:endParaRPr lang="en-TW"/>
           </a:p>
@@ -400,7 +405,7 @@
           <a:p>
             <a:fld id="{70F9483D-5685-4610-8B91-BE6D65D1569A}" type="datetimeFigureOut">
               <a:rPr lang="zh-TW" altLang="en-US" smtClean="0"/>
-              <a:t>2024/10/26</a:t>
+              <a:t>2024/10/27</a:t>
             </a:fld>
             <a:endParaRPr lang="zh-TW" altLang="en-US"/>
           </a:p>
@@ -751,6 +756,112 @@
 </p:notes>
 </file>
 
+<file path=ppt/notesSlides/notesSlide2.xml><?xml version="1.0" encoding="utf-8"?>
+<p:notes xmlns:a="http://schemas.openxmlformats.org/drawingml/2006/main" xmlns:r="http://schemas.openxmlformats.org/officeDocument/2006/relationships" xmlns:p="http://schemas.openxmlformats.org/presentationml/2006/main">
+  <p:cSld>
+    <p:spTree>
+      <p:nvGrpSpPr>
+        <p:cNvPr id="1" name=""/>
+        <p:cNvGrpSpPr/>
+        <p:nvPr/>
+      </p:nvGrpSpPr>
+      <p:grpSpPr>
+        <a:xfrm>
+          <a:off x="0" y="0"/>
+          <a:ext cx="0" cy="0"/>
+          <a:chOff x="0" y="0"/>
+          <a:chExt cx="0" cy="0"/>
+        </a:xfrm>
+      </p:grpSpPr>
+      <p:sp>
+        <p:nvSpPr>
+          <p:cNvPr id="2" name="Slide Image Placeholder 1"/>
+          <p:cNvSpPr>
+            <a:spLocks noGrp="1" noRot="1" noChangeAspect="1"/>
+          </p:cNvSpPr>
+          <p:nvPr>
+            <p:ph type="sldImg"/>
+          </p:nvPr>
+        </p:nvSpPr>
+        <p:spPr/>
+      </p:sp>
+      <p:sp>
+        <p:nvSpPr>
+          <p:cNvPr id="3" name="Notes Placeholder 2"/>
+          <p:cNvSpPr>
+            <a:spLocks noGrp="1"/>
+          </p:cNvSpPr>
+          <p:nvPr>
+            <p:ph type="body" idx="1"/>
+          </p:nvPr>
+        </p:nvSpPr>
+        <p:spPr/>
+        <p:txBody>
+          <a:bodyPr/>
+          <a:lstStyle/>
+          <a:p>
+            <a:r>
+              <a:rPr lang="zh-TW" altLang="en-US" dirty="0"/>
+              <a:t>從下圖的例子就可以看出，如果拿訓練資料來評估這個模型，確實可以得到很小的誤差；但如果拿測試資料來評估的話，反而會得到一個極差的結果。雖然這個例子有點極端，但感覺滿好理解的。</a:t>
+            </a:r>
+            <a:endParaRPr lang="en-US" altLang="zh-TW" dirty="0"/>
+          </a:p>
+          <a:p>
+            <a:r>
+              <a:rPr lang="zh-TW" altLang="en-US" dirty="0"/>
+              <a:t>藍線訓練模型</a:t>
+            </a:r>
+            <a:endParaRPr lang="en-US" altLang="zh-TW" dirty="0"/>
+          </a:p>
+          <a:p>
+            <a:r>
+              <a:rPr lang="zh-TW" altLang="en-US" dirty="0"/>
+              <a:t>灰線真實環境</a:t>
+            </a:r>
+            <a:r>
+              <a:rPr lang="en-US" altLang="zh-TW"/>
+              <a:t> f^</a:t>
+            </a:r>
+            <a:endParaRPr lang="en-TW" dirty="0"/>
+          </a:p>
+        </p:txBody>
+      </p:sp>
+      <p:sp>
+        <p:nvSpPr>
+          <p:cNvPr id="4" name="Slide Number Placeholder 3"/>
+          <p:cNvSpPr>
+            <a:spLocks noGrp="1"/>
+          </p:cNvSpPr>
+          <p:nvPr>
+            <p:ph type="sldNum" sz="quarter" idx="5"/>
+          </p:nvPr>
+        </p:nvSpPr>
+        <p:spPr/>
+        <p:txBody>
+          <a:bodyPr/>
+          <a:lstStyle/>
+          <a:p>
+            <a:fld id="{41F77630-0304-4BDB-992F-F15AAB68FE33}" type="slidenum">
+              <a:rPr lang="zh-TW" altLang="en-US" smtClean="0"/>
+              <a:t>12</a:t>
+            </a:fld>
+            <a:endParaRPr lang="zh-TW" altLang="en-US"/>
+          </a:p>
+        </p:txBody>
+      </p:sp>
+    </p:spTree>
+    <p:extLst>
+      <p:ext uri="{BB962C8B-B14F-4D97-AF65-F5344CB8AC3E}">
+        <p14:creationId xmlns:p14="http://schemas.microsoft.com/office/powerpoint/2010/main" val="3278346693"/>
+      </p:ext>
+    </p:extLst>
+  </p:cSld>
+  <p:clrMapOvr>
+    <a:masterClrMapping/>
+  </p:clrMapOvr>
+</p:notes>
+</file>
+
 <file path=ppt/slideLayouts/slideLayout1.xml><?xml version="1.0" encoding="utf-8"?>
 <p:sldLayout xmlns:a="http://schemas.openxmlformats.org/drawingml/2006/main" xmlns:r="http://schemas.openxmlformats.org/officeDocument/2006/relationships" xmlns:p="http://schemas.openxmlformats.org/presentationml/2006/main" preserve="1" userDrawn="1">
   <p:cSld name="Custom Layout 1">
@@ -896,7 +1007,7 @@
             <a:effectLst/>
             <a:extLst>
               <a:ext uri="{C572A759-6A51-4108-AA02-DFA0A04FC94B}">
-                <ma14:wrappingTextBoxFlag xmlns:ma14="http://schemas.microsoft.com/office/mac/drawingml/2011/main" xmlns:a14="http://schemas.microsoft.com/office/drawing/2010/main" xmlns:m="http://schemas.openxmlformats.org/officeDocument/2006/math" xmlns="" val="1"/>
+                <ma14:wrappingTextBoxFlag xmlns="" xmlns:m="http://schemas.openxmlformats.org/officeDocument/2006/math" xmlns:a14="http://schemas.microsoft.com/office/drawing/2010/main" xmlns:ma14="http://schemas.microsoft.com/office/mac/drawingml/2011/main" val="1"/>
               </a:ext>
             </a:extLst>
           </p:spPr>
@@ -1226,7 +1337,7 @@
           <a:effectLst/>
           <a:extLst>
             <a:ext uri="{C572A759-6A51-4108-AA02-DFA0A04FC94B}">
-              <ma14:wrappingTextBoxFlag xmlns:ma14="http://schemas.microsoft.com/office/mac/drawingml/2011/main" xmlns:a14="http://schemas.microsoft.com/office/drawing/2010/main" xmlns:m="http://schemas.openxmlformats.org/officeDocument/2006/math" xmlns="" val="1"/>
+              <ma14:wrappingTextBoxFlag xmlns="" xmlns:m="http://schemas.openxmlformats.org/officeDocument/2006/math" xmlns:a14="http://schemas.microsoft.com/office/drawing/2010/main" xmlns:ma14="http://schemas.microsoft.com/office/mac/drawingml/2011/main" val="1"/>
             </a:ext>
           </a:extLst>
         </p:spPr>
@@ -1353,7 +1464,7 @@
           <a:effectLst/>
           <a:extLst>
             <a:ext uri="{C572A759-6A51-4108-AA02-DFA0A04FC94B}">
-              <ma14:wrappingTextBoxFlag xmlns:ma14="http://schemas.microsoft.com/office/mac/drawingml/2011/main" xmlns:a14="http://schemas.microsoft.com/office/drawing/2010/main" xmlns:m="http://schemas.openxmlformats.org/officeDocument/2006/math" xmlns="" val="1"/>
+              <ma14:wrappingTextBoxFlag xmlns="" xmlns:m="http://schemas.openxmlformats.org/officeDocument/2006/math" xmlns:a14="http://schemas.microsoft.com/office/drawing/2010/main" xmlns:ma14="http://schemas.microsoft.com/office/mac/drawingml/2011/main" val="1"/>
             </a:ext>
           </a:extLst>
         </p:spPr>
@@ -1856,7 +1967,7 @@
             <a:effectLst/>
             <a:extLst>
               <a:ext uri="{C572A759-6A51-4108-AA02-DFA0A04FC94B}">
-                <ma14:wrappingTextBoxFlag xmlns:ma14="http://schemas.microsoft.com/office/mac/drawingml/2011/main" xmlns:a14="http://schemas.microsoft.com/office/drawing/2010/main" xmlns:m="http://schemas.openxmlformats.org/officeDocument/2006/math" xmlns="" val="1"/>
+                <ma14:wrappingTextBoxFlag xmlns="" xmlns:m="http://schemas.openxmlformats.org/officeDocument/2006/math" xmlns:a14="http://schemas.microsoft.com/office/drawing/2010/main" xmlns:ma14="http://schemas.microsoft.com/office/mac/drawingml/2011/main" val="1"/>
               </a:ext>
             </a:extLst>
           </p:spPr>
@@ -2138,7 +2249,7 @@
           <a:effectLst/>
           <a:extLst>
             <a:ext uri="{C572A759-6A51-4108-AA02-DFA0A04FC94B}">
-              <ma14:wrappingTextBoxFlag xmlns:ma14="http://schemas.microsoft.com/office/mac/drawingml/2011/main" xmlns:a14="http://schemas.microsoft.com/office/drawing/2010/main" xmlns:m="http://schemas.openxmlformats.org/officeDocument/2006/math" xmlns="" val="1"/>
+              <ma14:wrappingTextBoxFlag xmlns="" xmlns:m="http://schemas.openxmlformats.org/officeDocument/2006/math" xmlns:a14="http://schemas.microsoft.com/office/drawing/2010/main" xmlns:ma14="http://schemas.microsoft.com/office/mac/drawingml/2011/main" val="1"/>
             </a:ext>
           </a:extLst>
         </p:spPr>
@@ -2265,7 +2376,7 @@
           <a:effectLst/>
           <a:extLst>
             <a:ext uri="{C572A759-6A51-4108-AA02-DFA0A04FC94B}">
-              <ma14:wrappingTextBoxFlag xmlns:ma14="http://schemas.microsoft.com/office/mac/drawingml/2011/main" xmlns:a14="http://schemas.microsoft.com/office/drawing/2010/main" xmlns:m="http://schemas.openxmlformats.org/officeDocument/2006/math" xmlns="" val="1"/>
+              <ma14:wrappingTextBoxFlag xmlns="" xmlns:m="http://schemas.openxmlformats.org/officeDocument/2006/math" xmlns:a14="http://schemas.microsoft.com/office/drawing/2010/main" xmlns:ma14="http://schemas.microsoft.com/office/mac/drawingml/2011/main" val="1"/>
             </a:ext>
           </a:extLst>
         </p:spPr>
@@ -2776,7 +2887,7 @@
             <a:effectLst/>
             <a:extLst>
               <a:ext uri="{C572A759-6A51-4108-AA02-DFA0A04FC94B}">
-                <ma14:wrappingTextBoxFlag xmlns:ma14="http://schemas.microsoft.com/office/mac/drawingml/2011/main" xmlns:a14="http://schemas.microsoft.com/office/drawing/2010/main" xmlns:m="http://schemas.openxmlformats.org/officeDocument/2006/math" xmlns="" val="1"/>
+                <ma14:wrappingTextBoxFlag xmlns="" xmlns:m="http://schemas.openxmlformats.org/officeDocument/2006/math" xmlns:a14="http://schemas.microsoft.com/office/drawing/2010/main" xmlns:ma14="http://schemas.microsoft.com/office/mac/drawingml/2011/main" val="1"/>
               </a:ext>
             </a:extLst>
           </p:spPr>
@@ -3058,7 +3169,7 @@
           <a:effectLst/>
           <a:extLst>
             <a:ext uri="{C572A759-6A51-4108-AA02-DFA0A04FC94B}">
-              <ma14:wrappingTextBoxFlag xmlns:ma14="http://schemas.microsoft.com/office/mac/drawingml/2011/main" xmlns:a14="http://schemas.microsoft.com/office/drawing/2010/main" xmlns:m="http://schemas.openxmlformats.org/officeDocument/2006/math" xmlns="" val="1"/>
+              <ma14:wrappingTextBoxFlag xmlns="" xmlns:m="http://schemas.openxmlformats.org/officeDocument/2006/math" xmlns:a14="http://schemas.microsoft.com/office/drawing/2010/main" xmlns:ma14="http://schemas.microsoft.com/office/mac/drawingml/2011/main" val="1"/>
             </a:ext>
           </a:extLst>
         </p:spPr>
@@ -3185,7 +3296,7 @@
           <a:effectLst/>
           <a:extLst>
             <a:ext uri="{C572A759-6A51-4108-AA02-DFA0A04FC94B}">
-              <ma14:wrappingTextBoxFlag xmlns:ma14="http://schemas.microsoft.com/office/mac/drawingml/2011/main" xmlns:a14="http://schemas.microsoft.com/office/drawing/2010/main" xmlns:m="http://schemas.openxmlformats.org/officeDocument/2006/math" xmlns="" val="1"/>
+              <ma14:wrappingTextBoxFlag xmlns="" xmlns:m="http://schemas.openxmlformats.org/officeDocument/2006/math" xmlns:a14="http://schemas.microsoft.com/office/drawing/2010/main" xmlns:ma14="http://schemas.microsoft.com/office/mac/drawingml/2011/main" val="1"/>
             </a:ext>
           </a:extLst>
         </p:spPr>
@@ -3930,7 +4041,7 @@
           <a:p>
             <a:fld id="{B90AA977-5E56-4B1C-84F9-CDECE789AE20}" type="datetimeFigureOut">
               <a:rPr lang="zh-TW" altLang="en-US" smtClean="0"/>
-              <a:t>2024/10/26</a:t>
+              <a:t>2024/10/27</a:t>
             </a:fld>
             <a:endParaRPr lang="zh-TW" altLang="en-US"/>
           </a:p>
@@ -5066,7 +5177,7 @@
           <a:effectLst/>
           <a:extLst>
             <a:ext uri="{C572A759-6A51-4108-AA02-DFA0A04FC94B}">
-              <ma14:wrappingTextBoxFlag xmlns:ma14="http://schemas.microsoft.com/office/mac/drawingml/2011/main" xmlns:a14="http://schemas.microsoft.com/office/drawing/2010/main" xmlns:m="http://schemas.openxmlformats.org/officeDocument/2006/math" xmlns="" val="1"/>
+              <ma14:wrappingTextBoxFlag xmlns="" xmlns:m="http://schemas.openxmlformats.org/officeDocument/2006/math" xmlns:a14="http://schemas.microsoft.com/office/drawing/2010/main" xmlns:ma14="http://schemas.microsoft.com/office/mac/drawingml/2011/main" val="1"/>
             </a:ext>
           </a:extLst>
         </p:spPr>
@@ -5130,6 +5241,1234 @@
     <p:extLst>
       <p:ext uri="{BB962C8B-B14F-4D97-AF65-F5344CB8AC3E}">
         <p14:creationId xmlns:p14="http://schemas.microsoft.com/office/powerpoint/2010/main" val="3020636702"/>
+      </p:ext>
+    </p:extLst>
+  </p:cSld>
+  <p:clrMapOvr>
+    <a:masterClrMapping/>
+  </p:clrMapOvr>
+</p:sld>
+</file>
+
+<file path=ppt/slides/slide10.xml><?xml version="1.0" encoding="utf-8"?>
+<p:sld xmlns:a="http://schemas.openxmlformats.org/drawingml/2006/main" xmlns:r="http://schemas.openxmlformats.org/officeDocument/2006/relationships" xmlns:p="http://schemas.openxmlformats.org/presentationml/2006/main">
+  <p:cSld>
+    <p:spTree>
+      <p:nvGrpSpPr>
+        <p:cNvPr id="1" name=""/>
+        <p:cNvGrpSpPr/>
+        <p:nvPr/>
+      </p:nvGrpSpPr>
+      <p:grpSpPr>
+        <a:xfrm>
+          <a:off x="0" y="0"/>
+          <a:ext cx="0" cy="0"/>
+          <a:chOff x="0" y="0"/>
+          <a:chExt cx="0" cy="0"/>
+        </a:xfrm>
+      </p:grpSpPr>
+      <p:sp>
+        <p:nvSpPr>
+          <p:cNvPr id="2" name="Title 1">
+            <a:extLst>
+              <a:ext uri="{FF2B5EF4-FFF2-40B4-BE49-F238E27FC236}">
+                <a16:creationId xmlns:a16="http://schemas.microsoft.com/office/drawing/2014/main" id="{41B6EB2A-18DF-35D4-2E61-3B8BE8A41DDB}"/>
+              </a:ext>
+            </a:extLst>
+          </p:cNvPr>
+          <p:cNvSpPr>
+            <a:spLocks noGrp="1"/>
+          </p:cNvSpPr>
+          <p:nvPr>
+            <p:ph type="title"/>
+          </p:nvPr>
+        </p:nvSpPr>
+        <p:spPr/>
+        <p:txBody>
+          <a:bodyPr/>
+          <a:lstStyle/>
+          <a:p>
+            <a:endParaRPr lang="en-TW"/>
+          </a:p>
+        </p:txBody>
+      </p:sp>
+      <p:pic>
+        <p:nvPicPr>
+          <p:cNvPr id="5" name="Content Placeholder 4">
+            <a:extLst>
+              <a:ext uri="{FF2B5EF4-FFF2-40B4-BE49-F238E27FC236}">
+                <a16:creationId xmlns:a16="http://schemas.microsoft.com/office/drawing/2014/main" id="{CAF48068-AE70-6824-69DB-7E8744397158}"/>
+              </a:ext>
+            </a:extLst>
+          </p:cNvPr>
+          <p:cNvPicPr>
+            <a:picLocks noGrp="1" noChangeAspect="1"/>
+          </p:cNvPicPr>
+          <p:nvPr>
+            <p:ph idx="1"/>
+          </p:nvPr>
+        </p:nvPicPr>
+        <p:blipFill>
+          <a:blip r:embed="rId2">
+            <a:extLst>
+              <a:ext uri="{28A0092B-C50C-407E-A947-70E740481C1C}">
+                <a14:useLocalDpi xmlns:a14="http://schemas.microsoft.com/office/drawing/2010/main" val="0"/>
+              </a:ext>
+            </a:extLst>
+          </a:blip>
+          <a:stretch>
+            <a:fillRect/>
+          </a:stretch>
+        </p:blipFill>
+        <p:spPr>
+          <a:xfrm>
+            <a:off x="2167798" y="1129390"/>
+            <a:ext cx="7856404" cy="3873351"/>
+          </a:xfrm>
+        </p:spPr>
+      </p:pic>
+      <p:cxnSp>
+        <p:nvCxnSpPr>
+          <p:cNvPr id="6" name="Straight Arrow Connector 5">
+            <a:extLst>
+              <a:ext uri="{FF2B5EF4-FFF2-40B4-BE49-F238E27FC236}">
+                <a16:creationId xmlns:a16="http://schemas.microsoft.com/office/drawing/2014/main" id="{1F8612A6-4B00-8B85-33DF-61EBCDDC98AF}"/>
+              </a:ext>
+            </a:extLst>
+          </p:cNvPr>
+          <p:cNvCxnSpPr>
+            <a:cxnSpLocks/>
+          </p:cNvCxnSpPr>
+          <p:nvPr/>
+        </p:nvCxnSpPr>
+        <p:spPr>
+          <a:xfrm>
+            <a:off x="4154908" y="4004096"/>
+            <a:ext cx="584360" cy="233367"/>
+          </a:xfrm>
+          <a:prstGeom prst="straightConnector1">
+            <a:avLst/>
+          </a:prstGeom>
+          <a:ln w="19050">
+            <a:solidFill>
+              <a:schemeClr val="tx1"/>
+            </a:solidFill>
+            <a:prstDash val="dash"/>
+            <a:tailEnd type="triangle"/>
+          </a:ln>
+        </p:spPr>
+        <p:style>
+          <a:lnRef idx="1">
+            <a:schemeClr val="accent1"/>
+          </a:lnRef>
+          <a:fillRef idx="0">
+            <a:schemeClr val="accent1"/>
+          </a:fillRef>
+          <a:effectRef idx="0">
+            <a:schemeClr val="accent1"/>
+          </a:effectRef>
+          <a:fontRef idx="minor">
+            <a:schemeClr val="tx1"/>
+          </a:fontRef>
+        </p:style>
+      </p:cxnSp>
+      <p:sp>
+        <p:nvSpPr>
+          <p:cNvPr id="8" name="TextBox 7">
+            <a:extLst>
+              <a:ext uri="{FF2B5EF4-FFF2-40B4-BE49-F238E27FC236}">
+                <a16:creationId xmlns:a16="http://schemas.microsoft.com/office/drawing/2014/main" id="{050243A3-E8BD-4E7E-F942-8A38F755A7BE}"/>
+              </a:ext>
+            </a:extLst>
+          </p:cNvPr>
+          <p:cNvSpPr txBox="1"/>
+          <p:nvPr/>
+        </p:nvSpPr>
+        <p:spPr>
+          <a:xfrm>
+            <a:off x="4910900" y="4208196"/>
+            <a:ext cx="825455" cy="276999"/>
+          </a:xfrm>
+          <a:prstGeom prst="rect">
+            <a:avLst/>
+          </a:prstGeom>
+          <a:noFill/>
+        </p:spPr>
+        <p:txBody>
+          <a:bodyPr wrap="square">
+            <a:spAutoFit/>
+          </a:bodyPr>
+          <a:lstStyle/>
+          <a:p>
+            <a:pPr algn="ctr"/>
+            <a:r>
+              <a:rPr lang="en-US" sz="1200" dirty="0">
+                <a:latin typeface="Microsoft JhengHei" panose="020B0604030504040204" pitchFamily="34" charset="-120"/>
+                <a:ea typeface="Microsoft JhengHei" panose="020B0604030504040204" pitchFamily="34" charset="-120"/>
+              </a:rPr>
+              <a:t>真實答案</a:t>
+            </a:r>
+            <a:endParaRPr lang="en-TW" sz="1200" dirty="0">
+              <a:latin typeface="Microsoft JhengHei" panose="020B0604030504040204" pitchFamily="34" charset="-120"/>
+              <a:ea typeface="Microsoft JhengHei" panose="020B0604030504040204" pitchFamily="34" charset="-120"/>
+            </a:endParaRPr>
+          </a:p>
+        </p:txBody>
+      </p:sp>
+      <mc:AlternateContent xmlns:mc="http://schemas.openxmlformats.org/markup-compatibility/2006">
+        <mc:Choice xmlns:a14="http://schemas.microsoft.com/office/drawing/2010/main" Requires="a14">
+          <p:sp>
+            <p:nvSpPr>
+              <p:cNvPr id="9" name="TextBox 8">
+                <a:extLst>
+                  <a:ext uri="{FF2B5EF4-FFF2-40B4-BE49-F238E27FC236}">
+                    <a16:creationId xmlns:a16="http://schemas.microsoft.com/office/drawing/2014/main" id="{24D9A009-D8B0-13CC-68FE-37359F26D9EE}"/>
+                  </a:ext>
+                </a:extLst>
+              </p:cNvPr>
+              <p:cNvSpPr txBox="1"/>
+              <p:nvPr/>
+            </p:nvSpPr>
+            <p:spPr>
+              <a:xfrm>
+                <a:off x="4739268" y="4120779"/>
+                <a:ext cx="186268" cy="292581"/>
+              </a:xfrm>
+              <a:prstGeom prst="rect">
+                <a:avLst/>
+              </a:prstGeom>
+              <a:noFill/>
+            </p:spPr>
+            <p:txBody>
+              <a:bodyPr wrap="none" lIns="0" tIns="0" rIns="0" bIns="0" rtlCol="0">
+                <a:spAutoFit/>
+              </a:bodyPr>
+              <a:lstStyle/>
+              <a:p>
+                <a:pPr/>
+                <a14:m>
+                  <m:oMathPara xmlns:m="http://schemas.openxmlformats.org/officeDocument/2006/math">
+                    <m:oMathParaPr>
+                      <m:jc m:val="centerGroup"/>
+                    </m:oMathParaPr>
+                    <m:oMath xmlns:m="http://schemas.openxmlformats.org/officeDocument/2006/math">
+                      <m:acc>
+                        <m:accPr>
+                          <m:chr m:val="̂"/>
+                          <m:ctrlPr>
+                            <a:rPr lang="en-TW" i="1" smtClean="0">
+                              <a:solidFill>
+                                <a:schemeClr val="tx1"/>
+                              </a:solidFill>
+                              <a:latin typeface="Cambria Math" panose="02040503050406030204" pitchFamily="18" charset="0"/>
+                            </a:rPr>
+                          </m:ctrlPr>
+                        </m:accPr>
+                        <m:e>
+                          <m:r>
+                            <a:rPr lang="en-US" b="0" i="1" smtClean="0">
+                              <a:solidFill>
+                                <a:schemeClr val="tx1"/>
+                              </a:solidFill>
+                              <a:latin typeface="Cambria Math" panose="02040503050406030204" pitchFamily="18" charset="0"/>
+                            </a:rPr>
+                            <m:t>𝑓</m:t>
+                          </m:r>
+                        </m:e>
+                      </m:acc>
+                    </m:oMath>
+                  </m:oMathPara>
+                </a14:m>
+                <a:endParaRPr lang="en-TW" dirty="0">
+                  <a:solidFill>
+                    <a:schemeClr val="tx1"/>
+                  </a:solidFill>
+                </a:endParaRPr>
+              </a:p>
+            </p:txBody>
+          </p:sp>
+        </mc:Choice>
+        <mc:Fallback>
+          <p:sp>
+            <p:nvSpPr>
+              <p:cNvPr id="9" name="TextBox 8">
+                <a:extLst>
+                  <a:ext uri="{FF2B5EF4-FFF2-40B4-BE49-F238E27FC236}">
+                    <a16:creationId xmlns:a16="http://schemas.microsoft.com/office/drawing/2014/main" id="{24D9A009-D8B0-13CC-68FE-37359F26D9EE}"/>
+                  </a:ext>
+                </a:extLst>
+              </p:cNvPr>
+              <p:cNvSpPr txBox="1">
+                <a:spLocks noRot="1" noChangeAspect="1" noMove="1" noResize="1" noEditPoints="1" noAdjustHandles="1" noChangeArrowheads="1" noChangeShapeType="1" noTextEdit="1"/>
+              </p:cNvSpPr>
+              <p:nvPr/>
+            </p:nvSpPr>
+            <p:spPr>
+              <a:xfrm>
+                <a:off x="4739268" y="4120779"/>
+                <a:ext cx="186268" cy="292581"/>
+              </a:xfrm>
+              <a:prstGeom prst="rect">
+                <a:avLst/>
+              </a:prstGeom>
+              <a:blipFill>
+                <a:blip r:embed="rId3"/>
+                <a:stretch>
+                  <a:fillRect l="-37500" t="-20833" r="-43750" b="-33333"/>
+                </a:stretch>
+              </a:blipFill>
+            </p:spPr>
+            <p:txBody>
+              <a:bodyPr/>
+              <a:lstStyle/>
+              <a:p>
+                <a:r>
+                  <a:rPr lang="en-TW">
+                    <a:noFill/>
+                  </a:rPr>
+                  <a:t> </a:t>
+                </a:r>
+              </a:p>
+            </p:txBody>
+          </p:sp>
+        </mc:Fallback>
+      </mc:AlternateContent>
+      <p:cxnSp>
+        <p:nvCxnSpPr>
+          <p:cNvPr id="10" name="Straight Arrow Connector 9">
+            <a:extLst>
+              <a:ext uri="{FF2B5EF4-FFF2-40B4-BE49-F238E27FC236}">
+                <a16:creationId xmlns:a16="http://schemas.microsoft.com/office/drawing/2014/main" id="{E9514787-363F-7914-95E5-7F21F2571C96}"/>
+              </a:ext>
+            </a:extLst>
+          </p:cNvPr>
+          <p:cNvCxnSpPr>
+            <a:cxnSpLocks/>
+          </p:cNvCxnSpPr>
+          <p:nvPr/>
+        </p:nvCxnSpPr>
+        <p:spPr>
+          <a:xfrm>
+            <a:off x="8334492" y="4281095"/>
+            <a:ext cx="584360" cy="233367"/>
+          </a:xfrm>
+          <a:prstGeom prst="straightConnector1">
+            <a:avLst/>
+          </a:prstGeom>
+          <a:ln w="19050">
+            <a:solidFill>
+              <a:schemeClr val="tx1"/>
+            </a:solidFill>
+            <a:prstDash val="dash"/>
+            <a:tailEnd type="triangle"/>
+          </a:ln>
+        </p:spPr>
+        <p:style>
+          <a:lnRef idx="1">
+            <a:schemeClr val="accent1"/>
+          </a:lnRef>
+          <a:fillRef idx="0">
+            <a:schemeClr val="accent1"/>
+          </a:fillRef>
+          <a:effectRef idx="0">
+            <a:schemeClr val="accent1"/>
+          </a:effectRef>
+          <a:fontRef idx="minor">
+            <a:schemeClr val="tx1"/>
+          </a:fontRef>
+        </p:style>
+      </p:cxnSp>
+      <p:sp>
+        <p:nvSpPr>
+          <p:cNvPr id="11" name="TextBox 10">
+            <a:extLst>
+              <a:ext uri="{FF2B5EF4-FFF2-40B4-BE49-F238E27FC236}">
+                <a16:creationId xmlns:a16="http://schemas.microsoft.com/office/drawing/2014/main" id="{DCEAB3B0-62A1-EEB7-9FB2-A7F39D73E574}"/>
+              </a:ext>
+            </a:extLst>
+          </p:cNvPr>
+          <p:cNvSpPr txBox="1"/>
+          <p:nvPr/>
+        </p:nvSpPr>
+        <p:spPr>
+          <a:xfrm>
+            <a:off x="9090484" y="4485195"/>
+            <a:ext cx="825455" cy="276999"/>
+          </a:xfrm>
+          <a:prstGeom prst="rect">
+            <a:avLst/>
+          </a:prstGeom>
+          <a:noFill/>
+        </p:spPr>
+        <p:txBody>
+          <a:bodyPr wrap="square">
+            <a:spAutoFit/>
+          </a:bodyPr>
+          <a:lstStyle/>
+          <a:p>
+            <a:pPr algn="ctr"/>
+            <a:r>
+              <a:rPr lang="en-US" sz="1200" dirty="0">
+                <a:latin typeface="Microsoft JhengHei" panose="020B0604030504040204" pitchFamily="34" charset="-120"/>
+                <a:ea typeface="Microsoft JhengHei" panose="020B0604030504040204" pitchFamily="34" charset="-120"/>
+              </a:rPr>
+              <a:t>真實答案</a:t>
+            </a:r>
+            <a:endParaRPr lang="en-TW" sz="1200" dirty="0">
+              <a:latin typeface="Microsoft JhengHei" panose="020B0604030504040204" pitchFamily="34" charset="-120"/>
+              <a:ea typeface="Microsoft JhengHei" panose="020B0604030504040204" pitchFamily="34" charset="-120"/>
+            </a:endParaRPr>
+          </a:p>
+        </p:txBody>
+      </p:sp>
+      <mc:AlternateContent xmlns:mc="http://schemas.openxmlformats.org/markup-compatibility/2006">
+        <mc:Choice xmlns:a14="http://schemas.microsoft.com/office/drawing/2010/main" Requires="a14">
+          <p:sp>
+            <p:nvSpPr>
+              <p:cNvPr id="12" name="TextBox 11">
+                <a:extLst>
+                  <a:ext uri="{FF2B5EF4-FFF2-40B4-BE49-F238E27FC236}">
+                    <a16:creationId xmlns:a16="http://schemas.microsoft.com/office/drawing/2014/main" id="{C4484C2A-8BF7-0016-3418-251BDC0FFD49}"/>
+                  </a:ext>
+                </a:extLst>
+              </p:cNvPr>
+              <p:cNvSpPr txBox="1"/>
+              <p:nvPr/>
+            </p:nvSpPr>
+            <p:spPr>
+              <a:xfrm>
+                <a:off x="8918852" y="4397778"/>
+                <a:ext cx="186268" cy="292581"/>
+              </a:xfrm>
+              <a:prstGeom prst="rect">
+                <a:avLst/>
+              </a:prstGeom>
+              <a:noFill/>
+            </p:spPr>
+            <p:txBody>
+              <a:bodyPr wrap="none" lIns="0" tIns="0" rIns="0" bIns="0" rtlCol="0">
+                <a:spAutoFit/>
+              </a:bodyPr>
+              <a:lstStyle/>
+              <a:p>
+                <a:pPr/>
+                <a14:m>
+                  <m:oMathPara xmlns:m="http://schemas.openxmlformats.org/officeDocument/2006/math">
+                    <m:oMathParaPr>
+                      <m:jc m:val="centerGroup"/>
+                    </m:oMathParaPr>
+                    <m:oMath xmlns:m="http://schemas.openxmlformats.org/officeDocument/2006/math">
+                      <m:acc>
+                        <m:accPr>
+                          <m:chr m:val="̂"/>
+                          <m:ctrlPr>
+                            <a:rPr lang="en-TW" i="1" smtClean="0">
+                              <a:solidFill>
+                                <a:schemeClr val="tx1"/>
+                              </a:solidFill>
+                              <a:latin typeface="Cambria Math" panose="02040503050406030204" pitchFamily="18" charset="0"/>
+                            </a:rPr>
+                          </m:ctrlPr>
+                        </m:accPr>
+                        <m:e>
+                          <m:r>
+                            <a:rPr lang="en-US" b="0" i="1" smtClean="0">
+                              <a:solidFill>
+                                <a:schemeClr val="tx1"/>
+                              </a:solidFill>
+                              <a:latin typeface="Cambria Math" panose="02040503050406030204" pitchFamily="18" charset="0"/>
+                            </a:rPr>
+                            <m:t>𝑓</m:t>
+                          </m:r>
+                        </m:e>
+                      </m:acc>
+                    </m:oMath>
+                  </m:oMathPara>
+                </a14:m>
+                <a:endParaRPr lang="en-TW" dirty="0">
+                  <a:solidFill>
+                    <a:schemeClr val="tx1"/>
+                  </a:solidFill>
+                </a:endParaRPr>
+              </a:p>
+            </p:txBody>
+          </p:sp>
+        </mc:Choice>
+        <mc:Fallback>
+          <p:sp>
+            <p:nvSpPr>
+              <p:cNvPr id="12" name="TextBox 11">
+                <a:extLst>
+                  <a:ext uri="{FF2B5EF4-FFF2-40B4-BE49-F238E27FC236}">
+                    <a16:creationId xmlns:a16="http://schemas.microsoft.com/office/drawing/2014/main" id="{C4484C2A-8BF7-0016-3418-251BDC0FFD49}"/>
+                  </a:ext>
+                </a:extLst>
+              </p:cNvPr>
+              <p:cNvSpPr txBox="1">
+                <a:spLocks noRot="1" noChangeAspect="1" noMove="1" noResize="1" noEditPoints="1" noAdjustHandles="1" noChangeArrowheads="1" noChangeShapeType="1" noTextEdit="1"/>
+              </p:cNvSpPr>
+              <p:nvPr/>
+            </p:nvSpPr>
+            <p:spPr>
+              <a:xfrm>
+                <a:off x="8918852" y="4397778"/>
+                <a:ext cx="186268" cy="292581"/>
+              </a:xfrm>
+              <a:prstGeom prst="rect">
+                <a:avLst/>
+              </a:prstGeom>
+              <a:blipFill>
+                <a:blip r:embed="rId4"/>
+                <a:stretch>
+                  <a:fillRect l="-43750" t="-25000" r="-31250" b="-29167"/>
+                </a:stretch>
+              </a:blipFill>
+            </p:spPr>
+            <p:txBody>
+              <a:bodyPr/>
+              <a:lstStyle/>
+              <a:p>
+                <a:r>
+                  <a:rPr lang="en-TW">
+                    <a:noFill/>
+                  </a:rPr>
+                  <a:t> </a:t>
+                </a:r>
+              </a:p>
+            </p:txBody>
+          </p:sp>
+        </mc:Fallback>
+      </mc:AlternateContent>
+      <p:pic>
+        <p:nvPicPr>
+          <p:cNvPr id="13" name="Picture 12">
+            <a:extLst>
+              <a:ext uri="{FF2B5EF4-FFF2-40B4-BE49-F238E27FC236}">
+                <a16:creationId xmlns:a16="http://schemas.microsoft.com/office/drawing/2014/main" id="{670C48E8-96D3-ABD3-641B-E424A3F7590C}"/>
+              </a:ext>
+            </a:extLst>
+          </p:cNvPr>
+          <p:cNvPicPr>
+            <a:picLocks noChangeAspect="1"/>
+          </p:cNvPicPr>
+          <p:nvPr/>
+        </p:nvPicPr>
+        <p:blipFill rotWithShape="1">
+          <a:blip r:embed="rId5">
+            <a:extLst>
+              <a:ext uri="{28A0092B-C50C-407E-A947-70E740481C1C}">
+                <a14:useLocalDpi xmlns:a14="http://schemas.microsoft.com/office/drawing/2010/main" val="0"/>
+              </a:ext>
+            </a:extLst>
+          </a:blip>
+          <a:srcRect r="9690" b="7062"/>
+          <a:stretch/>
+        </p:blipFill>
+        <p:spPr>
+          <a:xfrm>
+            <a:off x="2417959" y="5002402"/>
+            <a:ext cx="1351155" cy="1345898"/>
+          </a:xfrm>
+          <a:prstGeom prst="rect">
+            <a:avLst/>
+          </a:prstGeom>
+        </p:spPr>
+      </p:pic>
+      <p:pic>
+        <p:nvPicPr>
+          <p:cNvPr id="14" name="Picture 13">
+            <a:extLst>
+              <a:ext uri="{FF2B5EF4-FFF2-40B4-BE49-F238E27FC236}">
+                <a16:creationId xmlns:a16="http://schemas.microsoft.com/office/drawing/2014/main" id="{F90972D8-E36A-BBE7-6013-E56F5E715978}"/>
+              </a:ext>
+            </a:extLst>
+          </p:cNvPr>
+          <p:cNvPicPr>
+            <a:picLocks noChangeAspect="1"/>
+          </p:cNvPicPr>
+          <p:nvPr/>
+        </p:nvPicPr>
+        <p:blipFill>
+          <a:blip r:embed="rId6">
+            <a:extLst>
+              <a:ext uri="{28A0092B-C50C-407E-A947-70E740481C1C}">
+                <a14:useLocalDpi xmlns:a14="http://schemas.microsoft.com/office/drawing/2010/main" val="0"/>
+              </a:ext>
+            </a:extLst>
+          </a:blip>
+          <a:stretch>
+            <a:fillRect/>
+          </a:stretch>
+        </p:blipFill>
+        <p:spPr>
+          <a:xfrm>
+            <a:off x="6413820" y="5045401"/>
+            <a:ext cx="1351155" cy="1302899"/>
+          </a:xfrm>
+          <a:prstGeom prst="rect">
+            <a:avLst/>
+          </a:prstGeom>
+        </p:spPr>
+      </p:pic>
+      <p:sp>
+        <p:nvSpPr>
+          <p:cNvPr id="15" name="TextBox 14">
+            <a:extLst>
+              <a:ext uri="{FF2B5EF4-FFF2-40B4-BE49-F238E27FC236}">
+                <a16:creationId xmlns:a16="http://schemas.microsoft.com/office/drawing/2014/main" id="{C588824D-B576-AA19-1CF1-6AF7EFBA1F47}"/>
+              </a:ext>
+            </a:extLst>
+          </p:cNvPr>
+          <p:cNvSpPr txBox="1"/>
+          <p:nvPr/>
+        </p:nvSpPr>
+        <p:spPr>
+          <a:xfrm>
+            <a:off x="3478916" y="5512184"/>
+            <a:ext cx="2965529" cy="369332"/>
+          </a:xfrm>
+          <a:prstGeom prst="rect">
+            <a:avLst/>
+          </a:prstGeom>
+          <a:noFill/>
+        </p:spPr>
+        <p:txBody>
+          <a:bodyPr wrap="square">
+            <a:spAutoFit/>
+          </a:bodyPr>
+          <a:lstStyle/>
+          <a:p>
+            <a:pPr algn="ctr"/>
+            <a:r>
+              <a:rPr lang="en-TW" dirty="0">
+                <a:latin typeface="Microsoft JhengHei" panose="020B0604030504040204" pitchFamily="34" charset="-120"/>
+                <a:ea typeface="Microsoft JhengHei" panose="020B0604030504040204" pitchFamily="34" charset="-120"/>
+              </a:rPr>
+              <a:t>簡單模型</a:t>
+            </a:r>
+            <a:r>
+              <a:rPr lang="zh-TW" altLang="en-US" b="1" dirty="0">
+                <a:latin typeface="Microsoft JhengHei" panose="020B0604030504040204" pitchFamily="34" charset="-120"/>
+                <a:ea typeface="Microsoft JhengHei" panose="020B0604030504040204" pitchFamily="34" charset="-120"/>
+              </a:rPr>
+              <a:t>高</a:t>
+            </a:r>
+            <a:r>
+              <a:rPr lang="zh-TW" altLang="en-US" dirty="0">
+                <a:latin typeface="Microsoft JhengHei" panose="020B0604030504040204" pitchFamily="34" charset="-120"/>
+                <a:ea typeface="Microsoft JhengHei" panose="020B0604030504040204" pitchFamily="34" charset="-120"/>
+              </a:rPr>
+              <a:t> </a:t>
+            </a:r>
+            <a:r>
+              <a:rPr lang="en-US" dirty="0">
+                <a:latin typeface="Microsoft JhengHei" panose="020B0604030504040204" pitchFamily="34" charset="-120"/>
+                <a:ea typeface="Microsoft JhengHei" panose="020B0604030504040204" pitchFamily="34" charset="-120"/>
+              </a:rPr>
+              <a:t>Bias</a:t>
+            </a:r>
+            <a:endParaRPr lang="en-TW" dirty="0">
+              <a:latin typeface="Microsoft JhengHei" panose="020B0604030504040204" pitchFamily="34" charset="-120"/>
+              <a:ea typeface="Microsoft JhengHei" panose="020B0604030504040204" pitchFamily="34" charset="-120"/>
+            </a:endParaRPr>
+          </a:p>
+        </p:txBody>
+      </p:sp>
+      <p:sp>
+        <p:nvSpPr>
+          <p:cNvPr id="16" name="TextBox 15">
+            <a:extLst>
+              <a:ext uri="{FF2B5EF4-FFF2-40B4-BE49-F238E27FC236}">
+                <a16:creationId xmlns:a16="http://schemas.microsoft.com/office/drawing/2014/main" id="{D274EBB3-A3C7-2147-34CF-B6498E7DE01C}"/>
+              </a:ext>
+            </a:extLst>
+          </p:cNvPr>
+          <p:cNvSpPr txBox="1"/>
+          <p:nvPr/>
+        </p:nvSpPr>
+        <p:spPr>
+          <a:xfrm>
+            <a:off x="7478490" y="5512184"/>
+            <a:ext cx="2965529" cy="369332"/>
+          </a:xfrm>
+          <a:prstGeom prst="rect">
+            <a:avLst/>
+          </a:prstGeom>
+          <a:noFill/>
+        </p:spPr>
+        <p:txBody>
+          <a:bodyPr wrap="square">
+            <a:spAutoFit/>
+          </a:bodyPr>
+          <a:lstStyle/>
+          <a:p>
+            <a:pPr algn="ctr"/>
+            <a:r>
+              <a:rPr lang="en-TW" dirty="0">
+                <a:latin typeface="Microsoft JhengHei" panose="020B0604030504040204" pitchFamily="34" charset="-120"/>
+                <a:ea typeface="Microsoft JhengHei" panose="020B0604030504040204" pitchFamily="34" charset="-120"/>
+              </a:rPr>
+              <a:t>複雜模型</a:t>
+            </a:r>
+            <a:r>
+              <a:rPr lang="zh-TW" altLang="en-US" b="1" dirty="0">
+                <a:latin typeface="Microsoft JhengHei" panose="020B0604030504040204" pitchFamily="34" charset="-120"/>
+                <a:ea typeface="Microsoft JhengHei" panose="020B0604030504040204" pitchFamily="34" charset="-120"/>
+              </a:rPr>
+              <a:t>低</a:t>
+            </a:r>
+            <a:r>
+              <a:rPr lang="zh-TW" altLang="en-US" dirty="0">
+                <a:latin typeface="Microsoft JhengHei" panose="020B0604030504040204" pitchFamily="34" charset="-120"/>
+                <a:ea typeface="Microsoft JhengHei" panose="020B0604030504040204" pitchFamily="34" charset="-120"/>
+              </a:rPr>
+              <a:t> </a:t>
+            </a:r>
+            <a:r>
+              <a:rPr lang="en-US" dirty="0">
+                <a:latin typeface="Microsoft JhengHei" panose="020B0604030504040204" pitchFamily="34" charset="-120"/>
+                <a:ea typeface="Microsoft JhengHei" panose="020B0604030504040204" pitchFamily="34" charset="-120"/>
+              </a:rPr>
+              <a:t>Bias</a:t>
+            </a:r>
+            <a:endParaRPr lang="en-TW" dirty="0">
+              <a:latin typeface="Microsoft JhengHei" panose="020B0604030504040204" pitchFamily="34" charset="-120"/>
+              <a:ea typeface="Microsoft JhengHei" panose="020B0604030504040204" pitchFamily="34" charset="-120"/>
+            </a:endParaRPr>
+          </a:p>
+        </p:txBody>
+      </p:sp>
+    </p:spTree>
+    <p:extLst>
+      <p:ext uri="{BB962C8B-B14F-4D97-AF65-F5344CB8AC3E}">
+        <p14:creationId xmlns:p14="http://schemas.microsoft.com/office/powerpoint/2010/main" val="744663244"/>
+      </p:ext>
+    </p:extLst>
+  </p:cSld>
+  <p:clrMapOvr>
+    <a:masterClrMapping/>
+  </p:clrMapOvr>
+</p:sld>
+</file>
+
+<file path=ppt/slides/slide11.xml><?xml version="1.0" encoding="utf-8"?>
+<p:sld xmlns:a="http://schemas.openxmlformats.org/drawingml/2006/main" xmlns:r="http://schemas.openxmlformats.org/officeDocument/2006/relationships" xmlns:p="http://schemas.openxmlformats.org/presentationml/2006/main">
+  <p:cSld>
+    <p:spTree>
+      <p:nvGrpSpPr>
+        <p:cNvPr id="1" name=""/>
+        <p:cNvGrpSpPr/>
+        <p:nvPr/>
+      </p:nvGrpSpPr>
+      <p:grpSpPr>
+        <a:xfrm>
+          <a:off x="0" y="0"/>
+          <a:ext cx="0" cy="0"/>
+          <a:chOff x="0" y="0"/>
+          <a:chExt cx="0" cy="0"/>
+        </a:xfrm>
+      </p:grpSpPr>
+      <p:sp>
+        <p:nvSpPr>
+          <p:cNvPr id="2" name="Title 1">
+            <a:extLst>
+              <a:ext uri="{FF2B5EF4-FFF2-40B4-BE49-F238E27FC236}">
+                <a16:creationId xmlns:a16="http://schemas.microsoft.com/office/drawing/2014/main" id="{4E309942-81D7-FF33-18E7-6FDD658612AF}"/>
+              </a:ext>
+            </a:extLst>
+          </p:cNvPr>
+          <p:cNvSpPr>
+            <a:spLocks noGrp="1"/>
+          </p:cNvSpPr>
+          <p:nvPr>
+            <p:ph type="title"/>
+          </p:nvPr>
+        </p:nvSpPr>
+        <p:spPr/>
+        <p:txBody>
+          <a:bodyPr/>
+          <a:lstStyle/>
+          <a:p>
+            <a:endParaRPr lang="en-TW"/>
+          </a:p>
+        </p:txBody>
+      </p:sp>
+      <p:pic>
+        <p:nvPicPr>
+          <p:cNvPr id="5" name="Content Placeholder 4">
+            <a:extLst>
+              <a:ext uri="{FF2B5EF4-FFF2-40B4-BE49-F238E27FC236}">
+                <a16:creationId xmlns:a16="http://schemas.microsoft.com/office/drawing/2014/main" id="{08D5F662-BCC1-14FB-8B61-B2D0237DE77F}"/>
+              </a:ext>
+            </a:extLst>
+          </p:cNvPr>
+          <p:cNvPicPr>
+            <a:picLocks noGrp="1" noChangeAspect="1"/>
+          </p:cNvPicPr>
+          <p:nvPr>
+            <p:ph idx="1"/>
+          </p:nvPr>
+        </p:nvPicPr>
+        <p:blipFill>
+          <a:blip r:embed="rId2">
+            <a:extLst>
+              <a:ext uri="{28A0092B-C50C-407E-A947-70E740481C1C}">
+                <a14:useLocalDpi xmlns:a14="http://schemas.microsoft.com/office/drawing/2010/main" val="0"/>
+              </a:ext>
+            </a:extLst>
+          </a:blip>
+          <a:stretch>
+            <a:fillRect/>
+          </a:stretch>
+        </p:blipFill>
+        <p:spPr>
+          <a:xfrm>
+            <a:off x="1913053" y="1193800"/>
+            <a:ext cx="8365894" cy="4983163"/>
+          </a:xfrm>
+        </p:spPr>
+      </p:pic>
+      <p:pic>
+        <p:nvPicPr>
+          <p:cNvPr id="6" name="Picture 5">
+            <a:extLst>
+              <a:ext uri="{FF2B5EF4-FFF2-40B4-BE49-F238E27FC236}">
+                <a16:creationId xmlns:a16="http://schemas.microsoft.com/office/drawing/2014/main" id="{19DA944D-F676-C21F-EE4E-3E266271EFAE}"/>
+              </a:ext>
+            </a:extLst>
+          </p:cNvPr>
+          <p:cNvPicPr>
+            <a:picLocks noChangeAspect="1"/>
+          </p:cNvPicPr>
+          <p:nvPr/>
+        </p:nvPicPr>
+        <p:blipFill rotWithShape="1">
+          <a:blip r:embed="rId3">
+            <a:extLst>
+              <a:ext uri="{28A0092B-C50C-407E-A947-70E740481C1C}">
+                <a14:useLocalDpi xmlns:a14="http://schemas.microsoft.com/office/drawing/2010/main" val="0"/>
+              </a:ext>
+            </a:extLst>
+          </a:blip>
+          <a:srcRect r="9690" b="7062"/>
+          <a:stretch/>
+        </p:blipFill>
+        <p:spPr>
+          <a:xfrm>
+            <a:off x="4306043" y="4950885"/>
+            <a:ext cx="1280720" cy="1275737"/>
+          </a:xfrm>
+          <a:prstGeom prst="rect">
+            <a:avLst/>
+          </a:prstGeom>
+        </p:spPr>
+      </p:pic>
+      <p:pic>
+        <p:nvPicPr>
+          <p:cNvPr id="7" name="Picture 6">
+            <a:extLst>
+              <a:ext uri="{FF2B5EF4-FFF2-40B4-BE49-F238E27FC236}">
+                <a16:creationId xmlns:a16="http://schemas.microsoft.com/office/drawing/2014/main" id="{7686117B-4BF8-1B82-1B76-A96A8A3AE556}"/>
+              </a:ext>
+            </a:extLst>
+          </p:cNvPr>
+          <p:cNvPicPr>
+            <a:picLocks noChangeAspect="1"/>
+          </p:cNvPicPr>
+          <p:nvPr/>
+        </p:nvPicPr>
+        <p:blipFill>
+          <a:blip r:embed="rId4">
+            <a:extLst>
+              <a:ext uri="{28A0092B-C50C-407E-A947-70E740481C1C}">
+                <a14:useLocalDpi xmlns:a14="http://schemas.microsoft.com/office/drawing/2010/main" val="0"/>
+              </a:ext>
+            </a:extLst>
+          </a:blip>
+          <a:stretch>
+            <a:fillRect/>
+          </a:stretch>
+        </p:blipFill>
+        <p:spPr>
+          <a:xfrm>
+            <a:off x="6759509" y="4983719"/>
+            <a:ext cx="1280720" cy="1234980"/>
+          </a:xfrm>
+          <a:prstGeom prst="rect">
+            <a:avLst/>
+          </a:prstGeom>
+        </p:spPr>
+      </p:pic>
+      <p:cxnSp>
+        <p:nvCxnSpPr>
+          <p:cNvPr id="9" name="Straight Arrow Connector 8">
+            <a:extLst>
+              <a:ext uri="{FF2B5EF4-FFF2-40B4-BE49-F238E27FC236}">
+                <a16:creationId xmlns:a16="http://schemas.microsoft.com/office/drawing/2014/main" id="{54412100-9432-6AFE-95E7-284C8E2E1C3F}"/>
+              </a:ext>
+            </a:extLst>
+          </p:cNvPr>
+          <p:cNvCxnSpPr>
+            <a:cxnSpLocks/>
+          </p:cNvCxnSpPr>
+          <p:nvPr/>
+        </p:nvCxnSpPr>
+        <p:spPr>
+          <a:xfrm>
+            <a:off x="4330700" y="4742366"/>
+            <a:ext cx="482600" cy="296359"/>
+          </a:xfrm>
+          <a:prstGeom prst="straightConnector1">
+            <a:avLst/>
+          </a:prstGeom>
+          <a:ln w="38100">
+            <a:solidFill>
+              <a:srgbClr val="FF0000"/>
+            </a:solidFill>
+            <a:tailEnd type="triangle"/>
+          </a:ln>
+        </p:spPr>
+        <p:style>
+          <a:lnRef idx="1">
+            <a:schemeClr val="accent1"/>
+          </a:lnRef>
+          <a:fillRef idx="0">
+            <a:schemeClr val="accent1"/>
+          </a:fillRef>
+          <a:effectRef idx="0">
+            <a:schemeClr val="accent1"/>
+          </a:effectRef>
+          <a:fontRef idx="minor">
+            <a:schemeClr val="tx1"/>
+          </a:fontRef>
+        </p:style>
+      </p:cxnSp>
+      <p:cxnSp>
+        <p:nvCxnSpPr>
+          <p:cNvPr id="12" name="Straight Arrow Connector 11">
+            <a:extLst>
+              <a:ext uri="{FF2B5EF4-FFF2-40B4-BE49-F238E27FC236}">
+                <a16:creationId xmlns:a16="http://schemas.microsoft.com/office/drawing/2014/main" id="{6C7D8E1D-73A9-5CF1-B5C9-4AF67DD51F51}"/>
+              </a:ext>
+            </a:extLst>
+          </p:cNvPr>
+          <p:cNvCxnSpPr>
+            <a:cxnSpLocks/>
+          </p:cNvCxnSpPr>
+          <p:nvPr/>
+        </p:nvCxnSpPr>
+        <p:spPr>
+          <a:xfrm flipH="1">
+            <a:off x="7712493" y="4699000"/>
+            <a:ext cx="507582" cy="364490"/>
+          </a:xfrm>
+          <a:prstGeom prst="straightConnector1">
+            <a:avLst/>
+          </a:prstGeom>
+          <a:ln w="38100">
+            <a:solidFill>
+              <a:srgbClr val="FF0000"/>
+            </a:solidFill>
+            <a:tailEnd type="triangle"/>
+          </a:ln>
+        </p:spPr>
+        <p:style>
+          <a:lnRef idx="1">
+            <a:schemeClr val="accent1"/>
+          </a:lnRef>
+          <a:fillRef idx="0">
+            <a:schemeClr val="accent1"/>
+          </a:fillRef>
+          <a:effectRef idx="0">
+            <a:schemeClr val="accent1"/>
+          </a:effectRef>
+          <a:fontRef idx="minor">
+            <a:schemeClr val="tx1"/>
+          </a:fontRef>
+        </p:style>
+      </p:cxnSp>
+    </p:spTree>
+    <p:extLst>
+      <p:ext uri="{BB962C8B-B14F-4D97-AF65-F5344CB8AC3E}">
+        <p14:creationId xmlns:p14="http://schemas.microsoft.com/office/powerpoint/2010/main" val="241505341"/>
+      </p:ext>
+    </p:extLst>
+  </p:cSld>
+  <p:clrMapOvr>
+    <a:masterClrMapping/>
+  </p:clrMapOvr>
+</p:sld>
+</file>
+
+<file path=ppt/slides/slide12.xml><?xml version="1.0" encoding="utf-8"?>
+<p:sld xmlns:a="http://schemas.openxmlformats.org/drawingml/2006/main" xmlns:r="http://schemas.openxmlformats.org/officeDocument/2006/relationships" xmlns:p="http://schemas.openxmlformats.org/presentationml/2006/main">
+  <p:cSld>
+    <p:spTree>
+      <p:nvGrpSpPr>
+        <p:cNvPr id="1" name=""/>
+        <p:cNvGrpSpPr/>
+        <p:nvPr/>
+      </p:nvGrpSpPr>
+      <p:grpSpPr>
+        <a:xfrm>
+          <a:off x="0" y="0"/>
+          <a:ext cx="0" cy="0"/>
+          <a:chOff x="0" y="0"/>
+          <a:chExt cx="0" cy="0"/>
+        </a:xfrm>
+      </p:grpSpPr>
+      <p:sp>
+        <p:nvSpPr>
+          <p:cNvPr id="2" name="Title 1">
+            <a:extLst>
+              <a:ext uri="{FF2B5EF4-FFF2-40B4-BE49-F238E27FC236}">
+                <a16:creationId xmlns:a16="http://schemas.microsoft.com/office/drawing/2014/main" id="{5A070D7C-41AB-9641-5A8C-415102154FFE}"/>
+              </a:ext>
+            </a:extLst>
+          </p:cNvPr>
+          <p:cNvSpPr>
+            <a:spLocks noGrp="1"/>
+          </p:cNvSpPr>
+          <p:nvPr>
+            <p:ph type="title"/>
+          </p:nvPr>
+        </p:nvSpPr>
+        <p:spPr/>
+        <p:txBody>
+          <a:bodyPr/>
+          <a:lstStyle/>
+          <a:p>
+            <a:r>
+              <a:rPr lang="en-TW" dirty="0"/>
+              <a:t>解釋</a:t>
+            </a:r>
+            <a:r>
+              <a:rPr lang="en-US" dirty="0"/>
+              <a:t>variance</a:t>
+            </a:r>
+            <a:r>
+              <a:rPr lang="zh-TW" altLang="en-US" dirty="0"/>
+              <a:t>大造成過擬合</a:t>
+            </a:r>
+            <a:endParaRPr lang="en-TW" dirty="0"/>
+          </a:p>
+        </p:txBody>
+      </p:sp>
+      <p:pic>
+        <p:nvPicPr>
+          <p:cNvPr id="2050" name="Picture 2">
+            <a:extLst>
+              <a:ext uri="{FF2B5EF4-FFF2-40B4-BE49-F238E27FC236}">
+                <a16:creationId xmlns:a16="http://schemas.microsoft.com/office/drawing/2014/main" id="{4BBD9E14-44CD-B222-F946-7202BA5145E3}"/>
+              </a:ext>
+            </a:extLst>
+          </p:cNvPr>
+          <p:cNvPicPr>
+            <a:picLocks noGrp="1" noChangeAspect="1" noChangeArrowheads="1"/>
+          </p:cNvPicPr>
+          <p:nvPr>
+            <p:ph idx="1"/>
+          </p:nvPr>
+        </p:nvPicPr>
+        <p:blipFill>
+          <a:blip r:embed="rId3">
+            <a:extLst>
+              <a:ext uri="{28A0092B-C50C-407E-A947-70E740481C1C}">
+                <a14:useLocalDpi xmlns:a14="http://schemas.microsoft.com/office/drawing/2010/main" val="0"/>
+              </a:ext>
+            </a:extLst>
+          </a:blip>
+          <a:srcRect/>
+          <a:stretch>
+            <a:fillRect/>
+          </a:stretch>
+        </p:blipFill>
+        <p:spPr bwMode="auto">
+          <a:xfrm>
+            <a:off x="2521983" y="1193800"/>
+            <a:ext cx="7148033" cy="4983163"/>
+          </a:xfrm>
+          <a:prstGeom prst="rect">
+            <a:avLst/>
+          </a:prstGeom>
+          <a:noFill/>
+          <a:extLst>
+            <a:ext uri="{909E8E84-426E-40DD-AFC4-6F175D3DCCD1}">
+              <a14:hiddenFill xmlns:a14="http://schemas.microsoft.com/office/drawing/2010/main">
+                <a:solidFill>
+                  <a:srgbClr val="FFFFFF"/>
+                </a:solidFill>
+              </a14:hiddenFill>
+            </a:ext>
+          </a:extLst>
+        </p:spPr>
+      </p:pic>
+    </p:spTree>
+    <p:extLst>
+      <p:ext uri="{BB962C8B-B14F-4D97-AF65-F5344CB8AC3E}">
+        <p14:creationId xmlns:p14="http://schemas.microsoft.com/office/powerpoint/2010/main" val="1073196792"/>
+      </p:ext>
+    </p:extLst>
+  </p:cSld>
+  <p:clrMapOvr>
+    <a:masterClrMapping/>
+  </p:clrMapOvr>
+</p:sld>
+</file>
+
+<file path=ppt/slides/slide13.xml><?xml version="1.0" encoding="utf-8"?>
+<p:sld xmlns:a="http://schemas.openxmlformats.org/drawingml/2006/main" xmlns:r="http://schemas.openxmlformats.org/officeDocument/2006/relationships" xmlns:p="http://schemas.openxmlformats.org/presentationml/2006/main">
+  <p:cSld>
+    <p:spTree>
+      <p:nvGrpSpPr>
+        <p:cNvPr id="1" name=""/>
+        <p:cNvGrpSpPr/>
+        <p:nvPr/>
+      </p:nvGrpSpPr>
+      <p:grpSpPr>
+        <a:xfrm>
+          <a:off x="0" y="0"/>
+          <a:ext cx="0" cy="0"/>
+          <a:chOff x="0" y="0"/>
+          <a:chExt cx="0" cy="0"/>
+        </a:xfrm>
+      </p:grpSpPr>
+      <p:sp>
+        <p:nvSpPr>
+          <p:cNvPr id="2" name="Title 1">
+            <a:extLst>
+              <a:ext uri="{FF2B5EF4-FFF2-40B4-BE49-F238E27FC236}">
+                <a16:creationId xmlns:a16="http://schemas.microsoft.com/office/drawing/2014/main" id="{D3857A16-6DFD-4F47-9BC1-8D3CAF0ECD93}"/>
+              </a:ext>
+            </a:extLst>
+          </p:cNvPr>
+          <p:cNvSpPr>
+            <a:spLocks noGrp="1"/>
+          </p:cNvSpPr>
+          <p:nvPr>
+            <p:ph type="title"/>
+          </p:nvPr>
+        </p:nvSpPr>
+        <p:spPr/>
+        <p:txBody>
+          <a:bodyPr/>
+          <a:lstStyle/>
+          <a:p>
+            <a:endParaRPr lang="en-TW"/>
+          </a:p>
+        </p:txBody>
+      </p:sp>
+      <p:sp>
+        <p:nvSpPr>
+          <p:cNvPr id="3" name="Text Placeholder 2">
+            <a:extLst>
+              <a:ext uri="{FF2B5EF4-FFF2-40B4-BE49-F238E27FC236}">
+                <a16:creationId xmlns:a16="http://schemas.microsoft.com/office/drawing/2014/main" id="{7BC52D2F-90AF-1C48-9AC6-EB1E965CC081}"/>
+              </a:ext>
+            </a:extLst>
+          </p:cNvPr>
+          <p:cNvSpPr>
+            <a:spLocks noGrp="1"/>
+          </p:cNvSpPr>
+          <p:nvPr>
+            <p:ph type="body" sz="quarter" idx="11"/>
+          </p:nvPr>
+        </p:nvSpPr>
+        <p:spPr/>
+        <p:txBody>
+          <a:bodyPr/>
+          <a:lstStyle/>
+          <a:p>
+            <a:endParaRPr lang="en-TW"/>
+          </a:p>
+        </p:txBody>
+      </p:sp>
+    </p:spTree>
+    <p:extLst>
+      <p:ext uri="{BB962C8B-B14F-4D97-AF65-F5344CB8AC3E}">
+        <p14:creationId xmlns:p14="http://schemas.microsoft.com/office/powerpoint/2010/main" val="4088805985"/>
+      </p:ext>
+    </p:extLst>
+  </p:cSld>
+  <p:clrMapOvr>
+    <a:masterClrMapping/>
+  </p:clrMapOvr>
+</p:sld>
+</file>
+
+<file path=ppt/slides/slide14.xml><?xml version="1.0" encoding="utf-8"?>
+<p:sld xmlns:a="http://schemas.openxmlformats.org/drawingml/2006/main" xmlns:r="http://schemas.openxmlformats.org/officeDocument/2006/relationships" xmlns:p="http://schemas.openxmlformats.org/presentationml/2006/main">
+  <p:cSld>
+    <p:spTree>
+      <p:nvGrpSpPr>
+        <p:cNvPr id="1" name=""/>
+        <p:cNvGrpSpPr/>
+        <p:nvPr/>
+      </p:nvGrpSpPr>
+      <p:grpSpPr>
+        <a:xfrm>
+          <a:off x="0" y="0"/>
+          <a:ext cx="0" cy="0"/>
+          <a:chOff x="0" y="0"/>
+          <a:chExt cx="0" cy="0"/>
+        </a:xfrm>
+      </p:grpSpPr>
+      <p:sp>
+        <p:nvSpPr>
+          <p:cNvPr id="2" name="Text Placeholder 1">
+            <a:extLst>
+              <a:ext uri="{FF2B5EF4-FFF2-40B4-BE49-F238E27FC236}">
+                <a16:creationId xmlns:a16="http://schemas.microsoft.com/office/drawing/2014/main" id="{0924A63E-C18F-794A-AD57-4A4CCE4BB644}"/>
+              </a:ext>
+            </a:extLst>
+          </p:cNvPr>
+          <p:cNvSpPr>
+            <a:spLocks noGrp="1"/>
+          </p:cNvSpPr>
+          <p:nvPr>
+            <p:ph type="body" sz="quarter" idx="11"/>
+          </p:nvPr>
+        </p:nvSpPr>
+        <p:spPr/>
+        <p:txBody>
+          <a:bodyPr/>
+          <a:lstStyle/>
+          <a:p>
+            <a:endParaRPr lang="en-TW"/>
+          </a:p>
+        </p:txBody>
+      </p:sp>
+      <p:sp>
+        <p:nvSpPr>
+          <p:cNvPr id="3" name="Title 2">
+            <a:extLst>
+              <a:ext uri="{FF2B5EF4-FFF2-40B4-BE49-F238E27FC236}">
+                <a16:creationId xmlns:a16="http://schemas.microsoft.com/office/drawing/2014/main" id="{FE279AD7-2A72-2649-AE7D-0FBCF5CB24F1}"/>
+              </a:ext>
+            </a:extLst>
+          </p:cNvPr>
+          <p:cNvSpPr>
+            <a:spLocks noGrp="1"/>
+          </p:cNvSpPr>
+          <p:nvPr>
+            <p:ph type="title"/>
+          </p:nvPr>
+        </p:nvSpPr>
+        <p:spPr/>
+        <p:txBody>
+          <a:bodyPr>
+            <a:normAutofit fontScale="90000"/>
+          </a:bodyPr>
+          <a:lstStyle/>
+          <a:p>
+            <a:endParaRPr lang="en-TW"/>
+          </a:p>
+        </p:txBody>
+      </p:sp>
+    </p:spTree>
+    <p:extLst>
+      <p:ext uri="{BB962C8B-B14F-4D97-AF65-F5344CB8AC3E}">
+        <p14:creationId xmlns:p14="http://schemas.microsoft.com/office/powerpoint/2010/main" val="2420516292"/>
       </p:ext>
     </p:extLst>
   </p:cSld>
@@ -5264,8 +6603,38 @@
         </p:blipFill>
         <p:spPr>
           <a:xfrm>
-            <a:off x="3834470" y="1536235"/>
-            <a:ext cx="3887382" cy="3785529"/>
+            <a:off x="5362187" y="1945656"/>
+            <a:ext cx="3168497" cy="3085479"/>
+          </a:xfrm>
+          <a:prstGeom prst="rect">
+            <a:avLst/>
+          </a:prstGeom>
+        </p:spPr>
+      </p:pic>
+      <p:pic>
+        <p:nvPicPr>
+          <p:cNvPr id="9" name="Picture 8">
+            <a:extLst>
+              <a:ext uri="{FF2B5EF4-FFF2-40B4-BE49-F238E27FC236}">
+                <a16:creationId xmlns:a16="http://schemas.microsoft.com/office/drawing/2014/main" id="{4E10C000-1DE2-63E3-0F74-DC0D8EAF0440}"/>
+              </a:ext>
+            </a:extLst>
+          </p:cNvPr>
+          <p:cNvPicPr>
+            <a:picLocks noChangeAspect="1"/>
+          </p:cNvPicPr>
+          <p:nvPr/>
+        </p:nvPicPr>
+        <p:blipFill>
+          <a:blip r:embed="rId3"/>
+          <a:stretch>
+            <a:fillRect/>
+          </a:stretch>
+        </p:blipFill>
+        <p:spPr>
+          <a:xfrm>
+            <a:off x="2960649" y="1826863"/>
+            <a:ext cx="1790881" cy="3204272"/>
           </a:xfrm>
           <a:prstGeom prst="rect">
             <a:avLst/>
@@ -22963,8 +24332,8 @@
           </a:fontRef>
         </p:style>
       </p:cxnSp>
-      <mc:AlternateContent xmlns:mc="http://schemas.openxmlformats.org/markup-compatibility/2006">
-        <mc:Choice xmlns:a14="http://schemas.microsoft.com/office/drawing/2010/main" Requires="a14">
+      <mc:AlternateContent xmlns:mc="http://schemas.openxmlformats.org/markup-compatibility/2006" xmlns:a14="http://schemas.microsoft.com/office/drawing/2010/main">
+        <mc:Choice Requires="a14">
           <p:sp>
             <p:nvSpPr>
               <p:cNvPr id="68" name="TextBox 67">
@@ -22993,6 +24362,7 @@
               </a:bodyPr>
               <a:lstStyle/>
               <a:p>
+                <a:pPr/>
                 <a14:m>
                   <m:oMathPara xmlns:m="http://schemas.openxmlformats.org/officeDocument/2006/math">
                     <m:oMathParaPr>
@@ -23035,7 +24405,7 @@
             </p:txBody>
           </p:sp>
         </mc:Choice>
-        <mc:Fallback>
+        <mc:Fallback xmlns="">
           <p:sp>
             <p:nvSpPr>
               <p:cNvPr id="68" name="TextBox 67">
@@ -23198,8 +24568,8 @@
           </a:fontRef>
         </p:style>
       </p:cxnSp>
-      <mc:AlternateContent xmlns:mc="http://schemas.openxmlformats.org/markup-compatibility/2006">
-        <mc:Choice xmlns:a14="http://schemas.microsoft.com/office/drawing/2010/main" Requires="a14">
+      <mc:AlternateContent xmlns:mc="http://schemas.openxmlformats.org/markup-compatibility/2006" xmlns:a14="http://schemas.microsoft.com/office/drawing/2010/main">
+        <mc:Choice Requires="a14">
           <p:sp>
             <p:nvSpPr>
               <p:cNvPr id="73" name="TextBox 72">
@@ -23228,6 +24598,7 @@
               </a:bodyPr>
               <a:lstStyle/>
               <a:p>
+                <a:pPr/>
                 <a14:m>
                   <m:oMathPara xmlns:m="http://schemas.openxmlformats.org/officeDocument/2006/math">
                     <m:oMathParaPr>
@@ -23338,7 +24709,7 @@
             </p:txBody>
           </p:sp>
         </mc:Choice>
-        <mc:Fallback>
+        <mc:Fallback xmlns="">
           <p:sp>
             <p:nvSpPr>
               <p:cNvPr id="73" name="TextBox 72">
@@ -23383,8 +24754,8 @@
           </p:sp>
         </mc:Fallback>
       </mc:AlternateContent>
-      <mc:AlternateContent xmlns:mc="http://schemas.openxmlformats.org/markup-compatibility/2006">
-        <mc:Choice xmlns:a14="http://schemas.microsoft.com/office/drawing/2010/main" Requires="a14">
+      <mc:AlternateContent xmlns:mc="http://schemas.openxmlformats.org/markup-compatibility/2006" xmlns:a14="http://schemas.microsoft.com/office/drawing/2010/main">
+        <mc:Choice Requires="a14">
           <p:sp>
             <p:nvSpPr>
               <p:cNvPr id="76" name="TextBox 75">
@@ -23466,7 +24837,7 @@
             </p:txBody>
           </p:sp>
         </mc:Choice>
-        <mc:Fallback>
+        <mc:Fallback xmlns="">
           <p:sp>
             <p:nvSpPr>
               <p:cNvPr id="76" name="TextBox 75">
@@ -23732,7 +25103,7 @@
           <p:cNvPr id="2" name="Title 1">
             <a:extLst>
               <a:ext uri="{FF2B5EF4-FFF2-40B4-BE49-F238E27FC236}">
-                <a16:creationId xmlns:a16="http://schemas.microsoft.com/office/drawing/2014/main" id="{D3857A16-6DFD-4F47-9BC1-8D3CAF0ECD93}"/>
+                <a16:creationId xmlns:a16="http://schemas.microsoft.com/office/drawing/2014/main" id="{240C6199-09EB-5C5A-291F-718EB2BAF1EA}"/>
               </a:ext>
             </a:extLst>
           </p:cNvPr>
@@ -23754,33 +25125,4934 @@
       </p:sp>
       <p:sp>
         <p:nvSpPr>
-          <p:cNvPr id="3" name="Text Placeholder 2">
+          <p:cNvPr id="5" name="Oval 4">
             <a:extLst>
               <a:ext uri="{FF2B5EF4-FFF2-40B4-BE49-F238E27FC236}">
-                <a16:creationId xmlns:a16="http://schemas.microsoft.com/office/drawing/2014/main" id="{7BC52D2F-90AF-1C48-9AC6-EB1E965CC081}"/>
+                <a16:creationId xmlns:a16="http://schemas.microsoft.com/office/drawing/2014/main" id="{A7792D87-86BB-318B-78A6-CDE0374402E7}"/>
               </a:ext>
             </a:extLst>
           </p:cNvPr>
           <p:cNvSpPr>
-            <a:spLocks noGrp="1"/>
+            <a:spLocks noChangeAspect="1"/>
           </p:cNvSpPr>
-          <p:nvPr>
-            <p:ph type="body" sz="quarter" idx="11"/>
-          </p:nvPr>
+          <p:nvPr/>
         </p:nvSpPr>
-        <p:spPr/>
+        <p:spPr>
+          <a:xfrm>
+            <a:off x="3968592" y="2001564"/>
+            <a:ext cx="1440000" cy="1440000"/>
+          </a:xfrm>
+          <a:prstGeom prst="ellipse">
+            <a:avLst/>
+          </a:prstGeom>
+          <a:noFill/>
+          <a:ln w="12700" cap="flat" cmpd="sng" algn="ctr">
+            <a:solidFill>
+              <a:srgbClr val="D2A66C">
+                <a:lumMod val="75000"/>
+              </a:srgbClr>
+            </a:solidFill>
+            <a:prstDash val="solid"/>
+            <a:miter lim="800000"/>
+          </a:ln>
+          <a:effectLst/>
+        </p:spPr>
         <p:txBody>
-          <a:bodyPr/>
+          <a:bodyPr rtlCol="0" anchor="ctr"/>
           <a:lstStyle/>
           <a:p>
-            <a:endParaRPr lang="en-TW"/>
+            <a:pPr marL="0" marR="0" lvl="0" indent="0" algn="ctr" defTabSz="914377" eaLnBrk="1" fontAlgn="auto" latinLnBrk="0" hangingPunct="1">
+              <a:lnSpc>
+                <a:spcPct val="130000"/>
+              </a:lnSpc>
+              <a:spcBef>
+                <a:spcPts val="0"/>
+              </a:spcBef>
+              <a:spcAft>
+                <a:spcPts val="0"/>
+              </a:spcAft>
+              <a:buClrTx/>
+              <a:buSzTx/>
+              <a:buFontTx/>
+              <a:buNone/>
+              <a:tabLst/>
+              <a:defRPr/>
+            </a:pPr>
+            <a:endParaRPr kumimoji="0" lang="en-TW" sz="1200" b="0" i="0" u="none" strike="noStrike" kern="0" cap="none" spc="0" normalizeH="0" baseline="0" noProof="0" dirty="0">
+              <a:ln>
+                <a:noFill/>
+              </a:ln>
+              <a:solidFill>
+                <a:srgbClr val="FFFFFF"/>
+              </a:solidFill>
+              <a:effectLst/>
+              <a:uLnTx/>
+              <a:uFillTx/>
+              <a:latin typeface="微软雅黑" panose="020B0503020204020204" pitchFamily="34" charset="-122"/>
+              <a:ea typeface="微软雅黑" panose="020B0503020204020204" pitchFamily="34" charset="-122"/>
+              <a:cs typeface="+mn-cs"/>
+            </a:endParaRPr>
           </a:p>
         </p:txBody>
       </p:sp>
+      <p:sp>
+        <p:nvSpPr>
+          <p:cNvPr id="6" name="Oval 5">
+            <a:extLst>
+              <a:ext uri="{FF2B5EF4-FFF2-40B4-BE49-F238E27FC236}">
+                <a16:creationId xmlns:a16="http://schemas.microsoft.com/office/drawing/2014/main" id="{FBB640EB-B2C3-FF91-34D3-8361B661CB2F}"/>
+              </a:ext>
+            </a:extLst>
+          </p:cNvPr>
+          <p:cNvSpPr>
+            <a:spLocks noChangeAspect="1"/>
+          </p:cNvSpPr>
+          <p:nvPr/>
+        </p:nvSpPr>
+        <p:spPr>
+          <a:xfrm>
+            <a:off x="4143592" y="2181564"/>
+            <a:ext cx="1080000" cy="1080000"/>
+          </a:xfrm>
+          <a:prstGeom prst="ellipse">
+            <a:avLst/>
+          </a:prstGeom>
+          <a:solidFill>
+            <a:srgbClr val="D2A66C"/>
+          </a:solidFill>
+          <a:ln w="12700" cap="flat" cmpd="sng" algn="ctr">
+            <a:solidFill>
+              <a:srgbClr val="D2A66C">
+                <a:lumMod val="75000"/>
+              </a:srgbClr>
+            </a:solidFill>
+            <a:prstDash val="solid"/>
+            <a:miter lim="800000"/>
+          </a:ln>
+          <a:effectLst/>
+        </p:spPr>
+        <p:txBody>
+          <a:bodyPr rtlCol="0" anchor="ctr"/>
+          <a:lstStyle/>
+          <a:p>
+            <a:pPr marL="0" marR="0" lvl="0" indent="0" algn="ctr" defTabSz="914377" eaLnBrk="1" fontAlgn="auto" latinLnBrk="0" hangingPunct="1">
+              <a:lnSpc>
+                <a:spcPct val="130000"/>
+              </a:lnSpc>
+              <a:spcBef>
+                <a:spcPts val="0"/>
+              </a:spcBef>
+              <a:spcAft>
+                <a:spcPts val="0"/>
+              </a:spcAft>
+              <a:buClrTx/>
+              <a:buSzTx/>
+              <a:buFontTx/>
+              <a:buNone/>
+              <a:tabLst/>
+              <a:defRPr/>
+            </a:pPr>
+            <a:endParaRPr kumimoji="0" lang="en-TW" sz="1200" b="0" i="0" u="none" strike="noStrike" kern="0" cap="none" spc="0" normalizeH="0" baseline="0" noProof="0" dirty="0">
+              <a:ln>
+                <a:noFill/>
+              </a:ln>
+              <a:solidFill>
+                <a:srgbClr val="FFFFFF"/>
+              </a:solidFill>
+              <a:effectLst/>
+              <a:uLnTx/>
+              <a:uFillTx/>
+              <a:latin typeface="微软雅黑" panose="020B0503020204020204" pitchFamily="34" charset="-122"/>
+              <a:ea typeface="微软雅黑" panose="020B0503020204020204" pitchFamily="34" charset="-122"/>
+              <a:cs typeface="+mn-cs"/>
+            </a:endParaRPr>
+          </a:p>
+        </p:txBody>
+      </p:sp>
+      <p:sp>
+        <p:nvSpPr>
+          <p:cNvPr id="7" name="Oval 6">
+            <a:extLst>
+              <a:ext uri="{FF2B5EF4-FFF2-40B4-BE49-F238E27FC236}">
+                <a16:creationId xmlns:a16="http://schemas.microsoft.com/office/drawing/2014/main" id="{DAB0B54F-29C6-AB55-3C3F-F3094412A520}"/>
+              </a:ext>
+            </a:extLst>
+          </p:cNvPr>
+          <p:cNvSpPr>
+            <a:spLocks noChangeAspect="1"/>
+          </p:cNvSpPr>
+          <p:nvPr/>
+        </p:nvSpPr>
+        <p:spPr>
+          <a:xfrm>
+            <a:off x="4328592" y="2361564"/>
+            <a:ext cx="720000" cy="720000"/>
+          </a:xfrm>
+          <a:prstGeom prst="ellipse">
+            <a:avLst/>
+          </a:prstGeom>
+          <a:solidFill>
+            <a:srgbClr val="FFFFFF"/>
+          </a:solidFill>
+          <a:ln w="12700" cap="flat" cmpd="sng" algn="ctr">
+            <a:solidFill>
+              <a:srgbClr val="D2A66C">
+                <a:lumMod val="75000"/>
+              </a:srgbClr>
+            </a:solidFill>
+            <a:prstDash val="solid"/>
+            <a:miter lim="800000"/>
+          </a:ln>
+          <a:effectLst/>
+        </p:spPr>
+        <p:txBody>
+          <a:bodyPr rtlCol="0" anchor="ctr"/>
+          <a:lstStyle/>
+          <a:p>
+            <a:pPr marL="0" marR="0" lvl="0" indent="0" algn="ctr" defTabSz="914377" eaLnBrk="1" fontAlgn="auto" latinLnBrk="0" hangingPunct="1">
+              <a:lnSpc>
+                <a:spcPct val="130000"/>
+              </a:lnSpc>
+              <a:spcBef>
+                <a:spcPts val="0"/>
+              </a:spcBef>
+              <a:spcAft>
+                <a:spcPts val="0"/>
+              </a:spcAft>
+              <a:buClrTx/>
+              <a:buSzTx/>
+              <a:buFontTx/>
+              <a:buNone/>
+              <a:tabLst/>
+              <a:defRPr/>
+            </a:pPr>
+            <a:endParaRPr kumimoji="0" lang="en-TW" sz="1200" b="0" i="0" u="none" strike="noStrike" kern="0" cap="none" spc="0" normalizeH="0" baseline="0" noProof="0" dirty="0">
+              <a:ln>
+                <a:noFill/>
+              </a:ln>
+              <a:solidFill>
+                <a:srgbClr val="FFFFFF"/>
+              </a:solidFill>
+              <a:effectLst/>
+              <a:uLnTx/>
+              <a:uFillTx/>
+              <a:latin typeface="微软雅黑" panose="020B0503020204020204" pitchFamily="34" charset="-122"/>
+              <a:ea typeface="微软雅黑" panose="020B0503020204020204" pitchFamily="34" charset="-122"/>
+              <a:cs typeface="+mn-cs"/>
+            </a:endParaRPr>
+          </a:p>
+        </p:txBody>
+      </p:sp>
+      <p:sp>
+        <p:nvSpPr>
+          <p:cNvPr id="8" name="Oval 7">
+            <a:extLst>
+              <a:ext uri="{FF2B5EF4-FFF2-40B4-BE49-F238E27FC236}">
+                <a16:creationId xmlns:a16="http://schemas.microsoft.com/office/drawing/2014/main" id="{6023EA64-4F90-8D4B-58D0-311ACC9612AF}"/>
+              </a:ext>
+            </a:extLst>
+          </p:cNvPr>
+          <p:cNvSpPr>
+            <a:spLocks noChangeAspect="1"/>
+          </p:cNvSpPr>
+          <p:nvPr/>
+        </p:nvSpPr>
+        <p:spPr>
+          <a:xfrm>
+            <a:off x="4575592" y="2613564"/>
+            <a:ext cx="216000" cy="216000"/>
+          </a:xfrm>
+          <a:prstGeom prst="ellipse">
+            <a:avLst/>
+          </a:prstGeom>
+          <a:solidFill>
+            <a:srgbClr val="C00000"/>
+          </a:solidFill>
+          <a:ln w="12700" cap="flat" cmpd="sng" algn="ctr">
+            <a:solidFill>
+              <a:srgbClr val="D2A66C">
+                <a:lumMod val="75000"/>
+              </a:srgbClr>
+            </a:solidFill>
+            <a:prstDash val="solid"/>
+            <a:miter lim="800000"/>
+          </a:ln>
+          <a:effectLst/>
+        </p:spPr>
+        <p:txBody>
+          <a:bodyPr rtlCol="0" anchor="ctr"/>
+          <a:lstStyle/>
+          <a:p>
+            <a:pPr marL="0" marR="0" lvl="0" indent="0" algn="ctr" defTabSz="914377" eaLnBrk="1" fontAlgn="auto" latinLnBrk="0" hangingPunct="1">
+              <a:lnSpc>
+                <a:spcPct val="130000"/>
+              </a:lnSpc>
+              <a:spcBef>
+                <a:spcPts val="0"/>
+              </a:spcBef>
+              <a:spcAft>
+                <a:spcPts val="0"/>
+              </a:spcAft>
+              <a:buClrTx/>
+              <a:buSzTx/>
+              <a:buFontTx/>
+              <a:buNone/>
+              <a:tabLst/>
+              <a:defRPr/>
+            </a:pPr>
+            <a:endParaRPr kumimoji="0" lang="en-TW" sz="1200" b="0" i="0" u="none" strike="noStrike" kern="0" cap="none" spc="0" normalizeH="0" baseline="0" noProof="0" dirty="0">
+              <a:ln>
+                <a:noFill/>
+              </a:ln>
+              <a:solidFill>
+                <a:srgbClr val="FFFFFF"/>
+              </a:solidFill>
+              <a:effectLst/>
+              <a:uLnTx/>
+              <a:uFillTx/>
+              <a:latin typeface="微软雅黑" panose="020B0503020204020204" pitchFamily="34" charset="-122"/>
+              <a:ea typeface="微软雅黑" panose="020B0503020204020204" pitchFamily="34" charset="-122"/>
+              <a:cs typeface="+mn-cs"/>
+            </a:endParaRPr>
+          </a:p>
+        </p:txBody>
+      </p:sp>
+      <p:sp>
+        <p:nvSpPr>
+          <p:cNvPr id="9" name="Oval 8">
+            <a:extLst>
+              <a:ext uri="{FF2B5EF4-FFF2-40B4-BE49-F238E27FC236}">
+                <a16:creationId xmlns:a16="http://schemas.microsoft.com/office/drawing/2014/main" id="{788307A0-EA1A-F57F-6952-92BC91BF59B2}"/>
+              </a:ext>
+            </a:extLst>
+          </p:cNvPr>
+          <p:cNvSpPr>
+            <a:spLocks noChangeAspect="1"/>
+          </p:cNvSpPr>
+          <p:nvPr/>
+        </p:nvSpPr>
+        <p:spPr>
+          <a:xfrm>
+            <a:off x="6191092" y="2001564"/>
+            <a:ext cx="1440000" cy="1440000"/>
+          </a:xfrm>
+          <a:prstGeom prst="ellipse">
+            <a:avLst/>
+          </a:prstGeom>
+          <a:noFill/>
+          <a:ln w="12700" cap="flat" cmpd="sng" algn="ctr">
+            <a:solidFill>
+              <a:srgbClr val="D2A66C">
+                <a:lumMod val="75000"/>
+              </a:srgbClr>
+            </a:solidFill>
+            <a:prstDash val="solid"/>
+            <a:miter lim="800000"/>
+          </a:ln>
+          <a:effectLst/>
+        </p:spPr>
+        <p:txBody>
+          <a:bodyPr rtlCol="0" anchor="ctr"/>
+          <a:lstStyle/>
+          <a:p>
+            <a:pPr marL="0" marR="0" lvl="0" indent="0" algn="ctr" defTabSz="914377" eaLnBrk="1" fontAlgn="auto" latinLnBrk="0" hangingPunct="1">
+              <a:lnSpc>
+                <a:spcPct val="130000"/>
+              </a:lnSpc>
+              <a:spcBef>
+                <a:spcPts val="0"/>
+              </a:spcBef>
+              <a:spcAft>
+                <a:spcPts val="0"/>
+              </a:spcAft>
+              <a:buClrTx/>
+              <a:buSzTx/>
+              <a:buFontTx/>
+              <a:buNone/>
+              <a:tabLst/>
+              <a:defRPr/>
+            </a:pPr>
+            <a:endParaRPr kumimoji="0" lang="en-TW" sz="1200" b="0" i="0" u="none" strike="noStrike" kern="0" cap="none" spc="0" normalizeH="0" baseline="0" noProof="0" dirty="0">
+              <a:ln>
+                <a:noFill/>
+              </a:ln>
+              <a:solidFill>
+                <a:srgbClr val="FFFFFF"/>
+              </a:solidFill>
+              <a:effectLst/>
+              <a:uLnTx/>
+              <a:uFillTx/>
+              <a:latin typeface="微软雅黑" panose="020B0503020204020204" pitchFamily="34" charset="-122"/>
+              <a:ea typeface="微软雅黑" panose="020B0503020204020204" pitchFamily="34" charset="-122"/>
+              <a:cs typeface="+mn-cs"/>
+            </a:endParaRPr>
+          </a:p>
+        </p:txBody>
+      </p:sp>
+      <p:sp>
+        <p:nvSpPr>
+          <p:cNvPr id="10" name="Oval 9">
+            <a:extLst>
+              <a:ext uri="{FF2B5EF4-FFF2-40B4-BE49-F238E27FC236}">
+                <a16:creationId xmlns:a16="http://schemas.microsoft.com/office/drawing/2014/main" id="{702DAD29-DC3E-AE23-9DD2-67A505BDAC95}"/>
+              </a:ext>
+            </a:extLst>
+          </p:cNvPr>
+          <p:cNvSpPr>
+            <a:spLocks noChangeAspect="1"/>
+          </p:cNvSpPr>
+          <p:nvPr/>
+        </p:nvSpPr>
+        <p:spPr>
+          <a:xfrm>
+            <a:off x="6366092" y="2181564"/>
+            <a:ext cx="1080000" cy="1080000"/>
+          </a:xfrm>
+          <a:prstGeom prst="ellipse">
+            <a:avLst/>
+          </a:prstGeom>
+          <a:solidFill>
+            <a:srgbClr val="D2A66C"/>
+          </a:solidFill>
+          <a:ln w="12700" cap="flat" cmpd="sng" algn="ctr">
+            <a:solidFill>
+              <a:srgbClr val="D2A66C">
+                <a:lumMod val="75000"/>
+              </a:srgbClr>
+            </a:solidFill>
+            <a:prstDash val="solid"/>
+            <a:miter lim="800000"/>
+          </a:ln>
+          <a:effectLst/>
+        </p:spPr>
+        <p:txBody>
+          <a:bodyPr rtlCol="0" anchor="ctr"/>
+          <a:lstStyle/>
+          <a:p>
+            <a:pPr marL="0" marR="0" lvl="0" indent="0" algn="ctr" defTabSz="914377" eaLnBrk="1" fontAlgn="auto" latinLnBrk="0" hangingPunct="1">
+              <a:lnSpc>
+                <a:spcPct val="130000"/>
+              </a:lnSpc>
+              <a:spcBef>
+                <a:spcPts val="0"/>
+              </a:spcBef>
+              <a:spcAft>
+                <a:spcPts val="0"/>
+              </a:spcAft>
+              <a:buClrTx/>
+              <a:buSzTx/>
+              <a:buFontTx/>
+              <a:buNone/>
+              <a:tabLst/>
+              <a:defRPr/>
+            </a:pPr>
+            <a:endParaRPr kumimoji="0" lang="en-TW" sz="1200" b="0" i="0" u="none" strike="noStrike" kern="0" cap="none" spc="0" normalizeH="0" baseline="0" noProof="0" dirty="0">
+              <a:ln>
+                <a:noFill/>
+              </a:ln>
+              <a:solidFill>
+                <a:srgbClr val="FFFFFF"/>
+              </a:solidFill>
+              <a:effectLst/>
+              <a:uLnTx/>
+              <a:uFillTx/>
+              <a:latin typeface="微软雅黑" panose="020B0503020204020204" pitchFamily="34" charset="-122"/>
+              <a:ea typeface="微软雅黑" panose="020B0503020204020204" pitchFamily="34" charset="-122"/>
+              <a:cs typeface="+mn-cs"/>
+            </a:endParaRPr>
+          </a:p>
+        </p:txBody>
+      </p:sp>
+      <p:sp>
+        <p:nvSpPr>
+          <p:cNvPr id="11" name="Oval 10">
+            <a:extLst>
+              <a:ext uri="{FF2B5EF4-FFF2-40B4-BE49-F238E27FC236}">
+                <a16:creationId xmlns:a16="http://schemas.microsoft.com/office/drawing/2014/main" id="{65D3AC79-12B7-C72A-0D1F-FFDA257CE05D}"/>
+              </a:ext>
+            </a:extLst>
+          </p:cNvPr>
+          <p:cNvSpPr>
+            <a:spLocks noChangeAspect="1"/>
+          </p:cNvSpPr>
+          <p:nvPr/>
+        </p:nvSpPr>
+        <p:spPr>
+          <a:xfrm>
+            <a:off x="6551092" y="2361564"/>
+            <a:ext cx="720000" cy="720000"/>
+          </a:xfrm>
+          <a:prstGeom prst="ellipse">
+            <a:avLst/>
+          </a:prstGeom>
+          <a:solidFill>
+            <a:srgbClr val="FFFFFF"/>
+          </a:solidFill>
+          <a:ln w="12700" cap="flat" cmpd="sng" algn="ctr">
+            <a:solidFill>
+              <a:srgbClr val="D2A66C">
+                <a:lumMod val="75000"/>
+              </a:srgbClr>
+            </a:solidFill>
+            <a:prstDash val="solid"/>
+            <a:miter lim="800000"/>
+          </a:ln>
+          <a:effectLst/>
+        </p:spPr>
+        <p:txBody>
+          <a:bodyPr rtlCol="0" anchor="ctr"/>
+          <a:lstStyle/>
+          <a:p>
+            <a:pPr marL="0" marR="0" lvl="0" indent="0" algn="ctr" defTabSz="914377" eaLnBrk="1" fontAlgn="auto" latinLnBrk="0" hangingPunct="1">
+              <a:lnSpc>
+                <a:spcPct val="130000"/>
+              </a:lnSpc>
+              <a:spcBef>
+                <a:spcPts val="0"/>
+              </a:spcBef>
+              <a:spcAft>
+                <a:spcPts val="0"/>
+              </a:spcAft>
+              <a:buClrTx/>
+              <a:buSzTx/>
+              <a:buFontTx/>
+              <a:buNone/>
+              <a:tabLst/>
+              <a:defRPr/>
+            </a:pPr>
+            <a:endParaRPr kumimoji="0" lang="en-TW" sz="1200" b="0" i="0" u="none" strike="noStrike" kern="0" cap="none" spc="0" normalizeH="0" baseline="0" noProof="0" dirty="0">
+              <a:ln>
+                <a:noFill/>
+              </a:ln>
+              <a:solidFill>
+                <a:srgbClr val="FFFFFF"/>
+              </a:solidFill>
+              <a:effectLst/>
+              <a:uLnTx/>
+              <a:uFillTx/>
+              <a:latin typeface="微软雅黑" panose="020B0503020204020204" pitchFamily="34" charset="-122"/>
+              <a:ea typeface="微软雅黑" panose="020B0503020204020204" pitchFamily="34" charset="-122"/>
+              <a:cs typeface="+mn-cs"/>
+            </a:endParaRPr>
+          </a:p>
+        </p:txBody>
+      </p:sp>
+      <p:sp>
+        <p:nvSpPr>
+          <p:cNvPr id="12" name="Oval 11">
+            <a:extLst>
+              <a:ext uri="{FF2B5EF4-FFF2-40B4-BE49-F238E27FC236}">
+                <a16:creationId xmlns:a16="http://schemas.microsoft.com/office/drawing/2014/main" id="{99CB3B70-EB99-B27E-FE48-B1846B56876B}"/>
+              </a:ext>
+            </a:extLst>
+          </p:cNvPr>
+          <p:cNvSpPr>
+            <a:spLocks noChangeAspect="1"/>
+          </p:cNvSpPr>
+          <p:nvPr/>
+        </p:nvSpPr>
+        <p:spPr>
+          <a:xfrm>
+            <a:off x="6798092" y="2613564"/>
+            <a:ext cx="216000" cy="216000"/>
+          </a:xfrm>
+          <a:prstGeom prst="ellipse">
+            <a:avLst/>
+          </a:prstGeom>
+          <a:solidFill>
+            <a:srgbClr val="C00000"/>
+          </a:solidFill>
+          <a:ln w="12700" cap="flat" cmpd="sng" algn="ctr">
+            <a:solidFill>
+              <a:srgbClr val="D2A66C">
+                <a:lumMod val="75000"/>
+              </a:srgbClr>
+            </a:solidFill>
+            <a:prstDash val="solid"/>
+            <a:miter lim="800000"/>
+          </a:ln>
+          <a:effectLst/>
+        </p:spPr>
+        <p:txBody>
+          <a:bodyPr rtlCol="0" anchor="ctr"/>
+          <a:lstStyle/>
+          <a:p>
+            <a:pPr marL="0" marR="0" lvl="0" indent="0" algn="ctr" defTabSz="914377" eaLnBrk="1" fontAlgn="auto" latinLnBrk="0" hangingPunct="1">
+              <a:lnSpc>
+                <a:spcPct val="130000"/>
+              </a:lnSpc>
+              <a:spcBef>
+                <a:spcPts val="0"/>
+              </a:spcBef>
+              <a:spcAft>
+                <a:spcPts val="0"/>
+              </a:spcAft>
+              <a:buClrTx/>
+              <a:buSzTx/>
+              <a:buFontTx/>
+              <a:buNone/>
+              <a:tabLst/>
+              <a:defRPr/>
+            </a:pPr>
+            <a:endParaRPr kumimoji="0" lang="en-TW" sz="1200" b="0" i="0" u="none" strike="noStrike" kern="0" cap="none" spc="0" normalizeH="0" baseline="0" noProof="0" dirty="0">
+              <a:ln>
+                <a:noFill/>
+              </a:ln>
+              <a:solidFill>
+                <a:srgbClr val="FFFFFF"/>
+              </a:solidFill>
+              <a:effectLst/>
+              <a:uLnTx/>
+              <a:uFillTx/>
+              <a:latin typeface="微软雅黑" panose="020B0503020204020204" pitchFamily="34" charset="-122"/>
+              <a:ea typeface="微软雅黑" panose="020B0503020204020204" pitchFamily="34" charset="-122"/>
+              <a:cs typeface="+mn-cs"/>
+            </a:endParaRPr>
+          </a:p>
+        </p:txBody>
+      </p:sp>
+      <p:sp>
+        <p:nvSpPr>
+          <p:cNvPr id="15" name="Oval 14">
+            <a:extLst>
+              <a:ext uri="{FF2B5EF4-FFF2-40B4-BE49-F238E27FC236}">
+                <a16:creationId xmlns:a16="http://schemas.microsoft.com/office/drawing/2014/main" id="{1B24408E-6F9F-6A46-F008-C708267540E2}"/>
+              </a:ext>
+            </a:extLst>
+          </p:cNvPr>
+          <p:cNvSpPr>
+            <a:spLocks noChangeAspect="1"/>
+          </p:cNvSpPr>
+          <p:nvPr/>
+        </p:nvSpPr>
+        <p:spPr>
+          <a:xfrm>
+            <a:off x="6191092" y="3693564"/>
+            <a:ext cx="1440000" cy="1440000"/>
+          </a:xfrm>
+          <a:prstGeom prst="ellipse">
+            <a:avLst/>
+          </a:prstGeom>
+          <a:noFill/>
+          <a:ln w="12700" cap="flat" cmpd="sng" algn="ctr">
+            <a:solidFill>
+              <a:srgbClr val="D2A66C">
+                <a:lumMod val="75000"/>
+              </a:srgbClr>
+            </a:solidFill>
+            <a:prstDash val="solid"/>
+            <a:miter lim="800000"/>
+          </a:ln>
+          <a:effectLst/>
+        </p:spPr>
+        <p:txBody>
+          <a:bodyPr rtlCol="0" anchor="ctr"/>
+          <a:lstStyle/>
+          <a:p>
+            <a:pPr marL="0" marR="0" lvl="0" indent="0" algn="ctr" defTabSz="914377" eaLnBrk="1" fontAlgn="auto" latinLnBrk="0" hangingPunct="1">
+              <a:lnSpc>
+                <a:spcPct val="130000"/>
+              </a:lnSpc>
+              <a:spcBef>
+                <a:spcPts val="0"/>
+              </a:spcBef>
+              <a:spcAft>
+                <a:spcPts val="0"/>
+              </a:spcAft>
+              <a:buClrTx/>
+              <a:buSzTx/>
+              <a:buFontTx/>
+              <a:buNone/>
+              <a:tabLst/>
+              <a:defRPr/>
+            </a:pPr>
+            <a:endParaRPr kumimoji="0" lang="en-TW" sz="1200" b="0" i="0" u="none" strike="noStrike" kern="0" cap="none" spc="0" normalizeH="0" baseline="0" noProof="0" dirty="0">
+              <a:ln>
+                <a:noFill/>
+              </a:ln>
+              <a:solidFill>
+                <a:srgbClr val="FFFFFF"/>
+              </a:solidFill>
+              <a:effectLst/>
+              <a:uLnTx/>
+              <a:uFillTx/>
+              <a:latin typeface="微软雅黑" panose="020B0503020204020204" pitchFamily="34" charset="-122"/>
+              <a:ea typeface="微软雅黑" panose="020B0503020204020204" pitchFamily="34" charset="-122"/>
+              <a:cs typeface="+mn-cs"/>
+            </a:endParaRPr>
+          </a:p>
+        </p:txBody>
+      </p:sp>
+      <p:sp>
+        <p:nvSpPr>
+          <p:cNvPr id="16" name="Oval 15">
+            <a:extLst>
+              <a:ext uri="{FF2B5EF4-FFF2-40B4-BE49-F238E27FC236}">
+                <a16:creationId xmlns:a16="http://schemas.microsoft.com/office/drawing/2014/main" id="{6C563901-096A-0F0D-F9EC-11EA9CAABA94}"/>
+              </a:ext>
+            </a:extLst>
+          </p:cNvPr>
+          <p:cNvSpPr>
+            <a:spLocks noChangeAspect="1"/>
+          </p:cNvSpPr>
+          <p:nvPr/>
+        </p:nvSpPr>
+        <p:spPr>
+          <a:xfrm>
+            <a:off x="6366092" y="3873564"/>
+            <a:ext cx="1080000" cy="1080000"/>
+          </a:xfrm>
+          <a:prstGeom prst="ellipse">
+            <a:avLst/>
+          </a:prstGeom>
+          <a:solidFill>
+            <a:srgbClr val="D2A66C"/>
+          </a:solidFill>
+          <a:ln w="12700" cap="flat" cmpd="sng" algn="ctr">
+            <a:solidFill>
+              <a:srgbClr val="D2A66C">
+                <a:lumMod val="75000"/>
+              </a:srgbClr>
+            </a:solidFill>
+            <a:prstDash val="solid"/>
+            <a:miter lim="800000"/>
+          </a:ln>
+          <a:effectLst/>
+        </p:spPr>
+        <p:txBody>
+          <a:bodyPr rtlCol="0" anchor="ctr"/>
+          <a:lstStyle/>
+          <a:p>
+            <a:pPr marL="0" marR="0" lvl="0" indent="0" algn="ctr" defTabSz="914377" eaLnBrk="1" fontAlgn="auto" latinLnBrk="0" hangingPunct="1">
+              <a:lnSpc>
+                <a:spcPct val="130000"/>
+              </a:lnSpc>
+              <a:spcBef>
+                <a:spcPts val="0"/>
+              </a:spcBef>
+              <a:spcAft>
+                <a:spcPts val="0"/>
+              </a:spcAft>
+              <a:buClrTx/>
+              <a:buSzTx/>
+              <a:buFontTx/>
+              <a:buNone/>
+              <a:tabLst/>
+              <a:defRPr/>
+            </a:pPr>
+            <a:endParaRPr kumimoji="0" lang="en-TW" sz="1200" b="0" i="0" u="none" strike="noStrike" kern="0" cap="none" spc="0" normalizeH="0" baseline="0" noProof="0" dirty="0">
+              <a:ln>
+                <a:noFill/>
+              </a:ln>
+              <a:solidFill>
+                <a:srgbClr val="FFFFFF"/>
+              </a:solidFill>
+              <a:effectLst/>
+              <a:uLnTx/>
+              <a:uFillTx/>
+              <a:latin typeface="微软雅黑" panose="020B0503020204020204" pitchFamily="34" charset="-122"/>
+              <a:ea typeface="微软雅黑" panose="020B0503020204020204" pitchFamily="34" charset="-122"/>
+              <a:cs typeface="+mn-cs"/>
+            </a:endParaRPr>
+          </a:p>
+        </p:txBody>
+      </p:sp>
+      <p:sp>
+        <p:nvSpPr>
+          <p:cNvPr id="17" name="Oval 16">
+            <a:extLst>
+              <a:ext uri="{FF2B5EF4-FFF2-40B4-BE49-F238E27FC236}">
+                <a16:creationId xmlns:a16="http://schemas.microsoft.com/office/drawing/2014/main" id="{738C1A46-4686-25C5-5EB8-79AD71B9482A}"/>
+              </a:ext>
+            </a:extLst>
+          </p:cNvPr>
+          <p:cNvSpPr>
+            <a:spLocks noChangeAspect="1"/>
+          </p:cNvSpPr>
+          <p:nvPr/>
+        </p:nvSpPr>
+        <p:spPr>
+          <a:xfrm>
+            <a:off x="6551092" y="4053564"/>
+            <a:ext cx="720000" cy="720000"/>
+          </a:xfrm>
+          <a:prstGeom prst="ellipse">
+            <a:avLst/>
+          </a:prstGeom>
+          <a:solidFill>
+            <a:srgbClr val="FFFFFF"/>
+          </a:solidFill>
+          <a:ln w="12700" cap="flat" cmpd="sng" algn="ctr">
+            <a:solidFill>
+              <a:srgbClr val="D2A66C">
+                <a:lumMod val="75000"/>
+              </a:srgbClr>
+            </a:solidFill>
+            <a:prstDash val="solid"/>
+            <a:miter lim="800000"/>
+          </a:ln>
+          <a:effectLst/>
+        </p:spPr>
+        <p:txBody>
+          <a:bodyPr rtlCol="0" anchor="ctr"/>
+          <a:lstStyle/>
+          <a:p>
+            <a:pPr marL="0" marR="0" lvl="0" indent="0" algn="ctr" defTabSz="914377" eaLnBrk="1" fontAlgn="auto" latinLnBrk="0" hangingPunct="1">
+              <a:lnSpc>
+                <a:spcPct val="130000"/>
+              </a:lnSpc>
+              <a:spcBef>
+                <a:spcPts val="0"/>
+              </a:spcBef>
+              <a:spcAft>
+                <a:spcPts val="0"/>
+              </a:spcAft>
+              <a:buClrTx/>
+              <a:buSzTx/>
+              <a:buFontTx/>
+              <a:buNone/>
+              <a:tabLst/>
+              <a:defRPr/>
+            </a:pPr>
+            <a:endParaRPr kumimoji="0" lang="en-TW" sz="1200" b="0" i="0" u="none" strike="noStrike" kern="0" cap="none" spc="0" normalizeH="0" baseline="0" noProof="0" dirty="0">
+              <a:ln>
+                <a:noFill/>
+              </a:ln>
+              <a:solidFill>
+                <a:srgbClr val="FFFFFF"/>
+              </a:solidFill>
+              <a:effectLst/>
+              <a:uLnTx/>
+              <a:uFillTx/>
+              <a:latin typeface="微软雅黑" panose="020B0503020204020204" pitchFamily="34" charset="-122"/>
+              <a:ea typeface="微软雅黑" panose="020B0503020204020204" pitchFamily="34" charset="-122"/>
+              <a:cs typeface="+mn-cs"/>
+            </a:endParaRPr>
+          </a:p>
+        </p:txBody>
+      </p:sp>
+      <p:sp>
+        <p:nvSpPr>
+          <p:cNvPr id="18" name="Oval 17">
+            <a:extLst>
+              <a:ext uri="{FF2B5EF4-FFF2-40B4-BE49-F238E27FC236}">
+                <a16:creationId xmlns:a16="http://schemas.microsoft.com/office/drawing/2014/main" id="{E77C329E-F087-7C8F-1E70-9333790AC00B}"/>
+              </a:ext>
+            </a:extLst>
+          </p:cNvPr>
+          <p:cNvSpPr>
+            <a:spLocks noChangeAspect="1"/>
+          </p:cNvSpPr>
+          <p:nvPr/>
+        </p:nvSpPr>
+        <p:spPr>
+          <a:xfrm>
+            <a:off x="6798092" y="4305564"/>
+            <a:ext cx="216000" cy="216000"/>
+          </a:xfrm>
+          <a:prstGeom prst="ellipse">
+            <a:avLst/>
+          </a:prstGeom>
+          <a:solidFill>
+            <a:srgbClr val="C00000"/>
+          </a:solidFill>
+          <a:ln w="12700" cap="flat" cmpd="sng" algn="ctr">
+            <a:solidFill>
+              <a:srgbClr val="D2A66C">
+                <a:lumMod val="75000"/>
+              </a:srgbClr>
+            </a:solidFill>
+            <a:prstDash val="solid"/>
+            <a:miter lim="800000"/>
+          </a:ln>
+          <a:effectLst/>
+        </p:spPr>
+        <p:txBody>
+          <a:bodyPr rtlCol="0" anchor="ctr"/>
+          <a:lstStyle/>
+          <a:p>
+            <a:pPr marL="0" marR="0" lvl="0" indent="0" algn="ctr" defTabSz="914377" eaLnBrk="1" fontAlgn="auto" latinLnBrk="0" hangingPunct="1">
+              <a:lnSpc>
+                <a:spcPct val="130000"/>
+              </a:lnSpc>
+              <a:spcBef>
+                <a:spcPts val="0"/>
+              </a:spcBef>
+              <a:spcAft>
+                <a:spcPts val="0"/>
+              </a:spcAft>
+              <a:buClrTx/>
+              <a:buSzTx/>
+              <a:buFontTx/>
+              <a:buNone/>
+              <a:tabLst/>
+              <a:defRPr/>
+            </a:pPr>
+            <a:endParaRPr kumimoji="0" lang="en-TW" sz="1200" b="0" i="0" u="none" strike="noStrike" kern="0" cap="none" spc="0" normalizeH="0" baseline="0" noProof="0" dirty="0">
+              <a:ln>
+                <a:noFill/>
+              </a:ln>
+              <a:solidFill>
+                <a:srgbClr val="FFFFFF"/>
+              </a:solidFill>
+              <a:effectLst/>
+              <a:uLnTx/>
+              <a:uFillTx/>
+              <a:latin typeface="微软雅黑" panose="020B0503020204020204" pitchFamily="34" charset="-122"/>
+              <a:ea typeface="微软雅黑" panose="020B0503020204020204" pitchFamily="34" charset="-122"/>
+              <a:cs typeface="+mn-cs"/>
+            </a:endParaRPr>
+          </a:p>
+        </p:txBody>
+      </p:sp>
+      <p:grpSp>
+        <p:nvGrpSpPr>
+          <p:cNvPr id="19" name="Group 18">
+            <a:extLst>
+              <a:ext uri="{FF2B5EF4-FFF2-40B4-BE49-F238E27FC236}">
+                <a16:creationId xmlns:a16="http://schemas.microsoft.com/office/drawing/2014/main" id="{B6E59572-2348-1E4F-A2F5-A42E6D76D16E}"/>
+              </a:ext>
+            </a:extLst>
+          </p:cNvPr>
+          <p:cNvGrpSpPr/>
+          <p:nvPr/>
+        </p:nvGrpSpPr>
+        <p:grpSpPr>
+          <a:xfrm>
+            <a:off x="4605535" y="2650795"/>
+            <a:ext cx="140198" cy="141538"/>
+            <a:chOff x="2639477" y="3327077"/>
+            <a:chExt cx="140198" cy="141538"/>
+          </a:xfrm>
+        </p:grpSpPr>
+        <p:sp>
+          <p:nvSpPr>
+            <p:cNvPr id="58" name="Oval 57">
+              <a:extLst>
+                <a:ext uri="{FF2B5EF4-FFF2-40B4-BE49-F238E27FC236}">
+                  <a16:creationId xmlns:a16="http://schemas.microsoft.com/office/drawing/2014/main" id="{08C44309-83F5-163B-D4BD-524E0FADBDD9}"/>
+                </a:ext>
+              </a:extLst>
+            </p:cNvPr>
+            <p:cNvSpPr>
+              <a:spLocks noChangeAspect="1"/>
+            </p:cNvSpPr>
+            <p:nvPr/>
+          </p:nvSpPr>
+          <p:spPr>
+            <a:xfrm rot="21104677">
+              <a:off x="2639477" y="3384615"/>
+              <a:ext cx="43200" cy="43200"/>
+            </a:xfrm>
+            <a:prstGeom prst="ellipse">
+              <a:avLst/>
+            </a:prstGeom>
+            <a:solidFill>
+              <a:srgbClr val="002060"/>
+            </a:solidFill>
+            <a:ln w="12700" cap="flat" cmpd="sng" algn="ctr">
+              <a:noFill/>
+              <a:prstDash val="solid"/>
+              <a:miter lim="800000"/>
+            </a:ln>
+            <a:effectLst/>
+          </p:spPr>
+          <p:txBody>
+            <a:bodyPr rtlCol="0" anchor="ctr"/>
+            <a:lstStyle/>
+            <a:p>
+              <a:pPr marL="0" marR="0" lvl="0" indent="0" algn="ctr" defTabSz="914377" eaLnBrk="1" fontAlgn="auto" latinLnBrk="0" hangingPunct="1">
+                <a:lnSpc>
+                  <a:spcPct val="130000"/>
+                </a:lnSpc>
+                <a:spcBef>
+                  <a:spcPts val="0"/>
+                </a:spcBef>
+                <a:spcAft>
+                  <a:spcPts val="0"/>
+                </a:spcAft>
+                <a:buClrTx/>
+                <a:buSzTx/>
+                <a:buFontTx/>
+                <a:buNone/>
+                <a:tabLst/>
+                <a:defRPr/>
+              </a:pPr>
+              <a:endParaRPr kumimoji="0" lang="en-TW" sz="1200" b="0" i="0" u="none" strike="noStrike" kern="0" cap="none" spc="0" normalizeH="0" baseline="0" noProof="0" dirty="0">
+                <a:ln>
+                  <a:noFill/>
+                </a:ln>
+                <a:solidFill>
+                  <a:srgbClr val="FFFFFF"/>
+                </a:solidFill>
+                <a:effectLst/>
+                <a:uLnTx/>
+                <a:uFillTx/>
+                <a:latin typeface="微软雅黑" panose="020B0503020204020204" pitchFamily="34" charset="-122"/>
+                <a:ea typeface="微软雅黑" panose="020B0503020204020204" pitchFamily="34" charset="-122"/>
+                <a:cs typeface="+mn-cs"/>
+              </a:endParaRPr>
+            </a:p>
+          </p:txBody>
+        </p:sp>
+        <p:sp>
+          <p:nvSpPr>
+            <p:cNvPr id="59" name="Oval 58">
+              <a:extLst>
+                <a:ext uri="{FF2B5EF4-FFF2-40B4-BE49-F238E27FC236}">
+                  <a16:creationId xmlns:a16="http://schemas.microsoft.com/office/drawing/2014/main" id="{4E5D992E-F9C3-86BA-5FB6-18A437730A52}"/>
+                </a:ext>
+              </a:extLst>
+            </p:cNvPr>
+            <p:cNvSpPr>
+              <a:spLocks noChangeAspect="1"/>
+            </p:cNvSpPr>
+            <p:nvPr/>
+          </p:nvSpPr>
+          <p:spPr>
+            <a:xfrm rot="21104677">
+              <a:off x="2659878" y="3350345"/>
+              <a:ext cx="43200" cy="43200"/>
+            </a:xfrm>
+            <a:prstGeom prst="ellipse">
+              <a:avLst/>
+            </a:prstGeom>
+            <a:solidFill>
+              <a:srgbClr val="002060"/>
+            </a:solidFill>
+            <a:ln w="12700" cap="flat" cmpd="sng" algn="ctr">
+              <a:noFill/>
+              <a:prstDash val="solid"/>
+              <a:miter lim="800000"/>
+            </a:ln>
+            <a:effectLst/>
+          </p:spPr>
+          <p:txBody>
+            <a:bodyPr rtlCol="0" anchor="ctr"/>
+            <a:lstStyle/>
+            <a:p>
+              <a:pPr marL="0" marR="0" lvl="0" indent="0" algn="ctr" defTabSz="914377" eaLnBrk="1" fontAlgn="auto" latinLnBrk="0" hangingPunct="1">
+                <a:lnSpc>
+                  <a:spcPct val="130000"/>
+                </a:lnSpc>
+                <a:spcBef>
+                  <a:spcPts val="0"/>
+                </a:spcBef>
+                <a:spcAft>
+                  <a:spcPts val="0"/>
+                </a:spcAft>
+                <a:buClrTx/>
+                <a:buSzTx/>
+                <a:buFontTx/>
+                <a:buNone/>
+                <a:tabLst/>
+                <a:defRPr/>
+              </a:pPr>
+              <a:endParaRPr kumimoji="0" lang="en-TW" sz="1200" b="0" i="0" u="none" strike="noStrike" kern="0" cap="none" spc="0" normalizeH="0" baseline="0" noProof="0" dirty="0">
+                <a:ln>
+                  <a:noFill/>
+                </a:ln>
+                <a:solidFill>
+                  <a:srgbClr val="FFFFFF"/>
+                </a:solidFill>
+                <a:effectLst/>
+                <a:uLnTx/>
+                <a:uFillTx/>
+                <a:latin typeface="微软雅黑" panose="020B0503020204020204" pitchFamily="34" charset="-122"/>
+                <a:ea typeface="微软雅黑" panose="020B0503020204020204" pitchFamily="34" charset="-122"/>
+                <a:cs typeface="+mn-cs"/>
+              </a:endParaRPr>
+            </a:p>
+          </p:txBody>
+        </p:sp>
+        <p:sp>
+          <p:nvSpPr>
+            <p:cNvPr id="60" name="Oval 59">
+              <a:extLst>
+                <a:ext uri="{FF2B5EF4-FFF2-40B4-BE49-F238E27FC236}">
+                  <a16:creationId xmlns:a16="http://schemas.microsoft.com/office/drawing/2014/main" id="{68C53DBA-C5DA-3AFF-1413-DF225F0A9235}"/>
+                </a:ext>
+              </a:extLst>
+            </p:cNvPr>
+            <p:cNvSpPr>
+              <a:spLocks noChangeAspect="1"/>
+            </p:cNvSpPr>
+            <p:nvPr/>
+          </p:nvSpPr>
+          <p:spPr>
+            <a:xfrm rot="21104677">
+              <a:off x="2686959" y="3386428"/>
+              <a:ext cx="43200" cy="43200"/>
+            </a:xfrm>
+            <a:prstGeom prst="ellipse">
+              <a:avLst/>
+            </a:prstGeom>
+            <a:solidFill>
+              <a:srgbClr val="002060"/>
+            </a:solidFill>
+            <a:ln w="12700" cap="flat" cmpd="sng" algn="ctr">
+              <a:noFill/>
+              <a:prstDash val="solid"/>
+              <a:miter lim="800000"/>
+            </a:ln>
+            <a:effectLst/>
+          </p:spPr>
+          <p:txBody>
+            <a:bodyPr rtlCol="0" anchor="ctr"/>
+            <a:lstStyle/>
+            <a:p>
+              <a:pPr marL="0" marR="0" lvl="0" indent="0" algn="ctr" defTabSz="914377" eaLnBrk="1" fontAlgn="auto" latinLnBrk="0" hangingPunct="1">
+                <a:lnSpc>
+                  <a:spcPct val="130000"/>
+                </a:lnSpc>
+                <a:spcBef>
+                  <a:spcPts val="0"/>
+                </a:spcBef>
+                <a:spcAft>
+                  <a:spcPts val="0"/>
+                </a:spcAft>
+                <a:buClrTx/>
+                <a:buSzTx/>
+                <a:buFontTx/>
+                <a:buNone/>
+                <a:tabLst/>
+                <a:defRPr/>
+              </a:pPr>
+              <a:endParaRPr kumimoji="0" lang="en-TW" sz="1200" b="0" i="0" u="none" strike="noStrike" kern="0" cap="none" spc="0" normalizeH="0" baseline="0" noProof="0" dirty="0">
+                <a:ln>
+                  <a:noFill/>
+                </a:ln>
+                <a:solidFill>
+                  <a:srgbClr val="FFFFFF"/>
+                </a:solidFill>
+                <a:effectLst/>
+                <a:uLnTx/>
+                <a:uFillTx/>
+                <a:latin typeface="微软雅黑" panose="020B0503020204020204" pitchFamily="34" charset="-122"/>
+                <a:ea typeface="微软雅黑" panose="020B0503020204020204" pitchFamily="34" charset="-122"/>
+                <a:cs typeface="+mn-cs"/>
+              </a:endParaRPr>
+            </a:p>
+          </p:txBody>
+        </p:sp>
+        <p:sp>
+          <p:nvSpPr>
+            <p:cNvPr id="61" name="Oval 60">
+              <a:extLst>
+                <a:ext uri="{FF2B5EF4-FFF2-40B4-BE49-F238E27FC236}">
+                  <a16:creationId xmlns:a16="http://schemas.microsoft.com/office/drawing/2014/main" id="{2F9975E0-0466-AC6C-1A5D-32EE91B34587}"/>
+                </a:ext>
+              </a:extLst>
+            </p:cNvPr>
+            <p:cNvSpPr>
+              <a:spLocks noChangeAspect="1"/>
+            </p:cNvSpPr>
+            <p:nvPr/>
+          </p:nvSpPr>
+          <p:spPr>
+            <a:xfrm rot="21104677">
+              <a:off x="2661914" y="3425413"/>
+              <a:ext cx="43200" cy="43200"/>
+            </a:xfrm>
+            <a:prstGeom prst="ellipse">
+              <a:avLst/>
+            </a:prstGeom>
+            <a:solidFill>
+              <a:srgbClr val="002060"/>
+            </a:solidFill>
+            <a:ln w="12700" cap="flat" cmpd="sng" algn="ctr">
+              <a:noFill/>
+              <a:prstDash val="solid"/>
+              <a:miter lim="800000"/>
+            </a:ln>
+            <a:effectLst/>
+          </p:spPr>
+          <p:txBody>
+            <a:bodyPr rtlCol="0" anchor="ctr"/>
+            <a:lstStyle/>
+            <a:p>
+              <a:pPr marL="0" marR="0" lvl="0" indent="0" algn="ctr" defTabSz="914377" eaLnBrk="1" fontAlgn="auto" latinLnBrk="0" hangingPunct="1">
+                <a:lnSpc>
+                  <a:spcPct val="130000"/>
+                </a:lnSpc>
+                <a:spcBef>
+                  <a:spcPts val="0"/>
+                </a:spcBef>
+                <a:spcAft>
+                  <a:spcPts val="0"/>
+                </a:spcAft>
+                <a:buClrTx/>
+                <a:buSzTx/>
+                <a:buFontTx/>
+                <a:buNone/>
+                <a:tabLst/>
+                <a:defRPr/>
+              </a:pPr>
+              <a:endParaRPr kumimoji="0" lang="en-TW" sz="1200" b="0" i="0" u="none" strike="noStrike" kern="0" cap="none" spc="0" normalizeH="0" baseline="0" noProof="0" dirty="0">
+                <a:ln>
+                  <a:noFill/>
+                </a:ln>
+                <a:solidFill>
+                  <a:srgbClr val="FFFFFF"/>
+                </a:solidFill>
+                <a:effectLst/>
+                <a:uLnTx/>
+                <a:uFillTx/>
+                <a:latin typeface="微软雅黑" panose="020B0503020204020204" pitchFamily="34" charset="-122"/>
+                <a:ea typeface="微软雅黑" panose="020B0503020204020204" pitchFamily="34" charset="-122"/>
+                <a:cs typeface="+mn-cs"/>
+              </a:endParaRPr>
+            </a:p>
+          </p:txBody>
+        </p:sp>
+        <p:sp>
+          <p:nvSpPr>
+            <p:cNvPr id="62" name="Oval 61">
+              <a:extLst>
+                <a:ext uri="{FF2B5EF4-FFF2-40B4-BE49-F238E27FC236}">
+                  <a16:creationId xmlns:a16="http://schemas.microsoft.com/office/drawing/2014/main" id="{480AE3F6-FF3C-66DB-FD92-3A1CFC7294BA}"/>
+                </a:ext>
+              </a:extLst>
+            </p:cNvPr>
+            <p:cNvSpPr>
+              <a:spLocks noChangeAspect="1"/>
+            </p:cNvSpPr>
+            <p:nvPr/>
+          </p:nvSpPr>
+          <p:spPr>
+            <a:xfrm rot="21104677">
+              <a:off x="2709394" y="3425415"/>
+              <a:ext cx="43200" cy="43200"/>
+            </a:xfrm>
+            <a:prstGeom prst="ellipse">
+              <a:avLst/>
+            </a:prstGeom>
+            <a:solidFill>
+              <a:srgbClr val="002060"/>
+            </a:solidFill>
+            <a:ln w="12700" cap="flat" cmpd="sng" algn="ctr">
+              <a:noFill/>
+              <a:prstDash val="solid"/>
+              <a:miter lim="800000"/>
+            </a:ln>
+            <a:effectLst/>
+          </p:spPr>
+          <p:txBody>
+            <a:bodyPr rtlCol="0" anchor="ctr"/>
+            <a:lstStyle/>
+            <a:p>
+              <a:pPr marL="0" marR="0" lvl="0" indent="0" algn="ctr" defTabSz="914377" eaLnBrk="1" fontAlgn="auto" latinLnBrk="0" hangingPunct="1">
+                <a:lnSpc>
+                  <a:spcPct val="130000"/>
+                </a:lnSpc>
+                <a:spcBef>
+                  <a:spcPts val="0"/>
+                </a:spcBef>
+                <a:spcAft>
+                  <a:spcPts val="0"/>
+                </a:spcAft>
+                <a:buClrTx/>
+                <a:buSzTx/>
+                <a:buFontTx/>
+                <a:buNone/>
+                <a:tabLst/>
+                <a:defRPr/>
+              </a:pPr>
+              <a:endParaRPr kumimoji="0" lang="en-TW" sz="1200" b="0" i="0" u="none" strike="noStrike" kern="0" cap="none" spc="0" normalizeH="0" baseline="0" noProof="0" dirty="0">
+                <a:ln>
+                  <a:noFill/>
+                </a:ln>
+                <a:solidFill>
+                  <a:srgbClr val="FFFFFF"/>
+                </a:solidFill>
+                <a:effectLst/>
+                <a:uLnTx/>
+                <a:uFillTx/>
+                <a:latin typeface="微软雅黑" panose="020B0503020204020204" pitchFamily="34" charset="-122"/>
+                <a:ea typeface="微软雅黑" panose="020B0503020204020204" pitchFamily="34" charset="-122"/>
+                <a:cs typeface="+mn-cs"/>
+              </a:endParaRPr>
+            </a:p>
+          </p:txBody>
+        </p:sp>
+        <p:sp>
+          <p:nvSpPr>
+            <p:cNvPr id="63" name="Oval 62">
+              <a:extLst>
+                <a:ext uri="{FF2B5EF4-FFF2-40B4-BE49-F238E27FC236}">
+                  <a16:creationId xmlns:a16="http://schemas.microsoft.com/office/drawing/2014/main" id="{B33985E1-945A-E83F-78CA-27F0421D542B}"/>
+                </a:ext>
+              </a:extLst>
+            </p:cNvPr>
+            <p:cNvSpPr>
+              <a:spLocks noChangeAspect="1"/>
+            </p:cNvSpPr>
+            <p:nvPr/>
+          </p:nvSpPr>
+          <p:spPr>
+            <a:xfrm rot="21104677">
+              <a:off x="2709393" y="3355061"/>
+              <a:ext cx="43200" cy="43200"/>
+            </a:xfrm>
+            <a:prstGeom prst="ellipse">
+              <a:avLst/>
+            </a:prstGeom>
+            <a:solidFill>
+              <a:srgbClr val="002060"/>
+            </a:solidFill>
+            <a:ln w="12700" cap="flat" cmpd="sng" algn="ctr">
+              <a:noFill/>
+              <a:prstDash val="solid"/>
+              <a:miter lim="800000"/>
+            </a:ln>
+            <a:effectLst/>
+          </p:spPr>
+          <p:txBody>
+            <a:bodyPr rtlCol="0" anchor="ctr"/>
+            <a:lstStyle/>
+            <a:p>
+              <a:pPr marL="0" marR="0" lvl="0" indent="0" algn="ctr" defTabSz="914377" eaLnBrk="1" fontAlgn="auto" latinLnBrk="0" hangingPunct="1">
+                <a:lnSpc>
+                  <a:spcPct val="130000"/>
+                </a:lnSpc>
+                <a:spcBef>
+                  <a:spcPts val="0"/>
+                </a:spcBef>
+                <a:spcAft>
+                  <a:spcPts val="0"/>
+                </a:spcAft>
+                <a:buClrTx/>
+                <a:buSzTx/>
+                <a:buFontTx/>
+                <a:buNone/>
+                <a:tabLst/>
+                <a:defRPr/>
+              </a:pPr>
+              <a:endParaRPr kumimoji="0" lang="en-TW" sz="1200" b="0" i="0" u="none" strike="noStrike" kern="0" cap="none" spc="0" normalizeH="0" baseline="0" noProof="0" dirty="0">
+                <a:ln>
+                  <a:noFill/>
+                </a:ln>
+                <a:solidFill>
+                  <a:srgbClr val="FFFFFF"/>
+                </a:solidFill>
+                <a:effectLst/>
+                <a:uLnTx/>
+                <a:uFillTx/>
+                <a:latin typeface="微软雅黑" panose="020B0503020204020204" pitchFamily="34" charset="-122"/>
+                <a:ea typeface="微软雅黑" panose="020B0503020204020204" pitchFamily="34" charset="-122"/>
+                <a:cs typeface="+mn-cs"/>
+              </a:endParaRPr>
+            </a:p>
+          </p:txBody>
+        </p:sp>
+        <p:sp>
+          <p:nvSpPr>
+            <p:cNvPr id="64" name="Oval 63">
+              <a:extLst>
+                <a:ext uri="{FF2B5EF4-FFF2-40B4-BE49-F238E27FC236}">
+                  <a16:creationId xmlns:a16="http://schemas.microsoft.com/office/drawing/2014/main" id="{5B38AF99-FA98-A611-6505-457974B3B075}"/>
+                </a:ext>
+              </a:extLst>
+            </p:cNvPr>
+            <p:cNvSpPr>
+              <a:spLocks noChangeAspect="1"/>
+            </p:cNvSpPr>
+            <p:nvPr/>
+          </p:nvSpPr>
+          <p:spPr>
+            <a:xfrm rot="21104677">
+              <a:off x="2736475" y="3384615"/>
+              <a:ext cx="43200" cy="43200"/>
+            </a:xfrm>
+            <a:prstGeom prst="ellipse">
+              <a:avLst/>
+            </a:prstGeom>
+            <a:solidFill>
+              <a:srgbClr val="002060"/>
+            </a:solidFill>
+            <a:ln w="12700" cap="flat" cmpd="sng" algn="ctr">
+              <a:noFill/>
+              <a:prstDash val="solid"/>
+              <a:miter lim="800000"/>
+            </a:ln>
+            <a:effectLst/>
+          </p:spPr>
+          <p:txBody>
+            <a:bodyPr rtlCol="0" anchor="ctr"/>
+            <a:lstStyle/>
+            <a:p>
+              <a:pPr marL="0" marR="0" lvl="0" indent="0" algn="ctr" defTabSz="914377" eaLnBrk="1" fontAlgn="auto" latinLnBrk="0" hangingPunct="1">
+                <a:lnSpc>
+                  <a:spcPct val="130000"/>
+                </a:lnSpc>
+                <a:spcBef>
+                  <a:spcPts val="0"/>
+                </a:spcBef>
+                <a:spcAft>
+                  <a:spcPts val="0"/>
+                </a:spcAft>
+                <a:buClrTx/>
+                <a:buSzTx/>
+                <a:buFontTx/>
+                <a:buNone/>
+                <a:tabLst/>
+                <a:defRPr/>
+              </a:pPr>
+              <a:endParaRPr kumimoji="0" lang="en-TW" sz="1200" b="0" i="0" u="none" strike="noStrike" kern="0" cap="none" spc="0" normalizeH="0" baseline="0" noProof="0" dirty="0">
+                <a:ln>
+                  <a:noFill/>
+                </a:ln>
+                <a:solidFill>
+                  <a:srgbClr val="FFFFFF"/>
+                </a:solidFill>
+                <a:effectLst/>
+                <a:uLnTx/>
+                <a:uFillTx/>
+                <a:latin typeface="微软雅黑" panose="020B0503020204020204" pitchFamily="34" charset="-122"/>
+                <a:ea typeface="微软雅黑" panose="020B0503020204020204" pitchFamily="34" charset="-122"/>
+                <a:cs typeface="+mn-cs"/>
+              </a:endParaRPr>
+            </a:p>
+          </p:txBody>
+        </p:sp>
+        <p:sp>
+          <p:nvSpPr>
+            <p:cNvPr id="65" name="Oval 64">
+              <a:extLst>
+                <a:ext uri="{FF2B5EF4-FFF2-40B4-BE49-F238E27FC236}">
+                  <a16:creationId xmlns:a16="http://schemas.microsoft.com/office/drawing/2014/main" id="{8A66E90F-9607-010A-70C3-25193048F06B}"/>
+                </a:ext>
+              </a:extLst>
+            </p:cNvPr>
+            <p:cNvSpPr>
+              <a:spLocks noChangeAspect="1"/>
+            </p:cNvSpPr>
+            <p:nvPr/>
+          </p:nvSpPr>
+          <p:spPr>
+            <a:xfrm rot="21104677">
+              <a:off x="2690662" y="3327077"/>
+              <a:ext cx="43200" cy="43200"/>
+            </a:xfrm>
+            <a:prstGeom prst="ellipse">
+              <a:avLst/>
+            </a:prstGeom>
+            <a:solidFill>
+              <a:srgbClr val="002060"/>
+            </a:solidFill>
+            <a:ln w="12700" cap="flat" cmpd="sng" algn="ctr">
+              <a:noFill/>
+              <a:prstDash val="solid"/>
+              <a:miter lim="800000"/>
+            </a:ln>
+            <a:effectLst/>
+          </p:spPr>
+          <p:txBody>
+            <a:bodyPr rtlCol="0" anchor="ctr"/>
+            <a:lstStyle/>
+            <a:p>
+              <a:pPr marL="0" marR="0" lvl="0" indent="0" algn="ctr" defTabSz="914377" eaLnBrk="1" fontAlgn="auto" latinLnBrk="0" hangingPunct="1">
+                <a:lnSpc>
+                  <a:spcPct val="130000"/>
+                </a:lnSpc>
+                <a:spcBef>
+                  <a:spcPts val="0"/>
+                </a:spcBef>
+                <a:spcAft>
+                  <a:spcPts val="0"/>
+                </a:spcAft>
+                <a:buClrTx/>
+                <a:buSzTx/>
+                <a:buFontTx/>
+                <a:buNone/>
+                <a:tabLst/>
+                <a:defRPr/>
+              </a:pPr>
+              <a:endParaRPr kumimoji="0" lang="en-TW" sz="1200" b="0" i="0" u="none" strike="noStrike" kern="0" cap="none" spc="0" normalizeH="0" baseline="0" noProof="0" dirty="0">
+                <a:ln>
+                  <a:noFill/>
+                </a:ln>
+                <a:solidFill>
+                  <a:srgbClr val="FFFFFF"/>
+                </a:solidFill>
+                <a:effectLst/>
+                <a:uLnTx/>
+                <a:uFillTx/>
+                <a:latin typeface="微软雅黑" panose="020B0503020204020204" pitchFamily="34" charset="-122"/>
+                <a:ea typeface="微软雅黑" panose="020B0503020204020204" pitchFamily="34" charset="-122"/>
+                <a:cs typeface="+mn-cs"/>
+              </a:endParaRPr>
+            </a:p>
+          </p:txBody>
+        </p:sp>
+      </p:grpSp>
+      <p:sp>
+        <p:nvSpPr>
+          <p:cNvPr id="29" name="Oval 28">
+            <a:extLst>
+              <a:ext uri="{FF2B5EF4-FFF2-40B4-BE49-F238E27FC236}">
+                <a16:creationId xmlns:a16="http://schemas.microsoft.com/office/drawing/2014/main" id="{2F30BDFE-D61E-C947-364E-332186C34746}"/>
+              </a:ext>
+            </a:extLst>
+          </p:cNvPr>
+          <p:cNvSpPr>
+            <a:spLocks noChangeAspect="1"/>
+          </p:cNvSpPr>
+          <p:nvPr/>
+        </p:nvSpPr>
+        <p:spPr>
+          <a:xfrm rot="21104677">
+            <a:off x="6697621" y="2629823"/>
+            <a:ext cx="43200" cy="43200"/>
+          </a:xfrm>
+          <a:prstGeom prst="ellipse">
+            <a:avLst/>
+          </a:prstGeom>
+          <a:solidFill>
+            <a:srgbClr val="002060"/>
+          </a:solidFill>
+          <a:ln w="12700" cap="flat" cmpd="sng" algn="ctr">
+            <a:noFill/>
+            <a:prstDash val="solid"/>
+            <a:miter lim="800000"/>
+          </a:ln>
+          <a:effectLst/>
+        </p:spPr>
+        <p:txBody>
+          <a:bodyPr rtlCol="0" anchor="ctr"/>
+          <a:lstStyle/>
+          <a:p>
+            <a:pPr marL="0" marR="0" lvl="0" indent="0" algn="ctr" defTabSz="914377" eaLnBrk="1" fontAlgn="auto" latinLnBrk="0" hangingPunct="1">
+              <a:lnSpc>
+                <a:spcPct val="130000"/>
+              </a:lnSpc>
+              <a:spcBef>
+                <a:spcPts val="0"/>
+              </a:spcBef>
+              <a:spcAft>
+                <a:spcPts val="0"/>
+              </a:spcAft>
+              <a:buClrTx/>
+              <a:buSzTx/>
+              <a:buFontTx/>
+              <a:buNone/>
+              <a:tabLst/>
+              <a:defRPr/>
+            </a:pPr>
+            <a:endParaRPr kumimoji="0" lang="en-TW" sz="1200" b="0" i="0" u="none" strike="noStrike" kern="0" cap="none" spc="0" normalizeH="0" baseline="0" noProof="0" dirty="0">
+              <a:ln>
+                <a:noFill/>
+              </a:ln>
+              <a:solidFill>
+                <a:srgbClr val="FFFFFF"/>
+              </a:solidFill>
+              <a:effectLst/>
+              <a:uLnTx/>
+              <a:uFillTx/>
+              <a:latin typeface="微软雅黑" panose="020B0503020204020204" pitchFamily="34" charset="-122"/>
+              <a:ea typeface="微软雅黑" panose="020B0503020204020204" pitchFamily="34" charset="-122"/>
+              <a:cs typeface="+mn-cs"/>
+            </a:endParaRPr>
+          </a:p>
+        </p:txBody>
+      </p:sp>
+      <p:sp>
+        <p:nvSpPr>
+          <p:cNvPr id="30" name="Oval 29">
+            <a:extLst>
+              <a:ext uri="{FF2B5EF4-FFF2-40B4-BE49-F238E27FC236}">
+                <a16:creationId xmlns:a16="http://schemas.microsoft.com/office/drawing/2014/main" id="{C0BD3671-AF45-5F41-A6D8-485F741727F6}"/>
+              </a:ext>
+            </a:extLst>
+          </p:cNvPr>
+          <p:cNvSpPr>
+            <a:spLocks noChangeAspect="1"/>
+          </p:cNvSpPr>
+          <p:nvPr/>
+        </p:nvSpPr>
+        <p:spPr>
+          <a:xfrm rot="21104677">
+            <a:off x="6879380" y="2633879"/>
+            <a:ext cx="43200" cy="43200"/>
+          </a:xfrm>
+          <a:prstGeom prst="ellipse">
+            <a:avLst/>
+          </a:prstGeom>
+          <a:solidFill>
+            <a:srgbClr val="002060"/>
+          </a:solidFill>
+          <a:ln w="12700" cap="flat" cmpd="sng" algn="ctr">
+            <a:noFill/>
+            <a:prstDash val="solid"/>
+            <a:miter lim="800000"/>
+          </a:ln>
+          <a:effectLst/>
+        </p:spPr>
+        <p:txBody>
+          <a:bodyPr rtlCol="0" anchor="ctr"/>
+          <a:lstStyle/>
+          <a:p>
+            <a:pPr marL="0" marR="0" lvl="0" indent="0" algn="ctr" defTabSz="914377" eaLnBrk="1" fontAlgn="auto" latinLnBrk="0" hangingPunct="1">
+              <a:lnSpc>
+                <a:spcPct val="130000"/>
+              </a:lnSpc>
+              <a:spcBef>
+                <a:spcPts val="0"/>
+              </a:spcBef>
+              <a:spcAft>
+                <a:spcPts val="0"/>
+              </a:spcAft>
+              <a:buClrTx/>
+              <a:buSzTx/>
+              <a:buFontTx/>
+              <a:buNone/>
+              <a:tabLst/>
+              <a:defRPr/>
+            </a:pPr>
+            <a:endParaRPr kumimoji="0" lang="en-TW" sz="1200" b="0" i="0" u="none" strike="noStrike" kern="0" cap="none" spc="0" normalizeH="0" baseline="0" noProof="0" dirty="0">
+              <a:ln>
+                <a:noFill/>
+              </a:ln>
+              <a:solidFill>
+                <a:srgbClr val="FFFFFF"/>
+              </a:solidFill>
+              <a:effectLst/>
+              <a:uLnTx/>
+              <a:uFillTx/>
+              <a:latin typeface="微软雅黑" panose="020B0503020204020204" pitchFamily="34" charset="-122"/>
+              <a:ea typeface="微软雅黑" panose="020B0503020204020204" pitchFamily="34" charset="-122"/>
+              <a:cs typeface="+mn-cs"/>
+            </a:endParaRPr>
+          </a:p>
+        </p:txBody>
+      </p:sp>
+      <p:sp>
+        <p:nvSpPr>
+          <p:cNvPr id="31" name="Oval 30">
+            <a:extLst>
+              <a:ext uri="{FF2B5EF4-FFF2-40B4-BE49-F238E27FC236}">
+                <a16:creationId xmlns:a16="http://schemas.microsoft.com/office/drawing/2014/main" id="{7908448B-B7C9-8F01-DF34-CE5AE7403DF4}"/>
+              </a:ext>
+            </a:extLst>
+          </p:cNvPr>
+          <p:cNvSpPr>
+            <a:spLocks noChangeAspect="1"/>
+          </p:cNvSpPr>
+          <p:nvPr/>
+        </p:nvSpPr>
+        <p:spPr>
+          <a:xfrm rot="21104677">
+            <a:off x="6889492" y="2717642"/>
+            <a:ext cx="43200" cy="43200"/>
+          </a:xfrm>
+          <a:prstGeom prst="ellipse">
+            <a:avLst/>
+          </a:prstGeom>
+          <a:solidFill>
+            <a:srgbClr val="002060"/>
+          </a:solidFill>
+          <a:ln w="12700" cap="flat" cmpd="sng" algn="ctr">
+            <a:noFill/>
+            <a:prstDash val="solid"/>
+            <a:miter lim="800000"/>
+          </a:ln>
+          <a:effectLst/>
+        </p:spPr>
+        <p:txBody>
+          <a:bodyPr rtlCol="0" anchor="ctr"/>
+          <a:lstStyle/>
+          <a:p>
+            <a:pPr marL="0" marR="0" lvl="0" indent="0" algn="ctr" defTabSz="914377" eaLnBrk="1" fontAlgn="auto" latinLnBrk="0" hangingPunct="1">
+              <a:lnSpc>
+                <a:spcPct val="130000"/>
+              </a:lnSpc>
+              <a:spcBef>
+                <a:spcPts val="0"/>
+              </a:spcBef>
+              <a:spcAft>
+                <a:spcPts val="0"/>
+              </a:spcAft>
+              <a:buClrTx/>
+              <a:buSzTx/>
+              <a:buFontTx/>
+              <a:buNone/>
+              <a:tabLst/>
+              <a:defRPr/>
+            </a:pPr>
+            <a:endParaRPr kumimoji="0" lang="en-TW" sz="1200" b="0" i="0" u="none" strike="noStrike" kern="0" cap="none" spc="0" normalizeH="0" baseline="0" noProof="0" dirty="0">
+              <a:ln>
+                <a:noFill/>
+              </a:ln>
+              <a:solidFill>
+                <a:srgbClr val="FFFFFF"/>
+              </a:solidFill>
+              <a:effectLst/>
+              <a:uLnTx/>
+              <a:uFillTx/>
+              <a:latin typeface="微软雅黑" panose="020B0503020204020204" pitchFamily="34" charset="-122"/>
+              <a:ea typeface="微软雅黑" panose="020B0503020204020204" pitchFamily="34" charset="-122"/>
+              <a:cs typeface="+mn-cs"/>
+            </a:endParaRPr>
+          </a:p>
+        </p:txBody>
+      </p:sp>
+      <p:sp>
+        <p:nvSpPr>
+          <p:cNvPr id="32" name="Oval 31">
+            <a:extLst>
+              <a:ext uri="{FF2B5EF4-FFF2-40B4-BE49-F238E27FC236}">
+                <a16:creationId xmlns:a16="http://schemas.microsoft.com/office/drawing/2014/main" id="{A5685EA6-28E3-79BB-15A8-E04D8B4ECEAC}"/>
+              </a:ext>
+            </a:extLst>
+          </p:cNvPr>
+          <p:cNvSpPr>
+            <a:spLocks noChangeAspect="1"/>
+          </p:cNvSpPr>
+          <p:nvPr/>
+        </p:nvSpPr>
+        <p:spPr>
+          <a:xfrm rot="21104677">
+            <a:off x="6891801" y="2563413"/>
+            <a:ext cx="43200" cy="43200"/>
+          </a:xfrm>
+          <a:prstGeom prst="ellipse">
+            <a:avLst/>
+          </a:prstGeom>
+          <a:solidFill>
+            <a:srgbClr val="002060"/>
+          </a:solidFill>
+          <a:ln w="12700" cap="flat" cmpd="sng" algn="ctr">
+            <a:noFill/>
+            <a:prstDash val="solid"/>
+            <a:miter lim="800000"/>
+          </a:ln>
+          <a:effectLst/>
+        </p:spPr>
+        <p:txBody>
+          <a:bodyPr rtlCol="0" anchor="ctr"/>
+          <a:lstStyle/>
+          <a:p>
+            <a:pPr marL="0" marR="0" lvl="0" indent="0" algn="ctr" defTabSz="914377" eaLnBrk="1" fontAlgn="auto" latinLnBrk="0" hangingPunct="1">
+              <a:lnSpc>
+                <a:spcPct val="130000"/>
+              </a:lnSpc>
+              <a:spcBef>
+                <a:spcPts val="0"/>
+              </a:spcBef>
+              <a:spcAft>
+                <a:spcPts val="0"/>
+              </a:spcAft>
+              <a:buClrTx/>
+              <a:buSzTx/>
+              <a:buFontTx/>
+              <a:buNone/>
+              <a:tabLst/>
+              <a:defRPr/>
+            </a:pPr>
+            <a:endParaRPr kumimoji="0" lang="en-TW" sz="1200" b="0" i="0" u="none" strike="noStrike" kern="0" cap="none" spc="0" normalizeH="0" baseline="0" noProof="0" dirty="0">
+              <a:ln>
+                <a:noFill/>
+              </a:ln>
+              <a:solidFill>
+                <a:srgbClr val="FFFFFF"/>
+              </a:solidFill>
+              <a:effectLst/>
+              <a:uLnTx/>
+              <a:uFillTx/>
+              <a:latin typeface="微软雅黑" panose="020B0503020204020204" pitchFamily="34" charset="-122"/>
+              <a:ea typeface="微软雅黑" panose="020B0503020204020204" pitchFamily="34" charset="-122"/>
+              <a:cs typeface="+mn-cs"/>
+            </a:endParaRPr>
+          </a:p>
+        </p:txBody>
+      </p:sp>
+      <p:sp>
+        <p:nvSpPr>
+          <p:cNvPr id="33" name="Oval 32">
+            <a:extLst>
+              <a:ext uri="{FF2B5EF4-FFF2-40B4-BE49-F238E27FC236}">
+                <a16:creationId xmlns:a16="http://schemas.microsoft.com/office/drawing/2014/main" id="{D23AB387-B502-3943-C39B-2BAF94DECF94}"/>
+              </a:ext>
+            </a:extLst>
+          </p:cNvPr>
+          <p:cNvSpPr>
+            <a:spLocks noChangeAspect="1"/>
+          </p:cNvSpPr>
+          <p:nvPr/>
+        </p:nvSpPr>
+        <p:spPr>
+          <a:xfrm rot="21104677">
+            <a:off x="6962569" y="2647171"/>
+            <a:ext cx="43200" cy="43200"/>
+          </a:xfrm>
+          <a:prstGeom prst="ellipse">
+            <a:avLst/>
+          </a:prstGeom>
+          <a:solidFill>
+            <a:srgbClr val="002060"/>
+          </a:solidFill>
+          <a:ln w="12700" cap="flat" cmpd="sng" algn="ctr">
+            <a:noFill/>
+            <a:prstDash val="solid"/>
+            <a:miter lim="800000"/>
+          </a:ln>
+          <a:effectLst/>
+        </p:spPr>
+        <p:txBody>
+          <a:bodyPr rtlCol="0" anchor="ctr"/>
+          <a:lstStyle/>
+          <a:p>
+            <a:pPr marL="0" marR="0" lvl="0" indent="0" algn="ctr" defTabSz="914377" eaLnBrk="1" fontAlgn="auto" latinLnBrk="0" hangingPunct="1">
+              <a:lnSpc>
+                <a:spcPct val="130000"/>
+              </a:lnSpc>
+              <a:spcBef>
+                <a:spcPts val="0"/>
+              </a:spcBef>
+              <a:spcAft>
+                <a:spcPts val="0"/>
+              </a:spcAft>
+              <a:buClrTx/>
+              <a:buSzTx/>
+              <a:buFontTx/>
+              <a:buNone/>
+              <a:tabLst/>
+              <a:defRPr/>
+            </a:pPr>
+            <a:endParaRPr kumimoji="0" lang="en-TW" sz="1200" b="0" i="0" u="none" strike="noStrike" kern="0" cap="none" spc="0" normalizeH="0" baseline="0" noProof="0" dirty="0">
+              <a:ln>
+                <a:noFill/>
+              </a:ln>
+              <a:solidFill>
+                <a:srgbClr val="FFFFFF"/>
+              </a:solidFill>
+              <a:effectLst/>
+              <a:uLnTx/>
+              <a:uFillTx/>
+              <a:latin typeface="微软雅黑" panose="020B0503020204020204" pitchFamily="34" charset="-122"/>
+              <a:ea typeface="微软雅黑" panose="020B0503020204020204" pitchFamily="34" charset="-122"/>
+              <a:cs typeface="+mn-cs"/>
+            </a:endParaRPr>
+          </a:p>
+        </p:txBody>
+      </p:sp>
+      <p:sp>
+        <p:nvSpPr>
+          <p:cNvPr id="34" name="Oval 33">
+            <a:extLst>
+              <a:ext uri="{FF2B5EF4-FFF2-40B4-BE49-F238E27FC236}">
+                <a16:creationId xmlns:a16="http://schemas.microsoft.com/office/drawing/2014/main" id="{293606AB-D434-F7C1-BAA9-8779250C79F5}"/>
+              </a:ext>
+            </a:extLst>
+          </p:cNvPr>
+          <p:cNvSpPr>
+            <a:spLocks noChangeAspect="1"/>
+          </p:cNvSpPr>
+          <p:nvPr/>
+        </p:nvSpPr>
+        <p:spPr>
+          <a:xfrm rot="21104677">
+            <a:off x="6786881" y="2515986"/>
+            <a:ext cx="43200" cy="43200"/>
+          </a:xfrm>
+          <a:prstGeom prst="ellipse">
+            <a:avLst/>
+          </a:prstGeom>
+          <a:solidFill>
+            <a:srgbClr val="002060"/>
+          </a:solidFill>
+          <a:ln w="12700" cap="flat" cmpd="sng" algn="ctr">
+            <a:noFill/>
+            <a:prstDash val="solid"/>
+            <a:miter lim="800000"/>
+          </a:ln>
+          <a:effectLst/>
+        </p:spPr>
+        <p:txBody>
+          <a:bodyPr rtlCol="0" anchor="ctr"/>
+          <a:lstStyle/>
+          <a:p>
+            <a:pPr marL="0" marR="0" lvl="0" indent="0" algn="ctr" defTabSz="914377" eaLnBrk="1" fontAlgn="auto" latinLnBrk="0" hangingPunct="1">
+              <a:lnSpc>
+                <a:spcPct val="130000"/>
+              </a:lnSpc>
+              <a:spcBef>
+                <a:spcPts val="0"/>
+              </a:spcBef>
+              <a:spcAft>
+                <a:spcPts val="0"/>
+              </a:spcAft>
+              <a:buClrTx/>
+              <a:buSzTx/>
+              <a:buFontTx/>
+              <a:buNone/>
+              <a:tabLst/>
+              <a:defRPr/>
+            </a:pPr>
+            <a:endParaRPr kumimoji="0" lang="en-TW" sz="1200" b="0" i="0" u="none" strike="noStrike" kern="0" cap="none" spc="0" normalizeH="0" baseline="0" noProof="0" dirty="0">
+              <a:ln>
+                <a:noFill/>
+              </a:ln>
+              <a:solidFill>
+                <a:srgbClr val="FFFFFF"/>
+              </a:solidFill>
+              <a:effectLst/>
+              <a:uLnTx/>
+              <a:uFillTx/>
+              <a:latin typeface="微软雅黑" panose="020B0503020204020204" pitchFamily="34" charset="-122"/>
+              <a:ea typeface="微软雅黑" panose="020B0503020204020204" pitchFamily="34" charset="-122"/>
+              <a:cs typeface="+mn-cs"/>
+            </a:endParaRPr>
+          </a:p>
+        </p:txBody>
+      </p:sp>
+      <p:sp>
+        <p:nvSpPr>
+          <p:cNvPr id="35" name="Oval 34">
+            <a:extLst>
+              <a:ext uri="{FF2B5EF4-FFF2-40B4-BE49-F238E27FC236}">
+                <a16:creationId xmlns:a16="http://schemas.microsoft.com/office/drawing/2014/main" id="{2AD40A3F-D3DA-40CF-DFEA-B6626D2EE5B4}"/>
+              </a:ext>
+            </a:extLst>
+          </p:cNvPr>
+          <p:cNvSpPr>
+            <a:spLocks noChangeAspect="1"/>
+          </p:cNvSpPr>
+          <p:nvPr/>
+        </p:nvSpPr>
+        <p:spPr>
+          <a:xfrm rot="21104677">
+            <a:off x="6903858" y="2488834"/>
+            <a:ext cx="43200" cy="43200"/>
+          </a:xfrm>
+          <a:prstGeom prst="ellipse">
+            <a:avLst/>
+          </a:prstGeom>
+          <a:solidFill>
+            <a:srgbClr val="002060"/>
+          </a:solidFill>
+          <a:ln w="12700" cap="flat" cmpd="sng" algn="ctr">
+            <a:noFill/>
+            <a:prstDash val="solid"/>
+            <a:miter lim="800000"/>
+          </a:ln>
+          <a:effectLst/>
+        </p:spPr>
+        <p:txBody>
+          <a:bodyPr rtlCol="0" anchor="ctr"/>
+          <a:lstStyle/>
+          <a:p>
+            <a:pPr marL="0" marR="0" lvl="0" indent="0" algn="ctr" defTabSz="914377" eaLnBrk="1" fontAlgn="auto" latinLnBrk="0" hangingPunct="1">
+              <a:lnSpc>
+                <a:spcPct val="130000"/>
+              </a:lnSpc>
+              <a:spcBef>
+                <a:spcPts val="0"/>
+              </a:spcBef>
+              <a:spcAft>
+                <a:spcPts val="0"/>
+              </a:spcAft>
+              <a:buClrTx/>
+              <a:buSzTx/>
+              <a:buFontTx/>
+              <a:buNone/>
+              <a:tabLst/>
+              <a:defRPr/>
+            </a:pPr>
+            <a:endParaRPr kumimoji="0" lang="en-TW" sz="1200" b="0" i="0" u="none" strike="noStrike" kern="0" cap="none" spc="0" normalizeH="0" baseline="0" noProof="0" dirty="0">
+              <a:ln>
+                <a:noFill/>
+              </a:ln>
+              <a:solidFill>
+                <a:srgbClr val="FFFFFF"/>
+              </a:solidFill>
+              <a:effectLst/>
+              <a:uLnTx/>
+              <a:uFillTx/>
+              <a:latin typeface="微软雅黑" panose="020B0503020204020204" pitchFamily="34" charset="-122"/>
+              <a:ea typeface="微软雅黑" panose="020B0503020204020204" pitchFamily="34" charset="-122"/>
+              <a:cs typeface="+mn-cs"/>
+            </a:endParaRPr>
+          </a:p>
+        </p:txBody>
+      </p:sp>
+      <p:sp>
+        <p:nvSpPr>
+          <p:cNvPr id="36" name="Oval 35">
+            <a:extLst>
+              <a:ext uri="{FF2B5EF4-FFF2-40B4-BE49-F238E27FC236}">
+                <a16:creationId xmlns:a16="http://schemas.microsoft.com/office/drawing/2014/main" id="{58A82C85-7DC6-CD91-0884-F1013C5FF10F}"/>
+              </a:ext>
+            </a:extLst>
+          </p:cNvPr>
+          <p:cNvSpPr>
+            <a:spLocks noChangeAspect="1"/>
+          </p:cNvSpPr>
+          <p:nvPr/>
+        </p:nvSpPr>
+        <p:spPr>
+          <a:xfrm rot="21104677">
+            <a:off x="7003438" y="2583865"/>
+            <a:ext cx="43200" cy="43200"/>
+          </a:xfrm>
+          <a:prstGeom prst="ellipse">
+            <a:avLst/>
+          </a:prstGeom>
+          <a:solidFill>
+            <a:srgbClr val="002060"/>
+          </a:solidFill>
+          <a:ln w="12700" cap="flat" cmpd="sng" algn="ctr">
+            <a:noFill/>
+            <a:prstDash val="solid"/>
+            <a:miter lim="800000"/>
+          </a:ln>
+          <a:effectLst/>
+        </p:spPr>
+        <p:txBody>
+          <a:bodyPr rtlCol="0" anchor="ctr"/>
+          <a:lstStyle/>
+          <a:p>
+            <a:pPr marL="0" marR="0" lvl="0" indent="0" algn="ctr" defTabSz="914377" eaLnBrk="1" fontAlgn="auto" latinLnBrk="0" hangingPunct="1">
+              <a:lnSpc>
+                <a:spcPct val="130000"/>
+              </a:lnSpc>
+              <a:spcBef>
+                <a:spcPts val="0"/>
+              </a:spcBef>
+              <a:spcAft>
+                <a:spcPts val="0"/>
+              </a:spcAft>
+              <a:buClrTx/>
+              <a:buSzTx/>
+              <a:buFontTx/>
+              <a:buNone/>
+              <a:tabLst/>
+              <a:defRPr/>
+            </a:pPr>
+            <a:endParaRPr kumimoji="0" lang="en-TW" sz="1200" b="0" i="0" u="none" strike="noStrike" kern="0" cap="none" spc="0" normalizeH="0" baseline="0" noProof="0" dirty="0">
+              <a:ln>
+                <a:noFill/>
+              </a:ln>
+              <a:solidFill>
+                <a:srgbClr val="FFFFFF"/>
+              </a:solidFill>
+              <a:effectLst/>
+              <a:uLnTx/>
+              <a:uFillTx/>
+              <a:latin typeface="微软雅黑" panose="020B0503020204020204" pitchFamily="34" charset="-122"/>
+              <a:ea typeface="微软雅黑" panose="020B0503020204020204" pitchFamily="34" charset="-122"/>
+              <a:cs typeface="+mn-cs"/>
+            </a:endParaRPr>
+          </a:p>
+        </p:txBody>
+      </p:sp>
+      <p:sp>
+        <p:nvSpPr>
+          <p:cNvPr id="37" name="Oval 36">
+            <a:extLst>
+              <a:ext uri="{FF2B5EF4-FFF2-40B4-BE49-F238E27FC236}">
+                <a16:creationId xmlns:a16="http://schemas.microsoft.com/office/drawing/2014/main" id="{3F59CEE2-7091-80C5-CB28-35121BCC864E}"/>
+              </a:ext>
+            </a:extLst>
+          </p:cNvPr>
+          <p:cNvSpPr>
+            <a:spLocks noChangeAspect="1"/>
+          </p:cNvSpPr>
+          <p:nvPr/>
+        </p:nvSpPr>
+        <p:spPr>
+          <a:xfrm rot="21104677">
+            <a:off x="6741067" y="2717643"/>
+            <a:ext cx="43200" cy="43200"/>
+          </a:xfrm>
+          <a:prstGeom prst="ellipse">
+            <a:avLst/>
+          </a:prstGeom>
+          <a:solidFill>
+            <a:srgbClr val="002060"/>
+          </a:solidFill>
+          <a:ln w="12700" cap="flat" cmpd="sng" algn="ctr">
+            <a:noFill/>
+            <a:prstDash val="solid"/>
+            <a:miter lim="800000"/>
+          </a:ln>
+          <a:effectLst/>
+        </p:spPr>
+        <p:txBody>
+          <a:bodyPr rtlCol="0" anchor="ctr"/>
+          <a:lstStyle/>
+          <a:p>
+            <a:pPr marL="0" marR="0" lvl="0" indent="0" algn="ctr" defTabSz="914377" eaLnBrk="1" fontAlgn="auto" latinLnBrk="0" hangingPunct="1">
+              <a:lnSpc>
+                <a:spcPct val="130000"/>
+              </a:lnSpc>
+              <a:spcBef>
+                <a:spcPts val="0"/>
+              </a:spcBef>
+              <a:spcAft>
+                <a:spcPts val="0"/>
+              </a:spcAft>
+              <a:buClrTx/>
+              <a:buSzTx/>
+              <a:buFontTx/>
+              <a:buNone/>
+              <a:tabLst/>
+              <a:defRPr/>
+            </a:pPr>
+            <a:endParaRPr kumimoji="0" lang="en-TW" sz="1200" b="0" i="0" u="none" strike="noStrike" kern="0" cap="none" spc="0" normalizeH="0" baseline="0" noProof="0" dirty="0">
+              <a:ln>
+                <a:noFill/>
+              </a:ln>
+              <a:solidFill>
+                <a:srgbClr val="FFFFFF"/>
+              </a:solidFill>
+              <a:effectLst/>
+              <a:uLnTx/>
+              <a:uFillTx/>
+              <a:latin typeface="微软雅黑" panose="020B0503020204020204" pitchFamily="34" charset="-122"/>
+              <a:ea typeface="微软雅黑" panose="020B0503020204020204" pitchFamily="34" charset="-122"/>
+              <a:cs typeface="+mn-cs"/>
+            </a:endParaRPr>
+          </a:p>
+        </p:txBody>
+      </p:sp>
+      <p:sp>
+        <p:nvSpPr>
+          <p:cNvPr id="38" name="Oval 37">
+            <a:extLst>
+              <a:ext uri="{FF2B5EF4-FFF2-40B4-BE49-F238E27FC236}">
+                <a16:creationId xmlns:a16="http://schemas.microsoft.com/office/drawing/2014/main" id="{72944148-D430-205B-A66D-2F62455D16E4}"/>
+              </a:ext>
+            </a:extLst>
+          </p:cNvPr>
+          <p:cNvSpPr>
+            <a:spLocks noChangeAspect="1"/>
+          </p:cNvSpPr>
+          <p:nvPr/>
+        </p:nvSpPr>
+        <p:spPr>
+          <a:xfrm rot="21104677">
+            <a:off x="6797200" y="2595537"/>
+            <a:ext cx="43200" cy="43200"/>
+          </a:xfrm>
+          <a:prstGeom prst="ellipse">
+            <a:avLst/>
+          </a:prstGeom>
+          <a:solidFill>
+            <a:srgbClr val="002060"/>
+          </a:solidFill>
+          <a:ln w="12700" cap="flat" cmpd="sng" algn="ctr">
+            <a:noFill/>
+            <a:prstDash val="solid"/>
+            <a:miter lim="800000"/>
+          </a:ln>
+          <a:effectLst/>
+        </p:spPr>
+        <p:txBody>
+          <a:bodyPr rtlCol="0" anchor="ctr"/>
+          <a:lstStyle/>
+          <a:p>
+            <a:pPr marL="0" marR="0" lvl="0" indent="0" algn="ctr" defTabSz="914377" eaLnBrk="1" fontAlgn="auto" latinLnBrk="0" hangingPunct="1">
+              <a:lnSpc>
+                <a:spcPct val="130000"/>
+              </a:lnSpc>
+              <a:spcBef>
+                <a:spcPts val="0"/>
+              </a:spcBef>
+              <a:spcAft>
+                <a:spcPts val="0"/>
+              </a:spcAft>
+              <a:buClrTx/>
+              <a:buSzTx/>
+              <a:buFontTx/>
+              <a:buNone/>
+              <a:tabLst/>
+              <a:defRPr/>
+            </a:pPr>
+            <a:endParaRPr kumimoji="0" lang="en-TW" sz="1200" b="0" i="0" u="none" strike="noStrike" kern="0" cap="none" spc="0" normalizeH="0" baseline="0" noProof="0" dirty="0">
+              <a:ln>
+                <a:noFill/>
+              </a:ln>
+              <a:solidFill>
+                <a:srgbClr val="FFFFFF"/>
+              </a:solidFill>
+              <a:effectLst/>
+              <a:uLnTx/>
+              <a:uFillTx/>
+              <a:latin typeface="微软雅黑" panose="020B0503020204020204" pitchFamily="34" charset="-122"/>
+              <a:ea typeface="微软雅黑" panose="020B0503020204020204" pitchFamily="34" charset="-122"/>
+              <a:cs typeface="+mn-cs"/>
+            </a:endParaRPr>
+          </a:p>
+        </p:txBody>
+      </p:sp>
+      <p:sp>
+        <p:nvSpPr>
+          <p:cNvPr id="39" name="Oval 38">
+            <a:extLst>
+              <a:ext uri="{FF2B5EF4-FFF2-40B4-BE49-F238E27FC236}">
+                <a16:creationId xmlns:a16="http://schemas.microsoft.com/office/drawing/2014/main" id="{F762B202-982C-3B67-5B64-7A8843A1B0B9}"/>
+              </a:ext>
+            </a:extLst>
+          </p:cNvPr>
+          <p:cNvSpPr>
+            <a:spLocks noChangeAspect="1"/>
+          </p:cNvSpPr>
+          <p:nvPr/>
+        </p:nvSpPr>
+        <p:spPr>
+          <a:xfrm rot="21104677">
+            <a:off x="7117885" y="4096522"/>
+            <a:ext cx="43200" cy="43200"/>
+          </a:xfrm>
+          <a:prstGeom prst="ellipse">
+            <a:avLst/>
+          </a:prstGeom>
+          <a:solidFill>
+            <a:srgbClr val="002060"/>
+          </a:solidFill>
+          <a:ln w="12700" cap="flat" cmpd="sng" algn="ctr">
+            <a:noFill/>
+            <a:prstDash val="solid"/>
+            <a:miter lim="800000"/>
+          </a:ln>
+          <a:effectLst/>
+        </p:spPr>
+        <p:txBody>
+          <a:bodyPr rtlCol="0" anchor="ctr"/>
+          <a:lstStyle/>
+          <a:p>
+            <a:pPr marL="0" marR="0" lvl="0" indent="0" algn="ctr" defTabSz="914377" eaLnBrk="1" fontAlgn="auto" latinLnBrk="0" hangingPunct="1">
+              <a:lnSpc>
+                <a:spcPct val="130000"/>
+              </a:lnSpc>
+              <a:spcBef>
+                <a:spcPts val="0"/>
+              </a:spcBef>
+              <a:spcAft>
+                <a:spcPts val="0"/>
+              </a:spcAft>
+              <a:buClrTx/>
+              <a:buSzTx/>
+              <a:buFontTx/>
+              <a:buNone/>
+              <a:tabLst/>
+              <a:defRPr/>
+            </a:pPr>
+            <a:endParaRPr kumimoji="0" lang="en-TW" sz="1200" b="0" i="0" u="none" strike="noStrike" kern="0" cap="none" spc="0" normalizeH="0" baseline="0" noProof="0" dirty="0">
+              <a:ln>
+                <a:noFill/>
+              </a:ln>
+              <a:solidFill>
+                <a:srgbClr val="FFFFFF"/>
+              </a:solidFill>
+              <a:effectLst/>
+              <a:uLnTx/>
+              <a:uFillTx/>
+              <a:latin typeface="微软雅黑" panose="020B0503020204020204" pitchFamily="34" charset="-122"/>
+              <a:ea typeface="微软雅黑" panose="020B0503020204020204" pitchFamily="34" charset="-122"/>
+              <a:cs typeface="+mn-cs"/>
+            </a:endParaRPr>
+          </a:p>
+        </p:txBody>
+      </p:sp>
+      <p:sp>
+        <p:nvSpPr>
+          <p:cNvPr id="40" name="Oval 39">
+            <a:extLst>
+              <a:ext uri="{FF2B5EF4-FFF2-40B4-BE49-F238E27FC236}">
+                <a16:creationId xmlns:a16="http://schemas.microsoft.com/office/drawing/2014/main" id="{D3656CBB-9CB8-C1F2-0EB0-EAABCF8D9FCE}"/>
+              </a:ext>
+            </a:extLst>
+          </p:cNvPr>
+          <p:cNvSpPr>
+            <a:spLocks noChangeAspect="1"/>
+          </p:cNvSpPr>
+          <p:nvPr/>
+        </p:nvSpPr>
+        <p:spPr>
+          <a:xfrm rot="21104677">
+            <a:off x="7424411" y="4210531"/>
+            <a:ext cx="43200" cy="43200"/>
+          </a:xfrm>
+          <a:prstGeom prst="ellipse">
+            <a:avLst/>
+          </a:prstGeom>
+          <a:solidFill>
+            <a:srgbClr val="002060"/>
+          </a:solidFill>
+          <a:ln w="12700" cap="flat" cmpd="sng" algn="ctr">
+            <a:noFill/>
+            <a:prstDash val="solid"/>
+            <a:miter lim="800000"/>
+          </a:ln>
+          <a:effectLst/>
+        </p:spPr>
+        <p:txBody>
+          <a:bodyPr rtlCol="0" anchor="ctr"/>
+          <a:lstStyle/>
+          <a:p>
+            <a:pPr marL="0" marR="0" lvl="0" indent="0" algn="ctr" defTabSz="914377" eaLnBrk="1" fontAlgn="auto" latinLnBrk="0" hangingPunct="1">
+              <a:lnSpc>
+                <a:spcPct val="130000"/>
+              </a:lnSpc>
+              <a:spcBef>
+                <a:spcPts val="0"/>
+              </a:spcBef>
+              <a:spcAft>
+                <a:spcPts val="0"/>
+              </a:spcAft>
+              <a:buClrTx/>
+              <a:buSzTx/>
+              <a:buFontTx/>
+              <a:buNone/>
+              <a:tabLst/>
+              <a:defRPr/>
+            </a:pPr>
+            <a:endParaRPr kumimoji="0" lang="en-TW" sz="1200" b="0" i="0" u="none" strike="noStrike" kern="0" cap="none" spc="0" normalizeH="0" baseline="0" noProof="0" dirty="0">
+              <a:ln>
+                <a:noFill/>
+              </a:ln>
+              <a:solidFill>
+                <a:srgbClr val="FFFFFF"/>
+              </a:solidFill>
+              <a:effectLst/>
+              <a:uLnTx/>
+              <a:uFillTx/>
+              <a:latin typeface="微软雅黑" panose="020B0503020204020204" pitchFamily="34" charset="-122"/>
+              <a:ea typeface="微软雅黑" panose="020B0503020204020204" pitchFamily="34" charset="-122"/>
+              <a:cs typeface="+mn-cs"/>
+            </a:endParaRPr>
+          </a:p>
+        </p:txBody>
+      </p:sp>
+      <p:sp>
+        <p:nvSpPr>
+          <p:cNvPr id="41" name="Oval 40">
+            <a:extLst>
+              <a:ext uri="{FF2B5EF4-FFF2-40B4-BE49-F238E27FC236}">
+                <a16:creationId xmlns:a16="http://schemas.microsoft.com/office/drawing/2014/main" id="{B94AF7C8-F980-960A-0937-309D936AA3FB}"/>
+              </a:ext>
+            </a:extLst>
+          </p:cNvPr>
+          <p:cNvSpPr>
+            <a:spLocks noChangeAspect="1"/>
+          </p:cNvSpPr>
+          <p:nvPr/>
+        </p:nvSpPr>
+        <p:spPr>
+          <a:xfrm rot="21104677">
+            <a:off x="7561237" y="3865350"/>
+            <a:ext cx="43200" cy="43200"/>
+          </a:xfrm>
+          <a:prstGeom prst="ellipse">
+            <a:avLst/>
+          </a:prstGeom>
+          <a:solidFill>
+            <a:srgbClr val="002060"/>
+          </a:solidFill>
+          <a:ln w="12700" cap="flat" cmpd="sng" algn="ctr">
+            <a:noFill/>
+            <a:prstDash val="solid"/>
+            <a:miter lim="800000"/>
+          </a:ln>
+          <a:effectLst/>
+        </p:spPr>
+        <p:txBody>
+          <a:bodyPr rtlCol="0" anchor="ctr"/>
+          <a:lstStyle/>
+          <a:p>
+            <a:pPr marL="0" marR="0" lvl="0" indent="0" algn="ctr" defTabSz="914377" eaLnBrk="1" fontAlgn="auto" latinLnBrk="0" hangingPunct="1">
+              <a:lnSpc>
+                <a:spcPct val="130000"/>
+              </a:lnSpc>
+              <a:spcBef>
+                <a:spcPts val="0"/>
+              </a:spcBef>
+              <a:spcAft>
+                <a:spcPts val="0"/>
+              </a:spcAft>
+              <a:buClrTx/>
+              <a:buSzTx/>
+              <a:buFontTx/>
+              <a:buNone/>
+              <a:tabLst/>
+              <a:defRPr/>
+            </a:pPr>
+            <a:endParaRPr kumimoji="0" lang="en-TW" sz="1200" b="0" i="0" u="none" strike="noStrike" kern="0" cap="none" spc="0" normalizeH="0" baseline="0" noProof="0" dirty="0">
+              <a:ln>
+                <a:noFill/>
+              </a:ln>
+              <a:solidFill>
+                <a:srgbClr val="FFFFFF"/>
+              </a:solidFill>
+              <a:effectLst/>
+              <a:uLnTx/>
+              <a:uFillTx/>
+              <a:latin typeface="微软雅黑" panose="020B0503020204020204" pitchFamily="34" charset="-122"/>
+              <a:ea typeface="微软雅黑" panose="020B0503020204020204" pitchFamily="34" charset="-122"/>
+              <a:cs typeface="+mn-cs"/>
+            </a:endParaRPr>
+          </a:p>
+        </p:txBody>
+      </p:sp>
+      <p:sp>
+        <p:nvSpPr>
+          <p:cNvPr id="42" name="Oval 41">
+            <a:extLst>
+              <a:ext uri="{FF2B5EF4-FFF2-40B4-BE49-F238E27FC236}">
+                <a16:creationId xmlns:a16="http://schemas.microsoft.com/office/drawing/2014/main" id="{3D871992-8A7E-FCFF-CD31-DA7B56BF18E1}"/>
+              </a:ext>
+            </a:extLst>
+          </p:cNvPr>
+          <p:cNvSpPr>
+            <a:spLocks noChangeAspect="1"/>
+          </p:cNvSpPr>
+          <p:nvPr/>
+        </p:nvSpPr>
+        <p:spPr>
+          <a:xfrm rot="21104677">
+            <a:off x="7599411" y="4167667"/>
+            <a:ext cx="43200" cy="43200"/>
+          </a:xfrm>
+          <a:prstGeom prst="ellipse">
+            <a:avLst/>
+          </a:prstGeom>
+          <a:solidFill>
+            <a:srgbClr val="002060"/>
+          </a:solidFill>
+          <a:ln w="12700" cap="flat" cmpd="sng" algn="ctr">
+            <a:noFill/>
+            <a:prstDash val="solid"/>
+            <a:miter lim="800000"/>
+          </a:ln>
+          <a:effectLst/>
+        </p:spPr>
+        <p:txBody>
+          <a:bodyPr rtlCol="0" anchor="ctr"/>
+          <a:lstStyle/>
+          <a:p>
+            <a:pPr marL="0" marR="0" lvl="0" indent="0" algn="ctr" defTabSz="914377" eaLnBrk="1" fontAlgn="auto" latinLnBrk="0" hangingPunct="1">
+              <a:lnSpc>
+                <a:spcPct val="130000"/>
+              </a:lnSpc>
+              <a:spcBef>
+                <a:spcPts val="0"/>
+              </a:spcBef>
+              <a:spcAft>
+                <a:spcPts val="0"/>
+              </a:spcAft>
+              <a:buClrTx/>
+              <a:buSzTx/>
+              <a:buFontTx/>
+              <a:buNone/>
+              <a:tabLst/>
+              <a:defRPr/>
+            </a:pPr>
+            <a:endParaRPr kumimoji="0" lang="en-TW" sz="1200" b="0" i="0" u="none" strike="noStrike" kern="0" cap="none" spc="0" normalizeH="0" baseline="0" noProof="0" dirty="0">
+              <a:ln>
+                <a:noFill/>
+              </a:ln>
+              <a:solidFill>
+                <a:srgbClr val="FFFFFF"/>
+              </a:solidFill>
+              <a:effectLst/>
+              <a:uLnTx/>
+              <a:uFillTx/>
+              <a:latin typeface="微软雅黑" panose="020B0503020204020204" pitchFamily="34" charset="-122"/>
+              <a:ea typeface="微软雅黑" panose="020B0503020204020204" pitchFamily="34" charset="-122"/>
+              <a:cs typeface="+mn-cs"/>
+            </a:endParaRPr>
+          </a:p>
+        </p:txBody>
+      </p:sp>
+      <p:sp>
+        <p:nvSpPr>
+          <p:cNvPr id="43" name="Oval 42">
+            <a:extLst>
+              <a:ext uri="{FF2B5EF4-FFF2-40B4-BE49-F238E27FC236}">
+                <a16:creationId xmlns:a16="http://schemas.microsoft.com/office/drawing/2014/main" id="{DC1622C9-2388-2473-14FD-C1C1A77BC763}"/>
+              </a:ext>
+            </a:extLst>
+          </p:cNvPr>
+          <p:cNvSpPr>
+            <a:spLocks noChangeAspect="1"/>
+          </p:cNvSpPr>
+          <p:nvPr/>
+        </p:nvSpPr>
+        <p:spPr>
+          <a:xfrm rot="21104677">
+            <a:off x="7477765" y="4009412"/>
+            <a:ext cx="43200" cy="43200"/>
+          </a:xfrm>
+          <a:prstGeom prst="ellipse">
+            <a:avLst/>
+          </a:prstGeom>
+          <a:solidFill>
+            <a:srgbClr val="002060"/>
+          </a:solidFill>
+          <a:ln w="12700" cap="flat" cmpd="sng" algn="ctr">
+            <a:noFill/>
+            <a:prstDash val="solid"/>
+            <a:miter lim="800000"/>
+          </a:ln>
+          <a:effectLst/>
+        </p:spPr>
+        <p:txBody>
+          <a:bodyPr rtlCol="0" anchor="ctr"/>
+          <a:lstStyle/>
+          <a:p>
+            <a:pPr marL="0" marR="0" lvl="0" indent="0" algn="ctr" defTabSz="914377" eaLnBrk="1" fontAlgn="auto" latinLnBrk="0" hangingPunct="1">
+              <a:lnSpc>
+                <a:spcPct val="130000"/>
+              </a:lnSpc>
+              <a:spcBef>
+                <a:spcPts val="0"/>
+              </a:spcBef>
+              <a:spcAft>
+                <a:spcPts val="0"/>
+              </a:spcAft>
+              <a:buClrTx/>
+              <a:buSzTx/>
+              <a:buFontTx/>
+              <a:buNone/>
+              <a:tabLst/>
+              <a:defRPr/>
+            </a:pPr>
+            <a:endParaRPr kumimoji="0" lang="en-TW" sz="1200" b="0" i="0" u="none" strike="noStrike" kern="0" cap="none" spc="0" normalizeH="0" baseline="0" noProof="0" dirty="0">
+              <a:ln>
+                <a:noFill/>
+              </a:ln>
+              <a:solidFill>
+                <a:srgbClr val="FFFFFF"/>
+              </a:solidFill>
+              <a:effectLst/>
+              <a:uLnTx/>
+              <a:uFillTx/>
+              <a:latin typeface="微软雅黑" panose="020B0503020204020204" pitchFamily="34" charset="-122"/>
+              <a:ea typeface="微软雅黑" panose="020B0503020204020204" pitchFamily="34" charset="-122"/>
+              <a:cs typeface="+mn-cs"/>
+            </a:endParaRPr>
+          </a:p>
+        </p:txBody>
+      </p:sp>
+      <p:sp>
+        <p:nvSpPr>
+          <p:cNvPr id="44" name="Oval 43">
+            <a:extLst>
+              <a:ext uri="{FF2B5EF4-FFF2-40B4-BE49-F238E27FC236}">
+                <a16:creationId xmlns:a16="http://schemas.microsoft.com/office/drawing/2014/main" id="{D5CC5685-D9F4-C466-18FD-CB27F8C492F8}"/>
+              </a:ext>
+            </a:extLst>
+          </p:cNvPr>
+          <p:cNvSpPr>
+            <a:spLocks noChangeAspect="1"/>
+          </p:cNvSpPr>
+          <p:nvPr/>
+        </p:nvSpPr>
+        <p:spPr>
+          <a:xfrm rot="21104677">
+            <a:off x="7268327" y="4056442"/>
+            <a:ext cx="43200" cy="43200"/>
+          </a:xfrm>
+          <a:prstGeom prst="ellipse">
+            <a:avLst/>
+          </a:prstGeom>
+          <a:solidFill>
+            <a:srgbClr val="002060"/>
+          </a:solidFill>
+          <a:ln w="12700" cap="flat" cmpd="sng" algn="ctr">
+            <a:noFill/>
+            <a:prstDash val="solid"/>
+            <a:miter lim="800000"/>
+          </a:ln>
+          <a:effectLst/>
+        </p:spPr>
+        <p:txBody>
+          <a:bodyPr rtlCol="0" anchor="ctr"/>
+          <a:lstStyle/>
+          <a:p>
+            <a:pPr marL="0" marR="0" lvl="0" indent="0" algn="ctr" defTabSz="914377" eaLnBrk="1" fontAlgn="auto" latinLnBrk="0" hangingPunct="1">
+              <a:lnSpc>
+                <a:spcPct val="130000"/>
+              </a:lnSpc>
+              <a:spcBef>
+                <a:spcPts val="0"/>
+              </a:spcBef>
+              <a:spcAft>
+                <a:spcPts val="0"/>
+              </a:spcAft>
+              <a:buClrTx/>
+              <a:buSzTx/>
+              <a:buFontTx/>
+              <a:buNone/>
+              <a:tabLst/>
+              <a:defRPr/>
+            </a:pPr>
+            <a:endParaRPr kumimoji="0" lang="en-TW" sz="1200" b="0" i="0" u="none" strike="noStrike" kern="0" cap="none" spc="0" normalizeH="0" baseline="0" noProof="0" dirty="0">
+              <a:ln>
+                <a:noFill/>
+              </a:ln>
+              <a:solidFill>
+                <a:srgbClr val="FFFFFF"/>
+              </a:solidFill>
+              <a:effectLst/>
+              <a:uLnTx/>
+              <a:uFillTx/>
+              <a:latin typeface="微软雅黑" panose="020B0503020204020204" pitchFamily="34" charset="-122"/>
+              <a:ea typeface="微软雅黑" panose="020B0503020204020204" pitchFamily="34" charset="-122"/>
+              <a:cs typeface="+mn-cs"/>
+            </a:endParaRPr>
+          </a:p>
+        </p:txBody>
+      </p:sp>
+      <p:sp>
+        <p:nvSpPr>
+          <p:cNvPr id="45" name="Oval 44">
+            <a:extLst>
+              <a:ext uri="{FF2B5EF4-FFF2-40B4-BE49-F238E27FC236}">
+                <a16:creationId xmlns:a16="http://schemas.microsoft.com/office/drawing/2014/main" id="{1035D876-ABEF-FC4D-3EC3-316A686AD37A}"/>
+              </a:ext>
+            </a:extLst>
+          </p:cNvPr>
+          <p:cNvSpPr>
+            <a:spLocks noChangeAspect="1"/>
+          </p:cNvSpPr>
+          <p:nvPr/>
+        </p:nvSpPr>
+        <p:spPr>
+          <a:xfrm rot="21104677">
+            <a:off x="7094653" y="3868917"/>
+            <a:ext cx="43200" cy="43200"/>
+          </a:xfrm>
+          <a:prstGeom prst="ellipse">
+            <a:avLst/>
+          </a:prstGeom>
+          <a:solidFill>
+            <a:srgbClr val="002060"/>
+          </a:solidFill>
+          <a:ln w="12700" cap="flat" cmpd="sng" algn="ctr">
+            <a:noFill/>
+            <a:prstDash val="solid"/>
+            <a:miter lim="800000"/>
+          </a:ln>
+          <a:effectLst/>
+        </p:spPr>
+        <p:txBody>
+          <a:bodyPr rtlCol="0" anchor="ctr"/>
+          <a:lstStyle/>
+          <a:p>
+            <a:pPr marL="0" marR="0" lvl="0" indent="0" algn="ctr" defTabSz="914377" eaLnBrk="1" fontAlgn="auto" latinLnBrk="0" hangingPunct="1">
+              <a:lnSpc>
+                <a:spcPct val="130000"/>
+              </a:lnSpc>
+              <a:spcBef>
+                <a:spcPts val="0"/>
+              </a:spcBef>
+              <a:spcAft>
+                <a:spcPts val="0"/>
+              </a:spcAft>
+              <a:buClrTx/>
+              <a:buSzTx/>
+              <a:buFontTx/>
+              <a:buNone/>
+              <a:tabLst/>
+              <a:defRPr/>
+            </a:pPr>
+            <a:endParaRPr kumimoji="0" lang="en-TW" sz="1200" b="0" i="0" u="none" strike="noStrike" kern="0" cap="none" spc="0" normalizeH="0" baseline="0" noProof="0" dirty="0">
+              <a:ln>
+                <a:noFill/>
+              </a:ln>
+              <a:solidFill>
+                <a:srgbClr val="FFFFFF"/>
+              </a:solidFill>
+              <a:effectLst/>
+              <a:uLnTx/>
+              <a:uFillTx/>
+              <a:latin typeface="微软雅黑" panose="020B0503020204020204" pitchFamily="34" charset="-122"/>
+              <a:ea typeface="微软雅黑" panose="020B0503020204020204" pitchFamily="34" charset="-122"/>
+              <a:cs typeface="+mn-cs"/>
+            </a:endParaRPr>
+          </a:p>
+        </p:txBody>
+      </p:sp>
+      <p:sp>
+        <p:nvSpPr>
+          <p:cNvPr id="46" name="Oval 45">
+            <a:extLst>
+              <a:ext uri="{FF2B5EF4-FFF2-40B4-BE49-F238E27FC236}">
+                <a16:creationId xmlns:a16="http://schemas.microsoft.com/office/drawing/2014/main" id="{411A4E81-F089-53C3-DD71-B415AFF8F0B8}"/>
+              </a:ext>
+            </a:extLst>
+          </p:cNvPr>
+          <p:cNvSpPr>
+            <a:spLocks noChangeAspect="1"/>
+          </p:cNvSpPr>
+          <p:nvPr/>
+        </p:nvSpPr>
+        <p:spPr>
+          <a:xfrm rot="21104677">
+            <a:off x="7143014" y="4259487"/>
+            <a:ext cx="43200" cy="43200"/>
+          </a:xfrm>
+          <a:prstGeom prst="ellipse">
+            <a:avLst/>
+          </a:prstGeom>
+          <a:solidFill>
+            <a:srgbClr val="002060"/>
+          </a:solidFill>
+          <a:ln w="12700" cap="flat" cmpd="sng" algn="ctr">
+            <a:noFill/>
+            <a:prstDash val="solid"/>
+            <a:miter lim="800000"/>
+          </a:ln>
+          <a:effectLst/>
+        </p:spPr>
+        <p:txBody>
+          <a:bodyPr rtlCol="0" anchor="ctr"/>
+          <a:lstStyle/>
+          <a:p>
+            <a:pPr marL="0" marR="0" lvl="0" indent="0" algn="ctr" defTabSz="914377" eaLnBrk="1" fontAlgn="auto" latinLnBrk="0" hangingPunct="1">
+              <a:lnSpc>
+                <a:spcPct val="130000"/>
+              </a:lnSpc>
+              <a:spcBef>
+                <a:spcPts val="0"/>
+              </a:spcBef>
+              <a:spcAft>
+                <a:spcPts val="0"/>
+              </a:spcAft>
+              <a:buClrTx/>
+              <a:buSzTx/>
+              <a:buFontTx/>
+              <a:buNone/>
+              <a:tabLst/>
+              <a:defRPr/>
+            </a:pPr>
+            <a:endParaRPr kumimoji="0" lang="en-TW" sz="1200" b="0" i="0" u="none" strike="noStrike" kern="0" cap="none" spc="0" normalizeH="0" baseline="0" noProof="0" dirty="0">
+              <a:ln>
+                <a:noFill/>
+              </a:ln>
+              <a:solidFill>
+                <a:srgbClr val="FFFFFF"/>
+              </a:solidFill>
+              <a:effectLst/>
+              <a:uLnTx/>
+              <a:uFillTx/>
+              <a:latin typeface="微软雅黑" panose="020B0503020204020204" pitchFamily="34" charset="-122"/>
+              <a:ea typeface="微软雅黑" panose="020B0503020204020204" pitchFamily="34" charset="-122"/>
+              <a:cs typeface="+mn-cs"/>
+            </a:endParaRPr>
+          </a:p>
+        </p:txBody>
+      </p:sp>
+      <p:sp>
+        <p:nvSpPr>
+          <p:cNvPr id="47" name="Oval 46">
+            <a:extLst>
+              <a:ext uri="{FF2B5EF4-FFF2-40B4-BE49-F238E27FC236}">
+                <a16:creationId xmlns:a16="http://schemas.microsoft.com/office/drawing/2014/main" id="{FFB7D2E3-F206-D04B-922C-B62917D207A7}"/>
+              </a:ext>
+            </a:extLst>
+          </p:cNvPr>
+          <p:cNvSpPr>
+            <a:spLocks noChangeAspect="1"/>
+          </p:cNvSpPr>
+          <p:nvPr/>
+        </p:nvSpPr>
+        <p:spPr>
+          <a:xfrm rot="21104677">
+            <a:off x="7300234" y="4452000"/>
+            <a:ext cx="43200" cy="43200"/>
+          </a:xfrm>
+          <a:prstGeom prst="ellipse">
+            <a:avLst/>
+          </a:prstGeom>
+          <a:solidFill>
+            <a:srgbClr val="002060"/>
+          </a:solidFill>
+          <a:ln w="12700" cap="flat" cmpd="sng" algn="ctr">
+            <a:noFill/>
+            <a:prstDash val="solid"/>
+            <a:miter lim="800000"/>
+          </a:ln>
+          <a:effectLst/>
+        </p:spPr>
+        <p:txBody>
+          <a:bodyPr rtlCol="0" anchor="ctr"/>
+          <a:lstStyle/>
+          <a:p>
+            <a:pPr marL="0" marR="0" lvl="0" indent="0" algn="ctr" defTabSz="914377" eaLnBrk="1" fontAlgn="auto" latinLnBrk="0" hangingPunct="1">
+              <a:lnSpc>
+                <a:spcPct val="130000"/>
+              </a:lnSpc>
+              <a:spcBef>
+                <a:spcPts val="0"/>
+              </a:spcBef>
+              <a:spcAft>
+                <a:spcPts val="0"/>
+              </a:spcAft>
+              <a:buClrTx/>
+              <a:buSzTx/>
+              <a:buFontTx/>
+              <a:buNone/>
+              <a:tabLst/>
+              <a:defRPr/>
+            </a:pPr>
+            <a:endParaRPr kumimoji="0" lang="en-TW" sz="1200" b="0" i="0" u="none" strike="noStrike" kern="0" cap="none" spc="0" normalizeH="0" baseline="0" noProof="0" dirty="0">
+              <a:ln>
+                <a:noFill/>
+              </a:ln>
+              <a:solidFill>
+                <a:srgbClr val="FFFFFF"/>
+              </a:solidFill>
+              <a:effectLst/>
+              <a:uLnTx/>
+              <a:uFillTx/>
+              <a:latin typeface="微软雅黑" panose="020B0503020204020204" pitchFamily="34" charset="-122"/>
+              <a:ea typeface="微软雅黑" panose="020B0503020204020204" pitchFamily="34" charset="-122"/>
+              <a:cs typeface="+mn-cs"/>
+            </a:endParaRPr>
+          </a:p>
+        </p:txBody>
+      </p:sp>
+      <p:sp>
+        <p:nvSpPr>
+          <p:cNvPr id="48" name="Oval 47">
+            <a:extLst>
+              <a:ext uri="{FF2B5EF4-FFF2-40B4-BE49-F238E27FC236}">
+                <a16:creationId xmlns:a16="http://schemas.microsoft.com/office/drawing/2014/main" id="{8500CF41-CCBA-4C0C-24F7-7647D353A6BB}"/>
+              </a:ext>
+            </a:extLst>
+          </p:cNvPr>
+          <p:cNvSpPr>
+            <a:spLocks noChangeAspect="1"/>
+          </p:cNvSpPr>
+          <p:nvPr/>
+        </p:nvSpPr>
+        <p:spPr>
+          <a:xfrm rot="21104677">
+            <a:off x="7308862" y="3893395"/>
+            <a:ext cx="43200" cy="43200"/>
+          </a:xfrm>
+          <a:prstGeom prst="ellipse">
+            <a:avLst/>
+          </a:prstGeom>
+          <a:solidFill>
+            <a:srgbClr val="002060"/>
+          </a:solidFill>
+          <a:ln w="12700" cap="flat" cmpd="sng" algn="ctr">
+            <a:noFill/>
+            <a:prstDash val="solid"/>
+            <a:miter lim="800000"/>
+          </a:ln>
+          <a:effectLst/>
+        </p:spPr>
+        <p:txBody>
+          <a:bodyPr rtlCol="0" anchor="ctr"/>
+          <a:lstStyle/>
+          <a:p>
+            <a:pPr marL="0" marR="0" lvl="0" indent="0" algn="ctr" defTabSz="914377" eaLnBrk="1" fontAlgn="auto" latinLnBrk="0" hangingPunct="1">
+              <a:lnSpc>
+                <a:spcPct val="130000"/>
+              </a:lnSpc>
+              <a:spcBef>
+                <a:spcPts val="0"/>
+              </a:spcBef>
+              <a:spcAft>
+                <a:spcPts val="0"/>
+              </a:spcAft>
+              <a:buClrTx/>
+              <a:buSzTx/>
+              <a:buFontTx/>
+              <a:buNone/>
+              <a:tabLst/>
+              <a:defRPr/>
+            </a:pPr>
+            <a:endParaRPr kumimoji="0" lang="en-TW" sz="1200" b="0" i="0" u="none" strike="noStrike" kern="0" cap="none" spc="0" normalizeH="0" baseline="0" noProof="0" dirty="0">
+              <a:ln>
+                <a:noFill/>
+              </a:ln>
+              <a:solidFill>
+                <a:srgbClr val="FFFFFF"/>
+              </a:solidFill>
+              <a:effectLst/>
+              <a:uLnTx/>
+              <a:uFillTx/>
+              <a:latin typeface="微软雅黑" panose="020B0503020204020204" pitchFamily="34" charset="-122"/>
+              <a:ea typeface="微软雅黑" panose="020B0503020204020204" pitchFamily="34" charset="-122"/>
+              <a:cs typeface="+mn-cs"/>
+            </a:endParaRPr>
+          </a:p>
+        </p:txBody>
+      </p:sp>
+      <p:sp>
+        <p:nvSpPr>
+          <p:cNvPr id="50" name="Text Placeholder 3">
+            <a:extLst>
+              <a:ext uri="{FF2B5EF4-FFF2-40B4-BE49-F238E27FC236}">
+                <a16:creationId xmlns:a16="http://schemas.microsoft.com/office/drawing/2014/main" id="{7B1AAF89-74B1-9DEE-0BFC-1BC63F859BA6}"/>
+              </a:ext>
+            </a:extLst>
+          </p:cNvPr>
+          <p:cNvSpPr txBox="1">
+            <a:spLocks/>
+          </p:cNvSpPr>
+          <p:nvPr/>
+        </p:nvSpPr>
+        <p:spPr>
+          <a:xfrm>
+            <a:off x="4048719" y="1569932"/>
+            <a:ext cx="1326210" cy="341632"/>
+          </a:xfrm>
+          <a:prstGeom prst="rect">
+            <a:avLst/>
+          </a:prstGeom>
+        </p:spPr>
+        <p:txBody>
+          <a:bodyPr/>
+          <a:lstStyle>
+            <a:lvl1pPr marL="228600" indent="-228600" algn="l" defTabSz="914400" rtl="0" eaLnBrk="1" latinLnBrk="0" hangingPunct="1">
+              <a:lnSpc>
+                <a:spcPct val="90000"/>
+              </a:lnSpc>
+              <a:spcBef>
+                <a:spcPts val="1000"/>
+              </a:spcBef>
+              <a:buFont typeface="Arial" panose="020B0604020202020204" pitchFamily="34" charset="0"/>
+              <a:buChar char="•"/>
+              <a:defRPr sz="2800" kern="1200">
+                <a:solidFill>
+                  <a:schemeClr val="tx1"/>
+                </a:solidFill>
+                <a:latin typeface="+mn-lt"/>
+                <a:ea typeface="+mn-ea"/>
+                <a:cs typeface="+mn-cs"/>
+              </a:defRPr>
+            </a:lvl1pPr>
+            <a:lvl2pPr marL="685800" indent="-228600" algn="l" defTabSz="914400" rtl="0" eaLnBrk="1" latinLnBrk="0" hangingPunct="1">
+              <a:lnSpc>
+                <a:spcPct val="90000"/>
+              </a:lnSpc>
+              <a:spcBef>
+                <a:spcPts val="500"/>
+              </a:spcBef>
+              <a:buFont typeface="Arial" panose="020B0604020202020204" pitchFamily="34" charset="0"/>
+              <a:buChar char="•"/>
+              <a:defRPr sz="2400" kern="1200">
+                <a:solidFill>
+                  <a:schemeClr val="tx1"/>
+                </a:solidFill>
+                <a:latin typeface="+mn-lt"/>
+                <a:ea typeface="+mn-ea"/>
+                <a:cs typeface="+mn-cs"/>
+              </a:defRPr>
+            </a:lvl2pPr>
+            <a:lvl3pPr marL="1143000" indent="-228600" algn="l" defTabSz="914400" rtl="0" eaLnBrk="1" latinLnBrk="0" hangingPunct="1">
+              <a:lnSpc>
+                <a:spcPct val="90000"/>
+              </a:lnSpc>
+              <a:spcBef>
+                <a:spcPts val="500"/>
+              </a:spcBef>
+              <a:buFont typeface="Arial" panose="020B0604020202020204" pitchFamily="34" charset="0"/>
+              <a:buChar char="•"/>
+              <a:defRPr sz="2000" kern="1200">
+                <a:solidFill>
+                  <a:schemeClr val="tx1"/>
+                </a:solidFill>
+                <a:latin typeface="+mn-lt"/>
+                <a:ea typeface="+mn-ea"/>
+                <a:cs typeface="+mn-cs"/>
+              </a:defRPr>
+            </a:lvl3pPr>
+            <a:lvl4pPr marL="1600200" indent="-228600" algn="l" defTabSz="914400" rtl="0" eaLnBrk="1" latinLnBrk="0" hangingPunct="1">
+              <a:lnSpc>
+                <a:spcPct val="90000"/>
+              </a:lnSpc>
+              <a:spcBef>
+                <a:spcPts val="500"/>
+              </a:spcBef>
+              <a:buFont typeface="Arial" panose="020B0604020202020204" pitchFamily="34" charset="0"/>
+              <a:buChar char="•"/>
+              <a:defRPr sz="1800" kern="1200">
+                <a:solidFill>
+                  <a:schemeClr val="tx1"/>
+                </a:solidFill>
+                <a:latin typeface="+mn-lt"/>
+                <a:ea typeface="+mn-ea"/>
+                <a:cs typeface="+mn-cs"/>
+              </a:defRPr>
+            </a:lvl4pPr>
+            <a:lvl5pPr marL="2057400" indent="-228600" algn="l" defTabSz="914400" rtl="0" eaLnBrk="1" latinLnBrk="0" hangingPunct="1">
+              <a:lnSpc>
+                <a:spcPct val="90000"/>
+              </a:lnSpc>
+              <a:spcBef>
+                <a:spcPts val="500"/>
+              </a:spcBef>
+              <a:buFont typeface="Arial" panose="020B0604020202020204" pitchFamily="34" charset="0"/>
+              <a:buChar char="•"/>
+              <a:defRPr sz="1800" kern="1200">
+                <a:solidFill>
+                  <a:schemeClr val="tx1"/>
+                </a:solidFill>
+                <a:latin typeface="+mn-lt"/>
+                <a:ea typeface="+mn-ea"/>
+                <a:cs typeface="+mn-cs"/>
+              </a:defRPr>
+            </a:lvl5pPr>
+            <a:lvl6pPr marL="2514600" indent="-228600" algn="l" defTabSz="914400" rtl="0" eaLnBrk="1" latinLnBrk="0" hangingPunct="1">
+              <a:lnSpc>
+                <a:spcPct val="90000"/>
+              </a:lnSpc>
+              <a:spcBef>
+                <a:spcPts val="500"/>
+              </a:spcBef>
+              <a:buFont typeface="Arial" panose="020B0604020202020204" pitchFamily="34" charset="0"/>
+              <a:buChar char="•"/>
+              <a:defRPr sz="1800" kern="1200">
+                <a:solidFill>
+                  <a:schemeClr val="tx1"/>
+                </a:solidFill>
+                <a:latin typeface="+mn-lt"/>
+                <a:ea typeface="+mn-ea"/>
+                <a:cs typeface="+mn-cs"/>
+              </a:defRPr>
+            </a:lvl6pPr>
+            <a:lvl7pPr marL="2971800" indent="-228600" algn="l" defTabSz="914400" rtl="0" eaLnBrk="1" latinLnBrk="0" hangingPunct="1">
+              <a:lnSpc>
+                <a:spcPct val="90000"/>
+              </a:lnSpc>
+              <a:spcBef>
+                <a:spcPts val="500"/>
+              </a:spcBef>
+              <a:buFont typeface="Arial" panose="020B0604020202020204" pitchFamily="34" charset="0"/>
+              <a:buChar char="•"/>
+              <a:defRPr sz="1800" kern="1200">
+                <a:solidFill>
+                  <a:schemeClr val="tx1"/>
+                </a:solidFill>
+                <a:latin typeface="+mn-lt"/>
+                <a:ea typeface="+mn-ea"/>
+                <a:cs typeface="+mn-cs"/>
+              </a:defRPr>
+            </a:lvl7pPr>
+            <a:lvl8pPr marL="3429000" indent="-228600" algn="l" defTabSz="914400" rtl="0" eaLnBrk="1" latinLnBrk="0" hangingPunct="1">
+              <a:lnSpc>
+                <a:spcPct val="90000"/>
+              </a:lnSpc>
+              <a:spcBef>
+                <a:spcPts val="500"/>
+              </a:spcBef>
+              <a:buFont typeface="Arial" panose="020B0604020202020204" pitchFamily="34" charset="0"/>
+              <a:buChar char="•"/>
+              <a:defRPr sz="1800" kern="1200">
+                <a:solidFill>
+                  <a:schemeClr val="tx1"/>
+                </a:solidFill>
+                <a:latin typeface="+mn-lt"/>
+                <a:ea typeface="+mn-ea"/>
+                <a:cs typeface="+mn-cs"/>
+              </a:defRPr>
+            </a:lvl8pPr>
+            <a:lvl9pPr marL="3886200" indent="-228600" algn="l" defTabSz="914400" rtl="0" eaLnBrk="1" latinLnBrk="0" hangingPunct="1">
+              <a:lnSpc>
+                <a:spcPct val="90000"/>
+              </a:lnSpc>
+              <a:spcBef>
+                <a:spcPts val="500"/>
+              </a:spcBef>
+              <a:buFont typeface="Arial" panose="020B0604020202020204" pitchFamily="34" charset="0"/>
+              <a:buChar char="•"/>
+              <a:defRPr sz="1800" kern="1200">
+                <a:solidFill>
+                  <a:schemeClr val="tx1"/>
+                </a:solidFill>
+                <a:latin typeface="+mn-lt"/>
+                <a:ea typeface="+mn-ea"/>
+                <a:cs typeface="+mn-cs"/>
+              </a:defRPr>
+            </a:lvl9pPr>
+          </a:lstStyle>
+          <a:p>
+            <a:pPr marL="0" marR="0" lvl="0" indent="0" algn="l" defTabSz="914400" rtl="0" eaLnBrk="1" fontAlgn="auto" latinLnBrk="0" hangingPunct="1">
+              <a:lnSpc>
+                <a:spcPct val="90000"/>
+              </a:lnSpc>
+              <a:spcBef>
+                <a:spcPts val="1000"/>
+              </a:spcBef>
+              <a:spcAft>
+                <a:spcPts val="0"/>
+              </a:spcAft>
+              <a:buClrTx/>
+              <a:buSzTx/>
+              <a:buFont typeface="Arial" panose="020B0604020202020204" pitchFamily="34" charset="0"/>
+              <a:buNone/>
+              <a:tabLst/>
+              <a:defRPr/>
+            </a:pPr>
+            <a:r>
+              <a:rPr kumimoji="0" lang="en-TW" sz="1400" b="1" i="0" u="none" strike="noStrike" kern="1200" cap="none" spc="0" normalizeH="0" baseline="0" noProof="0" dirty="0">
+                <a:ln>
+                  <a:noFill/>
+                </a:ln>
+                <a:solidFill>
+                  <a:srgbClr val="000000"/>
+                </a:solidFill>
+                <a:effectLst/>
+                <a:uLnTx/>
+                <a:uFillTx/>
+                <a:latin typeface="Arial"/>
+                <a:ea typeface="微软雅黑"/>
+                <a:cs typeface="+mn-cs"/>
+              </a:rPr>
+              <a:t>Low variance</a:t>
+            </a:r>
+          </a:p>
+        </p:txBody>
+      </p:sp>
+      <p:sp>
+        <p:nvSpPr>
+          <p:cNvPr id="51" name="Text Placeholder 3">
+            <a:extLst>
+              <a:ext uri="{FF2B5EF4-FFF2-40B4-BE49-F238E27FC236}">
+                <a16:creationId xmlns:a16="http://schemas.microsoft.com/office/drawing/2014/main" id="{118DE725-BC31-4961-F1D5-D035354C46C5}"/>
+              </a:ext>
+            </a:extLst>
+          </p:cNvPr>
+          <p:cNvSpPr txBox="1">
+            <a:spLocks/>
+          </p:cNvSpPr>
+          <p:nvPr/>
+        </p:nvSpPr>
+        <p:spPr>
+          <a:xfrm>
+            <a:off x="6239691" y="1569932"/>
+            <a:ext cx="1364259" cy="341632"/>
+          </a:xfrm>
+          <a:prstGeom prst="rect">
+            <a:avLst/>
+          </a:prstGeom>
+        </p:spPr>
+        <p:txBody>
+          <a:bodyPr/>
+          <a:lstStyle>
+            <a:lvl1pPr marL="228600" indent="-228600" algn="l" defTabSz="914400" rtl="0" eaLnBrk="1" latinLnBrk="0" hangingPunct="1">
+              <a:lnSpc>
+                <a:spcPct val="90000"/>
+              </a:lnSpc>
+              <a:spcBef>
+                <a:spcPts val="1000"/>
+              </a:spcBef>
+              <a:buFont typeface="Arial" panose="020B0604020202020204" pitchFamily="34" charset="0"/>
+              <a:buChar char="•"/>
+              <a:defRPr sz="2800" kern="1200">
+                <a:solidFill>
+                  <a:schemeClr val="tx1"/>
+                </a:solidFill>
+                <a:latin typeface="+mn-lt"/>
+                <a:ea typeface="+mn-ea"/>
+                <a:cs typeface="+mn-cs"/>
+              </a:defRPr>
+            </a:lvl1pPr>
+            <a:lvl2pPr marL="685800" indent="-228600" algn="l" defTabSz="914400" rtl="0" eaLnBrk="1" latinLnBrk="0" hangingPunct="1">
+              <a:lnSpc>
+                <a:spcPct val="90000"/>
+              </a:lnSpc>
+              <a:spcBef>
+                <a:spcPts val="500"/>
+              </a:spcBef>
+              <a:buFont typeface="Arial" panose="020B0604020202020204" pitchFamily="34" charset="0"/>
+              <a:buChar char="•"/>
+              <a:defRPr sz="2400" kern="1200">
+                <a:solidFill>
+                  <a:schemeClr val="tx1"/>
+                </a:solidFill>
+                <a:latin typeface="+mn-lt"/>
+                <a:ea typeface="+mn-ea"/>
+                <a:cs typeface="+mn-cs"/>
+              </a:defRPr>
+            </a:lvl2pPr>
+            <a:lvl3pPr marL="1143000" indent="-228600" algn="l" defTabSz="914400" rtl="0" eaLnBrk="1" latinLnBrk="0" hangingPunct="1">
+              <a:lnSpc>
+                <a:spcPct val="90000"/>
+              </a:lnSpc>
+              <a:spcBef>
+                <a:spcPts val="500"/>
+              </a:spcBef>
+              <a:buFont typeface="Arial" panose="020B0604020202020204" pitchFamily="34" charset="0"/>
+              <a:buChar char="•"/>
+              <a:defRPr sz="2000" kern="1200">
+                <a:solidFill>
+                  <a:schemeClr val="tx1"/>
+                </a:solidFill>
+                <a:latin typeface="+mn-lt"/>
+                <a:ea typeface="+mn-ea"/>
+                <a:cs typeface="+mn-cs"/>
+              </a:defRPr>
+            </a:lvl3pPr>
+            <a:lvl4pPr marL="1600200" indent="-228600" algn="l" defTabSz="914400" rtl="0" eaLnBrk="1" latinLnBrk="0" hangingPunct="1">
+              <a:lnSpc>
+                <a:spcPct val="90000"/>
+              </a:lnSpc>
+              <a:spcBef>
+                <a:spcPts val="500"/>
+              </a:spcBef>
+              <a:buFont typeface="Arial" panose="020B0604020202020204" pitchFamily="34" charset="0"/>
+              <a:buChar char="•"/>
+              <a:defRPr sz="1800" kern="1200">
+                <a:solidFill>
+                  <a:schemeClr val="tx1"/>
+                </a:solidFill>
+                <a:latin typeface="+mn-lt"/>
+                <a:ea typeface="+mn-ea"/>
+                <a:cs typeface="+mn-cs"/>
+              </a:defRPr>
+            </a:lvl4pPr>
+            <a:lvl5pPr marL="2057400" indent="-228600" algn="l" defTabSz="914400" rtl="0" eaLnBrk="1" latinLnBrk="0" hangingPunct="1">
+              <a:lnSpc>
+                <a:spcPct val="90000"/>
+              </a:lnSpc>
+              <a:spcBef>
+                <a:spcPts val="500"/>
+              </a:spcBef>
+              <a:buFont typeface="Arial" panose="020B0604020202020204" pitchFamily="34" charset="0"/>
+              <a:buChar char="•"/>
+              <a:defRPr sz="1800" kern="1200">
+                <a:solidFill>
+                  <a:schemeClr val="tx1"/>
+                </a:solidFill>
+                <a:latin typeface="+mn-lt"/>
+                <a:ea typeface="+mn-ea"/>
+                <a:cs typeface="+mn-cs"/>
+              </a:defRPr>
+            </a:lvl5pPr>
+            <a:lvl6pPr marL="2514600" indent="-228600" algn="l" defTabSz="914400" rtl="0" eaLnBrk="1" latinLnBrk="0" hangingPunct="1">
+              <a:lnSpc>
+                <a:spcPct val="90000"/>
+              </a:lnSpc>
+              <a:spcBef>
+                <a:spcPts val="500"/>
+              </a:spcBef>
+              <a:buFont typeface="Arial" panose="020B0604020202020204" pitchFamily="34" charset="0"/>
+              <a:buChar char="•"/>
+              <a:defRPr sz="1800" kern="1200">
+                <a:solidFill>
+                  <a:schemeClr val="tx1"/>
+                </a:solidFill>
+                <a:latin typeface="+mn-lt"/>
+                <a:ea typeface="+mn-ea"/>
+                <a:cs typeface="+mn-cs"/>
+              </a:defRPr>
+            </a:lvl6pPr>
+            <a:lvl7pPr marL="2971800" indent="-228600" algn="l" defTabSz="914400" rtl="0" eaLnBrk="1" latinLnBrk="0" hangingPunct="1">
+              <a:lnSpc>
+                <a:spcPct val="90000"/>
+              </a:lnSpc>
+              <a:spcBef>
+                <a:spcPts val="500"/>
+              </a:spcBef>
+              <a:buFont typeface="Arial" panose="020B0604020202020204" pitchFamily="34" charset="0"/>
+              <a:buChar char="•"/>
+              <a:defRPr sz="1800" kern="1200">
+                <a:solidFill>
+                  <a:schemeClr val="tx1"/>
+                </a:solidFill>
+                <a:latin typeface="+mn-lt"/>
+                <a:ea typeface="+mn-ea"/>
+                <a:cs typeface="+mn-cs"/>
+              </a:defRPr>
+            </a:lvl7pPr>
+            <a:lvl8pPr marL="3429000" indent="-228600" algn="l" defTabSz="914400" rtl="0" eaLnBrk="1" latinLnBrk="0" hangingPunct="1">
+              <a:lnSpc>
+                <a:spcPct val="90000"/>
+              </a:lnSpc>
+              <a:spcBef>
+                <a:spcPts val="500"/>
+              </a:spcBef>
+              <a:buFont typeface="Arial" panose="020B0604020202020204" pitchFamily="34" charset="0"/>
+              <a:buChar char="•"/>
+              <a:defRPr sz="1800" kern="1200">
+                <a:solidFill>
+                  <a:schemeClr val="tx1"/>
+                </a:solidFill>
+                <a:latin typeface="+mn-lt"/>
+                <a:ea typeface="+mn-ea"/>
+                <a:cs typeface="+mn-cs"/>
+              </a:defRPr>
+            </a:lvl8pPr>
+            <a:lvl9pPr marL="3886200" indent="-228600" algn="l" defTabSz="914400" rtl="0" eaLnBrk="1" latinLnBrk="0" hangingPunct="1">
+              <a:lnSpc>
+                <a:spcPct val="90000"/>
+              </a:lnSpc>
+              <a:spcBef>
+                <a:spcPts val="500"/>
+              </a:spcBef>
+              <a:buFont typeface="Arial" panose="020B0604020202020204" pitchFamily="34" charset="0"/>
+              <a:buChar char="•"/>
+              <a:defRPr sz="1800" kern="1200">
+                <a:solidFill>
+                  <a:schemeClr val="tx1"/>
+                </a:solidFill>
+                <a:latin typeface="+mn-lt"/>
+                <a:ea typeface="+mn-ea"/>
+                <a:cs typeface="+mn-cs"/>
+              </a:defRPr>
+            </a:lvl9pPr>
+          </a:lstStyle>
+          <a:p>
+            <a:pPr marL="0" marR="0" lvl="0" indent="0" algn="l" defTabSz="914400" rtl="0" eaLnBrk="1" fontAlgn="auto" latinLnBrk="0" hangingPunct="1">
+              <a:lnSpc>
+                <a:spcPct val="90000"/>
+              </a:lnSpc>
+              <a:spcBef>
+                <a:spcPts val="1000"/>
+              </a:spcBef>
+              <a:spcAft>
+                <a:spcPts val="0"/>
+              </a:spcAft>
+              <a:buClrTx/>
+              <a:buSzTx/>
+              <a:buFont typeface="Arial" panose="020B0604020202020204" pitchFamily="34" charset="0"/>
+              <a:buNone/>
+              <a:tabLst/>
+              <a:defRPr/>
+            </a:pPr>
+            <a:r>
+              <a:rPr kumimoji="0" lang="en-TW" sz="1400" b="1" i="0" u="none" strike="noStrike" kern="1200" cap="none" spc="0" normalizeH="0" baseline="0" noProof="0" dirty="0">
+                <a:ln>
+                  <a:noFill/>
+                </a:ln>
+                <a:solidFill>
+                  <a:srgbClr val="000000"/>
+                </a:solidFill>
+                <a:effectLst/>
+                <a:uLnTx/>
+                <a:uFillTx/>
+                <a:latin typeface="Arial"/>
+                <a:ea typeface="微软雅黑"/>
+                <a:cs typeface="+mn-cs"/>
+              </a:rPr>
+              <a:t>High variance</a:t>
+            </a:r>
+          </a:p>
+        </p:txBody>
+      </p:sp>
+      <p:sp>
+        <p:nvSpPr>
+          <p:cNvPr id="52" name="Text Placeholder 3">
+            <a:extLst>
+              <a:ext uri="{FF2B5EF4-FFF2-40B4-BE49-F238E27FC236}">
+                <a16:creationId xmlns:a16="http://schemas.microsoft.com/office/drawing/2014/main" id="{476BE8FC-A4F3-AB70-209E-0EFC2934192B}"/>
+              </a:ext>
+            </a:extLst>
+          </p:cNvPr>
+          <p:cNvSpPr txBox="1">
+            <a:spLocks/>
+          </p:cNvSpPr>
+          <p:nvPr/>
+        </p:nvSpPr>
+        <p:spPr>
+          <a:xfrm rot="16200000">
+            <a:off x="3002297" y="2480607"/>
+            <a:ext cx="1055952" cy="341632"/>
+          </a:xfrm>
+          <a:prstGeom prst="rect">
+            <a:avLst/>
+          </a:prstGeom>
+        </p:spPr>
+        <p:txBody>
+          <a:bodyPr/>
+          <a:lstStyle>
+            <a:lvl1pPr marL="228600" indent="-228600" algn="l" defTabSz="914400" rtl="0" eaLnBrk="1" latinLnBrk="0" hangingPunct="1">
+              <a:lnSpc>
+                <a:spcPct val="90000"/>
+              </a:lnSpc>
+              <a:spcBef>
+                <a:spcPts val="1000"/>
+              </a:spcBef>
+              <a:buFont typeface="Arial" panose="020B0604020202020204" pitchFamily="34" charset="0"/>
+              <a:buChar char="•"/>
+              <a:defRPr sz="2800" kern="1200">
+                <a:solidFill>
+                  <a:schemeClr val="tx1"/>
+                </a:solidFill>
+                <a:latin typeface="+mn-lt"/>
+                <a:ea typeface="+mn-ea"/>
+                <a:cs typeface="+mn-cs"/>
+              </a:defRPr>
+            </a:lvl1pPr>
+            <a:lvl2pPr marL="685800" indent="-228600" algn="l" defTabSz="914400" rtl="0" eaLnBrk="1" latinLnBrk="0" hangingPunct="1">
+              <a:lnSpc>
+                <a:spcPct val="90000"/>
+              </a:lnSpc>
+              <a:spcBef>
+                <a:spcPts val="500"/>
+              </a:spcBef>
+              <a:buFont typeface="Arial" panose="020B0604020202020204" pitchFamily="34" charset="0"/>
+              <a:buChar char="•"/>
+              <a:defRPr sz="2400" kern="1200">
+                <a:solidFill>
+                  <a:schemeClr val="tx1"/>
+                </a:solidFill>
+                <a:latin typeface="+mn-lt"/>
+                <a:ea typeface="+mn-ea"/>
+                <a:cs typeface="+mn-cs"/>
+              </a:defRPr>
+            </a:lvl2pPr>
+            <a:lvl3pPr marL="1143000" indent="-228600" algn="l" defTabSz="914400" rtl="0" eaLnBrk="1" latinLnBrk="0" hangingPunct="1">
+              <a:lnSpc>
+                <a:spcPct val="90000"/>
+              </a:lnSpc>
+              <a:spcBef>
+                <a:spcPts val="500"/>
+              </a:spcBef>
+              <a:buFont typeface="Arial" panose="020B0604020202020204" pitchFamily="34" charset="0"/>
+              <a:buChar char="•"/>
+              <a:defRPr sz="2000" kern="1200">
+                <a:solidFill>
+                  <a:schemeClr val="tx1"/>
+                </a:solidFill>
+                <a:latin typeface="+mn-lt"/>
+                <a:ea typeface="+mn-ea"/>
+                <a:cs typeface="+mn-cs"/>
+              </a:defRPr>
+            </a:lvl3pPr>
+            <a:lvl4pPr marL="1600200" indent="-228600" algn="l" defTabSz="914400" rtl="0" eaLnBrk="1" latinLnBrk="0" hangingPunct="1">
+              <a:lnSpc>
+                <a:spcPct val="90000"/>
+              </a:lnSpc>
+              <a:spcBef>
+                <a:spcPts val="500"/>
+              </a:spcBef>
+              <a:buFont typeface="Arial" panose="020B0604020202020204" pitchFamily="34" charset="0"/>
+              <a:buChar char="•"/>
+              <a:defRPr sz="1800" kern="1200">
+                <a:solidFill>
+                  <a:schemeClr val="tx1"/>
+                </a:solidFill>
+                <a:latin typeface="+mn-lt"/>
+                <a:ea typeface="+mn-ea"/>
+                <a:cs typeface="+mn-cs"/>
+              </a:defRPr>
+            </a:lvl4pPr>
+            <a:lvl5pPr marL="2057400" indent="-228600" algn="l" defTabSz="914400" rtl="0" eaLnBrk="1" latinLnBrk="0" hangingPunct="1">
+              <a:lnSpc>
+                <a:spcPct val="90000"/>
+              </a:lnSpc>
+              <a:spcBef>
+                <a:spcPts val="500"/>
+              </a:spcBef>
+              <a:buFont typeface="Arial" panose="020B0604020202020204" pitchFamily="34" charset="0"/>
+              <a:buChar char="•"/>
+              <a:defRPr sz="1800" kern="1200">
+                <a:solidFill>
+                  <a:schemeClr val="tx1"/>
+                </a:solidFill>
+                <a:latin typeface="+mn-lt"/>
+                <a:ea typeface="+mn-ea"/>
+                <a:cs typeface="+mn-cs"/>
+              </a:defRPr>
+            </a:lvl5pPr>
+            <a:lvl6pPr marL="2514600" indent="-228600" algn="l" defTabSz="914400" rtl="0" eaLnBrk="1" latinLnBrk="0" hangingPunct="1">
+              <a:lnSpc>
+                <a:spcPct val="90000"/>
+              </a:lnSpc>
+              <a:spcBef>
+                <a:spcPts val="500"/>
+              </a:spcBef>
+              <a:buFont typeface="Arial" panose="020B0604020202020204" pitchFamily="34" charset="0"/>
+              <a:buChar char="•"/>
+              <a:defRPr sz="1800" kern="1200">
+                <a:solidFill>
+                  <a:schemeClr val="tx1"/>
+                </a:solidFill>
+                <a:latin typeface="+mn-lt"/>
+                <a:ea typeface="+mn-ea"/>
+                <a:cs typeface="+mn-cs"/>
+              </a:defRPr>
+            </a:lvl6pPr>
+            <a:lvl7pPr marL="2971800" indent="-228600" algn="l" defTabSz="914400" rtl="0" eaLnBrk="1" latinLnBrk="0" hangingPunct="1">
+              <a:lnSpc>
+                <a:spcPct val="90000"/>
+              </a:lnSpc>
+              <a:spcBef>
+                <a:spcPts val="500"/>
+              </a:spcBef>
+              <a:buFont typeface="Arial" panose="020B0604020202020204" pitchFamily="34" charset="0"/>
+              <a:buChar char="•"/>
+              <a:defRPr sz="1800" kern="1200">
+                <a:solidFill>
+                  <a:schemeClr val="tx1"/>
+                </a:solidFill>
+                <a:latin typeface="+mn-lt"/>
+                <a:ea typeface="+mn-ea"/>
+                <a:cs typeface="+mn-cs"/>
+              </a:defRPr>
+            </a:lvl7pPr>
+            <a:lvl8pPr marL="3429000" indent="-228600" algn="l" defTabSz="914400" rtl="0" eaLnBrk="1" latinLnBrk="0" hangingPunct="1">
+              <a:lnSpc>
+                <a:spcPct val="90000"/>
+              </a:lnSpc>
+              <a:spcBef>
+                <a:spcPts val="500"/>
+              </a:spcBef>
+              <a:buFont typeface="Arial" panose="020B0604020202020204" pitchFamily="34" charset="0"/>
+              <a:buChar char="•"/>
+              <a:defRPr sz="1800" kern="1200">
+                <a:solidFill>
+                  <a:schemeClr val="tx1"/>
+                </a:solidFill>
+                <a:latin typeface="+mn-lt"/>
+                <a:ea typeface="+mn-ea"/>
+                <a:cs typeface="+mn-cs"/>
+              </a:defRPr>
+            </a:lvl8pPr>
+            <a:lvl9pPr marL="3886200" indent="-228600" algn="l" defTabSz="914400" rtl="0" eaLnBrk="1" latinLnBrk="0" hangingPunct="1">
+              <a:lnSpc>
+                <a:spcPct val="90000"/>
+              </a:lnSpc>
+              <a:spcBef>
+                <a:spcPts val="500"/>
+              </a:spcBef>
+              <a:buFont typeface="Arial" panose="020B0604020202020204" pitchFamily="34" charset="0"/>
+              <a:buChar char="•"/>
+              <a:defRPr sz="1800" kern="1200">
+                <a:solidFill>
+                  <a:schemeClr val="tx1"/>
+                </a:solidFill>
+                <a:latin typeface="+mn-lt"/>
+                <a:ea typeface="+mn-ea"/>
+                <a:cs typeface="+mn-cs"/>
+              </a:defRPr>
+            </a:lvl9pPr>
+          </a:lstStyle>
+          <a:p>
+            <a:pPr marL="0" marR="0" lvl="0" indent="0" algn="l" defTabSz="914400" rtl="0" eaLnBrk="1" fontAlgn="auto" latinLnBrk="0" hangingPunct="1">
+              <a:lnSpc>
+                <a:spcPct val="90000"/>
+              </a:lnSpc>
+              <a:spcBef>
+                <a:spcPts val="1000"/>
+              </a:spcBef>
+              <a:spcAft>
+                <a:spcPts val="0"/>
+              </a:spcAft>
+              <a:buClrTx/>
+              <a:buSzTx/>
+              <a:buFont typeface="Arial" panose="020B0604020202020204" pitchFamily="34" charset="0"/>
+              <a:buNone/>
+              <a:tabLst/>
+              <a:defRPr/>
+            </a:pPr>
+            <a:r>
+              <a:rPr kumimoji="0" lang="en-TW" sz="1400" b="1" i="0" u="none" strike="noStrike" kern="1200" cap="none" spc="0" normalizeH="0" baseline="0" noProof="0" dirty="0">
+                <a:ln>
+                  <a:noFill/>
+                </a:ln>
+                <a:solidFill>
+                  <a:srgbClr val="000000"/>
+                </a:solidFill>
+                <a:effectLst/>
+                <a:uLnTx/>
+                <a:uFillTx/>
+                <a:latin typeface="Arial"/>
+                <a:ea typeface="微软雅黑"/>
+                <a:cs typeface="+mn-cs"/>
+              </a:rPr>
+              <a:t>Low bias</a:t>
+            </a:r>
+          </a:p>
+        </p:txBody>
+      </p:sp>
+      <p:sp>
+        <p:nvSpPr>
+          <p:cNvPr id="53" name="Text Placeholder 3">
+            <a:extLst>
+              <a:ext uri="{FF2B5EF4-FFF2-40B4-BE49-F238E27FC236}">
+                <a16:creationId xmlns:a16="http://schemas.microsoft.com/office/drawing/2014/main" id="{548F0F45-7101-5B22-2B6B-B40C93F62168}"/>
+              </a:ext>
+            </a:extLst>
+          </p:cNvPr>
+          <p:cNvSpPr txBox="1">
+            <a:spLocks/>
+          </p:cNvSpPr>
+          <p:nvPr/>
+        </p:nvSpPr>
+        <p:spPr>
+          <a:xfrm rot="16200000">
+            <a:off x="3002297" y="4200924"/>
+            <a:ext cx="1055952" cy="341632"/>
+          </a:xfrm>
+          <a:prstGeom prst="rect">
+            <a:avLst/>
+          </a:prstGeom>
+        </p:spPr>
+        <p:txBody>
+          <a:bodyPr/>
+          <a:lstStyle>
+            <a:lvl1pPr marL="228600" indent="-228600" algn="l" defTabSz="914400" rtl="0" eaLnBrk="1" latinLnBrk="0" hangingPunct="1">
+              <a:lnSpc>
+                <a:spcPct val="90000"/>
+              </a:lnSpc>
+              <a:spcBef>
+                <a:spcPts val="1000"/>
+              </a:spcBef>
+              <a:buFont typeface="Arial" panose="020B0604020202020204" pitchFamily="34" charset="0"/>
+              <a:buChar char="•"/>
+              <a:defRPr sz="2800" kern="1200">
+                <a:solidFill>
+                  <a:schemeClr val="tx1"/>
+                </a:solidFill>
+                <a:latin typeface="+mn-lt"/>
+                <a:ea typeface="+mn-ea"/>
+                <a:cs typeface="+mn-cs"/>
+              </a:defRPr>
+            </a:lvl1pPr>
+            <a:lvl2pPr marL="685800" indent="-228600" algn="l" defTabSz="914400" rtl="0" eaLnBrk="1" latinLnBrk="0" hangingPunct="1">
+              <a:lnSpc>
+                <a:spcPct val="90000"/>
+              </a:lnSpc>
+              <a:spcBef>
+                <a:spcPts val="500"/>
+              </a:spcBef>
+              <a:buFont typeface="Arial" panose="020B0604020202020204" pitchFamily="34" charset="0"/>
+              <a:buChar char="•"/>
+              <a:defRPr sz="2400" kern="1200">
+                <a:solidFill>
+                  <a:schemeClr val="tx1"/>
+                </a:solidFill>
+                <a:latin typeface="+mn-lt"/>
+                <a:ea typeface="+mn-ea"/>
+                <a:cs typeface="+mn-cs"/>
+              </a:defRPr>
+            </a:lvl2pPr>
+            <a:lvl3pPr marL="1143000" indent="-228600" algn="l" defTabSz="914400" rtl="0" eaLnBrk="1" latinLnBrk="0" hangingPunct="1">
+              <a:lnSpc>
+                <a:spcPct val="90000"/>
+              </a:lnSpc>
+              <a:spcBef>
+                <a:spcPts val="500"/>
+              </a:spcBef>
+              <a:buFont typeface="Arial" panose="020B0604020202020204" pitchFamily="34" charset="0"/>
+              <a:buChar char="•"/>
+              <a:defRPr sz="2000" kern="1200">
+                <a:solidFill>
+                  <a:schemeClr val="tx1"/>
+                </a:solidFill>
+                <a:latin typeface="+mn-lt"/>
+                <a:ea typeface="+mn-ea"/>
+                <a:cs typeface="+mn-cs"/>
+              </a:defRPr>
+            </a:lvl3pPr>
+            <a:lvl4pPr marL="1600200" indent="-228600" algn="l" defTabSz="914400" rtl="0" eaLnBrk="1" latinLnBrk="0" hangingPunct="1">
+              <a:lnSpc>
+                <a:spcPct val="90000"/>
+              </a:lnSpc>
+              <a:spcBef>
+                <a:spcPts val="500"/>
+              </a:spcBef>
+              <a:buFont typeface="Arial" panose="020B0604020202020204" pitchFamily="34" charset="0"/>
+              <a:buChar char="•"/>
+              <a:defRPr sz="1800" kern="1200">
+                <a:solidFill>
+                  <a:schemeClr val="tx1"/>
+                </a:solidFill>
+                <a:latin typeface="+mn-lt"/>
+                <a:ea typeface="+mn-ea"/>
+                <a:cs typeface="+mn-cs"/>
+              </a:defRPr>
+            </a:lvl4pPr>
+            <a:lvl5pPr marL="2057400" indent="-228600" algn="l" defTabSz="914400" rtl="0" eaLnBrk="1" latinLnBrk="0" hangingPunct="1">
+              <a:lnSpc>
+                <a:spcPct val="90000"/>
+              </a:lnSpc>
+              <a:spcBef>
+                <a:spcPts val="500"/>
+              </a:spcBef>
+              <a:buFont typeface="Arial" panose="020B0604020202020204" pitchFamily="34" charset="0"/>
+              <a:buChar char="•"/>
+              <a:defRPr sz="1800" kern="1200">
+                <a:solidFill>
+                  <a:schemeClr val="tx1"/>
+                </a:solidFill>
+                <a:latin typeface="+mn-lt"/>
+                <a:ea typeface="+mn-ea"/>
+                <a:cs typeface="+mn-cs"/>
+              </a:defRPr>
+            </a:lvl5pPr>
+            <a:lvl6pPr marL="2514600" indent="-228600" algn="l" defTabSz="914400" rtl="0" eaLnBrk="1" latinLnBrk="0" hangingPunct="1">
+              <a:lnSpc>
+                <a:spcPct val="90000"/>
+              </a:lnSpc>
+              <a:spcBef>
+                <a:spcPts val="500"/>
+              </a:spcBef>
+              <a:buFont typeface="Arial" panose="020B0604020202020204" pitchFamily="34" charset="0"/>
+              <a:buChar char="•"/>
+              <a:defRPr sz="1800" kern="1200">
+                <a:solidFill>
+                  <a:schemeClr val="tx1"/>
+                </a:solidFill>
+                <a:latin typeface="+mn-lt"/>
+                <a:ea typeface="+mn-ea"/>
+                <a:cs typeface="+mn-cs"/>
+              </a:defRPr>
+            </a:lvl6pPr>
+            <a:lvl7pPr marL="2971800" indent="-228600" algn="l" defTabSz="914400" rtl="0" eaLnBrk="1" latinLnBrk="0" hangingPunct="1">
+              <a:lnSpc>
+                <a:spcPct val="90000"/>
+              </a:lnSpc>
+              <a:spcBef>
+                <a:spcPts val="500"/>
+              </a:spcBef>
+              <a:buFont typeface="Arial" panose="020B0604020202020204" pitchFamily="34" charset="0"/>
+              <a:buChar char="•"/>
+              <a:defRPr sz="1800" kern="1200">
+                <a:solidFill>
+                  <a:schemeClr val="tx1"/>
+                </a:solidFill>
+                <a:latin typeface="+mn-lt"/>
+                <a:ea typeface="+mn-ea"/>
+                <a:cs typeface="+mn-cs"/>
+              </a:defRPr>
+            </a:lvl7pPr>
+            <a:lvl8pPr marL="3429000" indent="-228600" algn="l" defTabSz="914400" rtl="0" eaLnBrk="1" latinLnBrk="0" hangingPunct="1">
+              <a:lnSpc>
+                <a:spcPct val="90000"/>
+              </a:lnSpc>
+              <a:spcBef>
+                <a:spcPts val="500"/>
+              </a:spcBef>
+              <a:buFont typeface="Arial" panose="020B0604020202020204" pitchFamily="34" charset="0"/>
+              <a:buChar char="•"/>
+              <a:defRPr sz="1800" kern="1200">
+                <a:solidFill>
+                  <a:schemeClr val="tx1"/>
+                </a:solidFill>
+                <a:latin typeface="+mn-lt"/>
+                <a:ea typeface="+mn-ea"/>
+                <a:cs typeface="+mn-cs"/>
+              </a:defRPr>
+            </a:lvl8pPr>
+            <a:lvl9pPr marL="3886200" indent="-228600" algn="l" defTabSz="914400" rtl="0" eaLnBrk="1" latinLnBrk="0" hangingPunct="1">
+              <a:lnSpc>
+                <a:spcPct val="90000"/>
+              </a:lnSpc>
+              <a:spcBef>
+                <a:spcPts val="500"/>
+              </a:spcBef>
+              <a:buFont typeface="Arial" panose="020B0604020202020204" pitchFamily="34" charset="0"/>
+              <a:buChar char="•"/>
+              <a:defRPr sz="1800" kern="1200">
+                <a:solidFill>
+                  <a:schemeClr val="tx1"/>
+                </a:solidFill>
+                <a:latin typeface="+mn-lt"/>
+                <a:ea typeface="+mn-ea"/>
+                <a:cs typeface="+mn-cs"/>
+              </a:defRPr>
+            </a:lvl9pPr>
+          </a:lstStyle>
+          <a:p>
+            <a:pPr marL="0" marR="0" lvl="0" indent="0" algn="l" defTabSz="914400" rtl="0" eaLnBrk="1" fontAlgn="auto" latinLnBrk="0" hangingPunct="1">
+              <a:lnSpc>
+                <a:spcPct val="90000"/>
+              </a:lnSpc>
+              <a:spcBef>
+                <a:spcPts val="1000"/>
+              </a:spcBef>
+              <a:spcAft>
+                <a:spcPts val="0"/>
+              </a:spcAft>
+              <a:buClrTx/>
+              <a:buSzTx/>
+              <a:buFont typeface="Arial" panose="020B0604020202020204" pitchFamily="34" charset="0"/>
+              <a:buNone/>
+              <a:tabLst/>
+              <a:defRPr/>
+            </a:pPr>
+            <a:r>
+              <a:rPr kumimoji="0" lang="en-TW" sz="1400" b="1" i="0" u="none" strike="noStrike" kern="1200" cap="none" spc="0" normalizeH="0" baseline="0" noProof="0" dirty="0">
+                <a:ln>
+                  <a:noFill/>
+                </a:ln>
+                <a:solidFill>
+                  <a:srgbClr val="000000"/>
+                </a:solidFill>
+                <a:effectLst/>
+                <a:uLnTx/>
+                <a:uFillTx/>
+                <a:latin typeface="Arial"/>
+                <a:ea typeface="微软雅黑"/>
+                <a:cs typeface="+mn-cs"/>
+              </a:rPr>
+              <a:t>High bias</a:t>
+            </a:r>
+          </a:p>
+        </p:txBody>
+      </p:sp>
+      <p:sp>
+        <p:nvSpPr>
+          <p:cNvPr id="54" name="Oval 53">
+            <a:extLst>
+              <a:ext uri="{FF2B5EF4-FFF2-40B4-BE49-F238E27FC236}">
+                <a16:creationId xmlns:a16="http://schemas.microsoft.com/office/drawing/2014/main" id="{F2434EA5-3175-3374-C50D-31B2580FB272}"/>
+              </a:ext>
+            </a:extLst>
+          </p:cNvPr>
+          <p:cNvSpPr>
+            <a:spLocks noChangeAspect="1"/>
+          </p:cNvSpPr>
+          <p:nvPr/>
+        </p:nvSpPr>
+        <p:spPr>
+          <a:xfrm rot="21104677">
+            <a:off x="4711342" y="2732263"/>
+            <a:ext cx="43200" cy="43200"/>
+          </a:xfrm>
+          <a:prstGeom prst="ellipse">
+            <a:avLst/>
+          </a:prstGeom>
+          <a:solidFill>
+            <a:srgbClr val="002060"/>
+          </a:solidFill>
+          <a:ln w="12700" cap="flat" cmpd="sng" algn="ctr">
+            <a:noFill/>
+            <a:prstDash val="solid"/>
+            <a:miter lim="800000"/>
+          </a:ln>
+          <a:effectLst/>
+        </p:spPr>
+        <p:txBody>
+          <a:bodyPr rtlCol="0" anchor="ctr"/>
+          <a:lstStyle/>
+          <a:p>
+            <a:pPr marL="0" marR="0" lvl="0" indent="0" algn="ctr" defTabSz="914377" eaLnBrk="1" fontAlgn="auto" latinLnBrk="0" hangingPunct="1">
+              <a:lnSpc>
+                <a:spcPct val="130000"/>
+              </a:lnSpc>
+              <a:spcBef>
+                <a:spcPts val="0"/>
+              </a:spcBef>
+              <a:spcAft>
+                <a:spcPts val="0"/>
+              </a:spcAft>
+              <a:buClrTx/>
+              <a:buSzTx/>
+              <a:buFontTx/>
+              <a:buNone/>
+              <a:tabLst/>
+              <a:defRPr/>
+            </a:pPr>
+            <a:endParaRPr kumimoji="0" lang="en-TW" sz="1200" b="0" i="0" u="none" strike="noStrike" kern="0" cap="none" spc="0" normalizeH="0" baseline="0" noProof="0" dirty="0">
+              <a:ln>
+                <a:noFill/>
+              </a:ln>
+              <a:solidFill>
+                <a:srgbClr val="FFFFFF"/>
+              </a:solidFill>
+              <a:effectLst/>
+              <a:uLnTx/>
+              <a:uFillTx/>
+              <a:latin typeface="微软雅黑" panose="020B0503020204020204" pitchFamily="34" charset="-122"/>
+              <a:ea typeface="微软雅黑" panose="020B0503020204020204" pitchFamily="34" charset="-122"/>
+              <a:cs typeface="+mn-cs"/>
+            </a:endParaRPr>
+          </a:p>
+        </p:txBody>
+      </p:sp>
+      <p:sp>
+        <p:nvSpPr>
+          <p:cNvPr id="55" name="Oval 54">
+            <a:extLst>
+              <a:ext uri="{FF2B5EF4-FFF2-40B4-BE49-F238E27FC236}">
+                <a16:creationId xmlns:a16="http://schemas.microsoft.com/office/drawing/2014/main" id="{F01402CF-BC7C-6717-EF7C-C7472443F328}"/>
+              </a:ext>
+            </a:extLst>
+          </p:cNvPr>
+          <p:cNvSpPr>
+            <a:spLocks noChangeAspect="1"/>
+          </p:cNvSpPr>
+          <p:nvPr/>
+        </p:nvSpPr>
+        <p:spPr>
+          <a:xfrm rot="21104677">
+            <a:off x="4719268" y="2690866"/>
+            <a:ext cx="43200" cy="43200"/>
+          </a:xfrm>
+          <a:prstGeom prst="ellipse">
+            <a:avLst/>
+          </a:prstGeom>
+          <a:solidFill>
+            <a:srgbClr val="002060"/>
+          </a:solidFill>
+          <a:ln w="12700" cap="flat" cmpd="sng" algn="ctr">
+            <a:noFill/>
+            <a:prstDash val="solid"/>
+            <a:miter lim="800000"/>
+          </a:ln>
+          <a:effectLst/>
+        </p:spPr>
+        <p:txBody>
+          <a:bodyPr rtlCol="0" anchor="ctr"/>
+          <a:lstStyle/>
+          <a:p>
+            <a:pPr marL="0" marR="0" lvl="0" indent="0" algn="ctr" defTabSz="914377" eaLnBrk="1" fontAlgn="auto" latinLnBrk="0" hangingPunct="1">
+              <a:lnSpc>
+                <a:spcPct val="130000"/>
+              </a:lnSpc>
+              <a:spcBef>
+                <a:spcPts val="0"/>
+              </a:spcBef>
+              <a:spcAft>
+                <a:spcPts val="0"/>
+              </a:spcAft>
+              <a:buClrTx/>
+              <a:buSzTx/>
+              <a:buFontTx/>
+              <a:buNone/>
+              <a:tabLst/>
+              <a:defRPr/>
+            </a:pPr>
+            <a:endParaRPr kumimoji="0" lang="en-TW" sz="1200" b="0" i="0" u="none" strike="noStrike" kern="0" cap="none" spc="0" normalizeH="0" baseline="0" noProof="0" dirty="0">
+              <a:ln>
+                <a:noFill/>
+              </a:ln>
+              <a:solidFill>
+                <a:srgbClr val="FFFFFF"/>
+              </a:solidFill>
+              <a:effectLst/>
+              <a:uLnTx/>
+              <a:uFillTx/>
+              <a:latin typeface="微软雅黑" panose="020B0503020204020204" pitchFamily="34" charset="-122"/>
+              <a:ea typeface="微软雅黑" panose="020B0503020204020204" pitchFamily="34" charset="-122"/>
+              <a:cs typeface="+mn-cs"/>
+            </a:endParaRPr>
+          </a:p>
+        </p:txBody>
+      </p:sp>
+      <p:grpSp>
+        <p:nvGrpSpPr>
+          <p:cNvPr id="67" name="Group 66">
+            <a:extLst>
+              <a:ext uri="{FF2B5EF4-FFF2-40B4-BE49-F238E27FC236}">
+                <a16:creationId xmlns:a16="http://schemas.microsoft.com/office/drawing/2014/main" id="{C96DD425-1327-C0DE-5D55-CE44DCE35D8D}"/>
+              </a:ext>
+            </a:extLst>
+          </p:cNvPr>
+          <p:cNvGrpSpPr/>
+          <p:nvPr/>
+        </p:nvGrpSpPr>
+        <p:grpSpPr>
+          <a:xfrm>
+            <a:off x="3968592" y="3693564"/>
+            <a:ext cx="1440000" cy="1440000"/>
+            <a:chOff x="3968592" y="3693564"/>
+            <a:chExt cx="1440000" cy="1440000"/>
+          </a:xfrm>
+        </p:grpSpPr>
+        <p:sp>
+          <p:nvSpPr>
+            <p:cNvPr id="13" name="Oval 12">
+              <a:extLst>
+                <a:ext uri="{FF2B5EF4-FFF2-40B4-BE49-F238E27FC236}">
+                  <a16:creationId xmlns:a16="http://schemas.microsoft.com/office/drawing/2014/main" id="{B2565D65-E7AF-1B0A-0EBE-FB16FD976235}"/>
+                </a:ext>
+              </a:extLst>
+            </p:cNvPr>
+            <p:cNvSpPr>
+              <a:spLocks noChangeAspect="1"/>
+            </p:cNvSpPr>
+            <p:nvPr/>
+          </p:nvSpPr>
+          <p:spPr>
+            <a:xfrm>
+              <a:off x="3968592" y="3693564"/>
+              <a:ext cx="1440000" cy="1440000"/>
+            </a:xfrm>
+            <a:prstGeom prst="ellipse">
+              <a:avLst/>
+            </a:prstGeom>
+            <a:noFill/>
+            <a:ln w="12700" cap="flat" cmpd="sng" algn="ctr">
+              <a:solidFill>
+                <a:srgbClr val="D2A66C">
+                  <a:lumMod val="75000"/>
+                </a:srgbClr>
+              </a:solidFill>
+              <a:prstDash val="solid"/>
+              <a:miter lim="800000"/>
+            </a:ln>
+            <a:effectLst/>
+          </p:spPr>
+          <p:txBody>
+            <a:bodyPr rtlCol="0" anchor="ctr"/>
+            <a:lstStyle/>
+            <a:p>
+              <a:pPr marL="0" marR="0" lvl="0" indent="0" algn="ctr" defTabSz="914377" eaLnBrk="1" fontAlgn="auto" latinLnBrk="0" hangingPunct="1">
+                <a:lnSpc>
+                  <a:spcPct val="130000"/>
+                </a:lnSpc>
+                <a:spcBef>
+                  <a:spcPts val="0"/>
+                </a:spcBef>
+                <a:spcAft>
+                  <a:spcPts val="0"/>
+                </a:spcAft>
+                <a:buClrTx/>
+                <a:buSzTx/>
+                <a:buFontTx/>
+                <a:buNone/>
+                <a:tabLst/>
+                <a:defRPr/>
+              </a:pPr>
+              <a:endParaRPr kumimoji="0" lang="en-TW" sz="1200" b="0" i="0" u="none" strike="noStrike" kern="0" cap="none" spc="0" normalizeH="0" baseline="0" noProof="0" dirty="0">
+                <a:ln>
+                  <a:noFill/>
+                </a:ln>
+                <a:solidFill>
+                  <a:srgbClr val="FFFFFF"/>
+                </a:solidFill>
+                <a:effectLst/>
+                <a:uLnTx/>
+                <a:uFillTx/>
+                <a:latin typeface="微软雅黑" panose="020B0503020204020204" pitchFamily="34" charset="-122"/>
+                <a:ea typeface="微软雅黑" panose="020B0503020204020204" pitchFamily="34" charset="-122"/>
+                <a:cs typeface="+mn-cs"/>
+              </a:endParaRPr>
+            </a:p>
+          </p:txBody>
+        </p:sp>
+        <p:sp>
+          <p:nvSpPr>
+            <p:cNvPr id="14" name="Oval 13">
+              <a:extLst>
+                <a:ext uri="{FF2B5EF4-FFF2-40B4-BE49-F238E27FC236}">
+                  <a16:creationId xmlns:a16="http://schemas.microsoft.com/office/drawing/2014/main" id="{2AA714CD-36B4-B662-92EC-14729F8F98C5}"/>
+                </a:ext>
+              </a:extLst>
+            </p:cNvPr>
+            <p:cNvSpPr>
+              <a:spLocks noChangeAspect="1"/>
+            </p:cNvSpPr>
+            <p:nvPr/>
+          </p:nvSpPr>
+          <p:spPr>
+            <a:xfrm>
+              <a:off x="4143592" y="3873564"/>
+              <a:ext cx="1080000" cy="1080000"/>
+            </a:xfrm>
+            <a:prstGeom prst="ellipse">
+              <a:avLst/>
+            </a:prstGeom>
+            <a:solidFill>
+              <a:srgbClr val="D2A66C"/>
+            </a:solidFill>
+            <a:ln w="12700" cap="flat" cmpd="sng" algn="ctr">
+              <a:solidFill>
+                <a:srgbClr val="D2A66C">
+                  <a:lumMod val="75000"/>
+                </a:srgbClr>
+              </a:solidFill>
+              <a:prstDash val="solid"/>
+              <a:miter lim="800000"/>
+            </a:ln>
+            <a:effectLst/>
+          </p:spPr>
+          <p:txBody>
+            <a:bodyPr rtlCol="0" anchor="ctr"/>
+            <a:lstStyle/>
+            <a:p>
+              <a:pPr marL="0" marR="0" lvl="0" indent="0" algn="ctr" defTabSz="914377" eaLnBrk="1" fontAlgn="auto" latinLnBrk="0" hangingPunct="1">
+                <a:lnSpc>
+                  <a:spcPct val="130000"/>
+                </a:lnSpc>
+                <a:spcBef>
+                  <a:spcPts val="0"/>
+                </a:spcBef>
+                <a:spcAft>
+                  <a:spcPts val="0"/>
+                </a:spcAft>
+                <a:buClrTx/>
+                <a:buSzTx/>
+                <a:buFontTx/>
+                <a:buNone/>
+                <a:tabLst/>
+                <a:defRPr/>
+              </a:pPr>
+              <a:endParaRPr kumimoji="0" lang="en-TW" sz="1200" b="0" i="0" u="none" strike="noStrike" kern="0" cap="none" spc="0" normalizeH="0" baseline="0" noProof="0" dirty="0">
+                <a:ln>
+                  <a:noFill/>
+                </a:ln>
+                <a:solidFill>
+                  <a:srgbClr val="FFFFFF"/>
+                </a:solidFill>
+                <a:effectLst/>
+                <a:uLnTx/>
+                <a:uFillTx/>
+                <a:latin typeface="微软雅黑" panose="020B0503020204020204" pitchFamily="34" charset="-122"/>
+                <a:ea typeface="微软雅黑" panose="020B0503020204020204" pitchFamily="34" charset="-122"/>
+                <a:cs typeface="+mn-cs"/>
+              </a:endParaRPr>
+            </a:p>
+          </p:txBody>
+        </p:sp>
+        <p:sp>
+          <p:nvSpPr>
+            <p:cNvPr id="20" name="Oval 19">
+              <a:extLst>
+                <a:ext uri="{FF2B5EF4-FFF2-40B4-BE49-F238E27FC236}">
+                  <a16:creationId xmlns:a16="http://schemas.microsoft.com/office/drawing/2014/main" id="{5726920F-FC12-AB1A-4A69-2DC78A2F426C}"/>
+                </a:ext>
+              </a:extLst>
+            </p:cNvPr>
+            <p:cNvSpPr>
+              <a:spLocks noChangeAspect="1"/>
+            </p:cNvSpPr>
+            <p:nvPr/>
+          </p:nvSpPr>
+          <p:spPr>
+            <a:xfrm>
+              <a:off x="4318320" y="4046489"/>
+              <a:ext cx="720000" cy="720000"/>
+            </a:xfrm>
+            <a:prstGeom prst="ellipse">
+              <a:avLst/>
+            </a:prstGeom>
+            <a:solidFill>
+              <a:srgbClr val="FFFFFF"/>
+            </a:solidFill>
+            <a:ln w="12700" cap="flat" cmpd="sng" algn="ctr">
+              <a:solidFill>
+                <a:srgbClr val="D2A66C">
+                  <a:lumMod val="75000"/>
+                </a:srgbClr>
+              </a:solidFill>
+              <a:prstDash val="solid"/>
+              <a:miter lim="800000"/>
+            </a:ln>
+            <a:effectLst/>
+          </p:spPr>
+          <p:txBody>
+            <a:bodyPr rtlCol="0" anchor="ctr"/>
+            <a:lstStyle/>
+            <a:p>
+              <a:pPr marL="0" marR="0" lvl="0" indent="0" algn="ctr" defTabSz="914377" eaLnBrk="1" fontAlgn="auto" latinLnBrk="0" hangingPunct="1">
+                <a:lnSpc>
+                  <a:spcPct val="130000"/>
+                </a:lnSpc>
+                <a:spcBef>
+                  <a:spcPts val="0"/>
+                </a:spcBef>
+                <a:spcAft>
+                  <a:spcPts val="0"/>
+                </a:spcAft>
+                <a:buClrTx/>
+                <a:buSzTx/>
+                <a:buFontTx/>
+                <a:buNone/>
+                <a:tabLst/>
+                <a:defRPr/>
+              </a:pPr>
+              <a:endParaRPr kumimoji="0" lang="en-TW" sz="1200" b="0" i="0" u="none" strike="noStrike" kern="0" cap="none" spc="0" normalizeH="0" baseline="0" noProof="0" dirty="0">
+                <a:ln>
+                  <a:noFill/>
+                </a:ln>
+                <a:solidFill>
+                  <a:srgbClr val="FFFFFF"/>
+                </a:solidFill>
+                <a:effectLst/>
+                <a:uLnTx/>
+                <a:uFillTx/>
+                <a:latin typeface="微软雅黑" panose="020B0503020204020204" pitchFamily="34" charset="-122"/>
+                <a:ea typeface="微软雅黑" panose="020B0503020204020204" pitchFamily="34" charset="-122"/>
+                <a:cs typeface="+mn-cs"/>
+              </a:endParaRPr>
+            </a:p>
+          </p:txBody>
+        </p:sp>
+        <p:sp>
+          <p:nvSpPr>
+            <p:cNvPr id="21" name="Oval 20">
+              <a:extLst>
+                <a:ext uri="{FF2B5EF4-FFF2-40B4-BE49-F238E27FC236}">
+                  <a16:creationId xmlns:a16="http://schemas.microsoft.com/office/drawing/2014/main" id="{461CE08C-06F2-7457-C8AA-384AA7BD4945}"/>
+                </a:ext>
+              </a:extLst>
+            </p:cNvPr>
+            <p:cNvSpPr>
+              <a:spLocks noChangeAspect="1"/>
+            </p:cNvSpPr>
+            <p:nvPr/>
+          </p:nvSpPr>
+          <p:spPr>
+            <a:xfrm rot="21104677">
+              <a:off x="4630616" y="4083465"/>
+              <a:ext cx="43200" cy="43200"/>
+            </a:xfrm>
+            <a:prstGeom prst="ellipse">
+              <a:avLst/>
+            </a:prstGeom>
+            <a:solidFill>
+              <a:srgbClr val="002060"/>
+            </a:solidFill>
+            <a:ln w="12700" cap="flat" cmpd="sng" algn="ctr">
+              <a:noFill/>
+              <a:prstDash val="solid"/>
+              <a:miter lim="800000"/>
+            </a:ln>
+            <a:effectLst/>
+          </p:spPr>
+          <p:txBody>
+            <a:bodyPr rtlCol="0" anchor="ctr"/>
+            <a:lstStyle/>
+            <a:p>
+              <a:pPr marL="0" marR="0" lvl="0" indent="0" algn="ctr" defTabSz="914377" eaLnBrk="1" fontAlgn="auto" latinLnBrk="0" hangingPunct="1">
+                <a:lnSpc>
+                  <a:spcPct val="130000"/>
+                </a:lnSpc>
+                <a:spcBef>
+                  <a:spcPts val="0"/>
+                </a:spcBef>
+                <a:spcAft>
+                  <a:spcPts val="0"/>
+                </a:spcAft>
+                <a:buClrTx/>
+                <a:buSzTx/>
+                <a:buFontTx/>
+                <a:buNone/>
+                <a:tabLst/>
+                <a:defRPr/>
+              </a:pPr>
+              <a:endParaRPr kumimoji="0" lang="en-TW" sz="1200" b="0" i="0" u="none" strike="noStrike" kern="0" cap="none" spc="0" normalizeH="0" baseline="0" noProof="0" dirty="0">
+                <a:ln>
+                  <a:noFill/>
+                </a:ln>
+                <a:solidFill>
+                  <a:srgbClr val="FFFFFF"/>
+                </a:solidFill>
+                <a:effectLst/>
+                <a:uLnTx/>
+                <a:uFillTx/>
+                <a:latin typeface="微软雅黑" panose="020B0503020204020204" pitchFamily="34" charset="-122"/>
+                <a:ea typeface="微软雅黑" panose="020B0503020204020204" pitchFamily="34" charset="-122"/>
+                <a:cs typeface="+mn-cs"/>
+              </a:endParaRPr>
+            </a:p>
+          </p:txBody>
+        </p:sp>
+        <p:sp>
+          <p:nvSpPr>
+            <p:cNvPr id="22" name="Oval 21">
+              <a:extLst>
+                <a:ext uri="{FF2B5EF4-FFF2-40B4-BE49-F238E27FC236}">
+                  <a16:creationId xmlns:a16="http://schemas.microsoft.com/office/drawing/2014/main" id="{2CF34C7B-4108-3ABE-DB0A-DF705B339967}"/>
+                </a:ext>
+              </a:extLst>
+            </p:cNvPr>
+            <p:cNvSpPr>
+              <a:spLocks noChangeAspect="1"/>
+            </p:cNvSpPr>
+            <p:nvPr/>
+          </p:nvSpPr>
+          <p:spPr>
+            <a:xfrm rot="21104677">
+              <a:off x="4665746" y="4064825"/>
+              <a:ext cx="43200" cy="43200"/>
+            </a:xfrm>
+            <a:prstGeom prst="ellipse">
+              <a:avLst/>
+            </a:prstGeom>
+            <a:solidFill>
+              <a:srgbClr val="002060"/>
+            </a:solidFill>
+            <a:ln w="12700" cap="flat" cmpd="sng" algn="ctr">
+              <a:noFill/>
+              <a:prstDash val="solid"/>
+              <a:miter lim="800000"/>
+            </a:ln>
+            <a:effectLst/>
+          </p:spPr>
+          <p:txBody>
+            <a:bodyPr rtlCol="0" anchor="ctr"/>
+            <a:lstStyle/>
+            <a:p>
+              <a:pPr marL="0" marR="0" lvl="0" indent="0" algn="ctr" defTabSz="914377" eaLnBrk="1" fontAlgn="auto" latinLnBrk="0" hangingPunct="1">
+                <a:lnSpc>
+                  <a:spcPct val="130000"/>
+                </a:lnSpc>
+                <a:spcBef>
+                  <a:spcPts val="0"/>
+                </a:spcBef>
+                <a:spcAft>
+                  <a:spcPts val="0"/>
+                </a:spcAft>
+                <a:buClrTx/>
+                <a:buSzTx/>
+                <a:buFontTx/>
+                <a:buNone/>
+                <a:tabLst/>
+                <a:defRPr/>
+              </a:pPr>
+              <a:endParaRPr kumimoji="0" lang="en-TW" sz="1200" b="0" i="0" u="none" strike="noStrike" kern="0" cap="none" spc="0" normalizeH="0" baseline="0" noProof="0" dirty="0">
+                <a:ln>
+                  <a:noFill/>
+                </a:ln>
+                <a:solidFill>
+                  <a:srgbClr val="FFFFFF"/>
+                </a:solidFill>
+                <a:effectLst/>
+                <a:uLnTx/>
+                <a:uFillTx/>
+                <a:latin typeface="微软雅黑" panose="020B0503020204020204" pitchFamily="34" charset="-122"/>
+                <a:ea typeface="微软雅黑" panose="020B0503020204020204" pitchFamily="34" charset="-122"/>
+                <a:cs typeface="+mn-cs"/>
+              </a:endParaRPr>
+            </a:p>
+          </p:txBody>
+        </p:sp>
+        <p:sp>
+          <p:nvSpPr>
+            <p:cNvPr id="23" name="Oval 22">
+              <a:extLst>
+                <a:ext uri="{FF2B5EF4-FFF2-40B4-BE49-F238E27FC236}">
+                  <a16:creationId xmlns:a16="http://schemas.microsoft.com/office/drawing/2014/main" id="{AB5DE54D-8416-8F72-CC01-7A1F228A2725}"/>
+                </a:ext>
+              </a:extLst>
+            </p:cNvPr>
+            <p:cNvSpPr>
+              <a:spLocks noChangeAspect="1"/>
+            </p:cNvSpPr>
+            <p:nvPr/>
+          </p:nvSpPr>
+          <p:spPr>
+            <a:xfrm rot="21104677">
+              <a:off x="4692827" y="4082013"/>
+              <a:ext cx="43200" cy="43200"/>
+            </a:xfrm>
+            <a:prstGeom prst="ellipse">
+              <a:avLst/>
+            </a:prstGeom>
+            <a:solidFill>
+              <a:srgbClr val="002060"/>
+            </a:solidFill>
+            <a:ln w="12700" cap="flat" cmpd="sng" algn="ctr">
+              <a:noFill/>
+              <a:prstDash val="solid"/>
+              <a:miter lim="800000"/>
+            </a:ln>
+            <a:effectLst/>
+          </p:spPr>
+          <p:txBody>
+            <a:bodyPr rtlCol="0" anchor="ctr"/>
+            <a:lstStyle/>
+            <a:p>
+              <a:pPr marL="0" marR="0" lvl="0" indent="0" algn="ctr" defTabSz="914377" eaLnBrk="1" fontAlgn="auto" latinLnBrk="0" hangingPunct="1">
+                <a:lnSpc>
+                  <a:spcPct val="130000"/>
+                </a:lnSpc>
+                <a:spcBef>
+                  <a:spcPts val="0"/>
+                </a:spcBef>
+                <a:spcAft>
+                  <a:spcPts val="0"/>
+                </a:spcAft>
+                <a:buClrTx/>
+                <a:buSzTx/>
+                <a:buFontTx/>
+                <a:buNone/>
+                <a:tabLst/>
+                <a:defRPr/>
+              </a:pPr>
+              <a:endParaRPr kumimoji="0" lang="en-TW" sz="1200" b="0" i="0" u="none" strike="noStrike" kern="0" cap="none" spc="0" normalizeH="0" baseline="0" noProof="0" dirty="0">
+                <a:ln>
+                  <a:noFill/>
+                </a:ln>
+                <a:solidFill>
+                  <a:srgbClr val="FFFFFF"/>
+                </a:solidFill>
+                <a:effectLst/>
+                <a:uLnTx/>
+                <a:uFillTx/>
+                <a:latin typeface="微软雅黑" panose="020B0503020204020204" pitchFamily="34" charset="-122"/>
+                <a:ea typeface="微软雅黑" panose="020B0503020204020204" pitchFamily="34" charset="-122"/>
+                <a:cs typeface="+mn-cs"/>
+              </a:endParaRPr>
+            </a:p>
+          </p:txBody>
+        </p:sp>
+        <p:sp>
+          <p:nvSpPr>
+            <p:cNvPr id="24" name="Oval 23">
+              <a:extLst>
+                <a:ext uri="{FF2B5EF4-FFF2-40B4-BE49-F238E27FC236}">
+                  <a16:creationId xmlns:a16="http://schemas.microsoft.com/office/drawing/2014/main" id="{A064AFCD-94EF-281B-4D4B-8A09030205B6}"/>
+                </a:ext>
+              </a:extLst>
+            </p:cNvPr>
+            <p:cNvSpPr>
+              <a:spLocks noChangeAspect="1"/>
+            </p:cNvSpPr>
+            <p:nvPr/>
+          </p:nvSpPr>
+          <p:spPr>
+            <a:xfrm rot="21104677">
+              <a:off x="4652907" y="4113000"/>
+              <a:ext cx="43200" cy="43200"/>
+            </a:xfrm>
+            <a:prstGeom prst="ellipse">
+              <a:avLst/>
+            </a:prstGeom>
+            <a:solidFill>
+              <a:srgbClr val="002060"/>
+            </a:solidFill>
+            <a:ln w="12700" cap="flat" cmpd="sng" algn="ctr">
+              <a:noFill/>
+              <a:prstDash val="solid"/>
+              <a:miter lim="800000"/>
+            </a:ln>
+            <a:effectLst/>
+          </p:spPr>
+          <p:txBody>
+            <a:bodyPr rtlCol="0" anchor="ctr"/>
+            <a:lstStyle/>
+            <a:p>
+              <a:pPr marL="0" marR="0" lvl="0" indent="0" algn="ctr" defTabSz="914377" eaLnBrk="1" fontAlgn="auto" latinLnBrk="0" hangingPunct="1">
+                <a:lnSpc>
+                  <a:spcPct val="130000"/>
+                </a:lnSpc>
+                <a:spcBef>
+                  <a:spcPts val="0"/>
+                </a:spcBef>
+                <a:spcAft>
+                  <a:spcPts val="0"/>
+                </a:spcAft>
+                <a:buClrTx/>
+                <a:buSzTx/>
+                <a:buFontTx/>
+                <a:buNone/>
+                <a:tabLst/>
+                <a:defRPr/>
+              </a:pPr>
+              <a:endParaRPr kumimoji="0" lang="en-TW" sz="1200" b="0" i="0" u="none" strike="noStrike" kern="0" cap="none" spc="0" normalizeH="0" baseline="0" noProof="0" dirty="0">
+                <a:ln>
+                  <a:noFill/>
+                </a:ln>
+                <a:solidFill>
+                  <a:srgbClr val="FFFFFF"/>
+                </a:solidFill>
+                <a:effectLst/>
+                <a:uLnTx/>
+                <a:uFillTx/>
+                <a:latin typeface="微软雅黑" panose="020B0503020204020204" pitchFamily="34" charset="-122"/>
+                <a:ea typeface="微软雅黑" panose="020B0503020204020204" pitchFamily="34" charset="-122"/>
+                <a:cs typeface="+mn-cs"/>
+              </a:endParaRPr>
+            </a:p>
+          </p:txBody>
+        </p:sp>
+        <p:sp>
+          <p:nvSpPr>
+            <p:cNvPr id="25" name="Oval 24">
+              <a:extLst>
+                <a:ext uri="{FF2B5EF4-FFF2-40B4-BE49-F238E27FC236}">
+                  <a16:creationId xmlns:a16="http://schemas.microsoft.com/office/drawing/2014/main" id="{64761470-A06A-E673-4B78-FE45B0919A30}"/>
+                </a:ext>
+              </a:extLst>
+            </p:cNvPr>
+            <p:cNvSpPr>
+              <a:spLocks noChangeAspect="1"/>
+            </p:cNvSpPr>
+            <p:nvPr/>
+          </p:nvSpPr>
+          <p:spPr>
+            <a:xfrm rot="21104677">
+              <a:off x="4715262" y="4121000"/>
+              <a:ext cx="43200" cy="43200"/>
+            </a:xfrm>
+            <a:prstGeom prst="ellipse">
+              <a:avLst/>
+            </a:prstGeom>
+            <a:solidFill>
+              <a:srgbClr val="002060"/>
+            </a:solidFill>
+            <a:ln w="12700" cap="flat" cmpd="sng" algn="ctr">
+              <a:noFill/>
+              <a:prstDash val="solid"/>
+              <a:miter lim="800000"/>
+            </a:ln>
+            <a:effectLst/>
+          </p:spPr>
+          <p:txBody>
+            <a:bodyPr rtlCol="0" anchor="ctr"/>
+            <a:lstStyle/>
+            <a:p>
+              <a:pPr marL="0" marR="0" lvl="0" indent="0" algn="ctr" defTabSz="914377" eaLnBrk="1" fontAlgn="auto" latinLnBrk="0" hangingPunct="1">
+                <a:lnSpc>
+                  <a:spcPct val="130000"/>
+                </a:lnSpc>
+                <a:spcBef>
+                  <a:spcPts val="0"/>
+                </a:spcBef>
+                <a:spcAft>
+                  <a:spcPts val="0"/>
+                </a:spcAft>
+                <a:buClrTx/>
+                <a:buSzTx/>
+                <a:buFontTx/>
+                <a:buNone/>
+                <a:tabLst/>
+                <a:defRPr/>
+              </a:pPr>
+              <a:endParaRPr kumimoji="0" lang="en-TW" sz="1200" b="0" i="0" u="none" strike="noStrike" kern="0" cap="none" spc="0" normalizeH="0" baseline="0" noProof="0" dirty="0">
+                <a:ln>
+                  <a:noFill/>
+                </a:ln>
+                <a:solidFill>
+                  <a:srgbClr val="FFFFFF"/>
+                </a:solidFill>
+                <a:effectLst/>
+                <a:uLnTx/>
+                <a:uFillTx/>
+                <a:latin typeface="微软雅黑" panose="020B0503020204020204" pitchFamily="34" charset="-122"/>
+                <a:ea typeface="微软雅黑" panose="020B0503020204020204" pitchFamily="34" charset="-122"/>
+                <a:cs typeface="+mn-cs"/>
+              </a:endParaRPr>
+            </a:p>
+          </p:txBody>
+        </p:sp>
+        <p:sp>
+          <p:nvSpPr>
+            <p:cNvPr id="26" name="Oval 25">
+              <a:extLst>
+                <a:ext uri="{FF2B5EF4-FFF2-40B4-BE49-F238E27FC236}">
+                  <a16:creationId xmlns:a16="http://schemas.microsoft.com/office/drawing/2014/main" id="{F7ED836F-CF81-DE78-55BA-3C47FFB18A5A}"/>
+                </a:ext>
+              </a:extLst>
+            </p:cNvPr>
+            <p:cNvSpPr>
+              <a:spLocks noChangeAspect="1"/>
+            </p:cNvSpPr>
+            <p:nvPr/>
+          </p:nvSpPr>
+          <p:spPr>
+            <a:xfrm rot="21104677">
+              <a:off x="4729732" y="4058153"/>
+              <a:ext cx="43200" cy="43200"/>
+            </a:xfrm>
+            <a:prstGeom prst="ellipse">
+              <a:avLst/>
+            </a:prstGeom>
+            <a:solidFill>
+              <a:srgbClr val="002060"/>
+            </a:solidFill>
+            <a:ln w="12700" cap="flat" cmpd="sng" algn="ctr">
+              <a:noFill/>
+              <a:prstDash val="solid"/>
+              <a:miter lim="800000"/>
+            </a:ln>
+            <a:effectLst/>
+          </p:spPr>
+          <p:txBody>
+            <a:bodyPr rtlCol="0" anchor="ctr"/>
+            <a:lstStyle/>
+            <a:p>
+              <a:pPr marL="0" marR="0" lvl="0" indent="0" algn="ctr" defTabSz="914377" eaLnBrk="1" fontAlgn="auto" latinLnBrk="0" hangingPunct="1">
+                <a:lnSpc>
+                  <a:spcPct val="130000"/>
+                </a:lnSpc>
+                <a:spcBef>
+                  <a:spcPts val="0"/>
+                </a:spcBef>
+                <a:spcAft>
+                  <a:spcPts val="0"/>
+                </a:spcAft>
+                <a:buClrTx/>
+                <a:buSzTx/>
+                <a:buFontTx/>
+                <a:buNone/>
+                <a:tabLst/>
+                <a:defRPr/>
+              </a:pPr>
+              <a:endParaRPr kumimoji="0" lang="en-TW" sz="1200" b="0" i="0" u="none" strike="noStrike" kern="0" cap="none" spc="0" normalizeH="0" baseline="0" noProof="0" dirty="0">
+                <a:ln>
+                  <a:noFill/>
+                </a:ln>
+                <a:solidFill>
+                  <a:srgbClr val="FFFFFF"/>
+                </a:solidFill>
+                <a:effectLst/>
+                <a:uLnTx/>
+                <a:uFillTx/>
+                <a:latin typeface="微软雅黑" panose="020B0503020204020204" pitchFamily="34" charset="-122"/>
+                <a:ea typeface="微软雅黑" panose="020B0503020204020204" pitchFamily="34" charset="-122"/>
+                <a:cs typeface="+mn-cs"/>
+              </a:endParaRPr>
+            </a:p>
+          </p:txBody>
+        </p:sp>
+        <p:sp>
+          <p:nvSpPr>
+            <p:cNvPr id="27" name="Oval 26">
+              <a:extLst>
+                <a:ext uri="{FF2B5EF4-FFF2-40B4-BE49-F238E27FC236}">
+                  <a16:creationId xmlns:a16="http://schemas.microsoft.com/office/drawing/2014/main" id="{C5D00E5B-D87B-646E-C351-D07AA64EF6D2}"/>
+                </a:ext>
+              </a:extLst>
+            </p:cNvPr>
+            <p:cNvSpPr>
+              <a:spLocks noChangeAspect="1"/>
+            </p:cNvSpPr>
+            <p:nvPr/>
+          </p:nvSpPr>
+          <p:spPr>
+            <a:xfrm rot="21104677">
+              <a:off x="4748154" y="4100241"/>
+              <a:ext cx="43200" cy="43200"/>
+            </a:xfrm>
+            <a:prstGeom prst="ellipse">
+              <a:avLst/>
+            </a:prstGeom>
+            <a:solidFill>
+              <a:srgbClr val="002060"/>
+            </a:solidFill>
+            <a:ln w="12700" cap="flat" cmpd="sng" algn="ctr">
+              <a:noFill/>
+              <a:prstDash val="solid"/>
+              <a:miter lim="800000"/>
+            </a:ln>
+            <a:effectLst/>
+          </p:spPr>
+          <p:txBody>
+            <a:bodyPr rtlCol="0" anchor="ctr"/>
+            <a:lstStyle/>
+            <a:p>
+              <a:pPr marL="0" marR="0" lvl="0" indent="0" algn="ctr" defTabSz="914377" eaLnBrk="1" fontAlgn="auto" latinLnBrk="0" hangingPunct="1">
+                <a:lnSpc>
+                  <a:spcPct val="130000"/>
+                </a:lnSpc>
+                <a:spcBef>
+                  <a:spcPts val="0"/>
+                </a:spcBef>
+                <a:spcAft>
+                  <a:spcPts val="0"/>
+                </a:spcAft>
+                <a:buClrTx/>
+                <a:buSzTx/>
+                <a:buFontTx/>
+                <a:buNone/>
+                <a:tabLst/>
+                <a:defRPr/>
+              </a:pPr>
+              <a:endParaRPr kumimoji="0" lang="en-TW" sz="1200" b="0" i="0" u="none" strike="noStrike" kern="0" cap="none" spc="0" normalizeH="0" baseline="0" noProof="0" dirty="0">
+                <a:ln>
+                  <a:noFill/>
+                </a:ln>
+                <a:solidFill>
+                  <a:srgbClr val="FFFFFF"/>
+                </a:solidFill>
+                <a:effectLst/>
+                <a:uLnTx/>
+                <a:uFillTx/>
+                <a:latin typeface="微软雅黑" panose="020B0503020204020204" pitchFamily="34" charset="-122"/>
+                <a:ea typeface="微软雅黑" panose="020B0503020204020204" pitchFamily="34" charset="-122"/>
+                <a:cs typeface="+mn-cs"/>
+              </a:endParaRPr>
+            </a:p>
+          </p:txBody>
+        </p:sp>
+        <p:sp>
+          <p:nvSpPr>
+            <p:cNvPr id="28" name="Oval 27">
+              <a:extLst>
+                <a:ext uri="{FF2B5EF4-FFF2-40B4-BE49-F238E27FC236}">
+                  <a16:creationId xmlns:a16="http://schemas.microsoft.com/office/drawing/2014/main" id="{CBF42FD0-1373-6F20-9CA4-AD71D9D396C7}"/>
+                </a:ext>
+              </a:extLst>
+            </p:cNvPr>
+            <p:cNvSpPr>
+              <a:spLocks noChangeAspect="1"/>
+            </p:cNvSpPr>
+            <p:nvPr/>
+          </p:nvSpPr>
+          <p:spPr>
+            <a:xfrm rot="21104677">
+              <a:off x="4689055" y="4029234"/>
+              <a:ext cx="43200" cy="43200"/>
+            </a:xfrm>
+            <a:prstGeom prst="ellipse">
+              <a:avLst/>
+            </a:prstGeom>
+            <a:solidFill>
+              <a:srgbClr val="002060"/>
+            </a:solidFill>
+            <a:ln w="12700" cap="flat" cmpd="sng" algn="ctr">
+              <a:noFill/>
+              <a:prstDash val="solid"/>
+              <a:miter lim="800000"/>
+            </a:ln>
+            <a:effectLst/>
+          </p:spPr>
+          <p:txBody>
+            <a:bodyPr rtlCol="0" anchor="ctr"/>
+            <a:lstStyle/>
+            <a:p>
+              <a:pPr marL="0" marR="0" lvl="0" indent="0" algn="ctr" defTabSz="914377" eaLnBrk="1" fontAlgn="auto" latinLnBrk="0" hangingPunct="1">
+                <a:lnSpc>
+                  <a:spcPct val="130000"/>
+                </a:lnSpc>
+                <a:spcBef>
+                  <a:spcPts val="0"/>
+                </a:spcBef>
+                <a:spcAft>
+                  <a:spcPts val="0"/>
+                </a:spcAft>
+                <a:buClrTx/>
+                <a:buSzTx/>
+                <a:buFontTx/>
+                <a:buNone/>
+                <a:tabLst/>
+                <a:defRPr/>
+              </a:pPr>
+              <a:endParaRPr kumimoji="0" lang="en-TW" sz="1200" b="0" i="0" u="none" strike="noStrike" kern="0" cap="none" spc="0" normalizeH="0" baseline="0" noProof="0" dirty="0">
+                <a:ln>
+                  <a:noFill/>
+                </a:ln>
+                <a:solidFill>
+                  <a:srgbClr val="FFFFFF"/>
+                </a:solidFill>
+                <a:effectLst/>
+                <a:uLnTx/>
+                <a:uFillTx/>
+                <a:latin typeface="微软雅黑" panose="020B0503020204020204" pitchFamily="34" charset="-122"/>
+                <a:ea typeface="微软雅黑" panose="020B0503020204020204" pitchFamily="34" charset="-122"/>
+                <a:cs typeface="+mn-cs"/>
+              </a:endParaRPr>
+            </a:p>
+          </p:txBody>
+        </p:sp>
+        <p:sp>
+          <p:nvSpPr>
+            <p:cNvPr id="49" name="Oval 48">
+              <a:extLst>
+                <a:ext uri="{FF2B5EF4-FFF2-40B4-BE49-F238E27FC236}">
+                  <a16:creationId xmlns:a16="http://schemas.microsoft.com/office/drawing/2014/main" id="{27865ABF-E21A-20AB-27C1-A2538CF43775}"/>
+                </a:ext>
+              </a:extLst>
+            </p:cNvPr>
+            <p:cNvSpPr>
+              <a:spLocks noChangeAspect="1"/>
+            </p:cNvSpPr>
+            <p:nvPr/>
+          </p:nvSpPr>
+          <p:spPr>
+            <a:xfrm>
+              <a:off x="4575592" y="4305564"/>
+              <a:ext cx="216000" cy="216000"/>
+            </a:xfrm>
+            <a:prstGeom prst="ellipse">
+              <a:avLst/>
+            </a:prstGeom>
+            <a:solidFill>
+              <a:srgbClr val="C00000"/>
+            </a:solidFill>
+            <a:ln w="12700" cap="flat" cmpd="sng" algn="ctr">
+              <a:solidFill>
+                <a:srgbClr val="D2A66C">
+                  <a:lumMod val="75000"/>
+                </a:srgbClr>
+              </a:solidFill>
+              <a:prstDash val="solid"/>
+              <a:miter lim="800000"/>
+            </a:ln>
+            <a:effectLst/>
+          </p:spPr>
+          <p:txBody>
+            <a:bodyPr rtlCol="0" anchor="ctr"/>
+            <a:lstStyle/>
+            <a:p>
+              <a:pPr marL="0" marR="0" lvl="0" indent="0" algn="ctr" defTabSz="914377" eaLnBrk="1" fontAlgn="auto" latinLnBrk="0" hangingPunct="1">
+                <a:lnSpc>
+                  <a:spcPct val="130000"/>
+                </a:lnSpc>
+                <a:spcBef>
+                  <a:spcPts val="0"/>
+                </a:spcBef>
+                <a:spcAft>
+                  <a:spcPts val="0"/>
+                </a:spcAft>
+                <a:buClrTx/>
+                <a:buSzTx/>
+                <a:buFontTx/>
+                <a:buNone/>
+                <a:tabLst/>
+                <a:defRPr/>
+              </a:pPr>
+              <a:endParaRPr kumimoji="0" lang="en-TW" sz="1200" b="0" i="0" u="none" strike="noStrike" kern="0" cap="none" spc="0" normalizeH="0" baseline="0" noProof="0" dirty="0">
+                <a:ln>
+                  <a:noFill/>
+                </a:ln>
+                <a:solidFill>
+                  <a:srgbClr val="FFFFFF"/>
+                </a:solidFill>
+                <a:effectLst/>
+                <a:uLnTx/>
+                <a:uFillTx/>
+                <a:latin typeface="微软雅黑" panose="020B0503020204020204" pitchFamily="34" charset="-122"/>
+                <a:ea typeface="微软雅黑" panose="020B0503020204020204" pitchFamily="34" charset="-122"/>
+                <a:cs typeface="+mn-cs"/>
+              </a:endParaRPr>
+            </a:p>
+          </p:txBody>
+        </p:sp>
+        <p:sp>
+          <p:nvSpPr>
+            <p:cNvPr id="56" name="Oval 55">
+              <a:extLst>
+                <a:ext uri="{FF2B5EF4-FFF2-40B4-BE49-F238E27FC236}">
+                  <a16:creationId xmlns:a16="http://schemas.microsoft.com/office/drawing/2014/main" id="{42DC0D12-CB2C-4EB8-89A7-9DFEF17C91CE}"/>
+                </a:ext>
+              </a:extLst>
+            </p:cNvPr>
+            <p:cNvSpPr>
+              <a:spLocks noChangeAspect="1"/>
+            </p:cNvSpPr>
+            <p:nvPr/>
+          </p:nvSpPr>
+          <p:spPr>
+            <a:xfrm rot="21104677">
+              <a:off x="4772080" y="4075042"/>
+              <a:ext cx="43200" cy="43200"/>
+            </a:xfrm>
+            <a:prstGeom prst="ellipse">
+              <a:avLst/>
+            </a:prstGeom>
+            <a:solidFill>
+              <a:srgbClr val="002060"/>
+            </a:solidFill>
+            <a:ln w="12700" cap="flat" cmpd="sng" algn="ctr">
+              <a:noFill/>
+              <a:prstDash val="solid"/>
+              <a:miter lim="800000"/>
+            </a:ln>
+            <a:effectLst/>
+          </p:spPr>
+          <p:txBody>
+            <a:bodyPr rtlCol="0" anchor="ctr"/>
+            <a:lstStyle/>
+            <a:p>
+              <a:pPr marL="0" marR="0" lvl="0" indent="0" algn="ctr" defTabSz="914377" eaLnBrk="1" fontAlgn="auto" latinLnBrk="0" hangingPunct="1">
+                <a:lnSpc>
+                  <a:spcPct val="130000"/>
+                </a:lnSpc>
+                <a:spcBef>
+                  <a:spcPts val="0"/>
+                </a:spcBef>
+                <a:spcAft>
+                  <a:spcPts val="0"/>
+                </a:spcAft>
+                <a:buClrTx/>
+                <a:buSzTx/>
+                <a:buFontTx/>
+                <a:buNone/>
+                <a:tabLst/>
+                <a:defRPr/>
+              </a:pPr>
+              <a:endParaRPr kumimoji="0" lang="en-TW" sz="1200" b="0" i="0" u="none" strike="noStrike" kern="0" cap="none" spc="0" normalizeH="0" baseline="0" noProof="0" dirty="0">
+                <a:ln>
+                  <a:noFill/>
+                </a:ln>
+                <a:solidFill>
+                  <a:srgbClr val="FFFFFF"/>
+                </a:solidFill>
+                <a:effectLst/>
+                <a:uLnTx/>
+                <a:uFillTx/>
+                <a:latin typeface="微软雅黑" panose="020B0503020204020204" pitchFamily="34" charset="-122"/>
+                <a:ea typeface="微软雅黑" panose="020B0503020204020204" pitchFamily="34" charset="-122"/>
+                <a:cs typeface="+mn-cs"/>
+              </a:endParaRPr>
+            </a:p>
+          </p:txBody>
+        </p:sp>
+        <p:sp>
+          <p:nvSpPr>
+            <p:cNvPr id="57" name="Oval 56">
+              <a:extLst>
+                <a:ext uri="{FF2B5EF4-FFF2-40B4-BE49-F238E27FC236}">
+                  <a16:creationId xmlns:a16="http://schemas.microsoft.com/office/drawing/2014/main" id="{0043606A-12D7-C2BF-32FC-BBCA1509EC78}"/>
+                </a:ext>
+              </a:extLst>
+            </p:cNvPr>
+            <p:cNvSpPr>
+              <a:spLocks noChangeAspect="1"/>
+            </p:cNvSpPr>
+            <p:nvPr/>
+          </p:nvSpPr>
+          <p:spPr>
+            <a:xfrm rot="21104677">
+              <a:off x="4677617" y="4124166"/>
+              <a:ext cx="43200" cy="43200"/>
+            </a:xfrm>
+            <a:prstGeom prst="ellipse">
+              <a:avLst/>
+            </a:prstGeom>
+            <a:solidFill>
+              <a:srgbClr val="002060"/>
+            </a:solidFill>
+            <a:ln w="12700" cap="flat" cmpd="sng" algn="ctr">
+              <a:noFill/>
+              <a:prstDash val="solid"/>
+              <a:miter lim="800000"/>
+            </a:ln>
+            <a:effectLst/>
+          </p:spPr>
+          <p:txBody>
+            <a:bodyPr rtlCol="0" anchor="ctr"/>
+            <a:lstStyle/>
+            <a:p>
+              <a:pPr marL="0" marR="0" lvl="0" indent="0" algn="ctr" defTabSz="914377" eaLnBrk="1" fontAlgn="auto" latinLnBrk="0" hangingPunct="1">
+                <a:lnSpc>
+                  <a:spcPct val="130000"/>
+                </a:lnSpc>
+                <a:spcBef>
+                  <a:spcPts val="0"/>
+                </a:spcBef>
+                <a:spcAft>
+                  <a:spcPts val="0"/>
+                </a:spcAft>
+                <a:buClrTx/>
+                <a:buSzTx/>
+                <a:buFontTx/>
+                <a:buNone/>
+                <a:tabLst/>
+                <a:defRPr/>
+              </a:pPr>
+              <a:endParaRPr kumimoji="0" lang="en-TW" sz="1200" b="0" i="0" u="none" strike="noStrike" kern="0" cap="none" spc="0" normalizeH="0" baseline="0" noProof="0" dirty="0">
+                <a:ln>
+                  <a:noFill/>
+                </a:ln>
+                <a:solidFill>
+                  <a:srgbClr val="FFFFFF"/>
+                </a:solidFill>
+                <a:effectLst/>
+                <a:uLnTx/>
+                <a:uFillTx/>
+                <a:latin typeface="微软雅黑" panose="020B0503020204020204" pitchFamily="34" charset="-122"/>
+                <a:ea typeface="微软雅黑" panose="020B0503020204020204" pitchFamily="34" charset="-122"/>
+                <a:cs typeface="+mn-cs"/>
+              </a:endParaRPr>
+            </a:p>
+          </p:txBody>
+        </p:sp>
+      </p:grpSp>
     </p:spTree>
     <p:extLst>
       <p:ext uri="{BB962C8B-B14F-4D97-AF65-F5344CB8AC3E}">
-        <p14:creationId xmlns:p14="http://schemas.microsoft.com/office/powerpoint/2010/main" val="4088805985"/>
+        <p14:creationId xmlns:p14="http://schemas.microsoft.com/office/powerpoint/2010/main" val="1065784817"/>
       </p:ext>
     </p:extLst>
   </p:cSld>
@@ -23809,35 +30081,10 @@
       </p:grpSpPr>
       <p:sp>
         <p:nvSpPr>
-          <p:cNvPr id="2" name="Text Placeholder 1">
+          <p:cNvPr id="2" name="Title 1">
             <a:extLst>
               <a:ext uri="{FF2B5EF4-FFF2-40B4-BE49-F238E27FC236}">
-                <a16:creationId xmlns:a16="http://schemas.microsoft.com/office/drawing/2014/main" id="{0924A63E-C18F-794A-AD57-4A4CCE4BB644}"/>
-              </a:ext>
-            </a:extLst>
-          </p:cNvPr>
-          <p:cNvSpPr>
-            <a:spLocks noGrp="1"/>
-          </p:cNvSpPr>
-          <p:nvPr>
-            <p:ph type="body" sz="quarter" idx="11"/>
-          </p:nvPr>
-        </p:nvSpPr>
-        <p:spPr/>
-        <p:txBody>
-          <a:bodyPr/>
-          <a:lstStyle/>
-          <a:p>
-            <a:endParaRPr lang="en-TW"/>
-          </a:p>
-        </p:txBody>
-      </p:sp>
-      <p:sp>
-        <p:nvSpPr>
-          <p:cNvPr id="3" name="Title 2">
-            <a:extLst>
-              <a:ext uri="{FF2B5EF4-FFF2-40B4-BE49-F238E27FC236}">
-                <a16:creationId xmlns:a16="http://schemas.microsoft.com/office/drawing/2014/main" id="{FE279AD7-2A72-2649-AE7D-0FBCF5CB24F1}"/>
+                <a16:creationId xmlns:a16="http://schemas.microsoft.com/office/drawing/2014/main" id="{1FC50F70-7E55-E1EC-2041-6C4D8F977A9E}"/>
               </a:ext>
             </a:extLst>
           </p:cNvPr>
@@ -23850,19 +30097,250 @@
         </p:nvSpPr>
         <p:spPr/>
         <p:txBody>
-          <a:bodyPr>
-            <a:normAutofit fontScale="90000"/>
-          </a:bodyPr>
+          <a:bodyPr/>
           <a:lstStyle/>
           <a:p>
             <a:endParaRPr lang="en-TW"/>
           </a:p>
         </p:txBody>
       </p:sp>
+      <p:pic>
+        <p:nvPicPr>
+          <p:cNvPr id="5" name="Content Placeholder 4">
+            <a:extLst>
+              <a:ext uri="{FF2B5EF4-FFF2-40B4-BE49-F238E27FC236}">
+                <a16:creationId xmlns:a16="http://schemas.microsoft.com/office/drawing/2014/main" id="{04659708-3B18-147E-8793-2D94E6E89BFF}"/>
+              </a:ext>
+            </a:extLst>
+          </p:cNvPr>
+          <p:cNvPicPr>
+            <a:picLocks noGrp="1" noChangeAspect="1"/>
+          </p:cNvPicPr>
+          <p:nvPr>
+            <p:ph idx="1"/>
+          </p:nvPr>
+        </p:nvPicPr>
+        <p:blipFill rotWithShape="1">
+          <a:blip r:embed="rId2">
+            <a:extLst>
+              <a:ext uri="{28A0092B-C50C-407E-A947-70E740481C1C}">
+                <a14:useLocalDpi xmlns:a14="http://schemas.microsoft.com/office/drawing/2010/main" val="0"/>
+              </a:ext>
+            </a:extLst>
+          </a:blip>
+          <a:srcRect b="22707"/>
+          <a:stretch/>
+        </p:blipFill>
+        <p:spPr>
+          <a:xfrm>
+            <a:off x="1900355" y="1193800"/>
+            <a:ext cx="8391290" cy="3851601"/>
+          </a:xfrm>
+        </p:spPr>
+      </p:pic>
+      <p:pic>
+        <p:nvPicPr>
+          <p:cNvPr id="9" name="Picture 8">
+            <a:extLst>
+              <a:ext uri="{FF2B5EF4-FFF2-40B4-BE49-F238E27FC236}">
+                <a16:creationId xmlns:a16="http://schemas.microsoft.com/office/drawing/2014/main" id="{82AE0ECB-64EE-0BB5-582A-9BAF938E8149}"/>
+              </a:ext>
+            </a:extLst>
+          </p:cNvPr>
+          <p:cNvPicPr>
+            <a:picLocks noChangeAspect="1"/>
+          </p:cNvPicPr>
+          <p:nvPr/>
+        </p:nvPicPr>
+        <p:blipFill rotWithShape="1">
+          <a:blip r:embed="rId3">
+            <a:extLst>
+              <a:ext uri="{28A0092B-C50C-407E-A947-70E740481C1C}">
+                <a14:useLocalDpi xmlns:a14="http://schemas.microsoft.com/office/drawing/2010/main" val="0"/>
+              </a:ext>
+            </a:extLst>
+          </a:blip>
+          <a:srcRect r="9690" b="7062"/>
+          <a:stretch/>
+        </p:blipFill>
+        <p:spPr>
+          <a:xfrm>
+            <a:off x="1860397" y="5002402"/>
+            <a:ext cx="1351155" cy="1345898"/>
+          </a:xfrm>
+          <a:prstGeom prst="rect">
+            <a:avLst/>
+          </a:prstGeom>
+        </p:spPr>
+      </p:pic>
+      <p:pic>
+        <p:nvPicPr>
+          <p:cNvPr id="11" name="Picture 10">
+            <a:extLst>
+              <a:ext uri="{FF2B5EF4-FFF2-40B4-BE49-F238E27FC236}">
+                <a16:creationId xmlns:a16="http://schemas.microsoft.com/office/drawing/2014/main" id="{BF77DFC4-F7FD-0C90-03A4-296B6FC399BA}"/>
+              </a:ext>
+            </a:extLst>
+          </p:cNvPr>
+          <p:cNvPicPr>
+            <a:picLocks noChangeAspect="1"/>
+          </p:cNvPicPr>
+          <p:nvPr/>
+        </p:nvPicPr>
+        <p:blipFill>
+          <a:blip r:embed="rId4">
+            <a:extLst>
+              <a:ext uri="{28A0092B-C50C-407E-A947-70E740481C1C}">
+                <a14:useLocalDpi xmlns:a14="http://schemas.microsoft.com/office/drawing/2010/main" val="0"/>
+              </a:ext>
+            </a:extLst>
+          </a:blip>
+          <a:stretch>
+            <a:fillRect/>
+          </a:stretch>
+        </p:blipFill>
+        <p:spPr>
+          <a:xfrm>
+            <a:off x="6558781" y="5045401"/>
+            <a:ext cx="1351155" cy="1302899"/>
+          </a:xfrm>
+          <a:prstGeom prst="rect">
+            <a:avLst/>
+          </a:prstGeom>
+        </p:spPr>
+      </p:pic>
+      <p:sp>
+        <p:nvSpPr>
+          <p:cNvPr id="12" name="TextBox 11">
+            <a:extLst>
+              <a:ext uri="{FF2B5EF4-FFF2-40B4-BE49-F238E27FC236}">
+                <a16:creationId xmlns:a16="http://schemas.microsoft.com/office/drawing/2014/main" id="{BE7376C5-3981-F7A7-F53E-B72F0326B3BB}"/>
+              </a:ext>
+            </a:extLst>
+          </p:cNvPr>
+          <p:cNvSpPr txBox="1"/>
+          <p:nvPr/>
+        </p:nvSpPr>
+        <p:spPr>
+          <a:xfrm>
+            <a:off x="2921354" y="5512184"/>
+            <a:ext cx="2965529" cy="369332"/>
+          </a:xfrm>
+          <a:prstGeom prst="rect">
+            <a:avLst/>
+          </a:prstGeom>
+          <a:noFill/>
+        </p:spPr>
+        <p:txBody>
+          <a:bodyPr wrap="square">
+            <a:spAutoFit/>
+          </a:bodyPr>
+          <a:lstStyle/>
+          <a:p>
+            <a:pPr algn="ctr"/>
+            <a:r>
+              <a:rPr lang="en-TW" dirty="0">
+                <a:latin typeface="Microsoft JhengHei" panose="020B0604030504040204" pitchFamily="34" charset="-120"/>
+                <a:ea typeface="Microsoft JhengHei" panose="020B0604030504040204" pitchFamily="34" charset="-120"/>
+              </a:rPr>
+              <a:t>簡單模型</a:t>
+            </a:r>
+            <a:r>
+              <a:rPr lang="zh-TW" altLang="en-US" b="1" dirty="0">
+                <a:latin typeface="Microsoft JhengHei" panose="020B0604030504040204" pitchFamily="34" charset="-120"/>
+                <a:ea typeface="Microsoft JhengHei" panose="020B0604030504040204" pitchFamily="34" charset="-120"/>
+              </a:rPr>
+              <a:t>低</a:t>
+            </a:r>
+            <a:r>
+              <a:rPr lang="zh-TW" altLang="en-US" dirty="0">
+                <a:latin typeface="Microsoft JhengHei" panose="020B0604030504040204" pitchFamily="34" charset="-120"/>
+                <a:ea typeface="Microsoft JhengHei" panose="020B0604030504040204" pitchFamily="34" charset="-120"/>
+              </a:rPr>
+              <a:t> </a:t>
+            </a:r>
+            <a:r>
+              <a:rPr lang="en-US" dirty="0">
+                <a:latin typeface="Microsoft JhengHei" panose="020B0604030504040204" pitchFamily="34" charset="-120"/>
+                <a:ea typeface="Microsoft JhengHei" panose="020B0604030504040204" pitchFamily="34" charset="-120"/>
+              </a:rPr>
+              <a:t>Variance</a:t>
+            </a:r>
+            <a:endParaRPr lang="en-TW" dirty="0">
+              <a:latin typeface="Microsoft JhengHei" panose="020B0604030504040204" pitchFamily="34" charset="-120"/>
+              <a:ea typeface="Microsoft JhengHei" panose="020B0604030504040204" pitchFamily="34" charset="-120"/>
+            </a:endParaRPr>
+          </a:p>
+        </p:txBody>
+      </p:sp>
+      <p:sp>
+        <p:nvSpPr>
+          <p:cNvPr id="13" name="TextBox 12">
+            <a:extLst>
+              <a:ext uri="{FF2B5EF4-FFF2-40B4-BE49-F238E27FC236}">
+                <a16:creationId xmlns:a16="http://schemas.microsoft.com/office/drawing/2014/main" id="{F8842FFD-EB4D-72F7-03FA-4F9CC7CB4FEA}"/>
+              </a:ext>
+            </a:extLst>
+          </p:cNvPr>
+          <p:cNvSpPr txBox="1"/>
+          <p:nvPr/>
+        </p:nvSpPr>
+        <p:spPr>
+          <a:xfrm>
+            <a:off x="7623451" y="5512184"/>
+            <a:ext cx="2965529" cy="369332"/>
+          </a:xfrm>
+          <a:prstGeom prst="rect">
+            <a:avLst/>
+          </a:prstGeom>
+          <a:noFill/>
+        </p:spPr>
+        <p:txBody>
+          <a:bodyPr wrap="square">
+            <a:spAutoFit/>
+          </a:bodyPr>
+          <a:lstStyle/>
+          <a:p>
+            <a:pPr algn="ctr"/>
+            <a:r>
+              <a:rPr lang="en-TW" dirty="0">
+                <a:latin typeface="Microsoft JhengHei" panose="020B0604030504040204" pitchFamily="34" charset="-120"/>
+                <a:ea typeface="Microsoft JhengHei" panose="020B0604030504040204" pitchFamily="34" charset="-120"/>
+              </a:rPr>
+              <a:t>複雜模型</a:t>
+            </a:r>
+            <a:r>
+              <a:rPr lang="zh-TW" altLang="en-US" b="1" dirty="0">
+                <a:latin typeface="Microsoft JhengHei" panose="020B0604030504040204" pitchFamily="34" charset="-120"/>
+                <a:ea typeface="Microsoft JhengHei" panose="020B0604030504040204" pitchFamily="34" charset="-120"/>
+              </a:rPr>
+              <a:t>高</a:t>
+            </a:r>
+            <a:r>
+              <a:rPr lang="zh-TW" altLang="en-US" dirty="0">
+                <a:latin typeface="Microsoft JhengHei" panose="020B0604030504040204" pitchFamily="34" charset="-120"/>
+                <a:ea typeface="Microsoft JhengHei" panose="020B0604030504040204" pitchFamily="34" charset="-120"/>
+              </a:rPr>
+              <a:t> </a:t>
+            </a:r>
+            <a:r>
+              <a:rPr lang="en-US" dirty="0">
+                <a:latin typeface="Microsoft JhengHei" panose="020B0604030504040204" pitchFamily="34" charset="-120"/>
+                <a:ea typeface="Microsoft JhengHei" panose="020B0604030504040204" pitchFamily="34" charset="-120"/>
+              </a:rPr>
+              <a:t>Variance</a:t>
+            </a:r>
+            <a:endParaRPr lang="en-TW" dirty="0">
+              <a:latin typeface="Microsoft JhengHei" panose="020B0604030504040204" pitchFamily="34" charset="-120"/>
+              <a:ea typeface="Microsoft JhengHei" panose="020B0604030504040204" pitchFamily="34" charset="-120"/>
+            </a:endParaRPr>
+          </a:p>
+        </p:txBody>
+      </p:sp>
     </p:spTree>
     <p:extLst>
       <p:ext uri="{BB962C8B-B14F-4D97-AF65-F5344CB8AC3E}">
-        <p14:creationId xmlns:p14="http://schemas.microsoft.com/office/powerpoint/2010/main" val="2420516292"/>
+        <p14:creationId xmlns:p14="http://schemas.microsoft.com/office/powerpoint/2010/main" val="78121188"/>
       </p:ext>
     </p:extLst>
   </p:cSld>

--- a/docs/material/Deep Learning.pptx
+++ b/docs/material/Deep Learning.pptx
@@ -5,10 +5,10 @@
     <p:sldMasterId id="2147483648" r:id="rId1"/>
   </p:sldMasterIdLst>
   <p:notesMasterIdLst>
-    <p:notesMasterId r:id="rId16"/>
+    <p:notesMasterId r:id="rId19"/>
   </p:notesMasterIdLst>
   <p:handoutMasterIdLst>
-    <p:handoutMasterId r:id="rId17"/>
+    <p:handoutMasterId r:id="rId20"/>
   </p:handoutMasterIdLst>
   <p:sldIdLst>
     <p:sldId id="256" r:id="rId2"/>
@@ -23,8 +23,11 @@
     <p:sldId id="269" r:id="rId11"/>
     <p:sldId id="270" r:id="rId12"/>
     <p:sldId id="271" r:id="rId13"/>
-    <p:sldId id="260" r:id="rId14"/>
-    <p:sldId id="262" r:id="rId15"/>
+    <p:sldId id="272" r:id="rId14"/>
+    <p:sldId id="273" r:id="rId15"/>
+    <p:sldId id="274" r:id="rId16"/>
+    <p:sldId id="260" r:id="rId17"/>
+    <p:sldId id="262" r:id="rId18"/>
   </p:sldIdLst>
   <p:sldSz cx="12192000" cy="6858000"/>
   <p:notesSz cx="6858000" cy="9144000"/>
@@ -819,7 +822,7 @@
               <a:t>灰線真實環境</a:t>
             </a:r>
             <a:r>
-              <a:rPr lang="en-US" altLang="zh-TW"/>
+              <a:rPr lang="en-US" altLang="zh-TW" dirty="0"/>
               <a:t> f^</a:t>
             </a:r>
             <a:endParaRPr lang="en-TW" dirty="0"/>
@@ -6338,6 +6341,2462 @@
           <p:cNvPr id="2" name="Title 1">
             <a:extLst>
               <a:ext uri="{FF2B5EF4-FFF2-40B4-BE49-F238E27FC236}">
+                <a16:creationId xmlns:a16="http://schemas.microsoft.com/office/drawing/2014/main" id="{2B6822A7-D6CA-7F37-1482-5A3DE4937E4D}"/>
+              </a:ext>
+            </a:extLst>
+          </p:cNvPr>
+          <p:cNvSpPr>
+            <a:spLocks noGrp="1"/>
+          </p:cNvSpPr>
+          <p:nvPr>
+            <p:ph type="title"/>
+          </p:nvPr>
+        </p:nvSpPr>
+        <p:spPr/>
+        <p:txBody>
+          <a:bodyPr/>
+          <a:lstStyle/>
+          <a:p>
+            <a:endParaRPr lang="en-TW"/>
+          </a:p>
+        </p:txBody>
+      </p:sp>
+      <p:pic>
+        <p:nvPicPr>
+          <p:cNvPr id="5" name="Content Placeholder 4">
+            <a:extLst>
+              <a:ext uri="{FF2B5EF4-FFF2-40B4-BE49-F238E27FC236}">
+                <a16:creationId xmlns:a16="http://schemas.microsoft.com/office/drawing/2014/main" id="{2B9D794C-16D5-1EC2-4130-C3842F225897}"/>
+              </a:ext>
+            </a:extLst>
+          </p:cNvPr>
+          <p:cNvPicPr>
+            <a:picLocks noGrp="1" noChangeAspect="1"/>
+          </p:cNvPicPr>
+          <p:nvPr>
+            <p:ph idx="1"/>
+          </p:nvPr>
+        </p:nvPicPr>
+        <p:blipFill>
+          <a:blip r:embed="rId2">
+            <a:extLst>
+              <a:ext uri="{28A0092B-C50C-407E-A947-70E740481C1C}">
+                <a14:useLocalDpi xmlns:a14="http://schemas.microsoft.com/office/drawing/2010/main" val="0"/>
+              </a:ext>
+            </a:extLst>
+          </a:blip>
+          <a:stretch>
+            <a:fillRect/>
+          </a:stretch>
+        </p:blipFill>
+        <p:spPr>
+          <a:xfrm>
+            <a:off x="838200" y="2045914"/>
+            <a:ext cx="10515600" cy="3278934"/>
+          </a:xfrm>
+        </p:spPr>
+      </p:pic>
+      <p:sp>
+        <p:nvSpPr>
+          <p:cNvPr id="7" name="TextBox 6">
+            <a:extLst>
+              <a:ext uri="{FF2B5EF4-FFF2-40B4-BE49-F238E27FC236}">
+                <a16:creationId xmlns:a16="http://schemas.microsoft.com/office/drawing/2014/main" id="{E8D3488B-9787-9467-7A72-253900E9152D}"/>
+              </a:ext>
+            </a:extLst>
+          </p:cNvPr>
+          <p:cNvSpPr txBox="1"/>
+          <p:nvPr/>
+        </p:nvSpPr>
+        <p:spPr>
+          <a:xfrm>
+            <a:off x="5844209" y="1861248"/>
+            <a:ext cx="2054087" cy="369332"/>
+          </a:xfrm>
+          <a:prstGeom prst="rect">
+            <a:avLst/>
+          </a:prstGeom>
+          <a:noFill/>
+        </p:spPr>
+        <p:txBody>
+          <a:bodyPr wrap="square">
+            <a:spAutoFit/>
+          </a:bodyPr>
+          <a:lstStyle/>
+          <a:p>
+            <a:r>
+              <a:rPr lang="en-US" b="0" i="0" dirty="0">
+                <a:solidFill>
+                  <a:srgbClr val="FF0000"/>
+                </a:solidFill>
+                <a:effectLst/>
+                <a:latin typeface="Roboto" panose="02000000000000000000" pitchFamily="2" charset="0"/>
+              </a:rPr>
+              <a:t>Public Testing Set</a:t>
+            </a:r>
+            <a:endParaRPr lang="en-TW" dirty="0">
+              <a:solidFill>
+                <a:srgbClr val="FF0000"/>
+              </a:solidFill>
+            </a:endParaRPr>
+          </a:p>
+        </p:txBody>
+      </p:sp>
+      <p:sp>
+        <p:nvSpPr>
+          <p:cNvPr id="8" name="TextBox 7">
+            <a:extLst>
+              <a:ext uri="{FF2B5EF4-FFF2-40B4-BE49-F238E27FC236}">
+                <a16:creationId xmlns:a16="http://schemas.microsoft.com/office/drawing/2014/main" id="{93BC74AA-136E-9E60-B0E9-38F9D8F71501}"/>
+              </a:ext>
+            </a:extLst>
+          </p:cNvPr>
+          <p:cNvSpPr txBox="1"/>
+          <p:nvPr/>
+        </p:nvSpPr>
+        <p:spPr>
+          <a:xfrm>
+            <a:off x="8572500" y="1861248"/>
+            <a:ext cx="2201518" cy="369332"/>
+          </a:xfrm>
+          <a:prstGeom prst="rect">
+            <a:avLst/>
+          </a:prstGeom>
+          <a:noFill/>
+        </p:spPr>
+        <p:txBody>
+          <a:bodyPr wrap="square">
+            <a:spAutoFit/>
+          </a:bodyPr>
+          <a:lstStyle/>
+          <a:p>
+            <a:r>
+              <a:rPr lang="en-US" b="0" i="0" dirty="0">
+                <a:solidFill>
+                  <a:srgbClr val="FF0000"/>
+                </a:solidFill>
+                <a:effectLst/>
+                <a:latin typeface="Roboto" panose="02000000000000000000" pitchFamily="2" charset="0"/>
+              </a:rPr>
+              <a:t>Private Testing Set</a:t>
+            </a:r>
+            <a:endParaRPr lang="en-TW" dirty="0">
+              <a:solidFill>
+                <a:srgbClr val="FF0000"/>
+              </a:solidFill>
+            </a:endParaRPr>
+          </a:p>
+        </p:txBody>
+      </p:sp>
+    </p:spTree>
+    <p:extLst>
+      <p:ext uri="{BB962C8B-B14F-4D97-AF65-F5344CB8AC3E}">
+        <p14:creationId xmlns:p14="http://schemas.microsoft.com/office/powerpoint/2010/main" val="1922632786"/>
+      </p:ext>
+    </p:extLst>
+  </p:cSld>
+  <p:clrMapOvr>
+    <a:masterClrMapping/>
+  </p:clrMapOvr>
+</p:sld>
+</file>
+
+<file path=ppt/slides/slide14.xml><?xml version="1.0" encoding="utf-8"?>
+<p:sld xmlns:a="http://schemas.openxmlformats.org/drawingml/2006/main" xmlns:r="http://schemas.openxmlformats.org/officeDocument/2006/relationships" xmlns:p="http://schemas.openxmlformats.org/presentationml/2006/main">
+  <p:cSld>
+    <p:spTree>
+      <p:nvGrpSpPr>
+        <p:cNvPr id="1" name=""/>
+        <p:cNvGrpSpPr/>
+        <p:nvPr/>
+      </p:nvGrpSpPr>
+      <p:grpSpPr>
+        <a:xfrm>
+          <a:off x="0" y="0"/>
+          <a:ext cx="0" cy="0"/>
+          <a:chOff x="0" y="0"/>
+          <a:chExt cx="0" cy="0"/>
+        </a:xfrm>
+      </p:grpSpPr>
+      <p:sp>
+        <p:nvSpPr>
+          <p:cNvPr id="2" name="Title 1">
+            <a:extLst>
+              <a:ext uri="{FF2B5EF4-FFF2-40B4-BE49-F238E27FC236}">
+                <a16:creationId xmlns:a16="http://schemas.microsoft.com/office/drawing/2014/main" id="{129D0783-0000-601D-3535-3898E5D4AAFE}"/>
+              </a:ext>
+            </a:extLst>
+          </p:cNvPr>
+          <p:cNvSpPr>
+            <a:spLocks noGrp="1"/>
+          </p:cNvSpPr>
+          <p:nvPr>
+            <p:ph type="title"/>
+          </p:nvPr>
+        </p:nvSpPr>
+        <p:spPr/>
+        <p:txBody>
+          <a:bodyPr/>
+          <a:lstStyle/>
+          <a:p>
+            <a:endParaRPr lang="en-TW"/>
+          </a:p>
+        </p:txBody>
+      </p:sp>
+      <p:grpSp>
+        <p:nvGrpSpPr>
+          <p:cNvPr id="4" name="Group 3">
+            <a:extLst>
+              <a:ext uri="{FF2B5EF4-FFF2-40B4-BE49-F238E27FC236}">
+                <a16:creationId xmlns:a16="http://schemas.microsoft.com/office/drawing/2014/main" id="{1F57296F-D1BD-4CDA-331A-20D4A5B08A24}"/>
+              </a:ext>
+            </a:extLst>
+          </p:cNvPr>
+          <p:cNvGrpSpPr/>
+          <p:nvPr/>
+        </p:nvGrpSpPr>
+        <p:grpSpPr>
+          <a:xfrm>
+            <a:off x="159025" y="1772091"/>
+            <a:ext cx="6597800" cy="951230"/>
+            <a:chOff x="3048000" y="725170"/>
+            <a:chExt cx="6597800" cy="951230"/>
+          </a:xfrm>
+        </p:grpSpPr>
+        <p:sp>
+          <p:nvSpPr>
+            <p:cNvPr id="5" name="Rectangle 4">
+              <a:extLst>
+                <a:ext uri="{FF2B5EF4-FFF2-40B4-BE49-F238E27FC236}">
+                  <a16:creationId xmlns:a16="http://schemas.microsoft.com/office/drawing/2014/main" id="{13F12397-731C-E839-AC0D-C3057BD2EB5F}"/>
+                </a:ext>
+              </a:extLst>
+            </p:cNvPr>
+            <p:cNvSpPr/>
+            <p:nvPr/>
+          </p:nvSpPr>
+          <p:spPr>
+            <a:xfrm>
+              <a:off x="3048000" y="1282700"/>
+              <a:ext cx="5118100" cy="393700"/>
+            </a:xfrm>
+            <a:prstGeom prst="rect">
+              <a:avLst/>
+            </a:prstGeom>
+            <a:solidFill>
+              <a:schemeClr val="accent1"/>
+            </a:solidFill>
+            <a:ln w="25400">
+              <a:solidFill>
+                <a:schemeClr val="accent1"/>
+              </a:solidFill>
+            </a:ln>
+          </p:spPr>
+          <p:style>
+            <a:lnRef idx="2">
+              <a:schemeClr val="accent1">
+                <a:shade val="50000"/>
+              </a:schemeClr>
+            </a:lnRef>
+            <a:fillRef idx="1">
+              <a:schemeClr val="accent1"/>
+            </a:fillRef>
+            <a:effectRef idx="0">
+              <a:schemeClr val="accent1"/>
+            </a:effectRef>
+            <a:fontRef idx="minor">
+              <a:schemeClr val="lt1"/>
+            </a:fontRef>
+          </p:style>
+          <p:txBody>
+            <a:bodyPr rtlCol="0" anchor="ctr"/>
+            <a:lstStyle/>
+            <a:p>
+              <a:pPr algn="ctr"/>
+              <a:r>
+                <a:rPr lang="en-TW" dirty="0">
+                  <a:solidFill>
+                    <a:schemeClr val="bg1"/>
+                  </a:solidFill>
+                </a:rPr>
+                <a:t>Training data</a:t>
+              </a:r>
+            </a:p>
+          </p:txBody>
+        </p:sp>
+        <p:sp>
+          <p:nvSpPr>
+            <p:cNvPr id="6" name="Rectangle 5">
+              <a:extLst>
+                <a:ext uri="{FF2B5EF4-FFF2-40B4-BE49-F238E27FC236}">
+                  <a16:creationId xmlns:a16="http://schemas.microsoft.com/office/drawing/2014/main" id="{8B0BA4C2-E477-0E13-AFDD-332EBE53F8DF}"/>
+                </a:ext>
+              </a:extLst>
+            </p:cNvPr>
+            <p:cNvSpPr/>
+            <p:nvPr/>
+          </p:nvSpPr>
+          <p:spPr>
+            <a:xfrm>
+              <a:off x="3048000" y="725170"/>
+              <a:ext cx="6584954" cy="393700"/>
+            </a:xfrm>
+            <a:prstGeom prst="rect">
+              <a:avLst/>
+            </a:prstGeom>
+            <a:ln/>
+          </p:spPr>
+          <p:style>
+            <a:lnRef idx="3">
+              <a:schemeClr val="lt1"/>
+            </a:lnRef>
+            <a:fillRef idx="1">
+              <a:schemeClr val="accent3"/>
+            </a:fillRef>
+            <a:effectRef idx="1">
+              <a:schemeClr val="accent3"/>
+            </a:effectRef>
+            <a:fontRef idx="minor">
+              <a:schemeClr val="lt1"/>
+            </a:fontRef>
+          </p:style>
+          <p:txBody>
+            <a:bodyPr rtlCol="0" anchor="ctr"/>
+            <a:lstStyle/>
+            <a:p>
+              <a:pPr algn="ctr"/>
+              <a:r>
+                <a:rPr lang="en-TW" dirty="0">
+                  <a:solidFill>
+                    <a:schemeClr val="tx1"/>
+                  </a:solidFill>
+                </a:rPr>
+                <a:t>Dataset</a:t>
+              </a:r>
+            </a:p>
+          </p:txBody>
+        </p:sp>
+        <p:sp>
+          <p:nvSpPr>
+            <p:cNvPr id="7" name="Rectangle 6">
+              <a:extLst>
+                <a:ext uri="{FF2B5EF4-FFF2-40B4-BE49-F238E27FC236}">
+                  <a16:creationId xmlns:a16="http://schemas.microsoft.com/office/drawing/2014/main" id="{79784943-F48A-787B-5247-41173184FCFB}"/>
+                </a:ext>
+              </a:extLst>
+            </p:cNvPr>
+            <p:cNvSpPr/>
+            <p:nvPr/>
+          </p:nvSpPr>
+          <p:spPr>
+            <a:xfrm>
+              <a:off x="8166100" y="1282700"/>
+              <a:ext cx="1479700" cy="393700"/>
+            </a:xfrm>
+            <a:prstGeom prst="rect">
+              <a:avLst/>
+            </a:prstGeom>
+            <a:solidFill>
+              <a:schemeClr val="accent4"/>
+            </a:solidFill>
+            <a:ln w="25400">
+              <a:solidFill>
+                <a:schemeClr val="accent4"/>
+              </a:solidFill>
+            </a:ln>
+          </p:spPr>
+          <p:style>
+            <a:lnRef idx="2">
+              <a:schemeClr val="accent1">
+                <a:shade val="50000"/>
+              </a:schemeClr>
+            </a:lnRef>
+            <a:fillRef idx="1">
+              <a:schemeClr val="accent1"/>
+            </a:fillRef>
+            <a:effectRef idx="0">
+              <a:schemeClr val="accent1"/>
+            </a:effectRef>
+            <a:fontRef idx="minor">
+              <a:schemeClr val="lt1"/>
+            </a:fontRef>
+          </p:style>
+          <p:txBody>
+            <a:bodyPr rtlCol="0" anchor="ctr"/>
+            <a:lstStyle/>
+            <a:p>
+              <a:pPr algn="ctr"/>
+              <a:r>
+                <a:rPr lang="en-TW" dirty="0">
+                  <a:solidFill>
+                    <a:schemeClr val="bg1"/>
+                  </a:solidFill>
+                </a:rPr>
+                <a:t>Testing data</a:t>
+              </a:r>
+            </a:p>
+          </p:txBody>
+        </p:sp>
+      </p:grpSp>
+      <p:cxnSp>
+        <p:nvCxnSpPr>
+          <p:cNvPr id="11" name="Straight Arrow Connector 10">
+            <a:extLst>
+              <a:ext uri="{FF2B5EF4-FFF2-40B4-BE49-F238E27FC236}">
+                <a16:creationId xmlns:a16="http://schemas.microsoft.com/office/drawing/2014/main" id="{0DD093FB-FCD0-152B-852C-BED9E2921E1C}"/>
+              </a:ext>
+            </a:extLst>
+          </p:cNvPr>
+          <p:cNvCxnSpPr/>
+          <p:nvPr/>
+        </p:nvCxnSpPr>
+        <p:spPr>
+          <a:xfrm>
+            <a:off x="2688329" y="2753013"/>
+            <a:ext cx="0" cy="596900"/>
+          </a:xfrm>
+          <a:prstGeom prst="straightConnector1">
+            <a:avLst/>
+          </a:prstGeom>
+          <a:ln>
+            <a:tailEnd type="triangle"/>
+          </a:ln>
+        </p:spPr>
+        <p:style>
+          <a:lnRef idx="1">
+            <a:schemeClr val="dk1"/>
+          </a:lnRef>
+          <a:fillRef idx="0">
+            <a:schemeClr val="dk1"/>
+          </a:fillRef>
+          <a:effectRef idx="0">
+            <a:schemeClr val="dk1"/>
+          </a:effectRef>
+          <a:fontRef idx="minor">
+            <a:schemeClr val="tx1"/>
+          </a:fontRef>
+        </p:style>
+      </p:cxnSp>
+      <p:cxnSp>
+        <p:nvCxnSpPr>
+          <p:cNvPr id="12" name="Straight Arrow Connector 11">
+            <a:extLst>
+              <a:ext uri="{FF2B5EF4-FFF2-40B4-BE49-F238E27FC236}">
+                <a16:creationId xmlns:a16="http://schemas.microsoft.com/office/drawing/2014/main" id="{45765463-5177-091C-BBF7-55A99DA34743}"/>
+              </a:ext>
+            </a:extLst>
+          </p:cNvPr>
+          <p:cNvCxnSpPr/>
+          <p:nvPr/>
+        </p:nvCxnSpPr>
+        <p:spPr>
+          <a:xfrm>
+            <a:off x="6007447" y="2723321"/>
+            <a:ext cx="0" cy="596900"/>
+          </a:xfrm>
+          <a:prstGeom prst="straightConnector1">
+            <a:avLst/>
+          </a:prstGeom>
+          <a:ln>
+            <a:tailEnd type="triangle"/>
+          </a:ln>
+        </p:spPr>
+        <p:style>
+          <a:lnRef idx="1">
+            <a:schemeClr val="dk1"/>
+          </a:lnRef>
+          <a:fillRef idx="0">
+            <a:schemeClr val="dk1"/>
+          </a:fillRef>
+          <a:effectRef idx="0">
+            <a:schemeClr val="dk1"/>
+          </a:effectRef>
+          <a:fontRef idx="minor">
+            <a:schemeClr val="tx1"/>
+          </a:fontRef>
+        </p:style>
+      </p:cxnSp>
+      <p:sp>
+        <p:nvSpPr>
+          <p:cNvPr id="13" name="Rectangle 12">
+            <a:extLst>
+              <a:ext uri="{FF2B5EF4-FFF2-40B4-BE49-F238E27FC236}">
+                <a16:creationId xmlns:a16="http://schemas.microsoft.com/office/drawing/2014/main" id="{C891DEE1-AF9B-32F6-5B1D-980868E164CD}"/>
+              </a:ext>
+            </a:extLst>
+          </p:cNvPr>
+          <p:cNvSpPr/>
+          <p:nvPr/>
+        </p:nvSpPr>
+        <p:spPr>
+          <a:xfrm>
+            <a:off x="1986793" y="3446432"/>
+            <a:ext cx="1415772" cy="338554"/>
+          </a:xfrm>
+          <a:prstGeom prst="rect">
+            <a:avLst/>
+          </a:prstGeom>
+        </p:spPr>
+        <p:txBody>
+          <a:bodyPr wrap="none">
+            <a:spAutoFit/>
+          </a:bodyPr>
+          <a:lstStyle/>
+          <a:p>
+            <a:r>
+              <a:rPr lang="en-TW" sz="1600" b="1" dirty="0"/>
+              <a:t>實際訓練模型</a:t>
+            </a:r>
+          </a:p>
+        </p:txBody>
+      </p:sp>
+      <p:sp>
+        <p:nvSpPr>
+          <p:cNvPr id="14" name="Rectangle 13">
+            <a:extLst>
+              <a:ext uri="{FF2B5EF4-FFF2-40B4-BE49-F238E27FC236}">
+                <a16:creationId xmlns:a16="http://schemas.microsoft.com/office/drawing/2014/main" id="{B3AC0532-2DE7-051F-3844-025C67DB0A20}"/>
+              </a:ext>
+            </a:extLst>
+          </p:cNvPr>
+          <p:cNvSpPr/>
+          <p:nvPr/>
+        </p:nvSpPr>
+        <p:spPr>
+          <a:xfrm>
+            <a:off x="5463849" y="3416740"/>
+            <a:ext cx="1415772" cy="584775"/>
+          </a:xfrm>
+          <a:prstGeom prst="rect">
+            <a:avLst/>
+          </a:prstGeom>
+        </p:spPr>
+        <p:txBody>
+          <a:bodyPr wrap="none">
+            <a:spAutoFit/>
+          </a:bodyPr>
+          <a:lstStyle/>
+          <a:p>
+            <a:r>
+              <a:rPr lang="en-TW" sz="1600" b="1" dirty="0"/>
+              <a:t>用來評估最終</a:t>
+            </a:r>
+          </a:p>
+          <a:p>
+            <a:r>
+              <a:rPr lang="en-TW" sz="1600" b="1" dirty="0"/>
+              <a:t>選擇的模型</a:t>
+            </a:r>
+          </a:p>
+        </p:txBody>
+      </p:sp>
+      <p:sp>
+        <p:nvSpPr>
+          <p:cNvPr id="15" name="Rectangle 14">
+            <a:extLst>
+              <a:ext uri="{FF2B5EF4-FFF2-40B4-BE49-F238E27FC236}">
+                <a16:creationId xmlns:a16="http://schemas.microsoft.com/office/drawing/2014/main" id="{687A57A8-F068-9F2A-167E-AFE14446A55E}"/>
+              </a:ext>
+            </a:extLst>
+          </p:cNvPr>
+          <p:cNvSpPr/>
+          <p:nvPr/>
+        </p:nvSpPr>
+        <p:spPr>
+          <a:xfrm>
+            <a:off x="159025" y="4739049"/>
+            <a:ext cx="6584953" cy="393700"/>
+          </a:xfrm>
+          <a:prstGeom prst="rect">
+            <a:avLst/>
+          </a:prstGeom>
+          <a:solidFill>
+            <a:schemeClr val="accent1"/>
+          </a:solidFill>
+          <a:ln w="25400">
+            <a:solidFill>
+              <a:schemeClr val="accent1"/>
+            </a:solidFill>
+          </a:ln>
+        </p:spPr>
+        <p:style>
+          <a:lnRef idx="2">
+            <a:schemeClr val="accent1">
+              <a:shade val="50000"/>
+            </a:schemeClr>
+          </a:lnRef>
+          <a:fillRef idx="1">
+            <a:schemeClr val="accent1"/>
+          </a:fillRef>
+          <a:effectRef idx="0">
+            <a:schemeClr val="accent1"/>
+          </a:effectRef>
+          <a:fontRef idx="minor">
+            <a:schemeClr val="lt1"/>
+          </a:fontRef>
+        </p:style>
+        <p:txBody>
+          <a:bodyPr rtlCol="0" anchor="ctr"/>
+          <a:lstStyle/>
+          <a:p>
+            <a:pPr algn="ctr"/>
+            <a:r>
+              <a:rPr lang="en-TW" dirty="0">
+                <a:solidFill>
+                  <a:schemeClr val="bg1"/>
+                </a:solidFill>
+              </a:rPr>
+              <a:t>Training data</a:t>
+            </a:r>
+          </a:p>
+        </p:txBody>
+      </p:sp>
+      <p:pic>
+        <p:nvPicPr>
+          <p:cNvPr id="16" name="Picture 8">
+            <a:extLst>
+              <a:ext uri="{FF2B5EF4-FFF2-40B4-BE49-F238E27FC236}">
+                <a16:creationId xmlns:a16="http://schemas.microsoft.com/office/drawing/2014/main" id="{43B832A1-66A2-97E8-9138-9596F3A17B08}"/>
+              </a:ext>
+            </a:extLst>
+          </p:cNvPr>
+          <p:cNvPicPr>
+            <a:picLocks noChangeAspect="1" noChangeArrowheads="1"/>
+          </p:cNvPicPr>
+          <p:nvPr/>
+        </p:nvPicPr>
+        <p:blipFill>
+          <a:blip r:embed="rId2">
+            <a:extLst>
+              <a:ext uri="{28A0092B-C50C-407E-A947-70E740481C1C}">
+                <a14:useLocalDpi xmlns:a14="http://schemas.microsoft.com/office/drawing/2010/main" val="0"/>
+              </a:ext>
+            </a:extLst>
+          </a:blip>
+          <a:srcRect/>
+          <a:stretch/>
+        </p:blipFill>
+        <p:spPr bwMode="auto">
+          <a:xfrm>
+            <a:off x="7966511" y="2799285"/>
+            <a:ext cx="1186843" cy="1186843"/>
+          </a:xfrm>
+          <a:prstGeom prst="rect">
+            <a:avLst/>
+          </a:prstGeom>
+          <a:noFill/>
+          <a:extLst>
+            <a:ext uri="{909E8E84-426E-40DD-AFC4-6F175D3DCCD1}">
+              <a14:hiddenFill xmlns:a14="http://schemas.microsoft.com/office/drawing/2010/main">
+                <a:solidFill>
+                  <a:srgbClr val="FFFFFF"/>
+                </a:solidFill>
+              </a14:hiddenFill>
+            </a:ext>
+          </a:extLst>
+        </p:spPr>
+      </p:pic>
+      <p:sp>
+        <p:nvSpPr>
+          <p:cNvPr id="18" name="TextBox 17">
+            <a:extLst>
+              <a:ext uri="{FF2B5EF4-FFF2-40B4-BE49-F238E27FC236}">
+                <a16:creationId xmlns:a16="http://schemas.microsoft.com/office/drawing/2014/main" id="{8D244B92-5A38-CB40-E726-964AC6833C4E}"/>
+              </a:ext>
+            </a:extLst>
+          </p:cNvPr>
+          <p:cNvSpPr txBox="1"/>
+          <p:nvPr/>
+        </p:nvSpPr>
+        <p:spPr>
+          <a:xfrm>
+            <a:off x="7427392" y="2507827"/>
+            <a:ext cx="2265080" cy="369332"/>
+          </a:xfrm>
+          <a:prstGeom prst="rect">
+            <a:avLst/>
+          </a:prstGeom>
+          <a:noFill/>
+        </p:spPr>
+        <p:txBody>
+          <a:bodyPr wrap="square">
+            <a:spAutoFit/>
+          </a:bodyPr>
+          <a:lstStyle/>
+          <a:p>
+            <a:r>
+              <a:rPr lang="zh-TW" altLang="en-US" b="0" i="0" dirty="0">
+                <a:effectLst/>
+                <a:latin typeface="Microsoft JhengHei" panose="020B0604030504040204" pitchFamily="34" charset="-120"/>
+                <a:ea typeface="Microsoft JhengHei" panose="020B0604030504040204" pitchFamily="34" charset="-120"/>
+              </a:rPr>
+              <a:t>表現較佳的模型架構</a:t>
+            </a:r>
+            <a:endParaRPr lang="en-TW" dirty="0">
+              <a:latin typeface="Microsoft JhengHei" panose="020B0604030504040204" pitchFamily="34" charset="-120"/>
+              <a:ea typeface="Microsoft JhengHei" panose="020B0604030504040204" pitchFamily="34" charset="-120"/>
+            </a:endParaRPr>
+          </a:p>
+        </p:txBody>
+      </p:sp>
+      <p:sp>
+        <p:nvSpPr>
+          <p:cNvPr id="19" name="Left Brace 18">
+            <a:extLst>
+              <a:ext uri="{FF2B5EF4-FFF2-40B4-BE49-F238E27FC236}">
+                <a16:creationId xmlns:a16="http://schemas.microsoft.com/office/drawing/2014/main" id="{89F463F9-F6B6-B6CC-D43F-E39DD38EF5BF}"/>
+              </a:ext>
+            </a:extLst>
+          </p:cNvPr>
+          <p:cNvSpPr/>
+          <p:nvPr/>
+        </p:nvSpPr>
+        <p:spPr>
+          <a:xfrm rot="10800000">
+            <a:off x="6978078" y="2413373"/>
+            <a:ext cx="317500" cy="1460500"/>
+          </a:xfrm>
+          <a:prstGeom prst="leftBrace">
+            <a:avLst>
+              <a:gd name="adj1" fmla="val 24333"/>
+              <a:gd name="adj2" fmla="val 50000"/>
+            </a:avLst>
+          </a:prstGeom>
+          <a:ln>
+            <a:prstDash val="lgDash"/>
+          </a:ln>
+        </p:spPr>
+        <p:style>
+          <a:lnRef idx="1">
+            <a:schemeClr val="dk1"/>
+          </a:lnRef>
+          <a:fillRef idx="0">
+            <a:schemeClr val="dk1"/>
+          </a:fillRef>
+          <a:effectRef idx="0">
+            <a:schemeClr val="dk1"/>
+          </a:effectRef>
+          <a:fontRef idx="minor">
+            <a:schemeClr val="tx1"/>
+          </a:fontRef>
+        </p:style>
+        <p:txBody>
+          <a:bodyPr rtlCol="0" anchor="ctr"/>
+          <a:lstStyle/>
+          <a:p>
+            <a:pPr algn="ctr"/>
+            <a:endParaRPr lang="en-TW"/>
+          </a:p>
+        </p:txBody>
+      </p:sp>
+      <p:cxnSp>
+        <p:nvCxnSpPr>
+          <p:cNvPr id="21" name="Straight Arrow Connector 20">
+            <a:extLst>
+              <a:ext uri="{FF2B5EF4-FFF2-40B4-BE49-F238E27FC236}">
+                <a16:creationId xmlns:a16="http://schemas.microsoft.com/office/drawing/2014/main" id="{BE1F091C-0F18-1E20-A979-6D08F42AAC04}"/>
+              </a:ext>
+            </a:extLst>
+          </p:cNvPr>
+          <p:cNvCxnSpPr>
+            <a:cxnSpLocks/>
+          </p:cNvCxnSpPr>
+          <p:nvPr/>
+        </p:nvCxnSpPr>
+        <p:spPr>
+          <a:xfrm>
+            <a:off x="7295578" y="3143623"/>
+            <a:ext cx="269559" cy="0"/>
+          </a:xfrm>
+          <a:prstGeom prst="straightConnector1">
+            <a:avLst/>
+          </a:prstGeom>
+          <a:ln>
+            <a:tailEnd type="triangle"/>
+          </a:ln>
+        </p:spPr>
+        <p:style>
+          <a:lnRef idx="1">
+            <a:schemeClr val="dk1"/>
+          </a:lnRef>
+          <a:fillRef idx="0">
+            <a:schemeClr val="dk1"/>
+          </a:fillRef>
+          <a:effectRef idx="0">
+            <a:schemeClr val="dk1"/>
+          </a:effectRef>
+          <a:fontRef idx="minor">
+            <a:schemeClr val="tx1"/>
+          </a:fontRef>
+        </p:style>
+      </p:cxnSp>
+      <p:cxnSp>
+        <p:nvCxnSpPr>
+          <p:cNvPr id="23" name="Straight Arrow Connector 22">
+            <a:extLst>
+              <a:ext uri="{FF2B5EF4-FFF2-40B4-BE49-F238E27FC236}">
+                <a16:creationId xmlns:a16="http://schemas.microsoft.com/office/drawing/2014/main" id="{E44D387E-DB58-1595-2028-2ADF9748CBFD}"/>
+              </a:ext>
+            </a:extLst>
+          </p:cNvPr>
+          <p:cNvCxnSpPr>
+            <a:cxnSpLocks/>
+          </p:cNvCxnSpPr>
+          <p:nvPr/>
+        </p:nvCxnSpPr>
+        <p:spPr>
+          <a:xfrm flipV="1">
+            <a:off x="6756826" y="4935899"/>
+            <a:ext cx="995696" cy="5194"/>
+          </a:xfrm>
+          <a:prstGeom prst="straightConnector1">
+            <a:avLst/>
+          </a:prstGeom>
+          <a:ln>
+            <a:tailEnd type="triangle"/>
+          </a:ln>
+        </p:spPr>
+        <p:style>
+          <a:lnRef idx="1">
+            <a:schemeClr val="dk1"/>
+          </a:lnRef>
+          <a:fillRef idx="0">
+            <a:schemeClr val="dk1"/>
+          </a:fillRef>
+          <a:effectRef idx="0">
+            <a:schemeClr val="dk1"/>
+          </a:effectRef>
+          <a:fontRef idx="minor">
+            <a:schemeClr val="tx1"/>
+          </a:fontRef>
+        </p:style>
+      </p:cxnSp>
+      <p:cxnSp>
+        <p:nvCxnSpPr>
+          <p:cNvPr id="25" name="Straight Arrow Connector 24">
+            <a:extLst>
+              <a:ext uri="{FF2B5EF4-FFF2-40B4-BE49-F238E27FC236}">
+                <a16:creationId xmlns:a16="http://schemas.microsoft.com/office/drawing/2014/main" id="{86CBEC5B-9110-13F8-F0F2-11296EC38DB3}"/>
+              </a:ext>
+            </a:extLst>
+          </p:cNvPr>
+          <p:cNvCxnSpPr>
+            <a:cxnSpLocks/>
+            <a:stCxn id="16" idx="2"/>
+          </p:cNvCxnSpPr>
+          <p:nvPr/>
+        </p:nvCxnSpPr>
+        <p:spPr>
+          <a:xfrm>
+            <a:off x="8559933" y="3986128"/>
+            <a:ext cx="0" cy="330313"/>
+          </a:xfrm>
+          <a:prstGeom prst="straightConnector1">
+            <a:avLst/>
+          </a:prstGeom>
+          <a:ln>
+            <a:tailEnd type="triangle"/>
+          </a:ln>
+        </p:spPr>
+        <p:style>
+          <a:lnRef idx="1">
+            <a:schemeClr val="dk1"/>
+          </a:lnRef>
+          <a:fillRef idx="0">
+            <a:schemeClr val="dk1"/>
+          </a:fillRef>
+          <a:effectRef idx="0">
+            <a:schemeClr val="dk1"/>
+          </a:effectRef>
+          <a:fontRef idx="minor">
+            <a:schemeClr val="tx1"/>
+          </a:fontRef>
+        </p:style>
+      </p:cxnSp>
+      <p:sp>
+        <p:nvSpPr>
+          <p:cNvPr id="29" name="TextBox 28">
+            <a:extLst>
+              <a:ext uri="{FF2B5EF4-FFF2-40B4-BE49-F238E27FC236}">
+                <a16:creationId xmlns:a16="http://schemas.microsoft.com/office/drawing/2014/main" id="{B84D3985-6A91-0F79-6E4F-7B83DBD4CC0B}"/>
+              </a:ext>
+            </a:extLst>
+          </p:cNvPr>
+          <p:cNvSpPr txBox="1"/>
+          <p:nvPr/>
+        </p:nvSpPr>
+        <p:spPr>
+          <a:xfrm>
+            <a:off x="7752522" y="4486189"/>
+            <a:ext cx="2265080" cy="923330"/>
+          </a:xfrm>
+          <a:prstGeom prst="rect">
+            <a:avLst/>
+          </a:prstGeom>
+          <a:noFill/>
+        </p:spPr>
+        <p:txBody>
+          <a:bodyPr wrap="square">
+            <a:spAutoFit/>
+          </a:bodyPr>
+          <a:lstStyle/>
+          <a:p>
+            <a:r>
+              <a:rPr lang="zh-TW" altLang="en-US" b="0" i="0" dirty="0">
+                <a:effectLst/>
+                <a:latin typeface="Microsoft JhengHei" panose="020B0604030504040204" pitchFamily="34" charset="-120"/>
+                <a:ea typeface="Microsoft JhengHei" panose="020B0604030504040204" pitchFamily="34" charset="-120"/>
+              </a:rPr>
+              <a:t>完整的 </a:t>
+            </a:r>
+            <a:r>
+              <a:rPr lang="en-US" altLang="zh-TW" b="0" i="0" dirty="0">
+                <a:effectLst/>
+                <a:latin typeface="Microsoft JhengHei" panose="020B0604030504040204" pitchFamily="34" charset="-120"/>
+                <a:ea typeface="Microsoft JhengHei" panose="020B0604030504040204" pitchFamily="34" charset="-120"/>
+              </a:rPr>
+              <a:t>Training Set </a:t>
+            </a:r>
+            <a:r>
+              <a:rPr lang="zh-TW" altLang="en-US" b="0" i="0" dirty="0">
+                <a:effectLst/>
+                <a:latin typeface="Microsoft JhengHei" panose="020B0604030504040204" pitchFamily="34" charset="-120"/>
+                <a:ea typeface="Microsoft JhengHei" panose="020B0604030504040204" pitchFamily="34" charset="-120"/>
+              </a:rPr>
+              <a:t>在選出的最佳模型上再訓練一次</a:t>
+            </a:r>
+            <a:endParaRPr lang="en-TW" dirty="0">
+              <a:latin typeface="Microsoft JhengHei" panose="020B0604030504040204" pitchFamily="34" charset="-120"/>
+              <a:ea typeface="Microsoft JhengHei" panose="020B0604030504040204" pitchFamily="34" charset="-120"/>
+            </a:endParaRPr>
+          </a:p>
+        </p:txBody>
+      </p:sp>
+      <p:pic>
+        <p:nvPicPr>
+          <p:cNvPr id="30" name="Picture 8">
+            <a:extLst>
+              <a:ext uri="{FF2B5EF4-FFF2-40B4-BE49-F238E27FC236}">
+                <a16:creationId xmlns:a16="http://schemas.microsoft.com/office/drawing/2014/main" id="{45F4F704-346B-A5B4-BEE0-F31BD2DD7AD1}"/>
+              </a:ext>
+            </a:extLst>
+          </p:cNvPr>
+          <p:cNvPicPr>
+            <a:picLocks noChangeAspect="1" noChangeArrowheads="1"/>
+          </p:cNvPicPr>
+          <p:nvPr/>
+        </p:nvPicPr>
+        <p:blipFill>
+          <a:blip r:embed="rId3">
+            <a:extLst>
+              <a:ext uri="{BEBA8EAE-BF5A-486C-A8C5-ECC9F3942E4B}">
+                <a14:imgProps xmlns:a14="http://schemas.microsoft.com/office/drawing/2010/main">
+                  <a14:imgLayer r:embed="rId4">
+                    <a14:imgEffect>
+                      <a14:brightnessContrast bright="20000" contrast="40000"/>
+                    </a14:imgEffect>
+                  </a14:imgLayer>
+                </a14:imgProps>
+              </a:ext>
+              <a:ext uri="{28A0092B-C50C-407E-A947-70E740481C1C}">
+                <a14:useLocalDpi xmlns:a14="http://schemas.microsoft.com/office/drawing/2010/main" val="0"/>
+              </a:ext>
+            </a:extLst>
+          </a:blip>
+          <a:srcRect/>
+          <a:stretch/>
+        </p:blipFill>
+        <p:spPr bwMode="auto">
+          <a:xfrm>
+            <a:off x="10544059" y="4354432"/>
+            <a:ext cx="1186843" cy="1186843"/>
+          </a:xfrm>
+          <a:prstGeom prst="rect">
+            <a:avLst/>
+          </a:prstGeom>
+          <a:noFill/>
+          <a:extLst>
+            <a:ext uri="{909E8E84-426E-40DD-AFC4-6F175D3DCCD1}">
+              <a14:hiddenFill xmlns:a14="http://schemas.microsoft.com/office/drawing/2010/main">
+                <a:solidFill>
+                  <a:srgbClr val="FFFFFF"/>
+                </a:solidFill>
+              </a14:hiddenFill>
+            </a:ext>
+          </a:extLst>
+        </p:spPr>
+      </p:pic>
+      <p:cxnSp>
+        <p:nvCxnSpPr>
+          <p:cNvPr id="31" name="Straight Arrow Connector 30">
+            <a:extLst>
+              <a:ext uri="{FF2B5EF4-FFF2-40B4-BE49-F238E27FC236}">
+                <a16:creationId xmlns:a16="http://schemas.microsoft.com/office/drawing/2014/main" id="{D8EB6089-761D-F238-4BE3-A09D35056530}"/>
+              </a:ext>
+            </a:extLst>
+          </p:cNvPr>
+          <p:cNvCxnSpPr>
+            <a:cxnSpLocks/>
+            <a:stCxn id="29" idx="3"/>
+            <a:endCxn id="30" idx="1"/>
+          </p:cNvCxnSpPr>
+          <p:nvPr/>
+        </p:nvCxnSpPr>
+        <p:spPr>
+          <a:xfrm>
+            <a:off x="10017602" y="4947854"/>
+            <a:ext cx="526457" cy="0"/>
+          </a:xfrm>
+          <a:prstGeom prst="straightConnector1">
+            <a:avLst/>
+          </a:prstGeom>
+          <a:ln>
+            <a:tailEnd type="triangle"/>
+          </a:ln>
+        </p:spPr>
+        <p:style>
+          <a:lnRef idx="1">
+            <a:schemeClr val="dk1"/>
+          </a:lnRef>
+          <a:fillRef idx="0">
+            <a:schemeClr val="dk1"/>
+          </a:fillRef>
+          <a:effectRef idx="0">
+            <a:schemeClr val="dk1"/>
+          </a:effectRef>
+          <a:fontRef idx="minor">
+            <a:schemeClr val="tx1"/>
+          </a:fontRef>
+        </p:style>
+      </p:cxnSp>
+      <p:sp>
+        <p:nvSpPr>
+          <p:cNvPr id="36" name="TextBox 35">
+            <a:extLst>
+              <a:ext uri="{FF2B5EF4-FFF2-40B4-BE49-F238E27FC236}">
+                <a16:creationId xmlns:a16="http://schemas.microsoft.com/office/drawing/2014/main" id="{1FBF764A-3242-F7AC-4C8D-59D57813391A}"/>
+              </a:ext>
+            </a:extLst>
+          </p:cNvPr>
+          <p:cNvSpPr txBox="1"/>
+          <p:nvPr/>
+        </p:nvSpPr>
+        <p:spPr>
+          <a:xfrm>
+            <a:off x="10544058" y="5384016"/>
+            <a:ext cx="1186843" cy="369332"/>
+          </a:xfrm>
+          <a:prstGeom prst="rect">
+            <a:avLst/>
+          </a:prstGeom>
+          <a:noFill/>
+        </p:spPr>
+        <p:txBody>
+          <a:bodyPr wrap="square">
+            <a:spAutoFit/>
+          </a:bodyPr>
+          <a:lstStyle/>
+          <a:p>
+            <a:pPr algn="ctr"/>
+            <a:r>
+              <a:rPr lang="en-TW" sz="1800" b="1" dirty="0"/>
+              <a:t>最終模型</a:t>
+            </a:r>
+            <a:endParaRPr lang="en-TW" dirty="0"/>
+          </a:p>
+        </p:txBody>
+      </p:sp>
+    </p:spTree>
+    <p:extLst>
+      <p:ext uri="{BB962C8B-B14F-4D97-AF65-F5344CB8AC3E}">
+        <p14:creationId xmlns:p14="http://schemas.microsoft.com/office/powerpoint/2010/main" val="3056215359"/>
+      </p:ext>
+    </p:extLst>
+  </p:cSld>
+  <p:clrMapOvr>
+    <a:masterClrMapping/>
+  </p:clrMapOvr>
+</p:sld>
+</file>
+
+<file path=ppt/slides/slide15.xml><?xml version="1.0" encoding="utf-8"?>
+<p:sld xmlns:a="http://schemas.openxmlformats.org/drawingml/2006/main" xmlns:r="http://schemas.openxmlformats.org/officeDocument/2006/relationships" xmlns:p="http://schemas.openxmlformats.org/presentationml/2006/main">
+  <p:cSld>
+    <p:spTree>
+      <p:nvGrpSpPr>
+        <p:cNvPr id="1" name=""/>
+        <p:cNvGrpSpPr/>
+        <p:nvPr/>
+      </p:nvGrpSpPr>
+      <p:grpSpPr>
+        <a:xfrm>
+          <a:off x="0" y="0"/>
+          <a:ext cx="0" cy="0"/>
+          <a:chOff x="0" y="0"/>
+          <a:chExt cx="0" cy="0"/>
+        </a:xfrm>
+      </p:grpSpPr>
+      <p:sp>
+        <p:nvSpPr>
+          <p:cNvPr id="2" name="Title 1">
+            <a:extLst>
+              <a:ext uri="{FF2B5EF4-FFF2-40B4-BE49-F238E27FC236}">
+                <a16:creationId xmlns:a16="http://schemas.microsoft.com/office/drawing/2014/main" id="{54C0477E-B780-4989-05EE-82412F1EF8B5}"/>
+              </a:ext>
+            </a:extLst>
+          </p:cNvPr>
+          <p:cNvSpPr>
+            <a:spLocks noGrp="1"/>
+          </p:cNvSpPr>
+          <p:nvPr>
+            <p:ph type="title"/>
+          </p:nvPr>
+        </p:nvSpPr>
+        <p:spPr/>
+        <p:txBody>
+          <a:bodyPr/>
+          <a:lstStyle/>
+          <a:p>
+            <a:endParaRPr lang="en-TW"/>
+          </a:p>
+        </p:txBody>
+      </p:sp>
+      <p:graphicFrame>
+        <p:nvGraphicFramePr>
+          <p:cNvPr id="4" name="Table 6">
+            <a:extLst>
+              <a:ext uri="{FF2B5EF4-FFF2-40B4-BE49-F238E27FC236}">
+                <a16:creationId xmlns:a16="http://schemas.microsoft.com/office/drawing/2014/main" id="{A5A1C28C-90A9-BDC6-3C9A-F08C4C8E3A4A}"/>
+              </a:ext>
+            </a:extLst>
+          </p:cNvPr>
+          <p:cNvGraphicFramePr>
+            <a:graphicFrameLocks noGrp="1"/>
+          </p:cNvGraphicFramePr>
+          <p:nvPr>
+            <p:extLst>
+              <p:ext uri="{D42A27DB-BD31-4B8C-83A1-F6EECF244321}">
+                <p14:modId xmlns:p14="http://schemas.microsoft.com/office/powerpoint/2010/main" val="1580983235"/>
+              </p:ext>
+            </p:extLst>
+          </p:nvPr>
+        </p:nvGraphicFramePr>
+        <p:xfrm>
+          <a:off x="3365357" y="2176267"/>
+          <a:ext cx="2255520" cy="370840"/>
+        </p:xfrm>
+        <a:graphic>
+          <a:graphicData uri="http://schemas.openxmlformats.org/drawingml/2006/table">
+            <a:tbl>
+              <a:tblPr firstRow="1" bandRow="1">
+                <a:tableStyleId>{93296810-A885-4BE3-A3E7-6D5BEEA58F35}</a:tableStyleId>
+              </a:tblPr>
+              <a:tblGrid>
+                <a:gridCol w="751840">
+                  <a:extLst>
+                    <a:ext uri="{9D8B030D-6E8A-4147-A177-3AD203B41FA5}">
+                      <a16:colId xmlns:a16="http://schemas.microsoft.com/office/drawing/2014/main" val="2129763124"/>
+                    </a:ext>
+                  </a:extLst>
+                </a:gridCol>
+                <a:gridCol w="751840">
+                  <a:extLst>
+                    <a:ext uri="{9D8B030D-6E8A-4147-A177-3AD203B41FA5}">
+                      <a16:colId xmlns:a16="http://schemas.microsoft.com/office/drawing/2014/main" val="2778580628"/>
+                    </a:ext>
+                  </a:extLst>
+                </a:gridCol>
+                <a:gridCol w="751840">
+                  <a:extLst>
+                    <a:ext uri="{9D8B030D-6E8A-4147-A177-3AD203B41FA5}">
+                      <a16:colId xmlns:a16="http://schemas.microsoft.com/office/drawing/2014/main" val="1543150236"/>
+                    </a:ext>
+                  </a:extLst>
+                </a:gridCol>
+              </a:tblGrid>
+              <a:tr h="370840">
+                <a:tc>
+                  <a:txBody>
+                    <a:bodyPr/>
+                    <a:lstStyle/>
+                    <a:p>
+                      <a:pPr algn="ctr"/>
+                      <a:r>
+                        <a:rPr lang="en-TW" dirty="0"/>
+                        <a:t>D</a:t>
+                      </a:r>
+                      <a:r>
+                        <a:rPr lang="en-TW" baseline="-25000" dirty="0"/>
+                        <a:t>1</a:t>
+                      </a:r>
+                      <a:endParaRPr lang="en-TW" dirty="0"/>
+                    </a:p>
+                  </a:txBody>
+                  <a:tcPr/>
+                </a:tc>
+                <a:tc>
+                  <a:txBody>
+                    <a:bodyPr/>
+                    <a:lstStyle/>
+                    <a:p>
+                      <a:pPr marL="0" marR="0" lvl="0" indent="0" algn="ctr" defTabSz="914400" rtl="0" eaLnBrk="1" fontAlgn="auto" latinLnBrk="0" hangingPunct="1">
+                        <a:lnSpc>
+                          <a:spcPct val="100000"/>
+                        </a:lnSpc>
+                        <a:spcBef>
+                          <a:spcPts val="0"/>
+                        </a:spcBef>
+                        <a:spcAft>
+                          <a:spcPts val="0"/>
+                        </a:spcAft>
+                        <a:buClrTx/>
+                        <a:buSzTx/>
+                        <a:buFontTx/>
+                        <a:buNone/>
+                        <a:tabLst/>
+                        <a:defRPr/>
+                      </a:pPr>
+                      <a:r>
+                        <a:rPr lang="en-TW" dirty="0"/>
+                        <a:t>D</a:t>
+                      </a:r>
+                      <a:r>
+                        <a:rPr lang="en-TW" baseline="-25000" dirty="0"/>
+                        <a:t>2</a:t>
+                      </a:r>
+                      <a:endParaRPr lang="en-TW" dirty="0"/>
+                    </a:p>
+                  </a:txBody>
+                  <a:tcPr/>
+                </a:tc>
+                <a:tc>
+                  <a:txBody>
+                    <a:bodyPr/>
+                    <a:lstStyle/>
+                    <a:p>
+                      <a:pPr marL="0" marR="0" lvl="0" indent="0" algn="ctr" defTabSz="914400" rtl="0" eaLnBrk="1" fontAlgn="auto" latinLnBrk="0" hangingPunct="1">
+                        <a:lnSpc>
+                          <a:spcPct val="100000"/>
+                        </a:lnSpc>
+                        <a:spcBef>
+                          <a:spcPts val="0"/>
+                        </a:spcBef>
+                        <a:spcAft>
+                          <a:spcPts val="0"/>
+                        </a:spcAft>
+                        <a:buClrTx/>
+                        <a:buSzTx/>
+                        <a:buFontTx/>
+                        <a:buNone/>
+                        <a:tabLst/>
+                        <a:defRPr/>
+                      </a:pPr>
+                      <a:r>
+                        <a:rPr lang="en-TW" dirty="0"/>
+                        <a:t>D</a:t>
+                      </a:r>
+                      <a:r>
+                        <a:rPr lang="en-TW" baseline="-25000" dirty="0"/>
+                        <a:t>3</a:t>
+                      </a:r>
+                      <a:endParaRPr lang="en-TW" dirty="0"/>
+                    </a:p>
+                  </a:txBody>
+                  <a:tcPr>
+                    <a:solidFill>
+                      <a:schemeClr val="accent2"/>
+                    </a:solidFill>
+                  </a:tcPr>
+                </a:tc>
+                <a:extLst>
+                  <a:ext uri="{0D108BD9-81ED-4DB2-BD59-A6C34878D82A}">
+                    <a16:rowId xmlns:a16="http://schemas.microsoft.com/office/drawing/2014/main" val="4262553069"/>
+                  </a:ext>
+                </a:extLst>
+              </a:tr>
+            </a:tbl>
+          </a:graphicData>
+        </a:graphic>
+      </p:graphicFrame>
+      <p:graphicFrame>
+        <p:nvGraphicFramePr>
+          <p:cNvPr id="5" name="Table 6">
+            <a:extLst>
+              <a:ext uri="{FF2B5EF4-FFF2-40B4-BE49-F238E27FC236}">
+                <a16:creationId xmlns:a16="http://schemas.microsoft.com/office/drawing/2014/main" id="{EF4F89F0-0760-521D-685F-12CEC66DFF85}"/>
+              </a:ext>
+            </a:extLst>
+          </p:cNvPr>
+          <p:cNvGraphicFramePr>
+            <a:graphicFrameLocks noGrp="1"/>
+          </p:cNvGraphicFramePr>
+          <p:nvPr>
+            <p:extLst>
+              <p:ext uri="{D42A27DB-BD31-4B8C-83A1-F6EECF244321}">
+                <p14:modId xmlns:p14="http://schemas.microsoft.com/office/powerpoint/2010/main" val="2803441006"/>
+              </p:ext>
+            </p:extLst>
+          </p:nvPr>
+        </p:nvGraphicFramePr>
+        <p:xfrm>
+          <a:off x="3365357" y="2722367"/>
+          <a:ext cx="2255520" cy="370840"/>
+        </p:xfrm>
+        <a:graphic>
+          <a:graphicData uri="http://schemas.openxmlformats.org/drawingml/2006/table">
+            <a:tbl>
+              <a:tblPr firstRow="1" bandRow="1">
+                <a:tableStyleId>{93296810-A885-4BE3-A3E7-6D5BEEA58F35}</a:tableStyleId>
+              </a:tblPr>
+              <a:tblGrid>
+                <a:gridCol w="751840">
+                  <a:extLst>
+                    <a:ext uri="{9D8B030D-6E8A-4147-A177-3AD203B41FA5}">
+                      <a16:colId xmlns:a16="http://schemas.microsoft.com/office/drawing/2014/main" val="2129763124"/>
+                    </a:ext>
+                  </a:extLst>
+                </a:gridCol>
+                <a:gridCol w="751840">
+                  <a:extLst>
+                    <a:ext uri="{9D8B030D-6E8A-4147-A177-3AD203B41FA5}">
+                      <a16:colId xmlns:a16="http://schemas.microsoft.com/office/drawing/2014/main" val="2778580628"/>
+                    </a:ext>
+                  </a:extLst>
+                </a:gridCol>
+                <a:gridCol w="751840">
+                  <a:extLst>
+                    <a:ext uri="{9D8B030D-6E8A-4147-A177-3AD203B41FA5}">
+                      <a16:colId xmlns:a16="http://schemas.microsoft.com/office/drawing/2014/main" val="1543150236"/>
+                    </a:ext>
+                  </a:extLst>
+                </a:gridCol>
+              </a:tblGrid>
+              <a:tr h="370840">
+                <a:tc>
+                  <a:txBody>
+                    <a:bodyPr/>
+                    <a:lstStyle/>
+                    <a:p>
+                      <a:pPr algn="ctr"/>
+                      <a:r>
+                        <a:rPr lang="en-TW" dirty="0"/>
+                        <a:t>D</a:t>
+                      </a:r>
+                      <a:r>
+                        <a:rPr lang="en-TW" baseline="-25000" dirty="0"/>
+                        <a:t>1</a:t>
+                      </a:r>
+                      <a:endParaRPr lang="en-TW" dirty="0"/>
+                    </a:p>
+                  </a:txBody>
+                  <a:tcPr/>
+                </a:tc>
+                <a:tc>
+                  <a:txBody>
+                    <a:bodyPr/>
+                    <a:lstStyle/>
+                    <a:p>
+                      <a:pPr marL="0" marR="0" lvl="0" indent="0" algn="ctr" defTabSz="914400" rtl="0" eaLnBrk="1" fontAlgn="auto" latinLnBrk="0" hangingPunct="1">
+                        <a:lnSpc>
+                          <a:spcPct val="100000"/>
+                        </a:lnSpc>
+                        <a:spcBef>
+                          <a:spcPts val="0"/>
+                        </a:spcBef>
+                        <a:spcAft>
+                          <a:spcPts val="0"/>
+                        </a:spcAft>
+                        <a:buClrTx/>
+                        <a:buSzTx/>
+                        <a:buFontTx/>
+                        <a:buNone/>
+                        <a:tabLst/>
+                        <a:defRPr/>
+                      </a:pPr>
+                      <a:r>
+                        <a:rPr lang="en-TW" dirty="0"/>
+                        <a:t>D</a:t>
+                      </a:r>
+                      <a:r>
+                        <a:rPr lang="en-TW" baseline="-25000" dirty="0"/>
+                        <a:t>2</a:t>
+                      </a:r>
+                      <a:endParaRPr lang="en-TW" dirty="0"/>
+                    </a:p>
+                  </a:txBody>
+                  <a:tcPr>
+                    <a:solidFill>
+                      <a:schemeClr val="accent2"/>
+                    </a:solidFill>
+                  </a:tcPr>
+                </a:tc>
+                <a:tc>
+                  <a:txBody>
+                    <a:bodyPr/>
+                    <a:lstStyle/>
+                    <a:p>
+                      <a:pPr marL="0" marR="0" lvl="0" indent="0" algn="ctr" defTabSz="914400" rtl="0" eaLnBrk="1" fontAlgn="auto" latinLnBrk="0" hangingPunct="1">
+                        <a:lnSpc>
+                          <a:spcPct val="100000"/>
+                        </a:lnSpc>
+                        <a:spcBef>
+                          <a:spcPts val="0"/>
+                        </a:spcBef>
+                        <a:spcAft>
+                          <a:spcPts val="0"/>
+                        </a:spcAft>
+                        <a:buClrTx/>
+                        <a:buSzTx/>
+                        <a:buFontTx/>
+                        <a:buNone/>
+                        <a:tabLst/>
+                        <a:defRPr/>
+                      </a:pPr>
+                      <a:r>
+                        <a:rPr lang="en-TW" dirty="0"/>
+                        <a:t>D</a:t>
+                      </a:r>
+                      <a:r>
+                        <a:rPr lang="en-TW" baseline="-25000" dirty="0"/>
+                        <a:t>3</a:t>
+                      </a:r>
+                      <a:endParaRPr lang="en-TW" dirty="0"/>
+                    </a:p>
+                  </a:txBody>
+                  <a:tcPr/>
+                </a:tc>
+                <a:extLst>
+                  <a:ext uri="{0D108BD9-81ED-4DB2-BD59-A6C34878D82A}">
+                    <a16:rowId xmlns:a16="http://schemas.microsoft.com/office/drawing/2014/main" val="4262553069"/>
+                  </a:ext>
+                </a:extLst>
+              </a:tr>
+            </a:tbl>
+          </a:graphicData>
+        </a:graphic>
+      </p:graphicFrame>
+      <p:graphicFrame>
+        <p:nvGraphicFramePr>
+          <p:cNvPr id="6" name="Table 5">
+            <a:extLst>
+              <a:ext uri="{FF2B5EF4-FFF2-40B4-BE49-F238E27FC236}">
+                <a16:creationId xmlns:a16="http://schemas.microsoft.com/office/drawing/2014/main" id="{2A19CABB-4500-6FDB-95A3-87455EE71403}"/>
+              </a:ext>
+            </a:extLst>
+          </p:cNvPr>
+          <p:cNvGraphicFramePr>
+            <a:graphicFrameLocks noGrp="1"/>
+          </p:cNvGraphicFramePr>
+          <p:nvPr>
+            <p:extLst>
+              <p:ext uri="{D42A27DB-BD31-4B8C-83A1-F6EECF244321}">
+                <p14:modId xmlns:p14="http://schemas.microsoft.com/office/powerpoint/2010/main" val="318249179"/>
+              </p:ext>
+            </p:extLst>
+          </p:nvPr>
+        </p:nvGraphicFramePr>
+        <p:xfrm>
+          <a:off x="3365357" y="3268467"/>
+          <a:ext cx="2255520" cy="370840"/>
+        </p:xfrm>
+        <a:graphic>
+          <a:graphicData uri="http://schemas.openxmlformats.org/drawingml/2006/table">
+            <a:tbl>
+              <a:tblPr firstRow="1" bandRow="1">
+                <a:tableStyleId>{93296810-A885-4BE3-A3E7-6D5BEEA58F35}</a:tableStyleId>
+              </a:tblPr>
+              <a:tblGrid>
+                <a:gridCol w="751840">
+                  <a:extLst>
+                    <a:ext uri="{9D8B030D-6E8A-4147-A177-3AD203B41FA5}">
+                      <a16:colId xmlns:a16="http://schemas.microsoft.com/office/drawing/2014/main" val="2129763124"/>
+                    </a:ext>
+                  </a:extLst>
+                </a:gridCol>
+                <a:gridCol w="751840">
+                  <a:extLst>
+                    <a:ext uri="{9D8B030D-6E8A-4147-A177-3AD203B41FA5}">
+                      <a16:colId xmlns:a16="http://schemas.microsoft.com/office/drawing/2014/main" val="2778580628"/>
+                    </a:ext>
+                  </a:extLst>
+                </a:gridCol>
+                <a:gridCol w="751840">
+                  <a:extLst>
+                    <a:ext uri="{9D8B030D-6E8A-4147-A177-3AD203B41FA5}">
+                      <a16:colId xmlns:a16="http://schemas.microsoft.com/office/drawing/2014/main" val="1543150236"/>
+                    </a:ext>
+                  </a:extLst>
+                </a:gridCol>
+              </a:tblGrid>
+              <a:tr h="370840">
+                <a:tc>
+                  <a:txBody>
+                    <a:bodyPr/>
+                    <a:lstStyle/>
+                    <a:p>
+                      <a:pPr algn="ctr"/>
+                      <a:r>
+                        <a:rPr lang="en-TW" dirty="0"/>
+                        <a:t>D</a:t>
+                      </a:r>
+                      <a:r>
+                        <a:rPr lang="en-TW" baseline="-25000" dirty="0"/>
+                        <a:t>1</a:t>
+                      </a:r>
+                      <a:endParaRPr lang="en-TW" dirty="0"/>
+                    </a:p>
+                  </a:txBody>
+                  <a:tcPr>
+                    <a:solidFill>
+                      <a:schemeClr val="accent2"/>
+                    </a:solidFill>
+                  </a:tcPr>
+                </a:tc>
+                <a:tc>
+                  <a:txBody>
+                    <a:bodyPr/>
+                    <a:lstStyle/>
+                    <a:p>
+                      <a:pPr marL="0" marR="0" lvl="0" indent="0" algn="ctr" defTabSz="914400" rtl="0" eaLnBrk="1" fontAlgn="auto" latinLnBrk="0" hangingPunct="1">
+                        <a:lnSpc>
+                          <a:spcPct val="100000"/>
+                        </a:lnSpc>
+                        <a:spcBef>
+                          <a:spcPts val="0"/>
+                        </a:spcBef>
+                        <a:spcAft>
+                          <a:spcPts val="0"/>
+                        </a:spcAft>
+                        <a:buClrTx/>
+                        <a:buSzTx/>
+                        <a:buFontTx/>
+                        <a:buNone/>
+                        <a:tabLst/>
+                        <a:defRPr/>
+                      </a:pPr>
+                      <a:r>
+                        <a:rPr lang="en-TW" dirty="0"/>
+                        <a:t>D</a:t>
+                      </a:r>
+                      <a:r>
+                        <a:rPr lang="en-TW" baseline="-25000" dirty="0"/>
+                        <a:t>2</a:t>
+                      </a:r>
+                      <a:endParaRPr lang="en-TW" dirty="0"/>
+                    </a:p>
+                  </a:txBody>
+                  <a:tcPr/>
+                </a:tc>
+                <a:tc>
+                  <a:txBody>
+                    <a:bodyPr/>
+                    <a:lstStyle/>
+                    <a:p>
+                      <a:pPr marL="0" marR="0" lvl="0" indent="0" algn="ctr" defTabSz="914400" rtl="0" eaLnBrk="1" fontAlgn="auto" latinLnBrk="0" hangingPunct="1">
+                        <a:lnSpc>
+                          <a:spcPct val="100000"/>
+                        </a:lnSpc>
+                        <a:spcBef>
+                          <a:spcPts val="0"/>
+                        </a:spcBef>
+                        <a:spcAft>
+                          <a:spcPts val="0"/>
+                        </a:spcAft>
+                        <a:buClrTx/>
+                        <a:buSzTx/>
+                        <a:buFontTx/>
+                        <a:buNone/>
+                        <a:tabLst/>
+                        <a:defRPr/>
+                      </a:pPr>
+                      <a:r>
+                        <a:rPr lang="en-TW" dirty="0"/>
+                        <a:t>D</a:t>
+                      </a:r>
+                      <a:r>
+                        <a:rPr lang="en-TW" baseline="-25000" dirty="0"/>
+                        <a:t>3</a:t>
+                      </a:r>
+                      <a:endParaRPr lang="en-TW" dirty="0"/>
+                    </a:p>
+                  </a:txBody>
+                  <a:tcPr>
+                    <a:solidFill>
+                      <a:schemeClr val="accent6"/>
+                    </a:solidFill>
+                  </a:tcPr>
+                </a:tc>
+                <a:extLst>
+                  <a:ext uri="{0D108BD9-81ED-4DB2-BD59-A6C34878D82A}">
+                    <a16:rowId xmlns:a16="http://schemas.microsoft.com/office/drawing/2014/main" val="4262553069"/>
+                  </a:ext>
+                </a:extLst>
+              </a:tr>
+            </a:tbl>
+          </a:graphicData>
+        </a:graphic>
+      </p:graphicFrame>
+      <p:sp>
+        <p:nvSpPr>
+          <p:cNvPr id="9" name="Rectangle 8">
+            <a:extLst>
+              <a:ext uri="{FF2B5EF4-FFF2-40B4-BE49-F238E27FC236}">
+                <a16:creationId xmlns:a16="http://schemas.microsoft.com/office/drawing/2014/main" id="{A00F821B-4F3C-86A4-DE35-8A928C9FF382}"/>
+              </a:ext>
+            </a:extLst>
+          </p:cNvPr>
+          <p:cNvSpPr/>
+          <p:nvPr/>
+        </p:nvSpPr>
+        <p:spPr>
+          <a:xfrm>
+            <a:off x="3454257" y="1592067"/>
+            <a:ext cx="165100" cy="165100"/>
+          </a:xfrm>
+          <a:prstGeom prst="rect">
+            <a:avLst/>
+          </a:prstGeom>
+          <a:solidFill>
+            <a:schemeClr val="accent6"/>
+          </a:solidFill>
+          <a:ln>
+            <a:solidFill>
+              <a:schemeClr val="bg1"/>
+            </a:solidFill>
+          </a:ln>
+        </p:spPr>
+        <p:style>
+          <a:lnRef idx="2">
+            <a:schemeClr val="accent1">
+              <a:shade val="50000"/>
+            </a:schemeClr>
+          </a:lnRef>
+          <a:fillRef idx="1">
+            <a:schemeClr val="accent1"/>
+          </a:fillRef>
+          <a:effectRef idx="0">
+            <a:schemeClr val="accent1"/>
+          </a:effectRef>
+          <a:fontRef idx="minor">
+            <a:schemeClr val="lt1"/>
+          </a:fontRef>
+        </p:style>
+        <p:txBody>
+          <a:bodyPr rtlCol="0" anchor="ctr"/>
+          <a:lstStyle/>
+          <a:p>
+            <a:pPr algn="ctr"/>
+            <a:endParaRPr lang="en-TW"/>
+          </a:p>
+        </p:txBody>
+      </p:sp>
+      <p:sp>
+        <p:nvSpPr>
+          <p:cNvPr id="10" name="Rectangle 9">
+            <a:extLst>
+              <a:ext uri="{FF2B5EF4-FFF2-40B4-BE49-F238E27FC236}">
+                <a16:creationId xmlns:a16="http://schemas.microsoft.com/office/drawing/2014/main" id="{D6E9EE82-B2AC-DCF4-BC11-70932D185DA9}"/>
+              </a:ext>
+            </a:extLst>
+          </p:cNvPr>
+          <p:cNvSpPr/>
+          <p:nvPr/>
+        </p:nvSpPr>
+        <p:spPr>
+          <a:xfrm>
+            <a:off x="3454257" y="1807967"/>
+            <a:ext cx="165100" cy="165100"/>
+          </a:xfrm>
+          <a:prstGeom prst="rect">
+            <a:avLst/>
+          </a:prstGeom>
+          <a:solidFill>
+            <a:schemeClr val="accent2"/>
+          </a:solidFill>
+          <a:ln>
+            <a:solidFill>
+              <a:schemeClr val="bg1"/>
+            </a:solidFill>
+          </a:ln>
+        </p:spPr>
+        <p:style>
+          <a:lnRef idx="2">
+            <a:schemeClr val="accent1">
+              <a:shade val="50000"/>
+            </a:schemeClr>
+          </a:lnRef>
+          <a:fillRef idx="1">
+            <a:schemeClr val="accent1"/>
+          </a:fillRef>
+          <a:effectRef idx="0">
+            <a:schemeClr val="accent1"/>
+          </a:effectRef>
+          <a:fontRef idx="minor">
+            <a:schemeClr val="lt1"/>
+          </a:fontRef>
+        </p:style>
+        <p:txBody>
+          <a:bodyPr rtlCol="0" anchor="ctr"/>
+          <a:lstStyle/>
+          <a:p>
+            <a:pPr algn="ctr"/>
+            <a:endParaRPr lang="en-TW"/>
+          </a:p>
+        </p:txBody>
+      </p:sp>
+      <p:sp>
+        <p:nvSpPr>
+          <p:cNvPr id="11" name="Rectangle 10">
+            <a:extLst>
+              <a:ext uri="{FF2B5EF4-FFF2-40B4-BE49-F238E27FC236}">
+                <a16:creationId xmlns:a16="http://schemas.microsoft.com/office/drawing/2014/main" id="{8CF969DD-FD3F-1320-22E0-F481872E31B6}"/>
+              </a:ext>
+            </a:extLst>
+          </p:cNvPr>
+          <p:cNvSpPr/>
+          <p:nvPr/>
+        </p:nvSpPr>
+        <p:spPr>
+          <a:xfrm>
+            <a:off x="3619357" y="1489951"/>
+            <a:ext cx="1301062" cy="369332"/>
+          </a:xfrm>
+          <a:prstGeom prst="rect">
+            <a:avLst/>
+          </a:prstGeom>
+        </p:spPr>
+        <p:txBody>
+          <a:bodyPr wrap="none">
+            <a:spAutoFit/>
+          </a:bodyPr>
+          <a:lstStyle/>
+          <a:p>
+            <a:pPr algn="ctr"/>
+            <a:r>
+              <a:rPr lang="en-TW" b="1" dirty="0">
+                <a:solidFill>
+                  <a:schemeClr val="accent6"/>
+                </a:solidFill>
+              </a:rPr>
+              <a:t>Training Set</a:t>
+            </a:r>
+          </a:p>
+        </p:txBody>
+      </p:sp>
+      <p:sp>
+        <p:nvSpPr>
+          <p:cNvPr id="12" name="Rectangle 11">
+            <a:extLst>
+              <a:ext uri="{FF2B5EF4-FFF2-40B4-BE49-F238E27FC236}">
+                <a16:creationId xmlns:a16="http://schemas.microsoft.com/office/drawing/2014/main" id="{7A9E6DA4-A237-5547-8E36-8BE519FDCEC7}"/>
+              </a:ext>
+            </a:extLst>
+          </p:cNvPr>
+          <p:cNvSpPr/>
+          <p:nvPr/>
+        </p:nvSpPr>
+        <p:spPr>
+          <a:xfrm>
+            <a:off x="3619357" y="1719305"/>
+            <a:ext cx="1207317" cy="369332"/>
+          </a:xfrm>
+          <a:prstGeom prst="rect">
+            <a:avLst/>
+          </a:prstGeom>
+        </p:spPr>
+        <p:txBody>
+          <a:bodyPr wrap="none">
+            <a:spAutoFit/>
+          </a:bodyPr>
+          <a:lstStyle/>
+          <a:p>
+            <a:pPr algn="ctr"/>
+            <a:r>
+              <a:rPr lang="en-TW" b="1" dirty="0">
+                <a:solidFill>
+                  <a:schemeClr val="accent2"/>
+                </a:solidFill>
+              </a:rPr>
+              <a:t>Testing Set</a:t>
+            </a:r>
+          </a:p>
+        </p:txBody>
+      </p:sp>
+      <p:sp>
+        <p:nvSpPr>
+          <p:cNvPr id="13" name="Rectangle 12">
+            <a:extLst>
+              <a:ext uri="{FF2B5EF4-FFF2-40B4-BE49-F238E27FC236}">
+                <a16:creationId xmlns:a16="http://schemas.microsoft.com/office/drawing/2014/main" id="{F9D2964C-B48D-AC14-CDA1-24B43E589B26}"/>
+              </a:ext>
+            </a:extLst>
+          </p:cNvPr>
+          <p:cNvSpPr/>
+          <p:nvPr/>
+        </p:nvSpPr>
+        <p:spPr>
+          <a:xfrm>
+            <a:off x="2047645" y="1693667"/>
+            <a:ext cx="1009828" cy="369332"/>
+          </a:xfrm>
+          <a:prstGeom prst="rect">
+            <a:avLst/>
+          </a:prstGeom>
+        </p:spPr>
+        <p:txBody>
+          <a:bodyPr wrap="none">
+            <a:spAutoFit/>
+          </a:bodyPr>
+          <a:lstStyle/>
+          <a:p>
+            <a:pPr algn="ctr"/>
+            <a:r>
+              <a:rPr lang="en-TW" b="1" dirty="0">
+                <a:solidFill>
+                  <a:schemeClr val="tx1"/>
+                </a:solidFill>
+              </a:rPr>
+              <a:t>Iteration</a:t>
+            </a:r>
+          </a:p>
+        </p:txBody>
+      </p:sp>
+      <p:sp>
+        <p:nvSpPr>
+          <p:cNvPr id="14" name="Rectangle 13">
+            <a:extLst>
+              <a:ext uri="{FF2B5EF4-FFF2-40B4-BE49-F238E27FC236}">
+                <a16:creationId xmlns:a16="http://schemas.microsoft.com/office/drawing/2014/main" id="{AC99F0ED-F4C5-31D2-8085-F28B2BC83FC7}"/>
+              </a:ext>
+            </a:extLst>
+          </p:cNvPr>
+          <p:cNvSpPr/>
+          <p:nvPr/>
+        </p:nvSpPr>
+        <p:spPr>
+          <a:xfrm>
+            <a:off x="2330897" y="2177299"/>
+            <a:ext cx="465064" cy="369332"/>
+          </a:xfrm>
+          <a:prstGeom prst="rect">
+            <a:avLst/>
+          </a:prstGeom>
+        </p:spPr>
+        <p:txBody>
+          <a:bodyPr wrap="none">
+            <a:spAutoFit/>
+          </a:bodyPr>
+          <a:lstStyle/>
+          <a:p>
+            <a:r>
+              <a:rPr lang="en-TW" dirty="0"/>
+              <a:t>1 </a:t>
+            </a:r>
+            <a:r>
+              <a:rPr lang="en-TW" baseline="30000" dirty="0"/>
+              <a:t>st</a:t>
+            </a:r>
+            <a:endParaRPr lang="en-TW" dirty="0"/>
+          </a:p>
+        </p:txBody>
+      </p:sp>
+      <p:sp>
+        <p:nvSpPr>
+          <p:cNvPr id="15" name="Rectangle 14">
+            <a:extLst>
+              <a:ext uri="{FF2B5EF4-FFF2-40B4-BE49-F238E27FC236}">
+                <a16:creationId xmlns:a16="http://schemas.microsoft.com/office/drawing/2014/main" id="{9642A1F9-5E5C-C055-955C-81CDF330A739}"/>
+              </a:ext>
+            </a:extLst>
+          </p:cNvPr>
+          <p:cNvSpPr/>
+          <p:nvPr/>
+        </p:nvSpPr>
+        <p:spPr>
+          <a:xfrm>
+            <a:off x="2305987" y="2723121"/>
+            <a:ext cx="514885" cy="369332"/>
+          </a:xfrm>
+          <a:prstGeom prst="rect">
+            <a:avLst/>
+          </a:prstGeom>
+        </p:spPr>
+        <p:txBody>
+          <a:bodyPr wrap="none">
+            <a:spAutoFit/>
+          </a:bodyPr>
+          <a:lstStyle/>
+          <a:p>
+            <a:r>
+              <a:rPr lang="en-TW" dirty="0"/>
+              <a:t>2 </a:t>
+            </a:r>
+            <a:r>
+              <a:rPr lang="en-TW" baseline="30000" dirty="0"/>
+              <a:t>nd</a:t>
+            </a:r>
+            <a:endParaRPr lang="en-TW" dirty="0"/>
+          </a:p>
+        </p:txBody>
+      </p:sp>
+      <p:sp>
+        <p:nvSpPr>
+          <p:cNvPr id="16" name="Rectangle 15">
+            <a:extLst>
+              <a:ext uri="{FF2B5EF4-FFF2-40B4-BE49-F238E27FC236}">
+                <a16:creationId xmlns:a16="http://schemas.microsoft.com/office/drawing/2014/main" id="{EF891E9E-6793-957B-6369-94B0793820B4}"/>
+              </a:ext>
+            </a:extLst>
+          </p:cNvPr>
+          <p:cNvSpPr/>
+          <p:nvPr/>
+        </p:nvSpPr>
+        <p:spPr>
+          <a:xfrm>
+            <a:off x="2306499" y="3268467"/>
+            <a:ext cx="485518" cy="369332"/>
+          </a:xfrm>
+          <a:prstGeom prst="rect">
+            <a:avLst/>
+          </a:prstGeom>
+        </p:spPr>
+        <p:txBody>
+          <a:bodyPr wrap="none">
+            <a:spAutoFit/>
+          </a:bodyPr>
+          <a:lstStyle/>
+          <a:p>
+            <a:r>
+              <a:rPr lang="en-TW" dirty="0"/>
+              <a:t>3 </a:t>
+            </a:r>
+            <a:r>
+              <a:rPr lang="en-TW" baseline="30000" dirty="0"/>
+              <a:t>rd</a:t>
+            </a:r>
+            <a:endParaRPr lang="en-TW" dirty="0"/>
+          </a:p>
+        </p:txBody>
+      </p:sp>
+      <p:cxnSp>
+        <p:nvCxnSpPr>
+          <p:cNvPr id="19" name="Straight Arrow Connector 18">
+            <a:extLst>
+              <a:ext uri="{FF2B5EF4-FFF2-40B4-BE49-F238E27FC236}">
+                <a16:creationId xmlns:a16="http://schemas.microsoft.com/office/drawing/2014/main" id="{5A52073F-1E5C-1139-4A75-DC44574E0B35}"/>
+              </a:ext>
+            </a:extLst>
+          </p:cNvPr>
+          <p:cNvCxnSpPr/>
+          <p:nvPr/>
+        </p:nvCxnSpPr>
+        <p:spPr>
+          <a:xfrm>
+            <a:off x="5619280" y="2389627"/>
+            <a:ext cx="273054" cy="0"/>
+          </a:xfrm>
+          <a:prstGeom prst="straightConnector1">
+            <a:avLst/>
+          </a:prstGeom>
+          <a:ln>
+            <a:solidFill>
+              <a:srgbClr val="FF2F92"/>
+            </a:solidFill>
+            <a:tailEnd type="triangle"/>
+          </a:ln>
+        </p:spPr>
+        <p:style>
+          <a:lnRef idx="1">
+            <a:schemeClr val="dk1"/>
+          </a:lnRef>
+          <a:fillRef idx="0">
+            <a:schemeClr val="dk1"/>
+          </a:fillRef>
+          <a:effectRef idx="0">
+            <a:schemeClr val="dk1"/>
+          </a:effectRef>
+          <a:fontRef idx="minor">
+            <a:schemeClr val="tx1"/>
+          </a:fontRef>
+        </p:style>
+      </p:cxnSp>
+      <p:cxnSp>
+        <p:nvCxnSpPr>
+          <p:cNvPr id="20" name="Straight Arrow Connector 19">
+            <a:extLst>
+              <a:ext uri="{FF2B5EF4-FFF2-40B4-BE49-F238E27FC236}">
+                <a16:creationId xmlns:a16="http://schemas.microsoft.com/office/drawing/2014/main" id="{AD3A2444-1963-E975-A897-24C20EB821AB}"/>
+              </a:ext>
+            </a:extLst>
+          </p:cNvPr>
+          <p:cNvCxnSpPr/>
+          <p:nvPr/>
+        </p:nvCxnSpPr>
+        <p:spPr>
+          <a:xfrm>
+            <a:off x="5632126" y="2922273"/>
+            <a:ext cx="273054" cy="0"/>
+          </a:xfrm>
+          <a:prstGeom prst="straightConnector1">
+            <a:avLst/>
+          </a:prstGeom>
+          <a:ln>
+            <a:solidFill>
+              <a:srgbClr val="FF2F92"/>
+            </a:solidFill>
+            <a:tailEnd type="triangle"/>
+          </a:ln>
+        </p:spPr>
+        <p:style>
+          <a:lnRef idx="1">
+            <a:schemeClr val="dk1"/>
+          </a:lnRef>
+          <a:fillRef idx="0">
+            <a:schemeClr val="dk1"/>
+          </a:fillRef>
+          <a:effectRef idx="0">
+            <a:schemeClr val="dk1"/>
+          </a:effectRef>
+          <a:fontRef idx="minor">
+            <a:schemeClr val="tx1"/>
+          </a:fontRef>
+        </p:style>
+      </p:cxnSp>
+      <p:cxnSp>
+        <p:nvCxnSpPr>
+          <p:cNvPr id="21" name="Straight Arrow Connector 20">
+            <a:extLst>
+              <a:ext uri="{FF2B5EF4-FFF2-40B4-BE49-F238E27FC236}">
+                <a16:creationId xmlns:a16="http://schemas.microsoft.com/office/drawing/2014/main" id="{3E722D19-CD76-1389-108E-87B176D82ACF}"/>
+              </a:ext>
+            </a:extLst>
+          </p:cNvPr>
+          <p:cNvCxnSpPr/>
+          <p:nvPr/>
+        </p:nvCxnSpPr>
+        <p:spPr>
+          <a:xfrm>
+            <a:off x="5632126" y="3458213"/>
+            <a:ext cx="273054" cy="0"/>
+          </a:xfrm>
+          <a:prstGeom prst="straightConnector1">
+            <a:avLst/>
+          </a:prstGeom>
+          <a:ln>
+            <a:solidFill>
+              <a:srgbClr val="FF2F92"/>
+            </a:solidFill>
+            <a:tailEnd type="triangle"/>
+          </a:ln>
+        </p:spPr>
+        <p:style>
+          <a:lnRef idx="1">
+            <a:schemeClr val="dk1"/>
+          </a:lnRef>
+          <a:fillRef idx="0">
+            <a:schemeClr val="dk1"/>
+          </a:fillRef>
+          <a:effectRef idx="0">
+            <a:schemeClr val="dk1"/>
+          </a:effectRef>
+          <a:fontRef idx="minor">
+            <a:schemeClr val="tx1"/>
+          </a:fontRef>
+        </p:style>
+      </p:cxnSp>
+      <p:sp>
+        <p:nvSpPr>
+          <p:cNvPr id="22" name="Rectangle 21">
+            <a:extLst>
+              <a:ext uri="{FF2B5EF4-FFF2-40B4-BE49-F238E27FC236}">
+                <a16:creationId xmlns:a16="http://schemas.microsoft.com/office/drawing/2014/main" id="{7F88D17C-A308-3339-4ED2-0F4B50BAE834}"/>
+              </a:ext>
+            </a:extLst>
+          </p:cNvPr>
+          <p:cNvSpPr/>
+          <p:nvPr/>
+        </p:nvSpPr>
+        <p:spPr>
+          <a:xfrm>
+            <a:off x="5999268" y="2737607"/>
+            <a:ext cx="617477" cy="369332"/>
+          </a:xfrm>
+          <a:prstGeom prst="rect">
+            <a:avLst/>
+          </a:prstGeom>
+        </p:spPr>
+        <p:txBody>
+          <a:bodyPr wrap="none">
+            <a:spAutoFit/>
+          </a:bodyPr>
+          <a:lstStyle/>
+          <a:p>
+            <a:r>
+              <a:rPr lang="en-TW" dirty="0"/>
+              <a:t>loss</a:t>
+            </a:r>
+            <a:r>
+              <a:rPr lang="en-TW" baseline="-25000" dirty="0"/>
+              <a:t>2</a:t>
+            </a:r>
+            <a:endParaRPr lang="en-TW" dirty="0"/>
+          </a:p>
+        </p:txBody>
+      </p:sp>
+      <p:sp>
+        <p:nvSpPr>
+          <p:cNvPr id="23" name="Rectangle 22">
+            <a:extLst>
+              <a:ext uri="{FF2B5EF4-FFF2-40B4-BE49-F238E27FC236}">
+                <a16:creationId xmlns:a16="http://schemas.microsoft.com/office/drawing/2014/main" id="{D0859979-92B2-5117-676F-0A39CA0B041B}"/>
+              </a:ext>
+            </a:extLst>
+          </p:cNvPr>
+          <p:cNvSpPr/>
+          <p:nvPr/>
+        </p:nvSpPr>
+        <p:spPr>
+          <a:xfrm>
+            <a:off x="5999268" y="3273547"/>
+            <a:ext cx="617477" cy="369332"/>
+          </a:xfrm>
+          <a:prstGeom prst="rect">
+            <a:avLst/>
+          </a:prstGeom>
+        </p:spPr>
+        <p:txBody>
+          <a:bodyPr wrap="none">
+            <a:spAutoFit/>
+          </a:bodyPr>
+          <a:lstStyle/>
+          <a:p>
+            <a:r>
+              <a:rPr lang="en-TW" dirty="0"/>
+              <a:t>loss</a:t>
+            </a:r>
+            <a:r>
+              <a:rPr lang="en-TW" baseline="-25000" dirty="0"/>
+              <a:t>3</a:t>
+            </a:r>
+            <a:endParaRPr lang="en-TW" dirty="0"/>
+          </a:p>
+        </p:txBody>
+      </p:sp>
+      <p:sp>
+        <p:nvSpPr>
+          <p:cNvPr id="24" name="Rectangle 23">
+            <a:extLst>
+              <a:ext uri="{FF2B5EF4-FFF2-40B4-BE49-F238E27FC236}">
+                <a16:creationId xmlns:a16="http://schemas.microsoft.com/office/drawing/2014/main" id="{3F9613B2-FEC2-DD5C-1FA0-154B432DB3BC}"/>
+              </a:ext>
+            </a:extLst>
+          </p:cNvPr>
+          <p:cNvSpPr/>
+          <p:nvPr/>
+        </p:nvSpPr>
+        <p:spPr>
+          <a:xfrm>
+            <a:off x="5999268" y="2176267"/>
+            <a:ext cx="617477" cy="369332"/>
+          </a:xfrm>
+          <a:prstGeom prst="rect">
+            <a:avLst/>
+          </a:prstGeom>
+        </p:spPr>
+        <p:txBody>
+          <a:bodyPr wrap="none">
+            <a:spAutoFit/>
+          </a:bodyPr>
+          <a:lstStyle/>
+          <a:p>
+            <a:r>
+              <a:rPr lang="en-US" dirty="0"/>
+              <a:t>l</a:t>
+            </a:r>
+            <a:r>
+              <a:rPr lang="en-TW" dirty="0"/>
+              <a:t>oss</a:t>
+            </a:r>
+            <a:r>
+              <a:rPr lang="en-TW" baseline="-25000" dirty="0"/>
+              <a:t>1</a:t>
+            </a:r>
+            <a:endParaRPr lang="en-TW" dirty="0"/>
+          </a:p>
+        </p:txBody>
+      </p:sp>
+      <mc:AlternateContent xmlns:mc="http://schemas.openxmlformats.org/markup-compatibility/2006">
+        <mc:Choice xmlns:a14="http://schemas.microsoft.com/office/drawing/2010/main" Requires="a14">
+          <p:sp>
+            <p:nvSpPr>
+              <p:cNvPr id="29" name="Rectangle 28">
+                <a:extLst>
+                  <a:ext uri="{FF2B5EF4-FFF2-40B4-BE49-F238E27FC236}">
+                    <a16:creationId xmlns:a16="http://schemas.microsoft.com/office/drawing/2014/main" id="{296806A1-B94E-1981-209B-BA52F7B6E5B2}"/>
+                  </a:ext>
+                </a:extLst>
+              </p:cNvPr>
+              <p:cNvSpPr/>
+              <p:nvPr/>
+            </p:nvSpPr>
+            <p:spPr>
+              <a:xfrm>
+                <a:off x="6984175" y="2501505"/>
+                <a:ext cx="1995867" cy="875048"/>
+              </a:xfrm>
+              <a:prstGeom prst="rect">
+                <a:avLst/>
+              </a:prstGeom>
+            </p:spPr>
+            <p:txBody>
+              <a:bodyPr wrap="none">
+                <a:spAutoFit/>
+              </a:bodyPr>
+              <a:lstStyle/>
+              <a:p>
+                <a:pPr/>
+                <a14:m>
+                  <m:oMathPara xmlns:m="http://schemas.openxmlformats.org/officeDocument/2006/math">
+                    <m:oMathParaPr>
+                      <m:jc m:val="centerGroup"/>
+                    </m:oMathParaPr>
+                    <m:oMath xmlns:m="http://schemas.openxmlformats.org/officeDocument/2006/math">
+                      <m:r>
+                        <a:rPr lang="en-US" b="0" i="1" smtClean="0">
+                          <a:latin typeface="Cambria Math" panose="02040503050406030204" pitchFamily="18" charset="0"/>
+                        </a:rPr>
+                        <m:t>𝑙𝑜𝑠𝑠</m:t>
+                      </m:r>
+                      <m:r>
+                        <a:rPr lang="en-US" b="0" i="0" smtClean="0">
+                          <a:latin typeface="Cambria Math" panose="02040503050406030204" pitchFamily="18" charset="0"/>
+                        </a:rPr>
+                        <m:t>= </m:t>
+                      </m:r>
+                      <m:f>
+                        <m:fPr>
+                          <m:ctrlPr>
+                            <a:rPr lang="en-US" b="0" i="1" smtClean="0">
+                              <a:latin typeface="Cambria Math" panose="02040503050406030204" pitchFamily="18" charset="0"/>
+                            </a:rPr>
+                          </m:ctrlPr>
+                        </m:fPr>
+                        <m:num>
+                          <m:r>
+                            <a:rPr lang="en-US" b="0" i="1" smtClean="0">
+                              <a:latin typeface="Cambria Math" panose="02040503050406030204" pitchFamily="18" charset="0"/>
+                            </a:rPr>
+                            <m:t>1</m:t>
+                          </m:r>
+                        </m:num>
+                        <m:den>
+                          <m:r>
+                            <a:rPr lang="en-US" b="0" i="1" smtClean="0">
+                              <a:latin typeface="Cambria Math" panose="02040503050406030204" pitchFamily="18" charset="0"/>
+                            </a:rPr>
+                            <m:t>3</m:t>
+                          </m:r>
+                        </m:den>
+                      </m:f>
+                      <m:nary>
+                        <m:naryPr>
+                          <m:chr m:val="∑"/>
+                          <m:ctrlPr>
+                            <a:rPr lang="en-US" b="0" i="1" smtClean="0">
+                              <a:latin typeface="Cambria Math" panose="02040503050406030204" pitchFamily="18" charset="0"/>
+                            </a:rPr>
+                          </m:ctrlPr>
+                        </m:naryPr>
+                        <m:sub>
+                          <m:r>
+                            <m:rPr>
+                              <m:brk m:alnAt="23"/>
+                            </m:rPr>
+                            <a:rPr lang="en-US" b="0" i="1" smtClean="0">
+                              <a:latin typeface="Cambria Math" panose="02040503050406030204" pitchFamily="18" charset="0"/>
+                            </a:rPr>
+                            <m:t>𝑖</m:t>
+                          </m:r>
+                          <m:r>
+                            <a:rPr lang="en-US" b="0" i="1" smtClean="0">
+                              <a:latin typeface="Cambria Math" panose="02040503050406030204" pitchFamily="18" charset="0"/>
+                            </a:rPr>
+                            <m:t>=1</m:t>
+                          </m:r>
+                        </m:sub>
+                        <m:sup>
+                          <m:r>
+                            <a:rPr lang="en-US" b="0" i="1" smtClean="0">
+                              <a:latin typeface="Cambria Math" panose="02040503050406030204" pitchFamily="18" charset="0"/>
+                            </a:rPr>
+                            <m:t>3</m:t>
+                          </m:r>
+                        </m:sup>
+                        <m:e>
+                          <m:sSub>
+                            <m:sSubPr>
+                              <m:ctrlPr>
+                                <a:rPr lang="en-US" b="0" i="1" smtClean="0">
+                                  <a:latin typeface="Cambria Math" panose="02040503050406030204" pitchFamily="18" charset="0"/>
+                                </a:rPr>
+                              </m:ctrlPr>
+                            </m:sSubPr>
+                            <m:e>
+                              <m:r>
+                                <a:rPr lang="en-US" b="0" i="1" smtClean="0">
+                                  <a:latin typeface="Cambria Math" panose="02040503050406030204" pitchFamily="18" charset="0"/>
+                                </a:rPr>
+                                <m:t>𝑙𝑜𝑠𝑠</m:t>
+                              </m:r>
+                            </m:e>
+                            <m:sub>
+                              <m:r>
+                                <a:rPr lang="en-US" b="0" i="1" smtClean="0">
+                                  <a:latin typeface="Cambria Math" panose="02040503050406030204" pitchFamily="18" charset="0"/>
+                                </a:rPr>
+                                <m:t>𝑖</m:t>
+                              </m:r>
+                            </m:sub>
+                          </m:sSub>
+                        </m:e>
+                      </m:nary>
+                    </m:oMath>
+                  </m:oMathPara>
+                </a14:m>
+                <a:endParaRPr lang="en-TW" dirty="0"/>
+              </a:p>
+            </p:txBody>
+          </p:sp>
+        </mc:Choice>
+        <mc:Fallback>
+          <p:sp>
+            <p:nvSpPr>
+              <p:cNvPr id="29" name="Rectangle 28">
+                <a:extLst>
+                  <a:ext uri="{FF2B5EF4-FFF2-40B4-BE49-F238E27FC236}">
+                    <a16:creationId xmlns:a16="http://schemas.microsoft.com/office/drawing/2014/main" id="{296806A1-B94E-1981-209B-BA52F7B6E5B2}"/>
+                  </a:ext>
+                </a:extLst>
+              </p:cNvPr>
+              <p:cNvSpPr>
+                <a:spLocks noRot="1" noChangeAspect="1" noMove="1" noResize="1" noEditPoints="1" noAdjustHandles="1" noChangeArrowheads="1" noChangeShapeType="1" noTextEdit="1"/>
+              </p:cNvSpPr>
+              <p:nvPr/>
+            </p:nvSpPr>
+            <p:spPr>
+              <a:xfrm>
+                <a:off x="6984175" y="2501505"/>
+                <a:ext cx="1995867" cy="875048"/>
+              </a:xfrm>
+              <a:prstGeom prst="rect">
+                <a:avLst/>
+              </a:prstGeom>
+              <a:blipFill>
+                <a:blip r:embed="rId2"/>
+                <a:stretch>
+                  <a:fillRect t="-92857" b="-148571"/>
+                </a:stretch>
+              </a:blipFill>
+            </p:spPr>
+            <p:txBody>
+              <a:bodyPr/>
+              <a:lstStyle/>
+              <a:p>
+                <a:r>
+                  <a:rPr lang="en-TW">
+                    <a:noFill/>
+                  </a:rPr>
+                  <a:t> </a:t>
+                </a:r>
+              </a:p>
+            </p:txBody>
+          </p:sp>
+        </mc:Fallback>
+      </mc:AlternateContent>
+      <p:sp>
+        <p:nvSpPr>
+          <p:cNvPr id="30" name="Right Brace 29">
+            <a:extLst>
+              <a:ext uri="{FF2B5EF4-FFF2-40B4-BE49-F238E27FC236}">
+                <a16:creationId xmlns:a16="http://schemas.microsoft.com/office/drawing/2014/main" id="{24F6D93F-AA32-2E69-AFBF-B768F396A4F0}"/>
+              </a:ext>
+            </a:extLst>
+          </p:cNvPr>
+          <p:cNvSpPr/>
+          <p:nvPr/>
+        </p:nvSpPr>
+        <p:spPr>
+          <a:xfrm>
+            <a:off x="6709789" y="2440427"/>
+            <a:ext cx="181342" cy="1017786"/>
+          </a:xfrm>
+          <a:prstGeom prst="rightBrace">
+            <a:avLst/>
+          </a:prstGeom>
+          <a:ln>
+            <a:solidFill>
+              <a:srgbClr val="FF2F92"/>
+            </a:solidFill>
+          </a:ln>
+        </p:spPr>
+        <p:style>
+          <a:lnRef idx="1">
+            <a:schemeClr val="accent1"/>
+          </a:lnRef>
+          <a:fillRef idx="0">
+            <a:schemeClr val="accent1"/>
+          </a:fillRef>
+          <a:effectRef idx="0">
+            <a:schemeClr val="accent1"/>
+          </a:effectRef>
+          <a:fontRef idx="minor">
+            <a:schemeClr val="tx1"/>
+          </a:fontRef>
+        </p:style>
+        <p:txBody>
+          <a:bodyPr rtlCol="0" anchor="ctr"/>
+          <a:lstStyle/>
+          <a:p>
+            <a:pPr algn="ctr"/>
+            <a:endParaRPr lang="en-TW"/>
+          </a:p>
+        </p:txBody>
+      </p:sp>
+    </p:spTree>
+    <p:extLst>
+      <p:ext uri="{BB962C8B-B14F-4D97-AF65-F5344CB8AC3E}">
+        <p14:creationId xmlns:p14="http://schemas.microsoft.com/office/powerpoint/2010/main" val="460894229"/>
+      </p:ext>
+    </p:extLst>
+  </p:cSld>
+  <p:clrMapOvr>
+    <a:masterClrMapping/>
+  </p:clrMapOvr>
+</p:sld>
+</file>
+
+<file path=ppt/slides/slide16.xml><?xml version="1.0" encoding="utf-8"?>
+<p:sld xmlns:a="http://schemas.openxmlformats.org/drawingml/2006/main" xmlns:r="http://schemas.openxmlformats.org/officeDocument/2006/relationships" xmlns:p="http://schemas.openxmlformats.org/presentationml/2006/main">
+  <p:cSld>
+    <p:spTree>
+      <p:nvGrpSpPr>
+        <p:cNvPr id="1" name=""/>
+        <p:cNvGrpSpPr/>
+        <p:nvPr/>
+      </p:nvGrpSpPr>
+      <p:grpSpPr>
+        <a:xfrm>
+          <a:off x="0" y="0"/>
+          <a:ext cx="0" cy="0"/>
+          <a:chOff x="0" y="0"/>
+          <a:chExt cx="0" cy="0"/>
+        </a:xfrm>
+      </p:grpSpPr>
+      <p:sp>
+        <p:nvSpPr>
+          <p:cNvPr id="2" name="Title 1">
+            <a:extLst>
+              <a:ext uri="{FF2B5EF4-FFF2-40B4-BE49-F238E27FC236}">
                 <a16:creationId xmlns:a16="http://schemas.microsoft.com/office/drawing/2014/main" id="{D3857A16-6DFD-4F47-9BC1-8D3CAF0ECD93}"/>
               </a:ext>
             </a:extLst>
@@ -6396,7 +8855,7 @@
 </p:sld>
 </file>
 
-<file path=ppt/slides/slide14.xml><?xml version="1.0" encoding="utf-8"?>
+<file path=ppt/slides/slide17.xml><?xml version="1.0" encoding="utf-8"?>
 <p:sld xmlns:a="http://schemas.openxmlformats.org/drawingml/2006/main" xmlns:r="http://schemas.openxmlformats.org/officeDocument/2006/relationships" xmlns:p="http://schemas.openxmlformats.org/presentationml/2006/main">
   <p:cSld>
     <p:spTree>
